--- a/docs/diagrams/HighLevelSequenceDiagrams.pptx
+++ b/docs/diagrams/HighLevelSequenceDiagrams.pptx
@@ -107,6 +107,22 @@
       </a:defRPr>
     </a:lvl9pPr>
   </p:defaultTextStyle>
+  <p:extLst>
+    <p:ext uri="{EFAFB233-063F-42B5-8137-9DF3F51BA10A}">
+      <p15:sldGuideLst xmlns:p15="http://schemas.microsoft.com/office/powerpoint/2012/main">
+        <p15:guide id="1" orient="horz" pos="1488">
+          <p15:clr>
+            <a:srgbClr val="A4A3A4"/>
+          </p15:clr>
+        </p15:guide>
+        <p15:guide id="2" pos="2880">
+          <p15:clr>
+            <a:srgbClr val="A4A3A4"/>
+          </p15:clr>
+        </p15:guide>
+      </p15:sldGuideLst>
+    </p:ext>
+  </p:extLst>
 </p:presentation>
 </file>
 
@@ -192,7 +208,7 @@
           <a:p>
             <a:fld id="{F5CC4B3F-88C1-4FFA-B1B6-F41C21DC6924}" type="datetimeFigureOut">
               <a:rPr lang="en-US" smtClean="0"/>
-              <a:t>10/16/2016</a:t>
+              <a:t>9/28/2018</a:t>
             </a:fld>
             <a:endParaRPr lang="en-US"/>
           </a:p>
@@ -641,7 +657,7 @@
           <a:p>
             <a:fld id="{78C97017-6FC3-485B-9764-EAC9E56C1D49}" type="datetimeFigureOut">
               <a:rPr lang="en-US" smtClean="0"/>
-              <a:t>10/16/2016</a:t>
+              <a:t>9/28/2018</a:t>
             </a:fld>
             <a:endParaRPr lang="en-US"/>
           </a:p>
@@ -811,7 +827,7 @@
           <a:p>
             <a:fld id="{78C97017-6FC3-485B-9764-EAC9E56C1D49}" type="datetimeFigureOut">
               <a:rPr lang="en-US" smtClean="0"/>
-              <a:t>10/16/2016</a:t>
+              <a:t>9/28/2018</a:t>
             </a:fld>
             <a:endParaRPr lang="en-US"/>
           </a:p>
@@ -991,7 +1007,7 @@
           <a:p>
             <a:fld id="{78C97017-6FC3-485B-9764-EAC9E56C1D49}" type="datetimeFigureOut">
               <a:rPr lang="en-US" smtClean="0"/>
-              <a:t>10/16/2016</a:t>
+              <a:t>9/28/2018</a:t>
             </a:fld>
             <a:endParaRPr lang="en-US"/>
           </a:p>
@@ -1161,7 +1177,7 @@
           <a:p>
             <a:fld id="{78C97017-6FC3-485B-9764-EAC9E56C1D49}" type="datetimeFigureOut">
               <a:rPr lang="en-US" smtClean="0"/>
-              <a:t>10/16/2016</a:t>
+              <a:t>9/28/2018</a:t>
             </a:fld>
             <a:endParaRPr lang="en-US"/>
           </a:p>
@@ -1407,7 +1423,7 @@
           <a:p>
             <a:fld id="{78C97017-6FC3-485B-9764-EAC9E56C1D49}" type="datetimeFigureOut">
               <a:rPr lang="en-US" smtClean="0"/>
-              <a:t>10/16/2016</a:t>
+              <a:t>9/28/2018</a:t>
             </a:fld>
             <a:endParaRPr lang="en-US"/>
           </a:p>
@@ -1695,7 +1711,7 @@
           <a:p>
             <a:fld id="{78C97017-6FC3-485B-9764-EAC9E56C1D49}" type="datetimeFigureOut">
               <a:rPr lang="en-US" smtClean="0"/>
-              <a:t>10/16/2016</a:t>
+              <a:t>9/28/2018</a:t>
             </a:fld>
             <a:endParaRPr lang="en-US"/>
           </a:p>
@@ -2117,7 +2133,7 @@
           <a:p>
             <a:fld id="{78C97017-6FC3-485B-9764-EAC9E56C1D49}" type="datetimeFigureOut">
               <a:rPr lang="en-US" smtClean="0"/>
-              <a:t>10/16/2016</a:t>
+              <a:t>9/28/2018</a:t>
             </a:fld>
             <a:endParaRPr lang="en-US"/>
           </a:p>
@@ -2235,7 +2251,7 @@
           <a:p>
             <a:fld id="{78C97017-6FC3-485B-9764-EAC9E56C1D49}" type="datetimeFigureOut">
               <a:rPr lang="en-US" smtClean="0"/>
-              <a:t>10/16/2016</a:t>
+              <a:t>9/28/2018</a:t>
             </a:fld>
             <a:endParaRPr lang="en-US"/>
           </a:p>
@@ -2330,7 +2346,7 @@
           <a:p>
             <a:fld id="{78C97017-6FC3-485B-9764-EAC9E56C1D49}" type="datetimeFigureOut">
               <a:rPr lang="en-US" smtClean="0"/>
-              <a:t>10/16/2016</a:t>
+              <a:t>9/28/2018</a:t>
             </a:fld>
             <a:endParaRPr lang="en-US"/>
           </a:p>
@@ -2607,7 +2623,7 @@
           <a:p>
             <a:fld id="{78C97017-6FC3-485B-9764-EAC9E56C1D49}" type="datetimeFigureOut">
               <a:rPr lang="en-US" smtClean="0"/>
-              <a:t>10/16/2016</a:t>
+              <a:t>9/28/2018</a:t>
             </a:fld>
             <a:endParaRPr lang="en-US"/>
           </a:p>
@@ -2860,7 +2876,7 @@
           <a:p>
             <a:fld id="{78C97017-6FC3-485B-9764-EAC9E56C1D49}" type="datetimeFigureOut">
               <a:rPr lang="en-US" smtClean="0"/>
-              <a:t>10/16/2016</a:t>
+              <a:t>9/28/2018</a:t>
             </a:fld>
             <a:endParaRPr lang="en-US"/>
           </a:p>
@@ -3073,7 +3089,7 @@
           <a:p>
             <a:fld id="{78C97017-6FC3-485B-9764-EAC9E56C1D49}" type="datetimeFigureOut">
               <a:rPr lang="en-US" smtClean="0"/>
-              <a:t>10/16/2016</a:t>
+              <a:t>9/28/2018</a:t>
             </a:fld>
             <a:endParaRPr lang="en-US"/>
           </a:p>
@@ -4151,7 +4167,7 @@
         <p:spPr>
           <a:xfrm>
             <a:off x="466818" y="1345880"/>
-            <a:ext cx="860170" cy="215444"/>
+            <a:ext cx="860170" cy="646331"/>
           </a:xfrm>
           <a:prstGeom prst="rect">
             <a:avLst/>
@@ -4166,7 +4182,19 @@
           <a:p>
             <a:r>
               <a:rPr lang="en-US" sz="1400" dirty="0" smtClean="0"/>
-              <a:t>delete 1</a:t>
+              <a:t>delete </a:t>
+            </a:r>
+            <a:r>
+              <a:rPr lang="en-US" sz="1400" dirty="0" smtClean="0"/>
+              <a:t>m/CS2113 </a:t>
+            </a:r>
+            <a:r>
+              <a:rPr lang="en-US" sz="1400" dirty="0" err="1" smtClean="0"/>
+              <a:t>i</a:t>
+            </a:r>
+            <a:r>
+              <a:rPr lang="en-US" sz="1400" dirty="0" smtClean="0"/>
+              <a:t>/1</a:t>
             </a:r>
             <a:endParaRPr lang="en-US" sz="1400" dirty="0"/>
           </a:p>
@@ -4217,7 +4245,7 @@
         <p:spPr>
           <a:xfrm>
             <a:off x="2166172" y="1453379"/>
-            <a:ext cx="1424846" cy="215444"/>
+            <a:ext cx="1424846" cy="430887"/>
           </a:xfrm>
           <a:prstGeom prst="rect">
             <a:avLst/>
@@ -4236,7 +4264,31 @@
                   <a:srgbClr val="0070C0"/>
                 </a:solidFill>
               </a:rPr>
-              <a:t>execute(“delete 1”)</a:t>
+              <a:t>execute(“delete </a:t>
+            </a:r>
+            <a:r>
+              <a:rPr lang="en-US" sz="1400" dirty="0" smtClean="0">
+                <a:solidFill>
+                  <a:srgbClr val="0070C0"/>
+                </a:solidFill>
+              </a:rPr>
+              <a:t>m/CS2113 </a:t>
+            </a:r>
+            <a:r>
+              <a:rPr lang="en-US" sz="1400" dirty="0" err="1" smtClean="0">
+                <a:solidFill>
+                  <a:srgbClr val="0070C0"/>
+                </a:solidFill>
+              </a:rPr>
+              <a:t>i</a:t>
+            </a:r>
+            <a:r>
+              <a:rPr lang="en-US" sz="1400" dirty="0" smtClean="0">
+                <a:solidFill>
+                  <a:srgbClr val="0070C0"/>
+                </a:solidFill>
+              </a:rPr>
+              <a:t>/1”)</a:t>
             </a:r>
             <a:endParaRPr lang="en-US" sz="1400" dirty="0">
               <a:solidFill>
@@ -4310,7 +4362,7 @@
                   <a:srgbClr val="7030A0"/>
                 </a:solidFill>
               </a:rPr>
-              <a:t>deletePerson</a:t>
+              <a:t>deleteThread</a:t>
             </a:r>
             <a:r>
               <a:rPr lang="en-US" sz="1400" dirty="0" smtClean="0">
@@ -4318,7 +4370,23 @@
                   <a:srgbClr val="7030A0"/>
                 </a:solidFill>
               </a:rPr>
-              <a:t>(p)</a:t>
+              <a:t>(m, </a:t>
+            </a:r>
+            <a:r>
+              <a:rPr lang="en-US" sz="1400" dirty="0" err="1" smtClean="0">
+                <a:solidFill>
+                  <a:srgbClr val="7030A0"/>
+                </a:solidFill>
+              </a:rPr>
+              <a:t>i</a:t>
+            </a:r>
+            <a:r>
+              <a:rPr lang="en-US" sz="1400" dirty="0" smtClean="0">
+                <a:solidFill>
+                  <a:srgbClr val="7030A0"/>
+                </a:solidFill>
+              </a:rPr>
+              <a:t>)</a:t>
             </a:r>
             <a:endParaRPr lang="en-US" sz="1400" dirty="0">
               <a:solidFill>
@@ -4368,7 +4436,7 @@
                   </a:schemeClr>
                 </a:solidFill>
               </a:rPr>
-              <a:t>AddressBookChangedEvent</a:t>
+              <a:t>ForumBookChangedEvent</a:t>
             </a:r>
             <a:r>
               <a:rPr lang="en-US" sz="1400" dirty="0" smtClean="0">
@@ -4942,7 +5010,7 @@
                   </a:schemeClr>
                 </a:solidFill>
               </a:rPr>
-              <a:t>AddressBookChangedEvent</a:t>
+              <a:t>ForumBookChangedEvent</a:t>
             </a:r>
             <a:r>
               <a:rPr lang="en-US" sz="1400" dirty="0" smtClean="0">
@@ -5314,7 +5382,7 @@
                   </a:schemeClr>
                 </a:solidFill>
               </a:rPr>
-              <a:t>handleAddresssBookChangedEvent</a:t>
+              <a:t>handleForumBookChangedEvent</a:t>
             </a:r>
             <a:r>
               <a:rPr lang="en-US" sz="1400" dirty="0" smtClean="0">
@@ -5625,7 +5693,7 @@
                   <a:srgbClr val="00B050"/>
                 </a:solidFill>
               </a:rPr>
-              <a:t>handleAddresssBookChangedEvent</a:t>
+              <a:t>handleForumBookChangedEvent</a:t>
             </a:r>
             <a:r>
               <a:rPr lang="en-US" sz="1400" dirty="0" smtClean="0">
@@ -6075,6 +6143,13 @@
   <p:clrMapOvr>
     <a:masterClrMapping/>
   </p:clrMapOvr>
+  <p:timing>
+    <p:tnLst>
+      <p:par>
+        <p:cTn id="1" dur="indefinite" restart="never" nodeType="tmRoot"/>
+      </p:par>
+    </p:tnLst>
+  </p:timing>
 </p:sld>
 </file>
 

--- a/docs/diagrams/HighLevelSequenceDiagrams.pptx
+++ b/docs/diagrams/HighLevelSequenceDiagrams.pptx
@@ -208,7 +208,7 @@
           <a:p>
             <a:fld id="{F5CC4B3F-88C1-4FFA-B1B6-F41C21DC6924}" type="datetimeFigureOut">
               <a:rPr lang="en-US" smtClean="0"/>
-              <a:t>9/28/2018</a:t>
+              <a:t>10/20/18</a:t>
             </a:fld>
             <a:endParaRPr lang="en-US"/>
           </a:p>
@@ -272,38 +272,37 @@
           <a:p>
             <a:pPr lvl="0"/>
             <a:r>
-              <a:rPr lang="en-US" smtClean="0"/>
+              <a:rPr lang="en-US"/>
               <a:t>Click to edit Master text styles</a:t>
             </a:r>
           </a:p>
           <a:p>
             <a:pPr lvl="1"/>
             <a:r>
-              <a:rPr lang="en-US" smtClean="0"/>
+              <a:rPr lang="en-US"/>
               <a:t>Second level</a:t>
             </a:r>
           </a:p>
           <a:p>
             <a:pPr lvl="2"/>
             <a:r>
-              <a:rPr lang="en-US" smtClean="0"/>
+              <a:rPr lang="en-US"/>
               <a:t>Third level</a:t>
             </a:r>
           </a:p>
           <a:p>
             <a:pPr lvl="3"/>
             <a:r>
-              <a:rPr lang="en-US" smtClean="0"/>
+              <a:rPr lang="en-US"/>
               <a:t>Fourth level</a:t>
             </a:r>
           </a:p>
           <a:p>
             <a:pPr lvl="4"/>
             <a:r>
-              <a:rPr lang="en-US" smtClean="0"/>
+              <a:rPr lang="en-US"/>
               <a:t>Fifth level</a:t>
             </a:r>
-            <a:endParaRPr lang="en-US"/>
           </a:p>
         </p:txBody>
       </p:sp>
@@ -514,10 +513,9 @@
           <a:lstStyle/>
           <a:p>
             <a:r>
-              <a:rPr lang="en-US" smtClean="0"/>
+              <a:rPr lang="en-US"/>
               <a:t>Click to edit Master title style</a:t>
             </a:r>
-            <a:endParaRPr lang="en-US"/>
           </a:p>
         </p:txBody>
       </p:sp>
@@ -633,10 +631,9 @@
           </a:lstStyle>
           <a:p>
             <a:r>
-              <a:rPr lang="en-US" smtClean="0"/>
+              <a:rPr lang="en-US"/>
               <a:t>Click to edit Master subtitle style</a:t>
             </a:r>
-            <a:endParaRPr lang="en-US"/>
           </a:p>
         </p:txBody>
       </p:sp>
@@ -657,7 +654,7 @@
           <a:p>
             <a:fld id="{78C97017-6FC3-485B-9764-EAC9E56C1D49}" type="datetimeFigureOut">
               <a:rPr lang="en-US" smtClean="0"/>
-              <a:t>9/28/2018</a:t>
+              <a:t>10/20/18</a:t>
             </a:fld>
             <a:endParaRPr lang="en-US"/>
           </a:p>
@@ -751,10 +748,9 @@
           <a:lstStyle/>
           <a:p>
             <a:r>
-              <a:rPr lang="en-US" smtClean="0"/>
+              <a:rPr lang="en-US"/>
               <a:t>Click to edit Master title style</a:t>
             </a:r>
-            <a:endParaRPr lang="en-US"/>
           </a:p>
         </p:txBody>
       </p:sp>
@@ -775,38 +771,37 @@
           <a:p>
             <a:pPr lvl="0"/>
             <a:r>
-              <a:rPr lang="en-US" smtClean="0"/>
+              <a:rPr lang="en-US"/>
               <a:t>Click to edit Master text styles</a:t>
             </a:r>
           </a:p>
           <a:p>
             <a:pPr lvl="1"/>
             <a:r>
-              <a:rPr lang="en-US" smtClean="0"/>
+              <a:rPr lang="en-US"/>
               <a:t>Second level</a:t>
             </a:r>
           </a:p>
           <a:p>
             <a:pPr lvl="2"/>
             <a:r>
-              <a:rPr lang="en-US" smtClean="0"/>
+              <a:rPr lang="en-US"/>
               <a:t>Third level</a:t>
             </a:r>
           </a:p>
           <a:p>
             <a:pPr lvl="3"/>
             <a:r>
-              <a:rPr lang="en-US" smtClean="0"/>
+              <a:rPr lang="en-US"/>
               <a:t>Fourth level</a:t>
             </a:r>
           </a:p>
           <a:p>
             <a:pPr lvl="4"/>
             <a:r>
-              <a:rPr lang="en-US" smtClean="0"/>
+              <a:rPr lang="en-US"/>
               <a:t>Fifth level</a:t>
             </a:r>
-            <a:endParaRPr lang="en-US"/>
           </a:p>
         </p:txBody>
       </p:sp>
@@ -827,7 +822,7 @@
           <a:p>
             <a:fld id="{78C97017-6FC3-485B-9764-EAC9E56C1D49}" type="datetimeFigureOut">
               <a:rPr lang="en-US" smtClean="0"/>
-              <a:t>9/28/2018</a:t>
+              <a:t>10/20/18</a:t>
             </a:fld>
             <a:endParaRPr lang="en-US"/>
           </a:p>
@@ -926,10 +921,9 @@
           <a:lstStyle/>
           <a:p>
             <a:r>
-              <a:rPr lang="en-US" smtClean="0"/>
+              <a:rPr lang="en-US"/>
               <a:t>Click to edit Master title style</a:t>
             </a:r>
-            <a:endParaRPr lang="en-US"/>
           </a:p>
         </p:txBody>
       </p:sp>
@@ -955,38 +949,37 @@
           <a:p>
             <a:pPr lvl="0"/>
             <a:r>
-              <a:rPr lang="en-US" smtClean="0"/>
+              <a:rPr lang="en-US"/>
               <a:t>Click to edit Master text styles</a:t>
             </a:r>
           </a:p>
           <a:p>
             <a:pPr lvl="1"/>
             <a:r>
-              <a:rPr lang="en-US" smtClean="0"/>
+              <a:rPr lang="en-US"/>
               <a:t>Second level</a:t>
             </a:r>
           </a:p>
           <a:p>
             <a:pPr lvl="2"/>
             <a:r>
-              <a:rPr lang="en-US" smtClean="0"/>
+              <a:rPr lang="en-US"/>
               <a:t>Third level</a:t>
             </a:r>
           </a:p>
           <a:p>
             <a:pPr lvl="3"/>
             <a:r>
-              <a:rPr lang="en-US" smtClean="0"/>
+              <a:rPr lang="en-US"/>
               <a:t>Fourth level</a:t>
             </a:r>
           </a:p>
           <a:p>
             <a:pPr lvl="4"/>
             <a:r>
-              <a:rPr lang="en-US" smtClean="0"/>
+              <a:rPr lang="en-US"/>
               <a:t>Fifth level</a:t>
             </a:r>
-            <a:endParaRPr lang="en-US"/>
           </a:p>
         </p:txBody>
       </p:sp>
@@ -1007,7 +1000,7 @@
           <a:p>
             <a:fld id="{78C97017-6FC3-485B-9764-EAC9E56C1D49}" type="datetimeFigureOut">
               <a:rPr lang="en-US" smtClean="0"/>
-              <a:t>9/28/2018</a:t>
+              <a:t>10/20/18</a:t>
             </a:fld>
             <a:endParaRPr lang="en-US"/>
           </a:p>
@@ -1101,10 +1094,9 @@
           <a:lstStyle/>
           <a:p>
             <a:r>
-              <a:rPr lang="en-US" smtClean="0"/>
+              <a:rPr lang="en-US"/>
               <a:t>Click to edit Master title style</a:t>
             </a:r>
-            <a:endParaRPr lang="en-US"/>
           </a:p>
         </p:txBody>
       </p:sp>
@@ -1125,38 +1117,37 @@
           <a:p>
             <a:pPr lvl="0"/>
             <a:r>
-              <a:rPr lang="en-US" smtClean="0"/>
+              <a:rPr lang="en-US"/>
               <a:t>Click to edit Master text styles</a:t>
             </a:r>
           </a:p>
           <a:p>
             <a:pPr lvl="1"/>
             <a:r>
-              <a:rPr lang="en-US" smtClean="0"/>
+              <a:rPr lang="en-US"/>
               <a:t>Second level</a:t>
             </a:r>
           </a:p>
           <a:p>
             <a:pPr lvl="2"/>
             <a:r>
-              <a:rPr lang="en-US" smtClean="0"/>
+              <a:rPr lang="en-US"/>
               <a:t>Third level</a:t>
             </a:r>
           </a:p>
           <a:p>
             <a:pPr lvl="3"/>
             <a:r>
-              <a:rPr lang="en-US" smtClean="0"/>
+              <a:rPr lang="en-US"/>
               <a:t>Fourth level</a:t>
             </a:r>
           </a:p>
           <a:p>
             <a:pPr lvl="4"/>
             <a:r>
-              <a:rPr lang="en-US" smtClean="0"/>
+              <a:rPr lang="en-US"/>
               <a:t>Fifth level</a:t>
             </a:r>
-            <a:endParaRPr lang="en-US"/>
           </a:p>
         </p:txBody>
       </p:sp>
@@ -1177,7 +1168,7 @@
           <a:p>
             <a:fld id="{78C97017-6FC3-485B-9764-EAC9E56C1D49}" type="datetimeFigureOut">
               <a:rPr lang="en-US" smtClean="0"/>
-              <a:t>9/28/2018</a:t>
+              <a:t>10/20/18</a:t>
             </a:fld>
             <a:endParaRPr lang="en-US"/>
           </a:p>
@@ -1280,10 +1271,9 @@
           </a:lstStyle>
           <a:p>
             <a:r>
-              <a:rPr lang="en-US" smtClean="0"/>
+              <a:rPr lang="en-US"/>
               <a:t>Click to edit Master title style</a:t>
             </a:r>
-            <a:endParaRPr lang="en-US"/>
           </a:p>
         </p:txBody>
       </p:sp>
@@ -1400,7 +1390,7 @@
           <a:p>
             <a:pPr lvl="0"/>
             <a:r>
-              <a:rPr lang="en-US" smtClean="0"/>
+              <a:rPr lang="en-US"/>
               <a:t>Click to edit Master text styles</a:t>
             </a:r>
           </a:p>
@@ -1423,7 +1413,7 @@
           <a:p>
             <a:fld id="{78C97017-6FC3-485B-9764-EAC9E56C1D49}" type="datetimeFigureOut">
               <a:rPr lang="en-US" smtClean="0"/>
-              <a:t>9/28/2018</a:t>
+              <a:t>10/20/18</a:t>
             </a:fld>
             <a:endParaRPr lang="en-US"/>
           </a:p>
@@ -1517,10 +1507,9 @@
           <a:lstStyle/>
           <a:p>
             <a:r>
-              <a:rPr lang="en-US" smtClean="0"/>
+              <a:rPr lang="en-US"/>
               <a:t>Click to edit Master title style</a:t>
             </a:r>
-            <a:endParaRPr lang="en-US"/>
           </a:p>
         </p:txBody>
       </p:sp>
@@ -1574,38 +1563,37 @@
           <a:p>
             <a:pPr lvl="0"/>
             <a:r>
-              <a:rPr lang="en-US" smtClean="0"/>
+              <a:rPr lang="en-US"/>
               <a:t>Click to edit Master text styles</a:t>
             </a:r>
           </a:p>
           <a:p>
             <a:pPr lvl="1"/>
             <a:r>
-              <a:rPr lang="en-US" smtClean="0"/>
+              <a:rPr lang="en-US"/>
               <a:t>Second level</a:t>
             </a:r>
           </a:p>
           <a:p>
             <a:pPr lvl="2"/>
             <a:r>
-              <a:rPr lang="en-US" smtClean="0"/>
+              <a:rPr lang="en-US"/>
               <a:t>Third level</a:t>
             </a:r>
           </a:p>
           <a:p>
             <a:pPr lvl="3"/>
             <a:r>
-              <a:rPr lang="en-US" smtClean="0"/>
+              <a:rPr lang="en-US"/>
               <a:t>Fourth level</a:t>
             </a:r>
           </a:p>
           <a:p>
             <a:pPr lvl="4"/>
             <a:r>
-              <a:rPr lang="en-US" smtClean="0"/>
+              <a:rPr lang="en-US"/>
               <a:t>Fifth level</a:t>
             </a:r>
-            <a:endParaRPr lang="en-US"/>
           </a:p>
         </p:txBody>
       </p:sp>
@@ -1659,38 +1647,37 @@
           <a:p>
             <a:pPr lvl="0"/>
             <a:r>
-              <a:rPr lang="en-US" smtClean="0"/>
+              <a:rPr lang="en-US"/>
               <a:t>Click to edit Master text styles</a:t>
             </a:r>
           </a:p>
           <a:p>
             <a:pPr lvl="1"/>
             <a:r>
-              <a:rPr lang="en-US" smtClean="0"/>
+              <a:rPr lang="en-US"/>
               <a:t>Second level</a:t>
             </a:r>
           </a:p>
           <a:p>
             <a:pPr lvl="2"/>
             <a:r>
-              <a:rPr lang="en-US" smtClean="0"/>
+              <a:rPr lang="en-US"/>
               <a:t>Third level</a:t>
             </a:r>
           </a:p>
           <a:p>
             <a:pPr lvl="3"/>
             <a:r>
-              <a:rPr lang="en-US" smtClean="0"/>
+              <a:rPr lang="en-US"/>
               <a:t>Fourth level</a:t>
             </a:r>
           </a:p>
           <a:p>
             <a:pPr lvl="4"/>
             <a:r>
-              <a:rPr lang="en-US" smtClean="0"/>
+              <a:rPr lang="en-US"/>
               <a:t>Fifth level</a:t>
             </a:r>
-            <a:endParaRPr lang="en-US"/>
           </a:p>
         </p:txBody>
       </p:sp>
@@ -1711,7 +1698,7 @@
           <a:p>
             <a:fld id="{78C97017-6FC3-485B-9764-EAC9E56C1D49}" type="datetimeFigureOut">
               <a:rPr lang="en-US" smtClean="0"/>
-              <a:t>9/28/2018</a:t>
+              <a:t>10/20/18</a:t>
             </a:fld>
             <a:endParaRPr lang="en-US"/>
           </a:p>
@@ -1809,10 +1796,9 @@
           </a:lstStyle>
           <a:p>
             <a:r>
-              <a:rPr lang="en-US" smtClean="0"/>
+              <a:rPr lang="en-US"/>
               <a:t>Click to edit Master title style</a:t>
             </a:r>
-            <a:endParaRPr lang="en-US"/>
           </a:p>
         </p:txBody>
       </p:sp>
@@ -1875,7 +1861,7 @@
           <a:p>
             <a:pPr lvl="0"/>
             <a:r>
-              <a:rPr lang="en-US" smtClean="0"/>
+              <a:rPr lang="en-US"/>
               <a:t>Click to edit Master text styles</a:t>
             </a:r>
           </a:p>
@@ -1931,38 +1917,37 @@
           <a:p>
             <a:pPr lvl="0"/>
             <a:r>
-              <a:rPr lang="en-US" smtClean="0"/>
+              <a:rPr lang="en-US"/>
               <a:t>Click to edit Master text styles</a:t>
             </a:r>
           </a:p>
           <a:p>
             <a:pPr lvl="1"/>
             <a:r>
-              <a:rPr lang="en-US" smtClean="0"/>
+              <a:rPr lang="en-US"/>
               <a:t>Second level</a:t>
             </a:r>
           </a:p>
           <a:p>
             <a:pPr lvl="2"/>
             <a:r>
-              <a:rPr lang="en-US" smtClean="0"/>
+              <a:rPr lang="en-US"/>
               <a:t>Third level</a:t>
             </a:r>
           </a:p>
           <a:p>
             <a:pPr lvl="3"/>
             <a:r>
-              <a:rPr lang="en-US" smtClean="0"/>
+              <a:rPr lang="en-US"/>
               <a:t>Fourth level</a:t>
             </a:r>
           </a:p>
           <a:p>
             <a:pPr lvl="4"/>
             <a:r>
-              <a:rPr lang="en-US" smtClean="0"/>
+              <a:rPr lang="en-US"/>
               <a:t>Fifth level</a:t>
             </a:r>
-            <a:endParaRPr lang="en-US"/>
           </a:p>
         </p:txBody>
       </p:sp>
@@ -2025,7 +2010,7 @@
           <a:p>
             <a:pPr lvl="0"/>
             <a:r>
-              <a:rPr lang="en-US" smtClean="0"/>
+              <a:rPr lang="en-US"/>
               <a:t>Click to edit Master text styles</a:t>
             </a:r>
           </a:p>
@@ -2081,38 +2066,37 @@
           <a:p>
             <a:pPr lvl="0"/>
             <a:r>
-              <a:rPr lang="en-US" smtClean="0"/>
+              <a:rPr lang="en-US"/>
               <a:t>Click to edit Master text styles</a:t>
             </a:r>
           </a:p>
           <a:p>
             <a:pPr lvl="1"/>
             <a:r>
-              <a:rPr lang="en-US" smtClean="0"/>
+              <a:rPr lang="en-US"/>
               <a:t>Second level</a:t>
             </a:r>
           </a:p>
           <a:p>
             <a:pPr lvl="2"/>
             <a:r>
-              <a:rPr lang="en-US" smtClean="0"/>
+              <a:rPr lang="en-US"/>
               <a:t>Third level</a:t>
             </a:r>
           </a:p>
           <a:p>
             <a:pPr lvl="3"/>
             <a:r>
-              <a:rPr lang="en-US" smtClean="0"/>
+              <a:rPr lang="en-US"/>
               <a:t>Fourth level</a:t>
             </a:r>
           </a:p>
           <a:p>
             <a:pPr lvl="4"/>
             <a:r>
-              <a:rPr lang="en-US" smtClean="0"/>
+              <a:rPr lang="en-US"/>
               <a:t>Fifth level</a:t>
             </a:r>
-            <a:endParaRPr lang="en-US"/>
           </a:p>
         </p:txBody>
       </p:sp>
@@ -2133,7 +2117,7 @@
           <a:p>
             <a:fld id="{78C97017-6FC3-485B-9764-EAC9E56C1D49}" type="datetimeFigureOut">
               <a:rPr lang="en-US" smtClean="0"/>
-              <a:t>9/28/2018</a:t>
+              <a:t>10/20/18</a:t>
             </a:fld>
             <a:endParaRPr lang="en-US"/>
           </a:p>
@@ -2227,10 +2211,9 @@
           <a:lstStyle/>
           <a:p>
             <a:r>
-              <a:rPr lang="en-US" smtClean="0"/>
+              <a:rPr lang="en-US"/>
               <a:t>Click to edit Master title style</a:t>
             </a:r>
-            <a:endParaRPr lang="en-US"/>
           </a:p>
         </p:txBody>
       </p:sp>
@@ -2251,7 +2234,7 @@
           <a:p>
             <a:fld id="{78C97017-6FC3-485B-9764-EAC9E56C1D49}" type="datetimeFigureOut">
               <a:rPr lang="en-US" smtClean="0"/>
-              <a:t>9/28/2018</a:t>
+              <a:t>10/20/18</a:t>
             </a:fld>
             <a:endParaRPr lang="en-US"/>
           </a:p>
@@ -2346,7 +2329,7 @@
           <a:p>
             <a:fld id="{78C97017-6FC3-485B-9764-EAC9E56C1D49}" type="datetimeFigureOut">
               <a:rPr lang="en-US" smtClean="0"/>
-              <a:t>9/28/2018</a:t>
+              <a:t>10/20/18</a:t>
             </a:fld>
             <a:endParaRPr lang="en-US"/>
           </a:p>
@@ -2449,10 +2432,9 @@
           </a:lstStyle>
           <a:p>
             <a:r>
-              <a:rPr lang="en-US" smtClean="0"/>
+              <a:rPr lang="en-US"/>
               <a:t>Click to edit Master title style</a:t>
             </a:r>
-            <a:endParaRPr lang="en-US"/>
           </a:p>
         </p:txBody>
       </p:sp>
@@ -2506,38 +2488,37 @@
           <a:p>
             <a:pPr lvl="0"/>
             <a:r>
-              <a:rPr lang="en-US" smtClean="0"/>
+              <a:rPr lang="en-US"/>
               <a:t>Click to edit Master text styles</a:t>
             </a:r>
           </a:p>
           <a:p>
             <a:pPr lvl="1"/>
             <a:r>
-              <a:rPr lang="en-US" smtClean="0"/>
+              <a:rPr lang="en-US"/>
               <a:t>Second level</a:t>
             </a:r>
           </a:p>
           <a:p>
             <a:pPr lvl="2"/>
             <a:r>
-              <a:rPr lang="en-US" smtClean="0"/>
+              <a:rPr lang="en-US"/>
               <a:t>Third level</a:t>
             </a:r>
           </a:p>
           <a:p>
             <a:pPr lvl="3"/>
             <a:r>
-              <a:rPr lang="en-US" smtClean="0"/>
+              <a:rPr lang="en-US"/>
               <a:t>Fourth level</a:t>
             </a:r>
           </a:p>
           <a:p>
             <a:pPr lvl="4"/>
             <a:r>
-              <a:rPr lang="en-US" smtClean="0"/>
+              <a:rPr lang="en-US"/>
               <a:t>Fifth level</a:t>
             </a:r>
-            <a:endParaRPr lang="en-US"/>
           </a:p>
         </p:txBody>
       </p:sp>
@@ -2600,7 +2581,7 @@
           <a:p>
             <a:pPr lvl="0"/>
             <a:r>
-              <a:rPr lang="en-US" smtClean="0"/>
+              <a:rPr lang="en-US"/>
               <a:t>Click to edit Master text styles</a:t>
             </a:r>
           </a:p>
@@ -2623,7 +2604,7 @@
           <a:p>
             <a:fld id="{78C97017-6FC3-485B-9764-EAC9E56C1D49}" type="datetimeFigureOut">
               <a:rPr lang="en-US" smtClean="0"/>
-              <a:t>9/28/2018</a:t>
+              <a:t>10/20/18</a:t>
             </a:fld>
             <a:endParaRPr lang="en-US"/>
           </a:p>
@@ -2726,10 +2707,9 @@
           </a:lstStyle>
           <a:p>
             <a:r>
-              <a:rPr lang="en-US" smtClean="0"/>
+              <a:rPr lang="en-US"/>
               <a:t>Click to edit Master title style</a:t>
             </a:r>
-            <a:endParaRPr lang="en-US"/>
           </a:p>
         </p:txBody>
       </p:sp>
@@ -2853,7 +2833,7 @@
           <a:p>
             <a:pPr lvl="0"/>
             <a:r>
-              <a:rPr lang="en-US" smtClean="0"/>
+              <a:rPr lang="en-US"/>
               <a:t>Click to edit Master text styles</a:t>
             </a:r>
           </a:p>
@@ -2876,7 +2856,7 @@
           <a:p>
             <a:fld id="{78C97017-6FC3-485B-9764-EAC9E56C1D49}" type="datetimeFigureOut">
               <a:rPr lang="en-US" smtClean="0"/>
-              <a:t>9/28/2018</a:t>
+              <a:t>10/20/18</a:t>
             </a:fld>
             <a:endParaRPr lang="en-US"/>
           </a:p>
@@ -2985,10 +2965,9 @@
           <a:lstStyle/>
           <a:p>
             <a:r>
-              <a:rPr lang="en-US" smtClean="0"/>
+              <a:rPr lang="en-US"/>
               <a:t>Click to edit Master title style</a:t>
             </a:r>
-            <a:endParaRPr lang="en-US"/>
           </a:p>
         </p:txBody>
       </p:sp>
@@ -3019,38 +2998,37 @@
           <a:p>
             <a:pPr lvl="0"/>
             <a:r>
-              <a:rPr lang="en-US" smtClean="0"/>
+              <a:rPr lang="en-US"/>
               <a:t>Click to edit Master text styles</a:t>
             </a:r>
           </a:p>
           <a:p>
             <a:pPr lvl="1"/>
             <a:r>
-              <a:rPr lang="en-US" smtClean="0"/>
+              <a:rPr lang="en-US"/>
               <a:t>Second level</a:t>
             </a:r>
           </a:p>
           <a:p>
             <a:pPr lvl="2"/>
             <a:r>
-              <a:rPr lang="en-US" smtClean="0"/>
+              <a:rPr lang="en-US"/>
               <a:t>Third level</a:t>
             </a:r>
           </a:p>
           <a:p>
             <a:pPr lvl="3"/>
             <a:r>
-              <a:rPr lang="en-US" smtClean="0"/>
+              <a:rPr lang="en-US"/>
               <a:t>Fourth level</a:t>
             </a:r>
           </a:p>
           <a:p>
             <a:pPr lvl="4"/>
             <a:r>
-              <a:rPr lang="en-US" smtClean="0"/>
+              <a:rPr lang="en-US"/>
               <a:t>Fifth level</a:t>
             </a:r>
-            <a:endParaRPr lang="en-US"/>
           </a:p>
         </p:txBody>
       </p:sp>
@@ -3089,7 +3067,7 @@
           <a:p>
             <a:fld id="{78C97017-6FC3-485B-9764-EAC9E56C1D49}" type="datetimeFigureOut">
               <a:rPr lang="en-US" smtClean="0"/>
-              <a:t>9/28/2018</a:t>
+              <a:t>10/20/18</a:t>
             </a:fld>
             <a:endParaRPr lang="en-US"/>
           </a:p>
@@ -3508,7 +3486,7 @@
           <a:p>
             <a:pPr algn="ctr"/>
             <a:r>
-              <a:rPr lang="en-US" sz="1600" dirty="0" smtClean="0">
+              <a:rPr lang="en-US" sz="1600" dirty="0">
                 <a:solidFill>
                   <a:schemeClr val="bg1"/>
                 </a:solidFill>
@@ -3568,8 +3546,8 @@
         </p:nvSpPr>
         <p:spPr>
           <a:xfrm>
-            <a:off x="1586669" y="1322292"/>
-            <a:ext cx="152400" cy="1019910"/>
+            <a:off x="1586669" y="1143001"/>
+            <a:ext cx="152400" cy="1338318"/>
           </a:xfrm>
           <a:prstGeom prst="rect">
             <a:avLst/>
@@ -3836,7 +3814,7 @@
         </p:nvSpPr>
         <p:spPr>
           <a:xfrm>
-            <a:off x="3335583" y="611613"/>
+            <a:off x="2977410" y="606177"/>
             <a:ext cx="1093635" cy="346760"/>
           </a:xfrm>
           <a:prstGeom prst="rect">
@@ -3872,7 +3850,7 @@
           <a:p>
             <a:pPr algn="ctr"/>
             <a:r>
-              <a:rPr lang="en-US" sz="1600" dirty="0" smtClean="0">
+              <a:rPr lang="en-US" sz="1600" dirty="0">
                 <a:solidFill>
                   <a:schemeClr val="bg1"/>
                 </a:solidFill>
@@ -3895,7 +3873,7 @@
         </p:nvCxnSpPr>
         <p:spPr>
           <a:xfrm>
-            <a:off x="3882400" y="975284"/>
+            <a:off x="3524227" y="969848"/>
             <a:ext cx="0" cy="1723059"/>
           </a:xfrm>
           <a:prstGeom prst="line">
@@ -3932,8 +3910,8 @@
         </p:nvSpPr>
         <p:spPr>
           <a:xfrm>
-            <a:off x="3810392" y="1433477"/>
-            <a:ext cx="144016" cy="832525"/>
+            <a:off x="3452219" y="1277085"/>
+            <a:ext cx="153812" cy="1204234"/>
           </a:xfrm>
           <a:prstGeom prst="rect">
             <a:avLst/>
@@ -3983,8 +3961,8 @@
         </p:nvSpPr>
         <p:spPr>
           <a:xfrm>
-            <a:off x="5316783" y="607926"/>
-            <a:ext cx="1093635" cy="346760"/>
+            <a:off x="6002583" y="595750"/>
+            <a:ext cx="1236417" cy="346760"/>
           </a:xfrm>
           <a:prstGeom prst="rect">
             <a:avLst/>
@@ -4019,12 +3997,20 @@
           <a:p>
             <a:pPr algn="ctr"/>
             <a:r>
-              <a:rPr lang="en-US" sz="1600" dirty="0" smtClean="0">
+              <a:rPr lang="en-US" sz="1600" dirty="0">
                 <a:solidFill>
                   <a:schemeClr val="bg1"/>
                 </a:solidFill>
               </a:rPr>
-              <a:t>:Model</a:t>
+              <a:t>:</a:t>
+            </a:r>
+            <a:r>
+              <a:rPr lang="en-US" sz="1600" dirty="0" err="1">
+                <a:solidFill>
+                  <a:schemeClr val="bg1"/>
+                </a:solidFill>
+              </a:rPr>
+              <a:t>UnitOfWork</a:t>
             </a:r>
             <a:endParaRPr lang="en-SG" sz="1600" dirty="0">
               <a:solidFill>
@@ -4042,7 +4028,7 @@
         </p:nvCxnSpPr>
         <p:spPr>
           <a:xfrm>
-            <a:off x="5863600" y="971597"/>
+            <a:off x="6625600" y="959421"/>
             <a:ext cx="0" cy="1723059"/>
           </a:xfrm>
           <a:prstGeom prst="line">
@@ -4079,8 +4065,8 @@
         </p:nvSpPr>
         <p:spPr>
           <a:xfrm>
-            <a:off x="5791592" y="1538408"/>
-            <a:ext cx="142006" cy="651394"/>
+            <a:off x="6553592" y="2057400"/>
+            <a:ext cx="142006" cy="423919"/>
           </a:xfrm>
           <a:prstGeom prst="rect">
             <a:avLst/>
@@ -4130,7 +4116,7 @@
         </p:nvCxnSpPr>
         <p:spPr>
           <a:xfrm>
-            <a:off x="466818" y="1325979"/>
+            <a:off x="466818" y="1143000"/>
             <a:ext cx="1119851" cy="0"/>
           </a:xfrm>
           <a:prstGeom prst="straightConnector1">
@@ -4166,8 +4152,8 @@
         </p:nvSpPr>
         <p:spPr>
           <a:xfrm>
-            <a:off x="466818" y="1345880"/>
-            <a:ext cx="860170" cy="646331"/>
+            <a:off x="466817" y="1162901"/>
+            <a:ext cx="1072003" cy="646331"/>
           </a:xfrm>
           <a:prstGeom prst="rect">
             <a:avLst/>
@@ -4181,35 +4167,36 @@
           <a:lstStyle/>
           <a:p>
             <a:r>
-              <a:rPr lang="en-US" sz="1400" dirty="0" smtClean="0"/>
-              <a:t>delete </a:t>
-            </a:r>
-            <a:r>
-              <a:rPr lang="en-US" sz="1400" dirty="0" smtClean="0"/>
-              <a:t>m/CS2113 </a:t>
-            </a:r>
-            <a:r>
-              <a:rPr lang="en-US" sz="1400" dirty="0" err="1" smtClean="0"/>
-              <a:t>i</a:t>
-            </a:r>
-            <a:r>
-              <a:rPr lang="en-US" sz="1400" dirty="0" smtClean="0"/>
-              <a:t>/1</a:t>
-            </a:r>
-            <a:endParaRPr lang="en-US" sz="1400" dirty="0"/>
+              <a:rPr lang="en-US" sz="1400" dirty="0" err="1"/>
+              <a:t>setAdmin</a:t>
+            </a:r>
+            <a:r>
+              <a:rPr lang="en-US" sz="1400" dirty="0"/>
+              <a:t> </a:t>
+            </a:r>
+            <a:r>
+              <a:rPr lang="en-US" sz="1400" dirty="0" err="1"/>
+              <a:t>uName</a:t>
+            </a:r>
+            <a:r>
+              <a:rPr lang="en-US" sz="1400" dirty="0"/>
+              <a:t>/john set/true</a:t>
+            </a:r>
           </a:p>
         </p:txBody>
       </p:sp>
       <p:cxnSp>
         <p:nvCxnSpPr>
           <p:cNvPr id="25" name="Straight Arrow Connector 24"/>
-          <p:cNvCxnSpPr/>
+          <p:cNvCxnSpPr>
+            <a:cxnSpLocks/>
+          </p:cNvCxnSpPr>
           <p:nvPr/>
         </p:nvCxnSpPr>
         <p:spPr>
           <a:xfrm>
-            <a:off x="1739069" y="1433478"/>
-            <a:ext cx="2071323" cy="0"/>
+            <a:off x="1739069" y="1277085"/>
+            <a:ext cx="1713150" cy="0"/>
           </a:xfrm>
           <a:prstGeom prst="straightConnector1">
             <a:avLst/>
@@ -4244,8 +4231,8 @@
         </p:nvSpPr>
         <p:spPr>
           <a:xfrm>
-            <a:off x="2166172" y="1453379"/>
-            <a:ext cx="1424846" cy="430887"/>
+            <a:off x="1926220" y="1293071"/>
+            <a:ext cx="1420056" cy="646331"/>
           </a:xfrm>
           <a:prstGeom prst="rect">
             <a:avLst/>
@@ -4259,36 +4246,20 @@
           <a:lstStyle/>
           <a:p>
             <a:r>
-              <a:rPr lang="en-US" sz="1400" dirty="0" smtClean="0">
+              <a:rPr lang="en-US" sz="1400" dirty="0">
                 <a:solidFill>
                   <a:srgbClr val="0070C0"/>
                 </a:solidFill>
               </a:rPr>
-              <a:t>execute(“delete </a:t>
-            </a:r>
-            <a:r>
-              <a:rPr lang="en-US" sz="1400" dirty="0" smtClean="0">
+              <a:t>execute(“</a:t>
+            </a:r>
+            <a:r>
+              <a:rPr lang="en-US" sz="1400" dirty="0" err="1">
                 <a:solidFill>
                   <a:srgbClr val="0070C0"/>
                 </a:solidFill>
               </a:rPr>
-              <a:t>m/CS2113 </a:t>
-            </a:r>
-            <a:r>
-              <a:rPr lang="en-US" sz="1400" dirty="0" err="1" smtClean="0">
-                <a:solidFill>
-                  <a:srgbClr val="0070C0"/>
-                </a:solidFill>
-              </a:rPr>
-              <a:t>i</a:t>
-            </a:r>
-            <a:r>
-              <a:rPr lang="en-US" sz="1400" dirty="0" smtClean="0">
-                <a:solidFill>
-                  <a:srgbClr val="0070C0"/>
-                </a:solidFill>
-              </a:rPr>
-              <a:t>/1”)</a:t>
+              <a:t>setAdmin</a:t>
             </a:r>
             <a:endParaRPr lang="en-US" sz="1400" dirty="0">
               <a:solidFill>
@@ -4296,18 +4267,46 @@
               </a:solidFill>
             </a:endParaRPr>
           </a:p>
+          <a:p>
+            <a:r>
+              <a:rPr lang="en-US" sz="1400" dirty="0">
+                <a:solidFill>
+                  <a:srgbClr val="0070C0"/>
+                </a:solidFill>
+              </a:rPr>
+              <a:t> </a:t>
+            </a:r>
+            <a:r>
+              <a:rPr lang="en-US" sz="1400" dirty="0" err="1">
+                <a:solidFill>
+                  <a:srgbClr val="0070C0"/>
+                </a:solidFill>
+              </a:rPr>
+              <a:t>uName</a:t>
+            </a:r>
+            <a:r>
+              <a:rPr lang="en-US" sz="1400" dirty="0">
+                <a:solidFill>
+                  <a:srgbClr val="0070C0"/>
+                </a:solidFill>
+              </a:rPr>
+              <a:t>/john” set/true)</a:t>
+            </a:r>
+          </a:p>
         </p:txBody>
       </p:sp>
       <p:cxnSp>
         <p:nvCxnSpPr>
           <p:cNvPr id="28" name="Straight Arrow Connector 27"/>
-          <p:cNvCxnSpPr/>
+          <p:cNvCxnSpPr>
+            <a:cxnSpLocks/>
+          </p:cNvCxnSpPr>
           <p:nvPr/>
         </p:nvCxnSpPr>
         <p:spPr>
           <a:xfrm>
-            <a:off x="3954408" y="1538409"/>
-            <a:ext cx="1837184" cy="0"/>
+            <a:off x="3581400" y="1371599"/>
+            <a:ext cx="1454930" cy="0"/>
           </a:xfrm>
           <a:prstGeom prst="straightConnector1">
             <a:avLst/>
@@ -4342,7 +4341,7 @@
         </p:nvSpPr>
         <p:spPr>
           <a:xfrm>
-            <a:off x="4299772" y="1542583"/>
+            <a:off x="3711974" y="1362124"/>
             <a:ext cx="1424846" cy="215444"/>
           </a:xfrm>
           <a:prstGeom prst="rect">
@@ -4357,42 +4356,21 @@
           <a:lstStyle/>
           <a:p>
             <a:r>
-              <a:rPr lang="en-US" sz="1400" dirty="0" err="1" smtClean="0">
+              <a:rPr lang="en-US" sz="1400" dirty="0" err="1">
                 <a:solidFill>
-                  <a:srgbClr val="7030A0"/>
+                  <a:srgbClr val="E46D39"/>
                 </a:solidFill>
               </a:rPr>
-              <a:t>deleteThread</a:t>
-            </a:r>
-            <a:r>
-              <a:rPr lang="en-US" sz="1400" dirty="0" smtClean="0">
+              <a:t>setAdmin</a:t>
+            </a:r>
+            <a:r>
+              <a:rPr lang="en-US" sz="1400" dirty="0">
                 <a:solidFill>
-                  <a:srgbClr val="7030A0"/>
+                  <a:srgbClr val="E46D39"/>
                 </a:solidFill>
               </a:rPr>
-              <a:t>(m, </a:t>
-            </a:r>
-            <a:r>
-              <a:rPr lang="en-US" sz="1400" dirty="0" err="1" smtClean="0">
-                <a:solidFill>
-                  <a:srgbClr val="7030A0"/>
-                </a:solidFill>
-              </a:rPr>
-              <a:t>i</a:t>
-            </a:r>
-            <a:r>
-              <a:rPr lang="en-US" sz="1400" dirty="0" smtClean="0">
-                <a:solidFill>
-                  <a:srgbClr val="7030A0"/>
-                </a:solidFill>
-              </a:rPr>
-              <a:t>)</a:t>
-            </a:r>
-            <a:endParaRPr lang="en-US" sz="1400" dirty="0">
-              <a:solidFill>
-                <a:srgbClr val="7030A0"/>
-              </a:solidFill>
-            </a:endParaRPr>
+              <a:t>(true)</a:t>
+            </a:r>
           </a:p>
         </p:txBody>
       </p:sp>
@@ -4404,8 +4382,8 @@
         </p:nvSpPr>
         <p:spPr>
           <a:xfrm>
-            <a:off x="6074030" y="1687656"/>
-            <a:ext cx="2438400" cy="215444"/>
+            <a:off x="7086599" y="1929731"/>
+            <a:ext cx="754785" cy="215444"/>
           </a:xfrm>
           <a:prstGeom prst="rect">
             <a:avLst/>
@@ -4419,62 +4397,37 @@
           <a:lstStyle/>
           <a:p>
             <a:r>
-              <a:rPr lang="en-US" sz="1400" dirty="0" smtClean="0">
+              <a:rPr lang="en-US" sz="1400" dirty="0">
                 <a:solidFill>
                   <a:schemeClr val="accent5">
                     <a:lumMod val="75000"/>
                   </a:schemeClr>
                 </a:solidFill>
               </a:rPr>
-              <a:t>post(</a:t>
-            </a:r>
-            <a:r>
-              <a:rPr lang="en-US" sz="1400" dirty="0" err="1" smtClean="0">
-                <a:solidFill>
-                  <a:schemeClr val="accent5">
-                    <a:lumMod val="75000"/>
-                  </a:schemeClr>
-                </a:solidFill>
-              </a:rPr>
-              <a:t>ForumBookChangedEvent</a:t>
-            </a:r>
-            <a:r>
-              <a:rPr lang="en-US" sz="1400" dirty="0" smtClean="0">
-                <a:solidFill>
-                  <a:schemeClr val="accent5">
-                    <a:lumMod val="75000"/>
-                  </a:schemeClr>
-                </a:solidFill>
-              </a:rPr>
-              <a:t>)</a:t>
-            </a:r>
-            <a:endParaRPr lang="en-US" sz="1400" dirty="0">
-              <a:solidFill>
-                <a:schemeClr val="accent5">
-                  <a:lumMod val="75000"/>
-                </a:schemeClr>
-              </a:solidFill>
-            </a:endParaRPr>
+              <a:t>commit()</a:t>
+            </a:r>
           </a:p>
         </p:txBody>
       </p:sp>
       <p:cxnSp>
         <p:nvCxnSpPr>
           <p:cNvPr id="34" name="Straight Arrow Connector 33"/>
-          <p:cNvCxnSpPr/>
+          <p:cNvCxnSpPr>
+            <a:cxnSpLocks/>
+          </p:cNvCxnSpPr>
           <p:nvPr/>
         </p:nvCxnSpPr>
         <p:spPr>
           <a:xfrm>
-            <a:off x="3954408" y="2190681"/>
-            <a:ext cx="1837184" cy="0"/>
+            <a:off x="3581400" y="1752599"/>
+            <a:ext cx="1454930" cy="0"/>
           </a:xfrm>
           <a:prstGeom prst="straightConnector1">
             <a:avLst/>
           </a:prstGeom>
           <a:ln w="19050">
             <a:solidFill>
-              <a:srgbClr val="7030A0"/>
+              <a:srgbClr val="E46D39"/>
             </a:solidFill>
             <a:prstDash val="sysDash"/>
             <a:headEnd type="arrow" w="med" len="med"/>
@@ -4499,13 +4452,15 @@
       <p:cxnSp>
         <p:nvCxnSpPr>
           <p:cNvPr id="35" name="Straight Arrow Connector 34"/>
-          <p:cNvCxnSpPr/>
+          <p:cNvCxnSpPr>
+            <a:cxnSpLocks/>
+          </p:cNvCxnSpPr>
           <p:nvPr/>
         </p:nvCxnSpPr>
         <p:spPr>
           <a:xfrm>
-            <a:off x="1739069" y="2266002"/>
-            <a:ext cx="2058118" cy="0"/>
+            <a:off x="1739069" y="2481319"/>
+            <a:ext cx="1713150" cy="0"/>
           </a:xfrm>
           <a:prstGeom prst="straightConnector1">
             <a:avLst/>
@@ -4542,7 +4497,7 @@
         </p:nvCxnSpPr>
         <p:spPr>
           <a:xfrm>
-            <a:off x="390618" y="2342202"/>
+            <a:off x="434275" y="2481318"/>
             <a:ext cx="1196051" cy="0"/>
           </a:xfrm>
           <a:prstGeom prst="straightConnector1">
@@ -4580,7 +4535,7 @@
         </p:nvSpPr>
         <p:spPr>
           <a:xfrm>
-            <a:off x="7696200" y="591251"/>
+            <a:off x="7696200" y="579075"/>
             <a:ext cx="1371600" cy="346760"/>
           </a:xfrm>
           <a:prstGeom prst="rect">
@@ -4620,20 +4575,12 @@
           <a:p>
             <a:pPr algn="ctr"/>
             <a:r>
-              <a:rPr lang="en-US" sz="1600" dirty="0" smtClean="0">
+              <a:rPr lang="en-US" sz="1600" dirty="0">
                 <a:solidFill>
                   <a:schemeClr val="bg1"/>
                 </a:solidFill>
               </a:rPr>
-              <a:t>:</a:t>
-            </a:r>
-            <a:r>
-              <a:rPr lang="en-US" sz="1600" dirty="0" err="1" smtClean="0">
-                <a:solidFill>
-                  <a:schemeClr val="bg1"/>
-                </a:solidFill>
-              </a:rPr>
-              <a:t>EventsCenter</a:t>
+              <a:t>:Storage</a:t>
             </a:r>
             <a:endParaRPr lang="en-SG" sz="1600" dirty="0">
               <a:solidFill>
@@ -4651,7 +4598,7 @@
         </p:nvCxnSpPr>
         <p:spPr>
           <a:xfrm>
-            <a:off x="8616802" y="944305"/>
+            <a:off x="8388202" y="932129"/>
             <a:ext cx="0" cy="1723059"/>
           </a:xfrm>
           <a:prstGeom prst="line">
@@ -4690,7 +4637,7 @@
         </p:nvSpPr>
         <p:spPr>
           <a:xfrm>
-            <a:off x="8544794" y="1961202"/>
+            <a:off x="8316194" y="2185413"/>
             <a:ext cx="142006" cy="176787"/>
           </a:xfrm>
           <a:prstGeom prst="rect">
@@ -4745,8 +4692,8 @@
         </p:nvCxnSpPr>
         <p:spPr>
           <a:xfrm>
-            <a:off x="5943992" y="1961202"/>
-            <a:ext cx="2568438" cy="0"/>
+            <a:off x="6705992" y="2185413"/>
+            <a:ext cx="1610202" cy="0"/>
           </a:xfrm>
           <a:prstGeom prst="straightConnector1">
             <a:avLst/>
@@ -4781,8 +4728,8 @@
         </p:nvCxnSpPr>
         <p:spPr>
           <a:xfrm>
-            <a:off x="5943992" y="2137989"/>
-            <a:ext cx="2549946" cy="0"/>
+            <a:off x="6705992" y="2362200"/>
+            <a:ext cx="1610202" cy="0"/>
           </a:xfrm>
           <a:prstGeom prst="straightConnector1">
             <a:avLst/>
@@ -4861,7 +4808,7 @@
           <a:p>
             <a:pPr algn="ctr"/>
             <a:r>
-              <a:rPr lang="en-US" sz="1600" dirty="0" smtClean="0">
+              <a:rPr lang="en-US" sz="1600" dirty="0">
                 <a:solidFill>
                   <a:schemeClr val="bg1"/>
                 </a:solidFill>
@@ -4993,7 +4940,7 @@
           <a:lstStyle/>
           <a:p>
             <a:r>
-              <a:rPr lang="en-US" sz="1400" dirty="0" smtClean="0">
+              <a:rPr lang="en-US" sz="1400" dirty="0">
                 <a:solidFill>
                   <a:schemeClr val="accent5">
                     <a:lumMod val="75000"/>
@@ -5003,7 +4950,7 @@
               <a:t>post(</a:t>
             </a:r>
             <a:r>
-              <a:rPr lang="en-US" sz="1400" dirty="0" err="1" smtClean="0">
+              <a:rPr lang="en-US" sz="1400" dirty="0" err="1">
                 <a:solidFill>
                   <a:schemeClr val="accent5">
                     <a:lumMod val="75000"/>
@@ -5013,7 +4960,7 @@
               <a:t>ForumBookChangedEvent</a:t>
             </a:r>
             <a:r>
-              <a:rPr lang="en-US" sz="1400" dirty="0" smtClean="0">
+              <a:rPr lang="en-US" sz="1400" dirty="0">
                 <a:solidFill>
                   <a:schemeClr val="accent5">
                     <a:lumMod val="75000"/>
@@ -5022,13 +4969,6 @@
               </a:rPr>
               <a:t>)</a:t>
             </a:r>
-            <a:endParaRPr lang="en-US" sz="1400" dirty="0">
-              <a:solidFill>
-                <a:schemeClr val="accent5">
-                  <a:lumMod val="75000"/>
-                </a:schemeClr>
-              </a:solidFill>
-            </a:endParaRPr>
           </a:p>
         </p:txBody>
       </p:sp>
@@ -5120,7 +5060,7 @@
           <a:p>
             <a:pPr algn="ctr"/>
             <a:r>
-              <a:rPr lang="en-US" sz="1600" dirty="0" smtClean="0">
+              <a:rPr lang="en-US" sz="1600" dirty="0">
                 <a:solidFill>
                   <a:schemeClr val="bg1"/>
                 </a:solidFill>
@@ -5128,7 +5068,7 @@
               <a:t>:</a:t>
             </a:r>
             <a:r>
-              <a:rPr lang="en-US" sz="1600" dirty="0" err="1" smtClean="0">
+              <a:rPr lang="en-US" sz="1600" dirty="0" err="1">
                 <a:solidFill>
                   <a:schemeClr val="bg1"/>
                 </a:solidFill>
@@ -5375,7 +5315,7 @@
           <a:lstStyle/>
           <a:p>
             <a:r>
-              <a:rPr lang="en-US" sz="1400" dirty="0" err="1" smtClean="0">
+              <a:rPr lang="en-US" sz="1400" dirty="0" err="1">
                 <a:solidFill>
                   <a:schemeClr val="accent6">
                     <a:lumMod val="75000"/>
@@ -5385,7 +5325,7 @@
               <a:t>handleForumBookChangedEvent</a:t>
             </a:r>
             <a:r>
-              <a:rPr lang="en-US" sz="1400" dirty="0" smtClean="0">
+              <a:rPr lang="en-US" sz="1400" dirty="0">
                 <a:solidFill>
                   <a:schemeClr val="accent6">
                     <a:lumMod val="75000"/>
@@ -5394,13 +5334,6 @@
               </a:rPr>
               <a:t>()</a:t>
             </a:r>
-            <a:endParaRPr lang="en-US" sz="1400" dirty="0">
-              <a:solidFill>
-                <a:schemeClr val="accent6">
-                  <a:lumMod val="75000"/>
-                </a:schemeClr>
-              </a:solidFill>
-            </a:endParaRPr>
           </a:p>
         </p:txBody>
       </p:sp>
@@ -5485,7 +5418,7 @@
           <a:p>
             <a:pPr algn="ctr"/>
             <a:r>
-              <a:rPr lang="en-US" sz="1600" dirty="0" smtClean="0">
+              <a:rPr lang="en-US" sz="1600" dirty="0">
                 <a:solidFill>
                   <a:schemeClr val="bg1"/>
                 </a:solidFill>
@@ -5688,7 +5621,7 @@
           <a:lstStyle/>
           <a:p>
             <a:r>
-              <a:rPr lang="en-US" sz="1400" dirty="0" err="1" smtClean="0">
+              <a:rPr lang="en-US" sz="1400" dirty="0" err="1">
                 <a:solidFill>
                   <a:srgbClr val="00B050"/>
                 </a:solidFill>
@@ -5696,18 +5629,13 @@
               <a:t>handleForumBookChangedEvent</a:t>
             </a:r>
             <a:r>
-              <a:rPr lang="en-US" sz="1400" dirty="0" smtClean="0">
+              <a:rPr lang="en-US" sz="1400" dirty="0">
                 <a:solidFill>
                   <a:srgbClr val="00B050"/>
                 </a:solidFill>
               </a:rPr>
               <a:t>()</a:t>
             </a:r>
-            <a:endParaRPr lang="en-US" sz="1400" dirty="0">
-              <a:solidFill>
-                <a:srgbClr val="00B050"/>
-              </a:solidFill>
-            </a:endParaRPr>
           </a:p>
         </p:txBody>
       </p:sp>
@@ -5894,18 +5822,13 @@
           <a:p>
             <a:pPr algn="r"/>
             <a:r>
-              <a:rPr lang="en-US" sz="1400" dirty="0" smtClean="0">
+              <a:rPr lang="en-US" sz="1400" dirty="0">
                 <a:solidFill>
                   <a:srgbClr val="00B050"/>
                 </a:solidFill>
               </a:rPr>
               <a:t>Update status bar</a:t>
             </a:r>
-            <a:endParaRPr lang="en-US" sz="1400" dirty="0">
-              <a:solidFill>
-                <a:srgbClr val="00B050"/>
-              </a:solidFill>
-            </a:endParaRPr>
           </a:p>
         </p:txBody>
       </p:sp>
@@ -6095,7 +6018,7 @@
           <a:lstStyle/>
           <a:p>
             <a:r>
-              <a:rPr lang="en-US" sz="1400" dirty="0" smtClean="0">
+              <a:rPr lang="en-US" sz="1400" dirty="0">
                 <a:solidFill>
                   <a:schemeClr val="accent6">
                     <a:lumMod val="75000"/>
@@ -6105,7 +6028,7 @@
               <a:t>Save </a:t>
             </a:r>
             <a:br>
-              <a:rPr lang="en-US" sz="1400" dirty="0" smtClean="0">
+              <a:rPr lang="en-US" sz="1400" dirty="0">
                 <a:solidFill>
                   <a:schemeClr val="accent6">
                     <a:lumMod val="75000"/>
@@ -6114,7 +6037,7 @@
               </a:rPr>
             </a:br>
             <a:r>
-              <a:rPr lang="en-US" sz="1400" dirty="0" smtClean="0">
+              <a:rPr lang="en-US" sz="1400" dirty="0">
                 <a:solidFill>
                   <a:schemeClr val="accent6">
                     <a:lumMod val="75000"/>
@@ -6123,13 +6046,338 @@
               </a:rPr>
               <a:t>to file</a:t>
             </a:r>
-            <a:endParaRPr lang="en-US" sz="1400" dirty="0">
+          </a:p>
+        </p:txBody>
+      </p:sp>
+      <p:sp>
+        <p:nvSpPr>
+          <p:cNvPr id="15" name="TextBox 14"/>
+          <p:cNvSpPr txBox="1"/>
+          <p:nvPr/>
+        </p:nvSpPr>
+        <p:spPr>
+          <a:xfrm>
+            <a:off x="34834" y="2891246"/>
+            <a:ext cx="184731" cy="369332"/>
+          </a:xfrm>
+          <a:prstGeom prst="rect">
+            <a:avLst/>
+          </a:prstGeom>
+          <a:noFill/>
+        </p:spPr>
+        <p:txBody>
+          <a:bodyPr wrap="none" rtlCol="0">
+            <a:spAutoFit/>
+          </a:bodyPr>
+          <a:lstStyle/>
+          <a:p>
+            <a:endParaRPr lang="en-US" dirty="0"/>
+          </a:p>
+        </p:txBody>
+      </p:sp>
+      <p:sp>
+        <p:nvSpPr>
+          <p:cNvPr id="77" name="Rectangle 62">
+            <a:extLst>
+              <a:ext uri="{FF2B5EF4-FFF2-40B4-BE49-F238E27FC236}">
+                <a16:creationId xmlns:a16="http://schemas.microsoft.com/office/drawing/2014/main" id="{3FE0130E-66BF-6E49-A3BE-B706CE8B0EE5}"/>
+              </a:ext>
+            </a:extLst>
+          </p:cNvPr>
+          <p:cNvSpPr/>
+          <p:nvPr/>
+        </p:nvSpPr>
+        <p:spPr>
+          <a:xfrm>
+            <a:off x="4574465" y="606177"/>
+            <a:ext cx="1093635" cy="346760"/>
+          </a:xfrm>
+          <a:prstGeom prst="rect">
+            <a:avLst/>
+          </a:prstGeom>
+          <a:solidFill>
+            <a:schemeClr val="accent6">
+              <a:lumMod val="75000"/>
+            </a:schemeClr>
+          </a:solidFill>
+          <a:ln w="19050">
+            <a:solidFill>
+              <a:schemeClr val="accent6">
+                <a:lumMod val="75000"/>
+              </a:schemeClr>
+            </a:solidFill>
+          </a:ln>
+          <a:effectLst/>
+        </p:spPr>
+        <p:style>
+          <a:lnRef idx="1">
+            <a:schemeClr val="accent2"/>
+          </a:lnRef>
+          <a:fillRef idx="2">
+            <a:schemeClr val="accent2"/>
+          </a:fillRef>
+          <a:effectRef idx="1">
+            <a:schemeClr val="accent2"/>
+          </a:effectRef>
+          <a:fontRef idx="minor">
+            <a:schemeClr val="dk1"/>
+          </a:fontRef>
+        </p:style>
+        <p:txBody>
+          <a:bodyPr rtlCol="0" anchor="ctr"/>
+          <a:lstStyle/>
+          <a:p>
+            <a:pPr algn="ctr"/>
+            <a:r>
+              <a:rPr lang="en-US" sz="1600" dirty="0">
+                <a:solidFill>
+                  <a:schemeClr val="bg1"/>
+                </a:solidFill>
+              </a:rPr>
+              <a:t>:User</a:t>
+            </a:r>
+            <a:endParaRPr lang="en-SG" sz="1600" dirty="0">
               <a:solidFill>
-                <a:schemeClr val="accent6">
-                  <a:lumMod val="75000"/>
-                </a:schemeClr>
+                <a:schemeClr val="bg1"/>
               </a:solidFill>
             </a:endParaRPr>
+          </a:p>
+        </p:txBody>
+      </p:sp>
+      <p:cxnSp>
+        <p:nvCxnSpPr>
+          <p:cNvPr id="78" name="Straight Connector 77">
+            <a:extLst>
+              <a:ext uri="{FF2B5EF4-FFF2-40B4-BE49-F238E27FC236}">
+                <a16:creationId xmlns:a16="http://schemas.microsoft.com/office/drawing/2014/main" id="{8F0C81FE-9520-1C40-B021-51599F4ADC24}"/>
+              </a:ext>
+            </a:extLst>
+          </p:cNvPr>
+          <p:cNvCxnSpPr>
+            <a:cxnSpLocks/>
+          </p:cNvCxnSpPr>
+          <p:nvPr/>
+        </p:nvCxnSpPr>
+        <p:spPr>
+          <a:xfrm>
+            <a:off x="5121282" y="969848"/>
+            <a:ext cx="0" cy="959883"/>
+          </a:xfrm>
+          <a:prstGeom prst="line">
+            <a:avLst/>
+          </a:prstGeom>
+          <a:ln w="19050">
+            <a:solidFill>
+              <a:schemeClr val="accent6">
+                <a:lumMod val="75000"/>
+              </a:schemeClr>
+            </a:solidFill>
+            <a:prstDash val="sysDash"/>
+          </a:ln>
+          <a:effectLst/>
+        </p:spPr>
+        <p:style>
+          <a:lnRef idx="1">
+            <a:schemeClr val="accent1"/>
+          </a:lnRef>
+          <a:fillRef idx="2">
+            <a:schemeClr val="accent1"/>
+          </a:fillRef>
+          <a:effectRef idx="1">
+            <a:schemeClr val="accent1"/>
+          </a:effectRef>
+          <a:fontRef idx="minor">
+            <a:schemeClr val="dk1"/>
+          </a:fontRef>
+        </p:style>
+      </p:cxnSp>
+      <p:sp>
+        <p:nvSpPr>
+          <p:cNvPr id="83" name="Rectangle 82">
+            <a:extLst>
+              <a:ext uri="{FF2B5EF4-FFF2-40B4-BE49-F238E27FC236}">
+                <a16:creationId xmlns:a16="http://schemas.microsoft.com/office/drawing/2014/main" id="{513C695F-546A-474E-9CC2-20F553144DAE}"/>
+              </a:ext>
+            </a:extLst>
+          </p:cNvPr>
+          <p:cNvSpPr/>
+          <p:nvPr/>
+        </p:nvSpPr>
+        <p:spPr>
+          <a:xfrm>
+            <a:off x="5029200" y="1371600"/>
+            <a:ext cx="187632" cy="381000"/>
+          </a:xfrm>
+          <a:prstGeom prst="rect">
+            <a:avLst/>
+          </a:prstGeom>
+          <a:solidFill>
+            <a:schemeClr val="accent6">
+              <a:lumMod val="75000"/>
+            </a:schemeClr>
+          </a:solidFill>
+          <a:ln>
+            <a:solidFill>
+              <a:schemeClr val="accent6">
+                <a:lumMod val="75000"/>
+              </a:schemeClr>
+            </a:solidFill>
+          </a:ln>
+          <a:effectLst/>
+        </p:spPr>
+        <p:style>
+          <a:lnRef idx="1">
+            <a:schemeClr val="accent3"/>
+          </a:lnRef>
+          <a:fillRef idx="2">
+            <a:schemeClr val="accent3"/>
+          </a:fillRef>
+          <a:effectRef idx="1">
+            <a:schemeClr val="accent3"/>
+          </a:effectRef>
+          <a:fontRef idx="minor">
+            <a:schemeClr val="dk1"/>
+          </a:fontRef>
+        </p:style>
+        <p:txBody>
+          <a:bodyPr rtlCol="0" anchor="ctr"/>
+          <a:lstStyle/>
+          <a:p>
+            <a:pPr algn="ctr"/>
+            <a:endParaRPr lang="en-SG" sz="1400">
+              <a:solidFill>
+                <a:schemeClr val="dk1"/>
+              </a:solidFill>
+            </a:endParaRPr>
+          </a:p>
+        </p:txBody>
+      </p:sp>
+      <p:cxnSp>
+        <p:nvCxnSpPr>
+          <p:cNvPr id="84" name="Straight Arrow Connector 83">
+            <a:extLst>
+              <a:ext uri="{FF2B5EF4-FFF2-40B4-BE49-F238E27FC236}">
+                <a16:creationId xmlns:a16="http://schemas.microsoft.com/office/drawing/2014/main" id="{F61F4022-5AD8-7A4C-8980-F68F7C69162D}"/>
+              </a:ext>
+            </a:extLst>
+          </p:cNvPr>
+          <p:cNvCxnSpPr>
+            <a:cxnSpLocks/>
+          </p:cNvCxnSpPr>
+          <p:nvPr/>
+        </p:nvCxnSpPr>
+        <p:spPr>
+          <a:xfrm>
+            <a:off x="3596235" y="2057400"/>
+            <a:ext cx="2957357" cy="0"/>
+          </a:xfrm>
+          <a:prstGeom prst="straightConnector1">
+            <a:avLst/>
+          </a:prstGeom>
+          <a:ln w="19050">
+            <a:solidFill>
+              <a:srgbClr val="0070C0"/>
+            </a:solidFill>
+            <a:tailEnd type="arrow"/>
+          </a:ln>
+        </p:spPr>
+        <p:style>
+          <a:lnRef idx="1">
+            <a:schemeClr val="accent1"/>
+          </a:lnRef>
+          <a:fillRef idx="0">
+            <a:schemeClr val="accent1"/>
+          </a:fillRef>
+          <a:effectRef idx="0">
+            <a:schemeClr val="accent1"/>
+          </a:effectRef>
+          <a:fontRef idx="minor">
+            <a:schemeClr val="tx1"/>
+          </a:fontRef>
+        </p:style>
+      </p:cxnSp>
+      <p:cxnSp>
+        <p:nvCxnSpPr>
+          <p:cNvPr id="86" name="Straight Arrow Connector 85">
+            <a:extLst>
+              <a:ext uri="{FF2B5EF4-FFF2-40B4-BE49-F238E27FC236}">
+                <a16:creationId xmlns:a16="http://schemas.microsoft.com/office/drawing/2014/main" id="{76F83257-F4F5-8048-90BD-0184D7949E0E}"/>
+              </a:ext>
+            </a:extLst>
+          </p:cNvPr>
+          <p:cNvCxnSpPr>
+            <a:cxnSpLocks/>
+          </p:cNvCxnSpPr>
+          <p:nvPr/>
+        </p:nvCxnSpPr>
+        <p:spPr>
+          <a:xfrm>
+            <a:off x="3616425" y="2481319"/>
+            <a:ext cx="2937167" cy="0"/>
+          </a:xfrm>
+          <a:prstGeom prst="straightConnector1">
+            <a:avLst/>
+          </a:prstGeom>
+          <a:ln w="19050">
+            <a:solidFill>
+              <a:srgbClr val="7030A0"/>
+            </a:solidFill>
+            <a:prstDash val="sysDash"/>
+            <a:headEnd type="arrow" w="med" len="med"/>
+            <a:tailEnd type="none" w="med" len="med"/>
+          </a:ln>
+        </p:spPr>
+        <p:style>
+          <a:lnRef idx="1">
+            <a:schemeClr val="accent1"/>
+          </a:lnRef>
+          <a:fillRef idx="0">
+            <a:schemeClr val="accent1"/>
+          </a:fillRef>
+          <a:effectRef idx="0">
+            <a:schemeClr val="accent1"/>
+          </a:effectRef>
+          <a:fontRef idx="minor">
+            <a:schemeClr val="tx1"/>
+          </a:fontRef>
+        </p:style>
+      </p:cxnSp>
+      <p:sp>
+        <p:nvSpPr>
+          <p:cNvPr id="91" name="TextBox 90">
+            <a:extLst>
+              <a:ext uri="{FF2B5EF4-FFF2-40B4-BE49-F238E27FC236}">
+                <a16:creationId xmlns:a16="http://schemas.microsoft.com/office/drawing/2014/main" id="{166720AE-385E-1F45-8B36-E8D11A29A3FA}"/>
+              </a:ext>
+            </a:extLst>
+          </p:cNvPr>
+          <p:cNvSpPr txBox="1"/>
+          <p:nvPr/>
+        </p:nvSpPr>
+        <p:spPr>
+          <a:xfrm>
+            <a:off x="4755558" y="2045018"/>
+            <a:ext cx="849642" cy="215444"/>
+          </a:xfrm>
+          <a:prstGeom prst="rect">
+            <a:avLst/>
+          </a:prstGeom>
+          <a:noFill/>
+        </p:spPr>
+        <p:txBody>
+          <a:bodyPr wrap="square" lIns="0" tIns="0" rIns="0" bIns="0" rtlCol="0">
+            <a:spAutoFit/>
+          </a:bodyPr>
+          <a:lstStyle/>
+          <a:p>
+            <a:r>
+              <a:rPr lang="en-US" sz="1400" dirty="0">
+                <a:solidFill>
+                  <a:srgbClr val="0070C0"/>
+                </a:solidFill>
+              </a:rPr>
+              <a:t>commit()</a:t>
+            </a:r>
           </a:p>
         </p:txBody>
       </p:sp>
@@ -6143,13 +6391,6 @@
   <p:clrMapOvr>
     <a:masterClrMapping/>
   </p:clrMapOvr>
-  <p:timing>
-    <p:tnLst>
-      <p:par>
-        <p:cTn id="1" dur="indefinite" restart="never" nodeType="tmRoot"/>
-      </p:par>
-    </p:tnLst>
-  </p:timing>
 </p:sld>
 </file>
 

--- a/docs/diagrams/HighLevelSequenceDiagrams.pptx
+++ b/docs/diagrams/HighLevelSequenceDiagrams.pptx
@@ -107,6 +107,22 @@
       </a:defRPr>
     </a:lvl9pPr>
   </p:defaultTextStyle>
+  <p:extLst>
+    <p:ext uri="{EFAFB233-063F-42B5-8137-9DF3F51BA10A}">
+      <p15:sldGuideLst xmlns:p15="http://schemas.microsoft.com/office/powerpoint/2012/main">
+        <p15:guide id="1" orient="horz" pos="1488">
+          <p15:clr>
+            <a:srgbClr val="A4A3A4"/>
+          </p15:clr>
+        </p15:guide>
+        <p15:guide id="2" pos="2880">
+          <p15:clr>
+            <a:srgbClr val="A4A3A4"/>
+          </p15:clr>
+        </p15:guide>
+      </p15:sldGuideLst>
+    </p:ext>
+  </p:extLst>
 </p:presentation>
 </file>
 
@@ -192,7 +208,7 @@
           <a:p>
             <a:fld id="{F5CC4B3F-88C1-4FFA-B1B6-F41C21DC6924}" type="datetimeFigureOut">
               <a:rPr lang="en-US" smtClean="0"/>
-              <a:t>10/16/2016</a:t>
+              <a:t>10/21/2018</a:t>
             </a:fld>
             <a:endParaRPr lang="en-US"/>
           </a:p>
@@ -256,38 +272,37 @@
           <a:p>
             <a:pPr lvl="0"/>
             <a:r>
-              <a:rPr lang="en-US" smtClean="0"/>
+              <a:rPr lang="en-US"/>
               <a:t>Click to edit Master text styles</a:t>
             </a:r>
           </a:p>
           <a:p>
             <a:pPr lvl="1"/>
             <a:r>
-              <a:rPr lang="en-US" smtClean="0"/>
+              <a:rPr lang="en-US"/>
               <a:t>Second level</a:t>
             </a:r>
           </a:p>
           <a:p>
             <a:pPr lvl="2"/>
             <a:r>
-              <a:rPr lang="en-US" smtClean="0"/>
+              <a:rPr lang="en-US"/>
               <a:t>Third level</a:t>
             </a:r>
           </a:p>
           <a:p>
             <a:pPr lvl="3"/>
             <a:r>
-              <a:rPr lang="en-US" smtClean="0"/>
+              <a:rPr lang="en-US"/>
               <a:t>Fourth level</a:t>
             </a:r>
           </a:p>
           <a:p>
             <a:pPr lvl="4"/>
             <a:r>
-              <a:rPr lang="en-US" smtClean="0"/>
+              <a:rPr lang="en-US"/>
               <a:t>Fifth level</a:t>
             </a:r>
-            <a:endParaRPr lang="en-US"/>
           </a:p>
         </p:txBody>
       </p:sp>
@@ -498,10 +513,9 @@
           <a:lstStyle/>
           <a:p>
             <a:r>
-              <a:rPr lang="en-US" smtClean="0"/>
+              <a:rPr lang="en-US"/>
               <a:t>Click to edit Master title style</a:t>
             </a:r>
-            <a:endParaRPr lang="en-US"/>
           </a:p>
         </p:txBody>
       </p:sp>
@@ -617,10 +631,9 @@
           </a:lstStyle>
           <a:p>
             <a:r>
-              <a:rPr lang="en-US" smtClean="0"/>
+              <a:rPr lang="en-US"/>
               <a:t>Click to edit Master subtitle style</a:t>
             </a:r>
-            <a:endParaRPr lang="en-US"/>
           </a:p>
         </p:txBody>
       </p:sp>
@@ -641,7 +654,7 @@
           <a:p>
             <a:fld id="{78C97017-6FC3-485B-9764-EAC9E56C1D49}" type="datetimeFigureOut">
               <a:rPr lang="en-US" smtClean="0"/>
-              <a:t>10/16/2016</a:t>
+              <a:t>10/21/2018</a:t>
             </a:fld>
             <a:endParaRPr lang="en-US"/>
           </a:p>
@@ -735,10 +748,9 @@
           <a:lstStyle/>
           <a:p>
             <a:r>
-              <a:rPr lang="en-US" smtClean="0"/>
+              <a:rPr lang="en-US"/>
               <a:t>Click to edit Master title style</a:t>
             </a:r>
-            <a:endParaRPr lang="en-US"/>
           </a:p>
         </p:txBody>
       </p:sp>
@@ -759,38 +771,37 @@
           <a:p>
             <a:pPr lvl="0"/>
             <a:r>
-              <a:rPr lang="en-US" smtClean="0"/>
+              <a:rPr lang="en-US"/>
               <a:t>Click to edit Master text styles</a:t>
             </a:r>
           </a:p>
           <a:p>
             <a:pPr lvl="1"/>
             <a:r>
-              <a:rPr lang="en-US" smtClean="0"/>
+              <a:rPr lang="en-US"/>
               <a:t>Second level</a:t>
             </a:r>
           </a:p>
           <a:p>
             <a:pPr lvl="2"/>
             <a:r>
-              <a:rPr lang="en-US" smtClean="0"/>
+              <a:rPr lang="en-US"/>
               <a:t>Third level</a:t>
             </a:r>
           </a:p>
           <a:p>
             <a:pPr lvl="3"/>
             <a:r>
-              <a:rPr lang="en-US" smtClean="0"/>
+              <a:rPr lang="en-US"/>
               <a:t>Fourth level</a:t>
             </a:r>
           </a:p>
           <a:p>
             <a:pPr lvl="4"/>
             <a:r>
-              <a:rPr lang="en-US" smtClean="0"/>
+              <a:rPr lang="en-US"/>
               <a:t>Fifth level</a:t>
             </a:r>
-            <a:endParaRPr lang="en-US"/>
           </a:p>
         </p:txBody>
       </p:sp>
@@ -811,7 +822,7 @@
           <a:p>
             <a:fld id="{78C97017-6FC3-485B-9764-EAC9E56C1D49}" type="datetimeFigureOut">
               <a:rPr lang="en-US" smtClean="0"/>
-              <a:t>10/16/2016</a:t>
+              <a:t>10/21/2018</a:t>
             </a:fld>
             <a:endParaRPr lang="en-US"/>
           </a:p>
@@ -910,10 +921,9 @@
           <a:lstStyle/>
           <a:p>
             <a:r>
-              <a:rPr lang="en-US" smtClean="0"/>
+              <a:rPr lang="en-US"/>
               <a:t>Click to edit Master title style</a:t>
             </a:r>
-            <a:endParaRPr lang="en-US"/>
           </a:p>
         </p:txBody>
       </p:sp>
@@ -939,38 +949,37 @@
           <a:p>
             <a:pPr lvl="0"/>
             <a:r>
-              <a:rPr lang="en-US" smtClean="0"/>
+              <a:rPr lang="en-US"/>
               <a:t>Click to edit Master text styles</a:t>
             </a:r>
           </a:p>
           <a:p>
             <a:pPr lvl="1"/>
             <a:r>
-              <a:rPr lang="en-US" smtClean="0"/>
+              <a:rPr lang="en-US"/>
               <a:t>Second level</a:t>
             </a:r>
           </a:p>
           <a:p>
             <a:pPr lvl="2"/>
             <a:r>
-              <a:rPr lang="en-US" smtClean="0"/>
+              <a:rPr lang="en-US"/>
               <a:t>Third level</a:t>
             </a:r>
           </a:p>
           <a:p>
             <a:pPr lvl="3"/>
             <a:r>
-              <a:rPr lang="en-US" smtClean="0"/>
+              <a:rPr lang="en-US"/>
               <a:t>Fourth level</a:t>
             </a:r>
           </a:p>
           <a:p>
             <a:pPr lvl="4"/>
             <a:r>
-              <a:rPr lang="en-US" smtClean="0"/>
+              <a:rPr lang="en-US"/>
               <a:t>Fifth level</a:t>
             </a:r>
-            <a:endParaRPr lang="en-US"/>
           </a:p>
         </p:txBody>
       </p:sp>
@@ -991,7 +1000,7 @@
           <a:p>
             <a:fld id="{78C97017-6FC3-485B-9764-EAC9E56C1D49}" type="datetimeFigureOut">
               <a:rPr lang="en-US" smtClean="0"/>
-              <a:t>10/16/2016</a:t>
+              <a:t>10/21/2018</a:t>
             </a:fld>
             <a:endParaRPr lang="en-US"/>
           </a:p>
@@ -1085,10 +1094,9 @@
           <a:lstStyle/>
           <a:p>
             <a:r>
-              <a:rPr lang="en-US" smtClean="0"/>
+              <a:rPr lang="en-US"/>
               <a:t>Click to edit Master title style</a:t>
             </a:r>
-            <a:endParaRPr lang="en-US"/>
           </a:p>
         </p:txBody>
       </p:sp>
@@ -1109,38 +1117,37 @@
           <a:p>
             <a:pPr lvl="0"/>
             <a:r>
-              <a:rPr lang="en-US" smtClean="0"/>
+              <a:rPr lang="en-US"/>
               <a:t>Click to edit Master text styles</a:t>
             </a:r>
           </a:p>
           <a:p>
             <a:pPr lvl="1"/>
             <a:r>
-              <a:rPr lang="en-US" smtClean="0"/>
+              <a:rPr lang="en-US"/>
               <a:t>Second level</a:t>
             </a:r>
           </a:p>
           <a:p>
             <a:pPr lvl="2"/>
             <a:r>
-              <a:rPr lang="en-US" smtClean="0"/>
+              <a:rPr lang="en-US"/>
               <a:t>Third level</a:t>
             </a:r>
           </a:p>
           <a:p>
             <a:pPr lvl="3"/>
             <a:r>
-              <a:rPr lang="en-US" smtClean="0"/>
+              <a:rPr lang="en-US"/>
               <a:t>Fourth level</a:t>
             </a:r>
           </a:p>
           <a:p>
             <a:pPr lvl="4"/>
             <a:r>
-              <a:rPr lang="en-US" smtClean="0"/>
+              <a:rPr lang="en-US"/>
               <a:t>Fifth level</a:t>
             </a:r>
-            <a:endParaRPr lang="en-US"/>
           </a:p>
         </p:txBody>
       </p:sp>
@@ -1161,7 +1168,7 @@
           <a:p>
             <a:fld id="{78C97017-6FC3-485B-9764-EAC9E56C1D49}" type="datetimeFigureOut">
               <a:rPr lang="en-US" smtClean="0"/>
-              <a:t>10/16/2016</a:t>
+              <a:t>10/21/2018</a:t>
             </a:fld>
             <a:endParaRPr lang="en-US"/>
           </a:p>
@@ -1264,10 +1271,9 @@
           </a:lstStyle>
           <a:p>
             <a:r>
-              <a:rPr lang="en-US" smtClean="0"/>
+              <a:rPr lang="en-US"/>
               <a:t>Click to edit Master title style</a:t>
             </a:r>
-            <a:endParaRPr lang="en-US"/>
           </a:p>
         </p:txBody>
       </p:sp>
@@ -1384,7 +1390,7 @@
           <a:p>
             <a:pPr lvl="0"/>
             <a:r>
-              <a:rPr lang="en-US" smtClean="0"/>
+              <a:rPr lang="en-US"/>
               <a:t>Click to edit Master text styles</a:t>
             </a:r>
           </a:p>
@@ -1407,7 +1413,7 @@
           <a:p>
             <a:fld id="{78C97017-6FC3-485B-9764-EAC9E56C1D49}" type="datetimeFigureOut">
               <a:rPr lang="en-US" smtClean="0"/>
-              <a:t>10/16/2016</a:t>
+              <a:t>10/21/2018</a:t>
             </a:fld>
             <a:endParaRPr lang="en-US"/>
           </a:p>
@@ -1501,10 +1507,9 @@
           <a:lstStyle/>
           <a:p>
             <a:r>
-              <a:rPr lang="en-US" smtClean="0"/>
+              <a:rPr lang="en-US"/>
               <a:t>Click to edit Master title style</a:t>
             </a:r>
-            <a:endParaRPr lang="en-US"/>
           </a:p>
         </p:txBody>
       </p:sp>
@@ -1558,38 +1563,37 @@
           <a:p>
             <a:pPr lvl="0"/>
             <a:r>
-              <a:rPr lang="en-US" smtClean="0"/>
+              <a:rPr lang="en-US"/>
               <a:t>Click to edit Master text styles</a:t>
             </a:r>
           </a:p>
           <a:p>
             <a:pPr lvl="1"/>
             <a:r>
-              <a:rPr lang="en-US" smtClean="0"/>
+              <a:rPr lang="en-US"/>
               <a:t>Second level</a:t>
             </a:r>
           </a:p>
           <a:p>
             <a:pPr lvl="2"/>
             <a:r>
-              <a:rPr lang="en-US" smtClean="0"/>
+              <a:rPr lang="en-US"/>
               <a:t>Third level</a:t>
             </a:r>
           </a:p>
           <a:p>
             <a:pPr lvl="3"/>
             <a:r>
-              <a:rPr lang="en-US" smtClean="0"/>
+              <a:rPr lang="en-US"/>
               <a:t>Fourth level</a:t>
             </a:r>
           </a:p>
           <a:p>
             <a:pPr lvl="4"/>
             <a:r>
-              <a:rPr lang="en-US" smtClean="0"/>
+              <a:rPr lang="en-US"/>
               <a:t>Fifth level</a:t>
             </a:r>
-            <a:endParaRPr lang="en-US"/>
           </a:p>
         </p:txBody>
       </p:sp>
@@ -1643,38 +1647,37 @@
           <a:p>
             <a:pPr lvl="0"/>
             <a:r>
-              <a:rPr lang="en-US" smtClean="0"/>
+              <a:rPr lang="en-US"/>
               <a:t>Click to edit Master text styles</a:t>
             </a:r>
           </a:p>
           <a:p>
             <a:pPr lvl="1"/>
             <a:r>
-              <a:rPr lang="en-US" smtClean="0"/>
+              <a:rPr lang="en-US"/>
               <a:t>Second level</a:t>
             </a:r>
           </a:p>
           <a:p>
             <a:pPr lvl="2"/>
             <a:r>
-              <a:rPr lang="en-US" smtClean="0"/>
+              <a:rPr lang="en-US"/>
               <a:t>Third level</a:t>
             </a:r>
           </a:p>
           <a:p>
             <a:pPr lvl="3"/>
             <a:r>
-              <a:rPr lang="en-US" smtClean="0"/>
+              <a:rPr lang="en-US"/>
               <a:t>Fourth level</a:t>
             </a:r>
           </a:p>
           <a:p>
             <a:pPr lvl="4"/>
             <a:r>
-              <a:rPr lang="en-US" smtClean="0"/>
+              <a:rPr lang="en-US"/>
               <a:t>Fifth level</a:t>
             </a:r>
-            <a:endParaRPr lang="en-US"/>
           </a:p>
         </p:txBody>
       </p:sp>
@@ -1695,7 +1698,7 @@
           <a:p>
             <a:fld id="{78C97017-6FC3-485B-9764-EAC9E56C1D49}" type="datetimeFigureOut">
               <a:rPr lang="en-US" smtClean="0"/>
-              <a:t>10/16/2016</a:t>
+              <a:t>10/21/2018</a:t>
             </a:fld>
             <a:endParaRPr lang="en-US"/>
           </a:p>
@@ -1793,10 +1796,9 @@
           </a:lstStyle>
           <a:p>
             <a:r>
-              <a:rPr lang="en-US" smtClean="0"/>
+              <a:rPr lang="en-US"/>
               <a:t>Click to edit Master title style</a:t>
             </a:r>
-            <a:endParaRPr lang="en-US"/>
           </a:p>
         </p:txBody>
       </p:sp>
@@ -1859,7 +1861,7 @@
           <a:p>
             <a:pPr lvl="0"/>
             <a:r>
-              <a:rPr lang="en-US" smtClean="0"/>
+              <a:rPr lang="en-US"/>
               <a:t>Click to edit Master text styles</a:t>
             </a:r>
           </a:p>
@@ -1915,38 +1917,37 @@
           <a:p>
             <a:pPr lvl="0"/>
             <a:r>
-              <a:rPr lang="en-US" smtClean="0"/>
+              <a:rPr lang="en-US"/>
               <a:t>Click to edit Master text styles</a:t>
             </a:r>
           </a:p>
           <a:p>
             <a:pPr lvl="1"/>
             <a:r>
-              <a:rPr lang="en-US" smtClean="0"/>
+              <a:rPr lang="en-US"/>
               <a:t>Second level</a:t>
             </a:r>
           </a:p>
           <a:p>
             <a:pPr lvl="2"/>
             <a:r>
-              <a:rPr lang="en-US" smtClean="0"/>
+              <a:rPr lang="en-US"/>
               <a:t>Third level</a:t>
             </a:r>
           </a:p>
           <a:p>
             <a:pPr lvl="3"/>
             <a:r>
-              <a:rPr lang="en-US" smtClean="0"/>
+              <a:rPr lang="en-US"/>
               <a:t>Fourth level</a:t>
             </a:r>
           </a:p>
           <a:p>
             <a:pPr lvl="4"/>
             <a:r>
-              <a:rPr lang="en-US" smtClean="0"/>
+              <a:rPr lang="en-US"/>
               <a:t>Fifth level</a:t>
             </a:r>
-            <a:endParaRPr lang="en-US"/>
           </a:p>
         </p:txBody>
       </p:sp>
@@ -2009,7 +2010,7 @@
           <a:p>
             <a:pPr lvl="0"/>
             <a:r>
-              <a:rPr lang="en-US" smtClean="0"/>
+              <a:rPr lang="en-US"/>
               <a:t>Click to edit Master text styles</a:t>
             </a:r>
           </a:p>
@@ -2065,38 +2066,37 @@
           <a:p>
             <a:pPr lvl="0"/>
             <a:r>
-              <a:rPr lang="en-US" smtClean="0"/>
+              <a:rPr lang="en-US"/>
               <a:t>Click to edit Master text styles</a:t>
             </a:r>
           </a:p>
           <a:p>
             <a:pPr lvl="1"/>
             <a:r>
-              <a:rPr lang="en-US" smtClean="0"/>
+              <a:rPr lang="en-US"/>
               <a:t>Second level</a:t>
             </a:r>
           </a:p>
           <a:p>
             <a:pPr lvl="2"/>
             <a:r>
-              <a:rPr lang="en-US" smtClean="0"/>
+              <a:rPr lang="en-US"/>
               <a:t>Third level</a:t>
             </a:r>
           </a:p>
           <a:p>
             <a:pPr lvl="3"/>
             <a:r>
-              <a:rPr lang="en-US" smtClean="0"/>
+              <a:rPr lang="en-US"/>
               <a:t>Fourth level</a:t>
             </a:r>
           </a:p>
           <a:p>
             <a:pPr lvl="4"/>
             <a:r>
-              <a:rPr lang="en-US" smtClean="0"/>
+              <a:rPr lang="en-US"/>
               <a:t>Fifth level</a:t>
             </a:r>
-            <a:endParaRPr lang="en-US"/>
           </a:p>
         </p:txBody>
       </p:sp>
@@ -2117,7 +2117,7 @@
           <a:p>
             <a:fld id="{78C97017-6FC3-485B-9764-EAC9E56C1D49}" type="datetimeFigureOut">
               <a:rPr lang="en-US" smtClean="0"/>
-              <a:t>10/16/2016</a:t>
+              <a:t>10/21/2018</a:t>
             </a:fld>
             <a:endParaRPr lang="en-US"/>
           </a:p>
@@ -2211,10 +2211,9 @@
           <a:lstStyle/>
           <a:p>
             <a:r>
-              <a:rPr lang="en-US" smtClean="0"/>
+              <a:rPr lang="en-US"/>
               <a:t>Click to edit Master title style</a:t>
             </a:r>
-            <a:endParaRPr lang="en-US"/>
           </a:p>
         </p:txBody>
       </p:sp>
@@ -2235,7 +2234,7 @@
           <a:p>
             <a:fld id="{78C97017-6FC3-485B-9764-EAC9E56C1D49}" type="datetimeFigureOut">
               <a:rPr lang="en-US" smtClean="0"/>
-              <a:t>10/16/2016</a:t>
+              <a:t>10/21/2018</a:t>
             </a:fld>
             <a:endParaRPr lang="en-US"/>
           </a:p>
@@ -2330,7 +2329,7 @@
           <a:p>
             <a:fld id="{78C97017-6FC3-485B-9764-EAC9E56C1D49}" type="datetimeFigureOut">
               <a:rPr lang="en-US" smtClean="0"/>
-              <a:t>10/16/2016</a:t>
+              <a:t>10/21/2018</a:t>
             </a:fld>
             <a:endParaRPr lang="en-US"/>
           </a:p>
@@ -2433,10 +2432,9 @@
           </a:lstStyle>
           <a:p>
             <a:r>
-              <a:rPr lang="en-US" smtClean="0"/>
+              <a:rPr lang="en-US"/>
               <a:t>Click to edit Master title style</a:t>
             </a:r>
-            <a:endParaRPr lang="en-US"/>
           </a:p>
         </p:txBody>
       </p:sp>
@@ -2490,38 +2488,37 @@
           <a:p>
             <a:pPr lvl="0"/>
             <a:r>
-              <a:rPr lang="en-US" smtClean="0"/>
+              <a:rPr lang="en-US"/>
               <a:t>Click to edit Master text styles</a:t>
             </a:r>
           </a:p>
           <a:p>
             <a:pPr lvl="1"/>
             <a:r>
-              <a:rPr lang="en-US" smtClean="0"/>
+              <a:rPr lang="en-US"/>
               <a:t>Second level</a:t>
             </a:r>
           </a:p>
           <a:p>
             <a:pPr lvl="2"/>
             <a:r>
-              <a:rPr lang="en-US" smtClean="0"/>
+              <a:rPr lang="en-US"/>
               <a:t>Third level</a:t>
             </a:r>
           </a:p>
           <a:p>
             <a:pPr lvl="3"/>
             <a:r>
-              <a:rPr lang="en-US" smtClean="0"/>
+              <a:rPr lang="en-US"/>
               <a:t>Fourth level</a:t>
             </a:r>
           </a:p>
           <a:p>
             <a:pPr lvl="4"/>
             <a:r>
-              <a:rPr lang="en-US" smtClean="0"/>
+              <a:rPr lang="en-US"/>
               <a:t>Fifth level</a:t>
             </a:r>
-            <a:endParaRPr lang="en-US"/>
           </a:p>
         </p:txBody>
       </p:sp>
@@ -2584,7 +2581,7 @@
           <a:p>
             <a:pPr lvl="0"/>
             <a:r>
-              <a:rPr lang="en-US" smtClean="0"/>
+              <a:rPr lang="en-US"/>
               <a:t>Click to edit Master text styles</a:t>
             </a:r>
           </a:p>
@@ -2607,7 +2604,7 @@
           <a:p>
             <a:fld id="{78C97017-6FC3-485B-9764-EAC9E56C1D49}" type="datetimeFigureOut">
               <a:rPr lang="en-US" smtClean="0"/>
-              <a:t>10/16/2016</a:t>
+              <a:t>10/21/2018</a:t>
             </a:fld>
             <a:endParaRPr lang="en-US"/>
           </a:p>
@@ -2710,10 +2707,9 @@
           </a:lstStyle>
           <a:p>
             <a:r>
-              <a:rPr lang="en-US" smtClean="0"/>
+              <a:rPr lang="en-US"/>
               <a:t>Click to edit Master title style</a:t>
             </a:r>
-            <a:endParaRPr lang="en-US"/>
           </a:p>
         </p:txBody>
       </p:sp>
@@ -2837,7 +2833,7 @@
           <a:p>
             <a:pPr lvl="0"/>
             <a:r>
-              <a:rPr lang="en-US" smtClean="0"/>
+              <a:rPr lang="en-US"/>
               <a:t>Click to edit Master text styles</a:t>
             </a:r>
           </a:p>
@@ -2860,7 +2856,7 @@
           <a:p>
             <a:fld id="{78C97017-6FC3-485B-9764-EAC9E56C1D49}" type="datetimeFigureOut">
               <a:rPr lang="en-US" smtClean="0"/>
-              <a:t>10/16/2016</a:t>
+              <a:t>10/21/2018</a:t>
             </a:fld>
             <a:endParaRPr lang="en-US"/>
           </a:p>
@@ -2969,10 +2965,9 @@
           <a:lstStyle/>
           <a:p>
             <a:r>
-              <a:rPr lang="en-US" smtClean="0"/>
+              <a:rPr lang="en-US"/>
               <a:t>Click to edit Master title style</a:t>
             </a:r>
-            <a:endParaRPr lang="en-US"/>
           </a:p>
         </p:txBody>
       </p:sp>
@@ -3003,38 +2998,37 @@
           <a:p>
             <a:pPr lvl="0"/>
             <a:r>
-              <a:rPr lang="en-US" smtClean="0"/>
+              <a:rPr lang="en-US"/>
               <a:t>Click to edit Master text styles</a:t>
             </a:r>
           </a:p>
           <a:p>
             <a:pPr lvl="1"/>
             <a:r>
-              <a:rPr lang="en-US" smtClean="0"/>
+              <a:rPr lang="en-US"/>
               <a:t>Second level</a:t>
             </a:r>
           </a:p>
           <a:p>
             <a:pPr lvl="2"/>
             <a:r>
-              <a:rPr lang="en-US" smtClean="0"/>
+              <a:rPr lang="en-US"/>
               <a:t>Third level</a:t>
             </a:r>
           </a:p>
           <a:p>
             <a:pPr lvl="3"/>
             <a:r>
-              <a:rPr lang="en-US" smtClean="0"/>
+              <a:rPr lang="en-US"/>
               <a:t>Fourth level</a:t>
             </a:r>
           </a:p>
           <a:p>
             <a:pPr lvl="4"/>
             <a:r>
-              <a:rPr lang="en-US" smtClean="0"/>
+              <a:rPr lang="en-US"/>
               <a:t>Fifth level</a:t>
             </a:r>
-            <a:endParaRPr lang="en-US"/>
           </a:p>
         </p:txBody>
       </p:sp>
@@ -3073,7 +3067,7 @@
           <a:p>
             <a:fld id="{78C97017-6FC3-485B-9764-EAC9E56C1D49}" type="datetimeFigureOut">
               <a:rPr lang="en-US" smtClean="0"/>
-              <a:t>10/16/2016</a:t>
+              <a:t>10/21/2018</a:t>
             </a:fld>
             <a:endParaRPr lang="en-US"/>
           </a:p>
@@ -3492,7 +3486,7 @@
           <a:p>
             <a:pPr algn="ctr"/>
             <a:r>
-              <a:rPr lang="en-US" sz="1600" dirty="0" smtClean="0">
+              <a:rPr lang="en-US" sz="1600" dirty="0">
                 <a:solidFill>
                   <a:schemeClr val="bg1"/>
                 </a:solidFill>
@@ -3856,7 +3850,7 @@
           <a:p>
             <a:pPr algn="ctr"/>
             <a:r>
-              <a:rPr lang="en-US" sz="1600" dirty="0" smtClean="0">
+              <a:rPr lang="en-US" sz="1600" dirty="0">
                 <a:solidFill>
                   <a:schemeClr val="bg1"/>
                 </a:solidFill>
@@ -4003,7 +3997,7 @@
           <a:p>
             <a:pPr algn="ctr"/>
             <a:r>
-              <a:rPr lang="en-US" sz="1600" dirty="0" smtClean="0">
+              <a:rPr lang="en-US" sz="1600" dirty="0">
                 <a:solidFill>
                   <a:schemeClr val="bg1"/>
                 </a:solidFill>
@@ -4165,10 +4159,9 @@
           <a:lstStyle/>
           <a:p>
             <a:r>
-              <a:rPr lang="en-US" sz="1400" dirty="0" smtClean="0"/>
+              <a:rPr lang="en-US" sz="1400" dirty="0"/>
               <a:t>delete 1</a:t>
             </a:r>
-            <a:endParaRPr lang="en-US" sz="1400" dirty="0"/>
           </a:p>
         </p:txBody>
       </p:sp>
@@ -4231,18 +4224,13 @@
           <a:lstStyle/>
           <a:p>
             <a:r>
-              <a:rPr lang="en-US" sz="1400" dirty="0" smtClean="0">
+              <a:rPr lang="en-US" sz="1400" dirty="0">
                 <a:solidFill>
                   <a:srgbClr val="0070C0"/>
                 </a:solidFill>
               </a:rPr>
               <a:t>execute(“delete 1”)</a:t>
             </a:r>
-            <a:endParaRPr lang="en-US" sz="1400" dirty="0">
-              <a:solidFill>
-                <a:srgbClr val="0070C0"/>
-              </a:solidFill>
-            </a:endParaRPr>
           </a:p>
         </p:txBody>
       </p:sp>
@@ -4305,26 +4293,21 @@
           <a:lstStyle/>
           <a:p>
             <a:r>
-              <a:rPr lang="en-US" sz="1400" dirty="0" err="1" smtClean="0">
+              <a:rPr lang="en-US" sz="1400" dirty="0" err="1">
                 <a:solidFill>
                   <a:srgbClr val="7030A0"/>
                 </a:solidFill>
               </a:rPr>
-              <a:t>deletePerson</a:t>
-            </a:r>
-            <a:r>
-              <a:rPr lang="en-US" sz="1400" dirty="0" smtClean="0">
+              <a:t>deleteTask</a:t>
+            </a:r>
+            <a:r>
+              <a:rPr lang="en-US" sz="1400" dirty="0">
                 <a:solidFill>
                   <a:srgbClr val="7030A0"/>
                 </a:solidFill>
               </a:rPr>
-              <a:t>(p)</a:t>
-            </a:r>
-            <a:endParaRPr lang="en-US" sz="1400" dirty="0">
-              <a:solidFill>
-                <a:srgbClr val="7030A0"/>
-              </a:solidFill>
-            </a:endParaRPr>
+              <a:t>(t)</a:t>
+            </a:r>
           </a:p>
         </p:txBody>
       </p:sp>
@@ -4351,7 +4334,7 @@
           <a:lstStyle/>
           <a:p>
             <a:r>
-              <a:rPr lang="en-US" sz="1400" dirty="0" smtClean="0">
+              <a:rPr lang="en-US" sz="1400" dirty="0">
                 <a:solidFill>
                   <a:schemeClr val="accent5">
                     <a:lumMod val="75000"/>
@@ -4361,17 +4344,17 @@
               <a:t>post(</a:t>
             </a:r>
             <a:r>
-              <a:rPr lang="en-US" sz="1400" dirty="0" err="1" smtClean="0">
+              <a:rPr lang="en-US" sz="1400" dirty="0" err="1">
                 <a:solidFill>
                   <a:schemeClr val="accent5">
                     <a:lumMod val="75000"/>
                   </a:schemeClr>
                 </a:solidFill>
               </a:rPr>
-              <a:t>AddressBookChangedEvent</a:t>
-            </a:r>
-            <a:r>
-              <a:rPr lang="en-US" sz="1400" dirty="0" smtClean="0">
+              <a:t>TaskBookChangedEvent</a:t>
+            </a:r>
+            <a:r>
+              <a:rPr lang="en-US" sz="1400" dirty="0">
                 <a:solidFill>
                   <a:schemeClr val="accent5">
                     <a:lumMod val="75000"/>
@@ -4380,13 +4363,6 @@
               </a:rPr>
               <a:t>)</a:t>
             </a:r>
-            <a:endParaRPr lang="en-US" sz="1400" dirty="0">
-              <a:solidFill>
-                <a:schemeClr val="accent5">
-                  <a:lumMod val="75000"/>
-                </a:schemeClr>
-              </a:solidFill>
-            </a:endParaRPr>
           </a:p>
         </p:txBody>
       </p:sp>
@@ -4552,7 +4528,7 @@
           <a:p>
             <a:pPr algn="ctr"/>
             <a:r>
-              <a:rPr lang="en-US" sz="1600" dirty="0" smtClean="0">
+              <a:rPr lang="en-US" sz="1600" dirty="0">
                 <a:solidFill>
                   <a:schemeClr val="bg1"/>
                 </a:solidFill>
@@ -4560,7 +4536,7 @@
               <a:t>:</a:t>
             </a:r>
             <a:r>
-              <a:rPr lang="en-US" sz="1600" dirty="0" err="1" smtClean="0">
+              <a:rPr lang="en-US" sz="1600" dirty="0" err="1">
                 <a:solidFill>
                   <a:schemeClr val="bg1"/>
                 </a:solidFill>
@@ -4793,7 +4769,7 @@
           <a:p>
             <a:pPr algn="ctr"/>
             <a:r>
-              <a:rPr lang="en-US" sz="1600" dirty="0" smtClean="0">
+              <a:rPr lang="en-US" sz="1600" dirty="0">
                 <a:solidFill>
                   <a:schemeClr val="bg1"/>
                 </a:solidFill>
@@ -4925,7 +4901,7 @@
           <a:lstStyle/>
           <a:p>
             <a:r>
-              <a:rPr lang="en-US" sz="1400" dirty="0" smtClean="0">
+              <a:rPr lang="en-US" sz="1400" dirty="0">
                 <a:solidFill>
                   <a:schemeClr val="accent5">
                     <a:lumMod val="75000"/>
@@ -4935,17 +4911,17 @@
               <a:t>post(</a:t>
             </a:r>
             <a:r>
-              <a:rPr lang="en-US" sz="1400" dirty="0" err="1" smtClean="0">
+              <a:rPr lang="en-US" sz="1400" dirty="0" err="1">
                 <a:solidFill>
                   <a:schemeClr val="accent5">
                     <a:lumMod val="75000"/>
                   </a:schemeClr>
                 </a:solidFill>
               </a:rPr>
-              <a:t>AddressBookChangedEvent</a:t>
-            </a:r>
-            <a:r>
-              <a:rPr lang="en-US" sz="1400" dirty="0" smtClean="0">
+              <a:t>TaskBookChangedEvent</a:t>
+            </a:r>
+            <a:r>
+              <a:rPr lang="en-US" sz="1400" dirty="0">
                 <a:solidFill>
                   <a:schemeClr val="accent5">
                     <a:lumMod val="75000"/>
@@ -4954,13 +4930,6 @@
               </a:rPr>
               <a:t>)</a:t>
             </a:r>
-            <a:endParaRPr lang="en-US" sz="1400" dirty="0">
-              <a:solidFill>
-                <a:schemeClr val="accent5">
-                  <a:lumMod val="75000"/>
-                </a:schemeClr>
-              </a:solidFill>
-            </a:endParaRPr>
           </a:p>
         </p:txBody>
       </p:sp>
@@ -5052,7 +5021,7 @@
           <a:p>
             <a:pPr algn="ctr"/>
             <a:r>
-              <a:rPr lang="en-US" sz="1600" dirty="0" smtClean="0">
+              <a:rPr lang="en-US" sz="1600" dirty="0">
                 <a:solidFill>
                   <a:schemeClr val="bg1"/>
                 </a:solidFill>
@@ -5060,7 +5029,7 @@
               <a:t>:</a:t>
             </a:r>
             <a:r>
-              <a:rPr lang="en-US" sz="1600" dirty="0" err="1" smtClean="0">
+              <a:rPr lang="en-US" sz="1600" dirty="0" err="1">
                 <a:solidFill>
                   <a:schemeClr val="bg1"/>
                 </a:solidFill>
@@ -5307,17 +5276,17 @@
           <a:lstStyle/>
           <a:p>
             <a:r>
-              <a:rPr lang="en-US" sz="1400" dirty="0" err="1" smtClean="0">
+              <a:rPr lang="en-US" sz="1400">
                 <a:solidFill>
                   <a:schemeClr val="accent6">
                     <a:lumMod val="75000"/>
                   </a:schemeClr>
                 </a:solidFill>
               </a:rPr>
-              <a:t>handleAddresssBookChangedEvent</a:t>
-            </a:r>
-            <a:r>
-              <a:rPr lang="en-US" sz="1400" dirty="0" smtClean="0">
+              <a:t>handleTaskBookChangedEvent</a:t>
+            </a:r>
+            <a:r>
+              <a:rPr lang="en-US" sz="1400" dirty="0">
                 <a:solidFill>
                   <a:schemeClr val="accent6">
                     <a:lumMod val="75000"/>
@@ -5326,13 +5295,6 @@
               </a:rPr>
               <a:t>()</a:t>
             </a:r>
-            <a:endParaRPr lang="en-US" sz="1400" dirty="0">
-              <a:solidFill>
-                <a:schemeClr val="accent6">
-                  <a:lumMod val="75000"/>
-                </a:schemeClr>
-              </a:solidFill>
-            </a:endParaRPr>
           </a:p>
         </p:txBody>
       </p:sp>
@@ -5417,7 +5379,7 @@
           <a:p>
             <a:pPr algn="ctr"/>
             <a:r>
-              <a:rPr lang="en-US" sz="1600" dirty="0" smtClean="0">
+              <a:rPr lang="en-US" sz="1600" dirty="0">
                 <a:solidFill>
                   <a:schemeClr val="bg1"/>
                 </a:solidFill>
@@ -5620,26 +5582,21 @@
           <a:lstStyle/>
           <a:p>
             <a:r>
-              <a:rPr lang="en-US" sz="1400" dirty="0" err="1" smtClean="0">
+              <a:rPr lang="en-US" sz="1400" dirty="0" err="1">
                 <a:solidFill>
                   <a:srgbClr val="00B050"/>
                 </a:solidFill>
               </a:rPr>
-              <a:t>handleAddresssBookChangedEvent</a:t>
-            </a:r>
-            <a:r>
-              <a:rPr lang="en-US" sz="1400" dirty="0" smtClean="0">
+              <a:t>handleTaskBookChangedEvent</a:t>
+            </a:r>
+            <a:r>
+              <a:rPr lang="en-US" sz="1400" dirty="0">
                 <a:solidFill>
                   <a:srgbClr val="00B050"/>
                 </a:solidFill>
               </a:rPr>
               <a:t>()</a:t>
             </a:r>
-            <a:endParaRPr lang="en-US" sz="1400" dirty="0">
-              <a:solidFill>
-                <a:srgbClr val="00B050"/>
-              </a:solidFill>
-            </a:endParaRPr>
           </a:p>
         </p:txBody>
       </p:sp>
@@ -5826,18 +5783,13 @@
           <a:p>
             <a:pPr algn="r"/>
             <a:r>
-              <a:rPr lang="en-US" sz="1400" dirty="0" smtClean="0">
+              <a:rPr lang="en-US" sz="1400" dirty="0">
                 <a:solidFill>
                   <a:srgbClr val="00B050"/>
                 </a:solidFill>
               </a:rPr>
               <a:t>Update status bar</a:t>
             </a:r>
-            <a:endParaRPr lang="en-US" sz="1400" dirty="0">
-              <a:solidFill>
-                <a:srgbClr val="00B050"/>
-              </a:solidFill>
-            </a:endParaRPr>
           </a:p>
         </p:txBody>
       </p:sp>
@@ -6027,7 +5979,7 @@
           <a:lstStyle/>
           <a:p>
             <a:r>
-              <a:rPr lang="en-US" sz="1400" dirty="0" smtClean="0">
+              <a:rPr lang="en-US" sz="1400" dirty="0">
                 <a:solidFill>
                   <a:schemeClr val="accent6">
                     <a:lumMod val="75000"/>
@@ -6037,7 +5989,7 @@
               <a:t>Save </a:t>
             </a:r>
             <a:br>
-              <a:rPr lang="en-US" sz="1400" dirty="0" smtClean="0">
+              <a:rPr lang="en-US" sz="1400" dirty="0">
                 <a:solidFill>
                   <a:schemeClr val="accent6">
                     <a:lumMod val="75000"/>
@@ -6046,7 +5998,7 @@
               </a:rPr>
             </a:br>
             <a:r>
-              <a:rPr lang="en-US" sz="1400" dirty="0" smtClean="0">
+              <a:rPr lang="en-US" sz="1400" dirty="0">
                 <a:solidFill>
                   <a:schemeClr val="accent6">
                     <a:lumMod val="75000"/>
@@ -6055,13 +6007,6 @@
               </a:rPr>
               <a:t>to file</a:t>
             </a:r>
-            <a:endParaRPr lang="en-US" sz="1400" dirty="0">
-              <a:solidFill>
-                <a:schemeClr val="accent6">
-                  <a:lumMod val="75000"/>
-                </a:schemeClr>
-              </a:solidFill>
-            </a:endParaRPr>
           </a:p>
         </p:txBody>
       </p:sp>

--- a/docs/diagrams/HighLevelSequenceDiagrams.pptx
+++ b/docs/diagrams/HighLevelSequenceDiagrams.pptx
@@ -107,6 +107,22 @@
       </a:defRPr>
     </a:lvl9pPr>
   </p:defaultTextStyle>
+  <p:extLst>
+    <p:ext uri="{EFAFB233-063F-42B5-8137-9DF3F51BA10A}">
+      <p15:sldGuideLst xmlns:p15="http://schemas.microsoft.com/office/powerpoint/2012/main">
+        <p15:guide id="1" orient="horz" pos="1488">
+          <p15:clr>
+            <a:srgbClr val="A4A3A4"/>
+          </p15:clr>
+        </p15:guide>
+        <p15:guide id="2" pos="2880">
+          <p15:clr>
+            <a:srgbClr val="A4A3A4"/>
+          </p15:clr>
+        </p15:guide>
+      </p15:sldGuideLst>
+    </p:ext>
+  </p:extLst>
 </p:presentation>
 </file>
 
@@ -192,7 +208,7 @@
           <a:p>
             <a:fld id="{F5CC4B3F-88C1-4FFA-B1B6-F41C21DC6924}" type="datetimeFigureOut">
               <a:rPr lang="en-US" smtClean="0"/>
-              <a:t>10/16/2016</a:t>
+              <a:t>11/2/18</a:t>
             </a:fld>
             <a:endParaRPr lang="en-US"/>
           </a:p>
@@ -256,38 +272,37 @@
           <a:p>
             <a:pPr lvl="0"/>
             <a:r>
-              <a:rPr lang="en-US" smtClean="0"/>
+              <a:rPr lang="en-US"/>
               <a:t>Click to edit Master text styles</a:t>
             </a:r>
           </a:p>
           <a:p>
             <a:pPr lvl="1"/>
             <a:r>
-              <a:rPr lang="en-US" smtClean="0"/>
+              <a:rPr lang="en-US"/>
               <a:t>Second level</a:t>
             </a:r>
           </a:p>
           <a:p>
             <a:pPr lvl="2"/>
             <a:r>
-              <a:rPr lang="en-US" smtClean="0"/>
+              <a:rPr lang="en-US"/>
               <a:t>Third level</a:t>
             </a:r>
           </a:p>
           <a:p>
             <a:pPr lvl="3"/>
             <a:r>
-              <a:rPr lang="en-US" smtClean="0"/>
+              <a:rPr lang="en-US"/>
               <a:t>Fourth level</a:t>
             </a:r>
           </a:p>
           <a:p>
             <a:pPr lvl="4"/>
             <a:r>
-              <a:rPr lang="en-US" smtClean="0"/>
+              <a:rPr lang="en-US"/>
               <a:t>Fifth level</a:t>
             </a:r>
-            <a:endParaRPr lang="en-US"/>
           </a:p>
         </p:txBody>
       </p:sp>
@@ -498,10 +513,9 @@
           <a:lstStyle/>
           <a:p>
             <a:r>
-              <a:rPr lang="en-US" smtClean="0"/>
+              <a:rPr lang="en-US"/>
               <a:t>Click to edit Master title style</a:t>
             </a:r>
-            <a:endParaRPr lang="en-US"/>
           </a:p>
         </p:txBody>
       </p:sp>
@@ -617,10 +631,9 @@
           </a:lstStyle>
           <a:p>
             <a:r>
-              <a:rPr lang="en-US" smtClean="0"/>
+              <a:rPr lang="en-US"/>
               <a:t>Click to edit Master subtitle style</a:t>
             </a:r>
-            <a:endParaRPr lang="en-US"/>
           </a:p>
         </p:txBody>
       </p:sp>
@@ -641,7 +654,7 @@
           <a:p>
             <a:fld id="{78C97017-6FC3-485B-9764-EAC9E56C1D49}" type="datetimeFigureOut">
               <a:rPr lang="en-US" smtClean="0"/>
-              <a:t>10/16/2016</a:t>
+              <a:t>11/2/18</a:t>
             </a:fld>
             <a:endParaRPr lang="en-US"/>
           </a:p>
@@ -735,10 +748,9 @@
           <a:lstStyle/>
           <a:p>
             <a:r>
-              <a:rPr lang="en-US" smtClean="0"/>
+              <a:rPr lang="en-US"/>
               <a:t>Click to edit Master title style</a:t>
             </a:r>
-            <a:endParaRPr lang="en-US"/>
           </a:p>
         </p:txBody>
       </p:sp>
@@ -759,38 +771,37 @@
           <a:p>
             <a:pPr lvl="0"/>
             <a:r>
-              <a:rPr lang="en-US" smtClean="0"/>
+              <a:rPr lang="en-US"/>
               <a:t>Click to edit Master text styles</a:t>
             </a:r>
           </a:p>
           <a:p>
             <a:pPr lvl="1"/>
             <a:r>
-              <a:rPr lang="en-US" smtClean="0"/>
+              <a:rPr lang="en-US"/>
               <a:t>Second level</a:t>
             </a:r>
           </a:p>
           <a:p>
             <a:pPr lvl="2"/>
             <a:r>
-              <a:rPr lang="en-US" smtClean="0"/>
+              <a:rPr lang="en-US"/>
               <a:t>Third level</a:t>
             </a:r>
           </a:p>
           <a:p>
             <a:pPr lvl="3"/>
             <a:r>
-              <a:rPr lang="en-US" smtClean="0"/>
+              <a:rPr lang="en-US"/>
               <a:t>Fourth level</a:t>
             </a:r>
           </a:p>
           <a:p>
             <a:pPr lvl="4"/>
             <a:r>
-              <a:rPr lang="en-US" smtClean="0"/>
+              <a:rPr lang="en-US"/>
               <a:t>Fifth level</a:t>
             </a:r>
-            <a:endParaRPr lang="en-US"/>
           </a:p>
         </p:txBody>
       </p:sp>
@@ -811,7 +822,7 @@
           <a:p>
             <a:fld id="{78C97017-6FC3-485B-9764-EAC9E56C1D49}" type="datetimeFigureOut">
               <a:rPr lang="en-US" smtClean="0"/>
-              <a:t>10/16/2016</a:t>
+              <a:t>11/2/18</a:t>
             </a:fld>
             <a:endParaRPr lang="en-US"/>
           </a:p>
@@ -910,10 +921,9 @@
           <a:lstStyle/>
           <a:p>
             <a:r>
-              <a:rPr lang="en-US" smtClean="0"/>
+              <a:rPr lang="en-US"/>
               <a:t>Click to edit Master title style</a:t>
             </a:r>
-            <a:endParaRPr lang="en-US"/>
           </a:p>
         </p:txBody>
       </p:sp>
@@ -939,38 +949,37 @@
           <a:p>
             <a:pPr lvl="0"/>
             <a:r>
-              <a:rPr lang="en-US" smtClean="0"/>
+              <a:rPr lang="en-US"/>
               <a:t>Click to edit Master text styles</a:t>
             </a:r>
           </a:p>
           <a:p>
             <a:pPr lvl="1"/>
             <a:r>
-              <a:rPr lang="en-US" smtClean="0"/>
+              <a:rPr lang="en-US"/>
               <a:t>Second level</a:t>
             </a:r>
           </a:p>
           <a:p>
             <a:pPr lvl="2"/>
             <a:r>
-              <a:rPr lang="en-US" smtClean="0"/>
+              <a:rPr lang="en-US"/>
               <a:t>Third level</a:t>
             </a:r>
           </a:p>
           <a:p>
             <a:pPr lvl="3"/>
             <a:r>
-              <a:rPr lang="en-US" smtClean="0"/>
+              <a:rPr lang="en-US"/>
               <a:t>Fourth level</a:t>
             </a:r>
           </a:p>
           <a:p>
             <a:pPr lvl="4"/>
             <a:r>
-              <a:rPr lang="en-US" smtClean="0"/>
+              <a:rPr lang="en-US"/>
               <a:t>Fifth level</a:t>
             </a:r>
-            <a:endParaRPr lang="en-US"/>
           </a:p>
         </p:txBody>
       </p:sp>
@@ -991,7 +1000,7 @@
           <a:p>
             <a:fld id="{78C97017-6FC3-485B-9764-EAC9E56C1D49}" type="datetimeFigureOut">
               <a:rPr lang="en-US" smtClean="0"/>
-              <a:t>10/16/2016</a:t>
+              <a:t>11/2/18</a:t>
             </a:fld>
             <a:endParaRPr lang="en-US"/>
           </a:p>
@@ -1085,10 +1094,9 @@
           <a:lstStyle/>
           <a:p>
             <a:r>
-              <a:rPr lang="en-US" smtClean="0"/>
+              <a:rPr lang="en-US"/>
               <a:t>Click to edit Master title style</a:t>
             </a:r>
-            <a:endParaRPr lang="en-US"/>
           </a:p>
         </p:txBody>
       </p:sp>
@@ -1109,38 +1117,37 @@
           <a:p>
             <a:pPr lvl="0"/>
             <a:r>
-              <a:rPr lang="en-US" smtClean="0"/>
+              <a:rPr lang="en-US"/>
               <a:t>Click to edit Master text styles</a:t>
             </a:r>
           </a:p>
           <a:p>
             <a:pPr lvl="1"/>
             <a:r>
-              <a:rPr lang="en-US" smtClean="0"/>
+              <a:rPr lang="en-US"/>
               <a:t>Second level</a:t>
             </a:r>
           </a:p>
           <a:p>
             <a:pPr lvl="2"/>
             <a:r>
-              <a:rPr lang="en-US" smtClean="0"/>
+              <a:rPr lang="en-US"/>
               <a:t>Third level</a:t>
             </a:r>
           </a:p>
           <a:p>
             <a:pPr lvl="3"/>
             <a:r>
-              <a:rPr lang="en-US" smtClean="0"/>
+              <a:rPr lang="en-US"/>
               <a:t>Fourth level</a:t>
             </a:r>
           </a:p>
           <a:p>
             <a:pPr lvl="4"/>
             <a:r>
-              <a:rPr lang="en-US" smtClean="0"/>
+              <a:rPr lang="en-US"/>
               <a:t>Fifth level</a:t>
             </a:r>
-            <a:endParaRPr lang="en-US"/>
           </a:p>
         </p:txBody>
       </p:sp>
@@ -1161,7 +1168,7 @@
           <a:p>
             <a:fld id="{78C97017-6FC3-485B-9764-EAC9E56C1D49}" type="datetimeFigureOut">
               <a:rPr lang="en-US" smtClean="0"/>
-              <a:t>10/16/2016</a:t>
+              <a:t>11/2/18</a:t>
             </a:fld>
             <a:endParaRPr lang="en-US"/>
           </a:p>
@@ -1264,10 +1271,9 @@
           </a:lstStyle>
           <a:p>
             <a:r>
-              <a:rPr lang="en-US" smtClean="0"/>
+              <a:rPr lang="en-US"/>
               <a:t>Click to edit Master title style</a:t>
             </a:r>
-            <a:endParaRPr lang="en-US"/>
           </a:p>
         </p:txBody>
       </p:sp>
@@ -1384,7 +1390,7 @@
           <a:p>
             <a:pPr lvl="0"/>
             <a:r>
-              <a:rPr lang="en-US" smtClean="0"/>
+              <a:rPr lang="en-US"/>
               <a:t>Click to edit Master text styles</a:t>
             </a:r>
           </a:p>
@@ -1407,7 +1413,7 @@
           <a:p>
             <a:fld id="{78C97017-6FC3-485B-9764-EAC9E56C1D49}" type="datetimeFigureOut">
               <a:rPr lang="en-US" smtClean="0"/>
-              <a:t>10/16/2016</a:t>
+              <a:t>11/2/18</a:t>
             </a:fld>
             <a:endParaRPr lang="en-US"/>
           </a:p>
@@ -1501,10 +1507,9 @@
           <a:lstStyle/>
           <a:p>
             <a:r>
-              <a:rPr lang="en-US" smtClean="0"/>
+              <a:rPr lang="en-US"/>
               <a:t>Click to edit Master title style</a:t>
             </a:r>
-            <a:endParaRPr lang="en-US"/>
           </a:p>
         </p:txBody>
       </p:sp>
@@ -1558,38 +1563,37 @@
           <a:p>
             <a:pPr lvl="0"/>
             <a:r>
-              <a:rPr lang="en-US" smtClean="0"/>
+              <a:rPr lang="en-US"/>
               <a:t>Click to edit Master text styles</a:t>
             </a:r>
           </a:p>
           <a:p>
             <a:pPr lvl="1"/>
             <a:r>
-              <a:rPr lang="en-US" smtClean="0"/>
+              <a:rPr lang="en-US"/>
               <a:t>Second level</a:t>
             </a:r>
           </a:p>
           <a:p>
             <a:pPr lvl="2"/>
             <a:r>
-              <a:rPr lang="en-US" smtClean="0"/>
+              <a:rPr lang="en-US"/>
               <a:t>Third level</a:t>
             </a:r>
           </a:p>
           <a:p>
             <a:pPr lvl="3"/>
             <a:r>
-              <a:rPr lang="en-US" smtClean="0"/>
+              <a:rPr lang="en-US"/>
               <a:t>Fourth level</a:t>
             </a:r>
           </a:p>
           <a:p>
             <a:pPr lvl="4"/>
             <a:r>
-              <a:rPr lang="en-US" smtClean="0"/>
+              <a:rPr lang="en-US"/>
               <a:t>Fifth level</a:t>
             </a:r>
-            <a:endParaRPr lang="en-US"/>
           </a:p>
         </p:txBody>
       </p:sp>
@@ -1643,38 +1647,37 @@
           <a:p>
             <a:pPr lvl="0"/>
             <a:r>
-              <a:rPr lang="en-US" smtClean="0"/>
+              <a:rPr lang="en-US"/>
               <a:t>Click to edit Master text styles</a:t>
             </a:r>
           </a:p>
           <a:p>
             <a:pPr lvl="1"/>
             <a:r>
-              <a:rPr lang="en-US" smtClean="0"/>
+              <a:rPr lang="en-US"/>
               <a:t>Second level</a:t>
             </a:r>
           </a:p>
           <a:p>
             <a:pPr lvl="2"/>
             <a:r>
-              <a:rPr lang="en-US" smtClean="0"/>
+              <a:rPr lang="en-US"/>
               <a:t>Third level</a:t>
             </a:r>
           </a:p>
           <a:p>
             <a:pPr lvl="3"/>
             <a:r>
-              <a:rPr lang="en-US" smtClean="0"/>
+              <a:rPr lang="en-US"/>
               <a:t>Fourth level</a:t>
             </a:r>
           </a:p>
           <a:p>
             <a:pPr lvl="4"/>
             <a:r>
-              <a:rPr lang="en-US" smtClean="0"/>
+              <a:rPr lang="en-US"/>
               <a:t>Fifth level</a:t>
             </a:r>
-            <a:endParaRPr lang="en-US"/>
           </a:p>
         </p:txBody>
       </p:sp>
@@ -1695,7 +1698,7 @@
           <a:p>
             <a:fld id="{78C97017-6FC3-485B-9764-EAC9E56C1D49}" type="datetimeFigureOut">
               <a:rPr lang="en-US" smtClean="0"/>
-              <a:t>10/16/2016</a:t>
+              <a:t>11/2/18</a:t>
             </a:fld>
             <a:endParaRPr lang="en-US"/>
           </a:p>
@@ -1793,10 +1796,9 @@
           </a:lstStyle>
           <a:p>
             <a:r>
-              <a:rPr lang="en-US" smtClean="0"/>
+              <a:rPr lang="en-US"/>
               <a:t>Click to edit Master title style</a:t>
             </a:r>
-            <a:endParaRPr lang="en-US"/>
           </a:p>
         </p:txBody>
       </p:sp>
@@ -1859,7 +1861,7 @@
           <a:p>
             <a:pPr lvl="0"/>
             <a:r>
-              <a:rPr lang="en-US" smtClean="0"/>
+              <a:rPr lang="en-US"/>
               <a:t>Click to edit Master text styles</a:t>
             </a:r>
           </a:p>
@@ -1915,38 +1917,37 @@
           <a:p>
             <a:pPr lvl="0"/>
             <a:r>
-              <a:rPr lang="en-US" smtClean="0"/>
+              <a:rPr lang="en-US"/>
               <a:t>Click to edit Master text styles</a:t>
             </a:r>
           </a:p>
           <a:p>
             <a:pPr lvl="1"/>
             <a:r>
-              <a:rPr lang="en-US" smtClean="0"/>
+              <a:rPr lang="en-US"/>
               <a:t>Second level</a:t>
             </a:r>
           </a:p>
           <a:p>
             <a:pPr lvl="2"/>
             <a:r>
-              <a:rPr lang="en-US" smtClean="0"/>
+              <a:rPr lang="en-US"/>
               <a:t>Third level</a:t>
             </a:r>
           </a:p>
           <a:p>
             <a:pPr lvl="3"/>
             <a:r>
-              <a:rPr lang="en-US" smtClean="0"/>
+              <a:rPr lang="en-US"/>
               <a:t>Fourth level</a:t>
             </a:r>
           </a:p>
           <a:p>
             <a:pPr lvl="4"/>
             <a:r>
-              <a:rPr lang="en-US" smtClean="0"/>
+              <a:rPr lang="en-US"/>
               <a:t>Fifth level</a:t>
             </a:r>
-            <a:endParaRPr lang="en-US"/>
           </a:p>
         </p:txBody>
       </p:sp>
@@ -2009,7 +2010,7 @@
           <a:p>
             <a:pPr lvl="0"/>
             <a:r>
-              <a:rPr lang="en-US" smtClean="0"/>
+              <a:rPr lang="en-US"/>
               <a:t>Click to edit Master text styles</a:t>
             </a:r>
           </a:p>
@@ -2065,38 +2066,37 @@
           <a:p>
             <a:pPr lvl="0"/>
             <a:r>
-              <a:rPr lang="en-US" smtClean="0"/>
+              <a:rPr lang="en-US"/>
               <a:t>Click to edit Master text styles</a:t>
             </a:r>
           </a:p>
           <a:p>
             <a:pPr lvl="1"/>
             <a:r>
-              <a:rPr lang="en-US" smtClean="0"/>
+              <a:rPr lang="en-US"/>
               <a:t>Second level</a:t>
             </a:r>
           </a:p>
           <a:p>
             <a:pPr lvl="2"/>
             <a:r>
-              <a:rPr lang="en-US" smtClean="0"/>
+              <a:rPr lang="en-US"/>
               <a:t>Third level</a:t>
             </a:r>
           </a:p>
           <a:p>
             <a:pPr lvl="3"/>
             <a:r>
-              <a:rPr lang="en-US" smtClean="0"/>
+              <a:rPr lang="en-US"/>
               <a:t>Fourth level</a:t>
             </a:r>
           </a:p>
           <a:p>
             <a:pPr lvl="4"/>
             <a:r>
-              <a:rPr lang="en-US" smtClean="0"/>
+              <a:rPr lang="en-US"/>
               <a:t>Fifth level</a:t>
             </a:r>
-            <a:endParaRPr lang="en-US"/>
           </a:p>
         </p:txBody>
       </p:sp>
@@ -2117,7 +2117,7 @@
           <a:p>
             <a:fld id="{78C97017-6FC3-485B-9764-EAC9E56C1D49}" type="datetimeFigureOut">
               <a:rPr lang="en-US" smtClean="0"/>
-              <a:t>10/16/2016</a:t>
+              <a:t>11/2/18</a:t>
             </a:fld>
             <a:endParaRPr lang="en-US"/>
           </a:p>
@@ -2211,10 +2211,9 @@
           <a:lstStyle/>
           <a:p>
             <a:r>
-              <a:rPr lang="en-US" smtClean="0"/>
+              <a:rPr lang="en-US"/>
               <a:t>Click to edit Master title style</a:t>
             </a:r>
-            <a:endParaRPr lang="en-US"/>
           </a:p>
         </p:txBody>
       </p:sp>
@@ -2235,7 +2234,7 @@
           <a:p>
             <a:fld id="{78C97017-6FC3-485B-9764-EAC9E56C1D49}" type="datetimeFigureOut">
               <a:rPr lang="en-US" smtClean="0"/>
-              <a:t>10/16/2016</a:t>
+              <a:t>11/2/18</a:t>
             </a:fld>
             <a:endParaRPr lang="en-US"/>
           </a:p>
@@ -2330,7 +2329,7 @@
           <a:p>
             <a:fld id="{78C97017-6FC3-485B-9764-EAC9E56C1D49}" type="datetimeFigureOut">
               <a:rPr lang="en-US" smtClean="0"/>
-              <a:t>10/16/2016</a:t>
+              <a:t>11/2/18</a:t>
             </a:fld>
             <a:endParaRPr lang="en-US"/>
           </a:p>
@@ -2433,10 +2432,9 @@
           </a:lstStyle>
           <a:p>
             <a:r>
-              <a:rPr lang="en-US" smtClean="0"/>
+              <a:rPr lang="en-US"/>
               <a:t>Click to edit Master title style</a:t>
             </a:r>
-            <a:endParaRPr lang="en-US"/>
           </a:p>
         </p:txBody>
       </p:sp>
@@ -2490,38 +2488,37 @@
           <a:p>
             <a:pPr lvl="0"/>
             <a:r>
-              <a:rPr lang="en-US" smtClean="0"/>
+              <a:rPr lang="en-US"/>
               <a:t>Click to edit Master text styles</a:t>
             </a:r>
           </a:p>
           <a:p>
             <a:pPr lvl="1"/>
             <a:r>
-              <a:rPr lang="en-US" smtClean="0"/>
+              <a:rPr lang="en-US"/>
               <a:t>Second level</a:t>
             </a:r>
           </a:p>
           <a:p>
             <a:pPr lvl="2"/>
             <a:r>
-              <a:rPr lang="en-US" smtClean="0"/>
+              <a:rPr lang="en-US"/>
               <a:t>Third level</a:t>
             </a:r>
           </a:p>
           <a:p>
             <a:pPr lvl="3"/>
             <a:r>
-              <a:rPr lang="en-US" smtClean="0"/>
+              <a:rPr lang="en-US"/>
               <a:t>Fourth level</a:t>
             </a:r>
           </a:p>
           <a:p>
             <a:pPr lvl="4"/>
             <a:r>
-              <a:rPr lang="en-US" smtClean="0"/>
+              <a:rPr lang="en-US"/>
               <a:t>Fifth level</a:t>
             </a:r>
-            <a:endParaRPr lang="en-US"/>
           </a:p>
         </p:txBody>
       </p:sp>
@@ -2584,7 +2581,7 @@
           <a:p>
             <a:pPr lvl="0"/>
             <a:r>
-              <a:rPr lang="en-US" smtClean="0"/>
+              <a:rPr lang="en-US"/>
               <a:t>Click to edit Master text styles</a:t>
             </a:r>
           </a:p>
@@ -2607,7 +2604,7 @@
           <a:p>
             <a:fld id="{78C97017-6FC3-485B-9764-EAC9E56C1D49}" type="datetimeFigureOut">
               <a:rPr lang="en-US" smtClean="0"/>
-              <a:t>10/16/2016</a:t>
+              <a:t>11/2/18</a:t>
             </a:fld>
             <a:endParaRPr lang="en-US"/>
           </a:p>
@@ -2710,10 +2707,9 @@
           </a:lstStyle>
           <a:p>
             <a:r>
-              <a:rPr lang="en-US" smtClean="0"/>
+              <a:rPr lang="en-US"/>
               <a:t>Click to edit Master title style</a:t>
             </a:r>
-            <a:endParaRPr lang="en-US"/>
           </a:p>
         </p:txBody>
       </p:sp>
@@ -2837,7 +2833,7 @@
           <a:p>
             <a:pPr lvl="0"/>
             <a:r>
-              <a:rPr lang="en-US" smtClean="0"/>
+              <a:rPr lang="en-US"/>
               <a:t>Click to edit Master text styles</a:t>
             </a:r>
           </a:p>
@@ -2860,7 +2856,7 @@
           <a:p>
             <a:fld id="{78C97017-6FC3-485B-9764-EAC9E56C1D49}" type="datetimeFigureOut">
               <a:rPr lang="en-US" smtClean="0"/>
-              <a:t>10/16/2016</a:t>
+              <a:t>11/2/18</a:t>
             </a:fld>
             <a:endParaRPr lang="en-US"/>
           </a:p>
@@ -2969,10 +2965,9 @@
           <a:lstStyle/>
           <a:p>
             <a:r>
-              <a:rPr lang="en-US" smtClean="0"/>
+              <a:rPr lang="en-US"/>
               <a:t>Click to edit Master title style</a:t>
             </a:r>
-            <a:endParaRPr lang="en-US"/>
           </a:p>
         </p:txBody>
       </p:sp>
@@ -3003,38 +2998,37 @@
           <a:p>
             <a:pPr lvl="0"/>
             <a:r>
-              <a:rPr lang="en-US" smtClean="0"/>
+              <a:rPr lang="en-US"/>
               <a:t>Click to edit Master text styles</a:t>
             </a:r>
           </a:p>
           <a:p>
             <a:pPr lvl="1"/>
             <a:r>
-              <a:rPr lang="en-US" smtClean="0"/>
+              <a:rPr lang="en-US"/>
               <a:t>Second level</a:t>
             </a:r>
           </a:p>
           <a:p>
             <a:pPr lvl="2"/>
             <a:r>
-              <a:rPr lang="en-US" smtClean="0"/>
+              <a:rPr lang="en-US"/>
               <a:t>Third level</a:t>
             </a:r>
           </a:p>
           <a:p>
             <a:pPr lvl="3"/>
             <a:r>
-              <a:rPr lang="en-US" smtClean="0"/>
+              <a:rPr lang="en-US"/>
               <a:t>Fourth level</a:t>
             </a:r>
           </a:p>
           <a:p>
             <a:pPr lvl="4"/>
             <a:r>
-              <a:rPr lang="en-US" smtClean="0"/>
+              <a:rPr lang="en-US"/>
               <a:t>Fifth level</a:t>
             </a:r>
-            <a:endParaRPr lang="en-US"/>
           </a:p>
         </p:txBody>
       </p:sp>
@@ -3073,7 +3067,7 @@
           <a:p>
             <a:fld id="{78C97017-6FC3-485B-9764-EAC9E56C1D49}" type="datetimeFigureOut">
               <a:rPr lang="en-US" smtClean="0"/>
-              <a:t>10/16/2016</a:t>
+              <a:t>11/2/18</a:t>
             </a:fld>
             <a:endParaRPr lang="en-US"/>
           </a:p>
@@ -3492,7 +3486,7 @@
           <a:p>
             <a:pPr algn="ctr"/>
             <a:r>
-              <a:rPr lang="en-US" sz="1600" dirty="0" smtClean="0">
+              <a:rPr lang="en-US" sz="1600" dirty="0">
                 <a:solidFill>
                   <a:schemeClr val="bg1"/>
                 </a:solidFill>
@@ -3856,7 +3850,7 @@
           <a:p>
             <a:pPr algn="ctr"/>
             <a:r>
-              <a:rPr lang="en-US" sz="1600" dirty="0" smtClean="0">
+              <a:rPr lang="en-US" sz="1600" dirty="0">
                 <a:solidFill>
                   <a:schemeClr val="bg1"/>
                 </a:solidFill>
@@ -4003,7 +3997,7 @@
           <a:p>
             <a:pPr algn="ctr"/>
             <a:r>
-              <a:rPr lang="en-US" sz="1600" dirty="0" smtClean="0">
+              <a:rPr lang="en-US" sz="1600" dirty="0">
                 <a:solidFill>
                   <a:schemeClr val="bg1"/>
                 </a:solidFill>
@@ -4165,10 +4159,9 @@
           <a:lstStyle/>
           <a:p>
             <a:r>
-              <a:rPr lang="en-US" sz="1400" dirty="0" smtClean="0"/>
+              <a:rPr lang="en-US" sz="1400" dirty="0"/>
               <a:t>delete 1</a:t>
             </a:r>
-            <a:endParaRPr lang="en-US" sz="1400" dirty="0"/>
           </a:p>
         </p:txBody>
       </p:sp>
@@ -4231,18 +4224,13 @@
           <a:lstStyle/>
           <a:p>
             <a:r>
-              <a:rPr lang="en-US" sz="1400" dirty="0" smtClean="0">
+              <a:rPr lang="en-US" sz="1400" dirty="0">
                 <a:solidFill>
                   <a:srgbClr val="0070C0"/>
                 </a:solidFill>
               </a:rPr>
               <a:t>execute(“delete 1”)</a:t>
             </a:r>
-            <a:endParaRPr lang="en-US" sz="1400" dirty="0">
-              <a:solidFill>
-                <a:srgbClr val="0070C0"/>
-              </a:solidFill>
-            </a:endParaRPr>
           </a:p>
         </p:txBody>
       </p:sp>
@@ -4305,26 +4293,21 @@
           <a:lstStyle/>
           <a:p>
             <a:r>
-              <a:rPr lang="en-US" sz="1400" dirty="0" err="1" smtClean="0">
+              <a:rPr lang="en-US" sz="1400" dirty="0" err="1">
                 <a:solidFill>
                   <a:srgbClr val="7030A0"/>
                 </a:solidFill>
               </a:rPr>
-              <a:t>deletePerson</a:t>
-            </a:r>
-            <a:r>
-              <a:rPr lang="en-US" sz="1400" dirty="0" smtClean="0">
+              <a:t>deleteEvent</a:t>
+            </a:r>
+            <a:r>
+              <a:rPr lang="en-US" sz="1400" dirty="0">
                 <a:solidFill>
                   <a:srgbClr val="7030A0"/>
                 </a:solidFill>
               </a:rPr>
               <a:t>(p)</a:t>
             </a:r>
-            <a:endParaRPr lang="en-US" sz="1400" dirty="0">
-              <a:solidFill>
-                <a:srgbClr val="7030A0"/>
-              </a:solidFill>
-            </a:endParaRPr>
           </a:p>
         </p:txBody>
       </p:sp>
@@ -4337,7 +4320,7 @@
         <p:spPr>
           <a:xfrm>
             <a:off x="6074030" y="1687656"/>
-            <a:ext cx="2438400" cy="215444"/>
+            <a:ext cx="2438400" cy="200055"/>
           </a:xfrm>
           <a:prstGeom prst="rect">
             <a:avLst/>
@@ -4351,27 +4334,27 @@
           <a:lstStyle/>
           <a:p>
             <a:r>
-              <a:rPr lang="en-US" sz="1400" dirty="0" smtClean="0">
+              <a:rPr lang="en-US" sz="1300" dirty="0">
                 <a:solidFill>
                   <a:schemeClr val="accent5">
                     <a:lumMod val="75000"/>
                   </a:schemeClr>
                 </a:solidFill>
               </a:rPr>
-              <a:t>post(</a:t>
-            </a:r>
-            <a:r>
-              <a:rPr lang="en-US" sz="1400" dirty="0" err="1" smtClean="0">
+              <a:t>Post(</a:t>
+            </a:r>
+            <a:r>
+              <a:rPr lang="en-US" sz="1300" dirty="0" err="1">
                 <a:solidFill>
                   <a:schemeClr val="accent5">
                     <a:lumMod val="75000"/>
                   </a:schemeClr>
                 </a:solidFill>
               </a:rPr>
-              <a:t>AddressBookChangedEvent</a:t>
-            </a:r>
-            <a:r>
-              <a:rPr lang="en-US" sz="1400" dirty="0" smtClean="0">
+              <a:t>EventManagerChangedEvent</a:t>
+            </a:r>
+            <a:r>
+              <a:rPr lang="en-US" sz="1300" dirty="0">
                 <a:solidFill>
                   <a:schemeClr val="accent5">
                     <a:lumMod val="75000"/>
@@ -4380,13 +4363,6 @@
               </a:rPr>
               <a:t>)</a:t>
             </a:r>
-            <a:endParaRPr lang="en-US" sz="1400" dirty="0">
-              <a:solidFill>
-                <a:schemeClr val="accent5">
-                  <a:lumMod val="75000"/>
-                </a:schemeClr>
-              </a:solidFill>
-            </a:endParaRPr>
           </a:p>
         </p:txBody>
       </p:sp>
@@ -4552,7 +4528,7 @@
           <a:p>
             <a:pPr algn="ctr"/>
             <a:r>
-              <a:rPr lang="en-US" sz="1600" dirty="0" smtClean="0">
+              <a:rPr lang="en-US" sz="1600" dirty="0">
                 <a:solidFill>
                   <a:schemeClr val="bg1"/>
                 </a:solidFill>
@@ -4560,7 +4536,7 @@
               <a:t>:</a:t>
             </a:r>
             <a:r>
-              <a:rPr lang="en-US" sz="1600" dirty="0" err="1" smtClean="0">
+              <a:rPr lang="en-US" sz="1600" dirty="0" err="1">
                 <a:solidFill>
                   <a:schemeClr val="bg1"/>
                 </a:solidFill>
@@ -4793,7 +4769,7 @@
           <a:p>
             <a:pPr algn="ctr"/>
             <a:r>
-              <a:rPr lang="en-US" sz="1600" dirty="0" smtClean="0">
+              <a:rPr lang="en-US" sz="1600" dirty="0">
                 <a:solidFill>
                   <a:schemeClr val="bg1"/>
                 </a:solidFill>
@@ -4925,7 +4901,7 @@
           <a:lstStyle/>
           <a:p>
             <a:r>
-              <a:rPr lang="en-US" sz="1400" dirty="0" smtClean="0">
+              <a:rPr lang="en-US" sz="1400" dirty="0">
                 <a:solidFill>
                   <a:schemeClr val="accent5">
                     <a:lumMod val="75000"/>
@@ -4935,17 +4911,17 @@
               <a:t>post(</a:t>
             </a:r>
             <a:r>
-              <a:rPr lang="en-US" sz="1400" dirty="0" err="1" smtClean="0">
+              <a:rPr lang="en-US" sz="1400" dirty="0" err="1">
                 <a:solidFill>
                   <a:schemeClr val="accent5">
                     <a:lumMod val="75000"/>
                   </a:schemeClr>
                 </a:solidFill>
               </a:rPr>
-              <a:t>AddressBookChangedEvent</a:t>
-            </a:r>
-            <a:r>
-              <a:rPr lang="en-US" sz="1400" dirty="0" smtClean="0">
+              <a:t>EventManagerChangedEvent</a:t>
+            </a:r>
+            <a:r>
+              <a:rPr lang="en-US" sz="1400" dirty="0">
                 <a:solidFill>
                   <a:schemeClr val="accent5">
                     <a:lumMod val="75000"/>
@@ -4954,13 +4930,6 @@
               </a:rPr>
               <a:t>)</a:t>
             </a:r>
-            <a:endParaRPr lang="en-US" sz="1400" dirty="0">
-              <a:solidFill>
-                <a:schemeClr val="accent5">
-                  <a:lumMod val="75000"/>
-                </a:schemeClr>
-              </a:solidFill>
-            </a:endParaRPr>
           </a:p>
         </p:txBody>
       </p:sp>
@@ -5052,7 +5021,7 @@
           <a:p>
             <a:pPr algn="ctr"/>
             <a:r>
-              <a:rPr lang="en-US" sz="1600" dirty="0" smtClean="0">
+              <a:rPr lang="en-US" sz="1600" dirty="0">
                 <a:solidFill>
                   <a:schemeClr val="bg1"/>
                 </a:solidFill>
@@ -5060,7 +5029,7 @@
               <a:t>:</a:t>
             </a:r>
             <a:r>
-              <a:rPr lang="en-US" sz="1600" dirty="0" err="1" smtClean="0">
+              <a:rPr lang="en-US" sz="1600" dirty="0" err="1">
                 <a:solidFill>
                   <a:schemeClr val="bg1"/>
                 </a:solidFill>
@@ -5293,7 +5262,7 @@
         <p:spPr>
           <a:xfrm>
             <a:off x="5036330" y="5065911"/>
-            <a:ext cx="2659870" cy="215444"/>
+            <a:ext cx="2659870" cy="430887"/>
           </a:xfrm>
           <a:prstGeom prst="rect">
             <a:avLst/>
@@ -5307,17 +5276,17 @@
           <a:lstStyle/>
           <a:p>
             <a:r>
-              <a:rPr lang="en-US" sz="1400" dirty="0" err="1" smtClean="0">
+              <a:rPr lang="en-US" sz="1400">
                 <a:solidFill>
                   <a:schemeClr val="accent6">
                     <a:lumMod val="75000"/>
                   </a:schemeClr>
                 </a:solidFill>
               </a:rPr>
-              <a:t>handleAddresssBookChangedEvent</a:t>
-            </a:r>
-            <a:r>
-              <a:rPr lang="en-US" sz="1400" dirty="0" smtClean="0">
+              <a:t>handleEventManagerChangedEvent</a:t>
+            </a:r>
+            <a:r>
+              <a:rPr lang="en-US" sz="1400" dirty="0">
                 <a:solidFill>
                   <a:schemeClr val="accent6">
                     <a:lumMod val="75000"/>
@@ -5326,13 +5295,6 @@
               </a:rPr>
               <a:t>()</a:t>
             </a:r>
-            <a:endParaRPr lang="en-US" sz="1400" dirty="0">
-              <a:solidFill>
-                <a:schemeClr val="accent6">
-                  <a:lumMod val="75000"/>
-                </a:schemeClr>
-              </a:solidFill>
-            </a:endParaRPr>
           </a:p>
         </p:txBody>
       </p:sp>
@@ -5417,7 +5379,7 @@
           <a:p>
             <a:pPr algn="ctr"/>
             <a:r>
-              <a:rPr lang="en-US" sz="1600" dirty="0" smtClean="0">
+              <a:rPr lang="en-US" sz="1600" dirty="0">
                 <a:solidFill>
                   <a:schemeClr val="bg1"/>
                 </a:solidFill>
@@ -5606,7 +5568,7 @@
         <p:spPr>
           <a:xfrm>
             <a:off x="1416276" y="5395369"/>
-            <a:ext cx="2659870" cy="215444"/>
+            <a:ext cx="2659870" cy="430887"/>
           </a:xfrm>
           <a:prstGeom prst="rect">
             <a:avLst/>
@@ -5620,26 +5582,21 @@
           <a:lstStyle/>
           <a:p>
             <a:r>
-              <a:rPr lang="en-US" sz="1400" dirty="0" err="1" smtClean="0">
+              <a:rPr lang="en-US" sz="1400" dirty="0" err="1">
                 <a:solidFill>
                   <a:srgbClr val="00B050"/>
                 </a:solidFill>
               </a:rPr>
-              <a:t>handleAddresssBookChangedEvent</a:t>
-            </a:r>
-            <a:r>
-              <a:rPr lang="en-US" sz="1400" dirty="0" smtClean="0">
+              <a:t>handleEventManagerChangedEvent</a:t>
+            </a:r>
+            <a:r>
+              <a:rPr lang="en-US" sz="1400" dirty="0">
                 <a:solidFill>
                   <a:srgbClr val="00B050"/>
                 </a:solidFill>
               </a:rPr>
               <a:t>()</a:t>
             </a:r>
-            <a:endParaRPr lang="en-US" sz="1400" dirty="0">
-              <a:solidFill>
-                <a:srgbClr val="00B050"/>
-              </a:solidFill>
-            </a:endParaRPr>
           </a:p>
         </p:txBody>
       </p:sp>
@@ -5826,18 +5783,13 @@
           <a:p>
             <a:pPr algn="r"/>
             <a:r>
-              <a:rPr lang="en-US" sz="1400" dirty="0" smtClean="0">
+              <a:rPr lang="en-US" sz="1400" dirty="0">
                 <a:solidFill>
                   <a:srgbClr val="00B050"/>
                 </a:solidFill>
               </a:rPr>
               <a:t>Update status bar</a:t>
             </a:r>
-            <a:endParaRPr lang="en-US" sz="1400" dirty="0">
-              <a:solidFill>
-                <a:srgbClr val="00B050"/>
-              </a:solidFill>
-            </a:endParaRPr>
           </a:p>
         </p:txBody>
       </p:sp>
@@ -6027,7 +5979,7 @@
           <a:lstStyle/>
           <a:p>
             <a:r>
-              <a:rPr lang="en-US" sz="1400" dirty="0" smtClean="0">
+              <a:rPr lang="en-US" sz="1400" dirty="0">
                 <a:solidFill>
                   <a:schemeClr val="accent6">
                     <a:lumMod val="75000"/>
@@ -6037,7 +5989,7 @@
               <a:t>Save </a:t>
             </a:r>
             <a:br>
-              <a:rPr lang="en-US" sz="1400" dirty="0" smtClean="0">
+              <a:rPr lang="en-US" sz="1400" dirty="0">
                 <a:solidFill>
                   <a:schemeClr val="accent6">
                     <a:lumMod val="75000"/>
@@ -6046,7 +5998,7 @@
               </a:rPr>
             </a:br>
             <a:r>
-              <a:rPr lang="en-US" sz="1400" dirty="0" smtClean="0">
+              <a:rPr lang="en-US" sz="1400" dirty="0">
                 <a:solidFill>
                   <a:schemeClr val="accent6">
                     <a:lumMod val="75000"/>
@@ -6055,13 +6007,6 @@
               </a:rPr>
               <a:t>to file</a:t>
             </a:r>
-            <a:endParaRPr lang="en-US" sz="1400" dirty="0">
-              <a:solidFill>
-                <a:schemeClr val="accent6">
-                  <a:lumMod val="75000"/>
-                </a:schemeClr>
-              </a:solidFill>
-            </a:endParaRPr>
           </a:p>
         </p:txBody>
       </p:sp>

--- a/docs/diagrams/HighLevelSequenceDiagrams.pptx
+++ b/docs/diagrams/HighLevelSequenceDiagrams.pptx
@@ -5,17 +5,18 @@
     <p:sldMasterId id="2147483648" r:id="rId1"/>
   </p:sldMasterIdLst>
   <p:notesMasterIdLst>
-    <p:notesMasterId r:id="rId10"/>
+    <p:notesMasterId r:id="rId11"/>
   </p:notesMasterIdLst>
   <p:sldIdLst>
     <p:sldId id="266" r:id="rId2"/>
     <p:sldId id="267" r:id="rId3"/>
     <p:sldId id="268" r:id="rId4"/>
     <p:sldId id="269" r:id="rId5"/>
-    <p:sldId id="270" r:id="rId6"/>
-    <p:sldId id="273" r:id="rId7"/>
-    <p:sldId id="271" r:id="rId8"/>
-    <p:sldId id="272" r:id="rId9"/>
+    <p:sldId id="274" r:id="rId6"/>
+    <p:sldId id="270" r:id="rId7"/>
+    <p:sldId id="273" r:id="rId8"/>
+    <p:sldId id="271" r:id="rId9"/>
+    <p:sldId id="272" r:id="rId10"/>
   </p:sldIdLst>
   <p:sldSz cx="9144000" cy="6858000" type="screen4x3"/>
   <p:notesSz cx="6858000" cy="9144000"/>
@@ -215,7 +216,7 @@
           <a:p>
             <a:fld id="{F5CC4B3F-88C1-4FFA-B1B6-F41C21DC6924}" type="datetimeFigureOut">
               <a:rPr lang="en-US" smtClean="0"/>
-              <a:t>11/7/18</a:t>
+              <a:t>11/8/18</a:t>
             </a:fld>
             <a:endParaRPr lang="en-US"/>
           </a:p>
@@ -661,7 +662,7 @@
           <a:p>
             <a:fld id="{78C97017-6FC3-485B-9764-EAC9E56C1D49}" type="datetimeFigureOut">
               <a:rPr lang="en-US" smtClean="0"/>
-              <a:t>11/7/18</a:t>
+              <a:t>11/8/18</a:t>
             </a:fld>
             <a:endParaRPr lang="en-US"/>
           </a:p>
@@ -829,7 +830,7 @@
           <a:p>
             <a:fld id="{78C97017-6FC3-485B-9764-EAC9E56C1D49}" type="datetimeFigureOut">
               <a:rPr lang="en-US" smtClean="0"/>
-              <a:t>11/7/18</a:t>
+              <a:t>11/8/18</a:t>
             </a:fld>
             <a:endParaRPr lang="en-US"/>
           </a:p>
@@ -1007,7 +1008,7 @@
           <a:p>
             <a:fld id="{78C97017-6FC3-485B-9764-EAC9E56C1D49}" type="datetimeFigureOut">
               <a:rPr lang="en-US" smtClean="0"/>
-              <a:t>11/7/18</a:t>
+              <a:t>11/8/18</a:t>
             </a:fld>
             <a:endParaRPr lang="en-US"/>
           </a:p>
@@ -1175,7 +1176,7 @@
           <a:p>
             <a:fld id="{78C97017-6FC3-485B-9764-EAC9E56C1D49}" type="datetimeFigureOut">
               <a:rPr lang="en-US" smtClean="0"/>
-              <a:t>11/7/18</a:t>
+              <a:t>11/8/18</a:t>
             </a:fld>
             <a:endParaRPr lang="en-US"/>
           </a:p>
@@ -1420,7 +1421,7 @@
           <a:p>
             <a:fld id="{78C97017-6FC3-485B-9764-EAC9E56C1D49}" type="datetimeFigureOut">
               <a:rPr lang="en-US" smtClean="0"/>
-              <a:t>11/7/18</a:t>
+              <a:t>11/8/18</a:t>
             </a:fld>
             <a:endParaRPr lang="en-US"/>
           </a:p>
@@ -1705,7 +1706,7 @@
           <a:p>
             <a:fld id="{78C97017-6FC3-485B-9764-EAC9E56C1D49}" type="datetimeFigureOut">
               <a:rPr lang="en-US" smtClean="0"/>
-              <a:t>11/7/18</a:t>
+              <a:t>11/8/18</a:t>
             </a:fld>
             <a:endParaRPr lang="en-US"/>
           </a:p>
@@ -2124,7 +2125,7 @@
           <a:p>
             <a:fld id="{78C97017-6FC3-485B-9764-EAC9E56C1D49}" type="datetimeFigureOut">
               <a:rPr lang="en-US" smtClean="0"/>
-              <a:t>11/7/18</a:t>
+              <a:t>11/8/18</a:t>
             </a:fld>
             <a:endParaRPr lang="en-US"/>
           </a:p>
@@ -2241,7 +2242,7 @@
           <a:p>
             <a:fld id="{78C97017-6FC3-485B-9764-EAC9E56C1D49}" type="datetimeFigureOut">
               <a:rPr lang="en-US" smtClean="0"/>
-              <a:t>11/7/18</a:t>
+              <a:t>11/8/18</a:t>
             </a:fld>
             <a:endParaRPr lang="en-US"/>
           </a:p>
@@ -2336,7 +2337,7 @@
           <a:p>
             <a:fld id="{78C97017-6FC3-485B-9764-EAC9E56C1D49}" type="datetimeFigureOut">
               <a:rPr lang="en-US" smtClean="0"/>
-              <a:t>11/7/18</a:t>
+              <a:t>11/8/18</a:t>
             </a:fld>
             <a:endParaRPr lang="en-US"/>
           </a:p>
@@ -2611,7 +2612,7 @@
           <a:p>
             <a:fld id="{78C97017-6FC3-485B-9764-EAC9E56C1D49}" type="datetimeFigureOut">
               <a:rPr lang="en-US" smtClean="0"/>
-              <a:t>11/7/18</a:t>
+              <a:t>11/8/18</a:t>
             </a:fld>
             <a:endParaRPr lang="en-US"/>
           </a:p>
@@ -2863,7 +2864,7 @@
           <a:p>
             <a:fld id="{78C97017-6FC3-485B-9764-EAC9E56C1D49}" type="datetimeFigureOut">
               <a:rPr lang="en-US" smtClean="0"/>
-              <a:t>11/7/18</a:t>
+              <a:t>11/8/18</a:t>
             </a:fld>
             <a:endParaRPr lang="en-US"/>
           </a:p>
@@ -3074,7 +3075,7 @@
           <a:p>
             <a:fld id="{78C97017-6FC3-485B-9764-EAC9E56C1D49}" type="datetimeFigureOut">
               <a:rPr lang="en-US" smtClean="0"/>
-              <a:t>11/7/18</a:t>
+              <a:t>11/8/18</a:t>
             </a:fld>
             <a:endParaRPr lang="en-US"/>
           </a:p>
@@ -17538,6 +17539,61 @@
         </p:grpSpPr>
         <p:sp>
           <p:nvSpPr>
+            <p:cNvPr id="160" name="Rectangle 159">
+              <a:extLst>
+                <a:ext uri="{FF2B5EF4-FFF2-40B4-BE49-F238E27FC236}">
+                  <a16:creationId xmlns:a16="http://schemas.microsoft.com/office/drawing/2014/main" id="{B5D7BF70-460D-EC4E-A028-EE67288325A0}"/>
+                </a:ext>
+              </a:extLst>
+            </p:cNvPr>
+            <p:cNvSpPr/>
+            <p:nvPr/>
+          </p:nvSpPr>
+          <p:spPr>
+            <a:xfrm>
+              <a:off x="2673840" y="2129773"/>
+              <a:ext cx="7010015" cy="1634388"/>
+            </a:xfrm>
+            <a:prstGeom prst="rect">
+              <a:avLst/>
+            </a:prstGeom>
+            <a:solidFill>
+              <a:schemeClr val="accent5">
+                <a:lumMod val="75000"/>
+                <a:alpha val="29000"/>
+              </a:schemeClr>
+            </a:solidFill>
+            <a:ln w="12700">
+              <a:solidFill>
+                <a:schemeClr val="dk1"/>
+              </a:solidFill>
+            </a:ln>
+          </p:spPr>
+          <p:style>
+            <a:lnRef idx="2">
+              <a:schemeClr val="dk1"/>
+            </a:lnRef>
+            <a:fillRef idx="1">
+              <a:schemeClr val="lt1"/>
+            </a:fillRef>
+            <a:effectRef idx="0">
+              <a:schemeClr val="dk1"/>
+            </a:effectRef>
+            <a:fontRef idx="minor">
+              <a:schemeClr val="dk1"/>
+            </a:fontRef>
+          </p:style>
+          <p:txBody>
+            <a:bodyPr rtlCol="0" anchor="ctr"/>
+            <a:lstStyle/>
+            <a:p>
+              <a:pPr algn="ctr"/>
+              <a:endParaRPr lang="en-US" dirty="0"/>
+            </a:p>
+          </p:txBody>
+        </p:sp>
+        <p:sp>
+          <p:nvSpPr>
             <p:cNvPr id="2" name="Rectangle 62"/>
             <p:cNvSpPr/>
             <p:nvPr/>
@@ -18256,7 +18312,7 @@
           <p:spPr>
             <a:xfrm>
               <a:off x="127184" y="1162901"/>
-              <a:ext cx="1155596" cy="1077218"/>
+              <a:ext cx="1155596" cy="861774"/>
             </a:xfrm>
             <a:prstGeom prst="rect">
               <a:avLst/>
@@ -18271,18 +18327,19 @@
             <a:p>
               <a:r>
                 <a:rPr lang="en-SG" sz="1400" dirty="0" err="1"/>
-                <a:t>createModule</a:t>
-              </a:r>
-              <a:endParaRPr lang="en-SG" sz="1400" dirty="0"/>
-            </a:p>
-            <a:p>
-              <a:r>
-                <a:rPr lang="en-SG" sz="1400" dirty="0" err="1"/>
-                <a:t>mCode</a:t>
+                <a:t>updateModule</a:t>
               </a:r>
               <a:r>
                 <a:rPr lang="en-SG" sz="1400" dirty="0"/>
-                <a:t>/CS2113 </a:t>
+                <a:t> </a:t>
+              </a:r>
+              <a:r>
+                <a:rPr lang="en-SG" sz="1400" dirty="0" err="1"/>
+                <a:t>mId</a:t>
+              </a:r>
+              <a:r>
+                <a:rPr lang="en-SG" sz="1400" dirty="0"/>
+                <a:t>/3 </a:t>
               </a:r>
               <a:r>
                 <a:rPr lang="en-SG" sz="1400" dirty="0" err="1"/>
@@ -18290,7 +18347,15 @@
               </a:r>
               <a:r>
                 <a:rPr lang="en-SG" sz="1400" dirty="0"/>
-                <a:t>/Software Engineering and OOP</a:t>
+                <a:t>/Software </a:t>
+              </a:r>
+              <a:r>
+                <a:rPr lang="en-SG" sz="1400" dirty="0" err="1"/>
+                <a:t>Eng</a:t>
+              </a:r>
+              <a:r>
+                <a:rPr lang="en-SG" sz="1400" dirty="0"/>
+                <a:t> and OOP</a:t>
               </a:r>
               <a:endParaRPr lang="en-US" sz="1400" dirty="0"/>
             </a:p>
@@ -18343,7 +18408,7 @@
           <p:spPr>
             <a:xfrm>
               <a:off x="1475763" y="1319402"/>
-              <a:ext cx="1700165" cy="738664"/>
+              <a:ext cx="1574181" cy="553998"/>
             </a:xfrm>
             <a:prstGeom prst="rect">
               <a:avLst/>
@@ -18370,22 +18435,7 @@
                     <a:srgbClr val="0070C0"/>
                   </a:solidFill>
                 </a:rPr>
-                <a:t>createModule</a:t>
-              </a:r>
-              <a:endParaRPr lang="en-US" sz="1200" dirty="0">
-                <a:solidFill>
-                  <a:srgbClr val="0070C0"/>
-                </a:solidFill>
-              </a:endParaRPr>
-            </a:p>
-            <a:p>
-              <a:r>
-                <a:rPr lang="en-US" sz="1200" dirty="0" err="1">
-                  <a:solidFill>
-                    <a:srgbClr val="0070C0"/>
-                  </a:solidFill>
-                </a:rPr>
-                <a:t>mCode</a:t>
+                <a:t>updateModule</a:t>
               </a:r>
               <a:r>
                 <a:rPr lang="en-US" sz="1200" dirty="0">
@@ -18393,7 +18443,23 @@
                     <a:srgbClr val="0070C0"/>
                   </a:solidFill>
                 </a:rPr>
-                <a:t>/CS2113 </a:t>
+                <a:t> </a:t>
+              </a:r>
+              <a:r>
+                <a:rPr lang="en-US" sz="1200" dirty="0" err="1">
+                  <a:solidFill>
+                    <a:srgbClr val="0070C0"/>
+                  </a:solidFill>
+                </a:rPr>
+                <a:t>mId</a:t>
+              </a:r>
+              <a:r>
+                <a:rPr lang="en-US" sz="1200" dirty="0">
+                  <a:solidFill>
+                    <a:srgbClr val="0070C0"/>
+                  </a:solidFill>
+                </a:rPr>
+                <a:t>/3 </a:t>
               </a:r>
               <a:r>
                 <a:rPr lang="en-US" sz="1200" dirty="0" err="1">
@@ -18409,7 +18475,23 @@
                     <a:srgbClr val="0070C0"/>
                   </a:solidFill>
                 </a:rPr>
-                <a:t>/Software Engineering and OOP</a:t>
+                <a:t>/Software </a:t>
+              </a:r>
+              <a:r>
+                <a:rPr lang="en-US" sz="1200" dirty="0" err="1">
+                  <a:solidFill>
+                    <a:srgbClr val="0070C0"/>
+                  </a:solidFill>
+                </a:rPr>
+                <a:t>Eng</a:t>
+              </a:r>
+              <a:r>
+                <a:rPr lang="en-US" sz="1200" dirty="0">
+                  <a:solidFill>
+                    <a:srgbClr val="0070C0"/>
+                  </a:solidFill>
+                </a:rPr>
+                <a:t> and OOP</a:t>
               </a:r>
               <a:r>
                 <a:rPr lang="en-SG" sz="1200" dirty="0">
@@ -18438,7 +18520,7 @@
           </p:nvSpPr>
           <p:spPr>
             <a:xfrm>
-              <a:off x="5401359" y="1468605"/>
+              <a:off x="5723978" y="1478585"/>
               <a:ext cx="2205748" cy="169277"/>
             </a:xfrm>
             <a:prstGeom prst="rect">
@@ -18458,7 +18540,7 @@
                     <a:srgbClr val="7031A0"/>
                   </a:solidFill>
                 </a:rPr>
-                <a:t>getModuleByCode</a:t>
+                <a:t>getModule</a:t>
               </a:r>
               <a:r>
                 <a:rPr lang="en-US" sz="1100" dirty="0">
@@ -18466,7 +18548,7 @@
                     <a:srgbClr val="7031A0"/>
                   </a:solidFill>
                 </a:rPr>
-                <a:t>(“CS2113”)</a:t>
+                <a:t>(3)</a:t>
               </a:r>
             </a:p>
           </p:txBody>
@@ -19508,7 +19590,7 @@
                     <a:srgbClr val="7031A0"/>
                   </a:solidFill>
                 </a:rPr>
-                <a:t>addModule</a:t>
+                <a:t>updateModule</a:t>
               </a:r>
               <a:r>
                 <a:rPr lang="en-US" sz="1100" dirty="0">
@@ -19623,7 +19705,7 @@
           </p:nvSpPr>
           <p:spPr>
             <a:xfrm>
-              <a:off x="7696366" y="2534119"/>
+              <a:off x="7411694" y="2546997"/>
               <a:ext cx="1898997" cy="169277"/>
             </a:xfrm>
             <a:prstGeom prst="rect">
@@ -19638,12 +19720,20 @@
             <a:lstStyle/>
             <a:p>
               <a:r>
+                <a:rPr lang="en-US" sz="1100" dirty="0" err="1">
+                  <a:solidFill>
+                    <a:srgbClr val="E46D39"/>
+                  </a:solidFill>
+                </a:rPr>
+                <a:t>updateObjectInList</a:t>
+              </a:r>
+              <a:r>
                 <a:rPr lang="en-US" sz="1100" dirty="0">
                   <a:solidFill>
                     <a:srgbClr val="E46D39"/>
                   </a:solidFill>
                 </a:rPr>
-                <a:t>add(module)</a:t>
+                <a:t>(module)</a:t>
               </a:r>
             </a:p>
           </p:txBody>
@@ -19866,61 +19956,6 @@
         </p:cxnSp>
         <p:sp>
           <p:nvSpPr>
-            <p:cNvPr id="160" name="Rectangle 159">
-              <a:extLst>
-                <a:ext uri="{FF2B5EF4-FFF2-40B4-BE49-F238E27FC236}">
-                  <a16:creationId xmlns:a16="http://schemas.microsoft.com/office/drawing/2014/main" id="{B5D7BF70-460D-EC4E-A028-EE67288325A0}"/>
-                </a:ext>
-              </a:extLst>
-            </p:cNvPr>
-            <p:cNvSpPr/>
-            <p:nvPr/>
-          </p:nvSpPr>
-          <p:spPr>
-            <a:xfrm>
-              <a:off x="2673840" y="2129773"/>
-              <a:ext cx="7010015" cy="1634388"/>
-            </a:xfrm>
-            <a:prstGeom prst="rect">
-              <a:avLst/>
-            </a:prstGeom>
-            <a:solidFill>
-              <a:schemeClr val="accent5">
-                <a:lumMod val="75000"/>
-                <a:alpha val="29000"/>
-              </a:schemeClr>
-            </a:solidFill>
-            <a:ln w="12700">
-              <a:solidFill>
-                <a:schemeClr val="dk1"/>
-              </a:solidFill>
-            </a:ln>
-          </p:spPr>
-          <p:style>
-            <a:lnRef idx="2">
-              <a:schemeClr val="dk1"/>
-            </a:lnRef>
-            <a:fillRef idx="1">
-              <a:schemeClr val="lt1"/>
-            </a:fillRef>
-            <a:effectRef idx="0">
-              <a:schemeClr val="dk1"/>
-            </a:effectRef>
-            <a:fontRef idx="minor">
-              <a:schemeClr val="dk1"/>
-            </a:fontRef>
-          </p:style>
-          <p:txBody>
-            <a:bodyPr rtlCol="0" anchor="ctr"/>
-            <a:lstStyle/>
-            <a:p>
-              <a:pPr algn="ctr"/>
-              <a:endParaRPr lang="en-US" dirty="0"/>
-            </a:p>
-          </p:txBody>
-        </p:sp>
-        <p:sp>
-          <p:nvSpPr>
             <p:cNvPr id="162" name="Snip Single Corner Rectangle 161">
               <a:extLst>
                 <a:ext uri="{FF2B5EF4-FFF2-40B4-BE49-F238E27FC236}">
@@ -20036,19 +20071,7 @@
             <a:p>
               <a:r>
                 <a:rPr lang="en-US" sz="1400" dirty="0"/>
-                <a:t>[module</a:t>
-              </a:r>
-              <a:r>
-                <a:rPr lang="zh-CN" altLang="en-US" sz="1400" dirty="0"/>
-                <a:t> </a:t>
-              </a:r>
-              <a:r>
-                <a:rPr lang="en-US" altLang="zh-CN" sz="1400" dirty="0"/>
-                <a:t>does not exist</a:t>
-              </a:r>
-              <a:r>
-                <a:rPr lang="en-US" sz="1400" dirty="0"/>
-                <a:t>]</a:t>
+                <a:t>[valid module]</a:t>
               </a:r>
             </a:p>
           </p:txBody>
@@ -21705,10 +21728,10 @@
       </p:sp>
       <p:grpSp>
         <p:nvGrpSpPr>
-          <p:cNvPr id="28" name="Group 27">
+          <p:cNvPr id="4" name="Group 3">
             <a:extLst>
               <a:ext uri="{FF2B5EF4-FFF2-40B4-BE49-F238E27FC236}">
-                <a16:creationId xmlns:a16="http://schemas.microsoft.com/office/drawing/2014/main" id="{F91C8786-8AA8-C74C-B1A8-7F5A403C570C}"/>
+                <a16:creationId xmlns:a16="http://schemas.microsoft.com/office/drawing/2014/main" id="{BE0C4D34-D0D1-BD4C-A717-502907A92C35}"/>
               </a:ext>
             </a:extLst>
           </p:cNvPr>
@@ -21718,153 +21741,11 @@
         <p:grpSpPr>
           <a:xfrm>
             <a:off x="-187234" y="533400"/>
-            <a:ext cx="12002413" cy="3574734"/>
+            <a:ext cx="10138346" cy="3376546"/>
             <a:chOff x="-187234" y="533400"/>
-            <a:chExt cx="12002413" cy="3574734"/>
+            <a:chExt cx="10138346" cy="3376546"/>
           </a:xfrm>
         </p:grpSpPr>
-        <p:sp>
-          <p:nvSpPr>
-            <p:cNvPr id="160" name="Rectangle 159">
-              <a:extLst>
-                <a:ext uri="{FF2B5EF4-FFF2-40B4-BE49-F238E27FC236}">
-                  <a16:creationId xmlns:a16="http://schemas.microsoft.com/office/drawing/2014/main" id="{B5D7BF70-460D-EC4E-A028-EE67288325A0}"/>
-                </a:ext>
-              </a:extLst>
-            </p:cNvPr>
-            <p:cNvSpPr/>
-            <p:nvPr/>
-          </p:nvSpPr>
-          <p:spPr>
-            <a:xfrm>
-              <a:off x="2674099" y="1929172"/>
-              <a:ext cx="8840130" cy="2178962"/>
-            </a:xfrm>
-            <a:prstGeom prst="rect">
-              <a:avLst/>
-            </a:prstGeom>
-            <a:solidFill>
-              <a:schemeClr val="accent5">
-                <a:lumMod val="75000"/>
-                <a:alpha val="29000"/>
-              </a:schemeClr>
-            </a:solidFill>
-            <a:ln w="12700">
-              <a:solidFill>
-                <a:schemeClr val="dk1"/>
-              </a:solidFill>
-            </a:ln>
-          </p:spPr>
-          <p:style>
-            <a:lnRef idx="2">
-              <a:schemeClr val="dk1"/>
-            </a:lnRef>
-            <a:fillRef idx="1">
-              <a:schemeClr val="lt1"/>
-            </a:fillRef>
-            <a:effectRef idx="0">
-              <a:schemeClr val="dk1"/>
-            </a:effectRef>
-            <a:fontRef idx="minor">
-              <a:schemeClr val="dk1"/>
-            </a:fontRef>
-          </p:style>
-          <p:txBody>
-            <a:bodyPr rtlCol="0" anchor="ctr"/>
-            <a:lstStyle/>
-            <a:p>
-              <a:pPr algn="ctr"/>
-              <a:endParaRPr lang="en-US" dirty="0"/>
-            </a:p>
-          </p:txBody>
-        </p:sp>
-        <p:sp>
-          <p:nvSpPr>
-            <p:cNvPr id="162" name="Snip Single Corner Rectangle 161">
-              <a:extLst>
-                <a:ext uri="{FF2B5EF4-FFF2-40B4-BE49-F238E27FC236}">
-                  <a16:creationId xmlns:a16="http://schemas.microsoft.com/office/drawing/2014/main" id="{24173F3B-DF15-B44A-AAD7-CDA8447BC302}"/>
-                </a:ext>
-              </a:extLst>
-            </p:cNvPr>
-            <p:cNvSpPr/>
-            <p:nvPr/>
-          </p:nvSpPr>
-          <p:spPr>
-            <a:xfrm rot="10800000" flipH="1">
-              <a:off x="2683719" y="1936682"/>
-              <a:ext cx="494877" cy="344965"/>
-            </a:xfrm>
-            <a:prstGeom prst="snip1Rect">
-              <a:avLst/>
-            </a:prstGeom>
-            <a:solidFill>
-              <a:schemeClr val="accent5">
-                <a:lumMod val="75000"/>
-                <a:alpha val="76000"/>
-              </a:schemeClr>
-            </a:solidFill>
-          </p:spPr>
-          <p:style>
-            <a:lnRef idx="2">
-              <a:schemeClr val="accent1">
-                <a:shade val="50000"/>
-              </a:schemeClr>
-            </a:lnRef>
-            <a:fillRef idx="1">
-              <a:schemeClr val="accent1"/>
-            </a:fillRef>
-            <a:effectRef idx="0">
-              <a:schemeClr val="accent1"/>
-            </a:effectRef>
-            <a:fontRef idx="minor">
-              <a:schemeClr val="lt1"/>
-            </a:fontRef>
-          </p:style>
-          <p:txBody>
-            <a:bodyPr rtlCol="0" anchor="ctr"/>
-            <a:lstStyle/>
-            <a:p>
-              <a:pPr algn="ctr"/>
-              <a:endParaRPr lang="en-US" dirty="0"/>
-            </a:p>
-          </p:txBody>
-        </p:sp>
-        <p:sp>
-          <p:nvSpPr>
-            <p:cNvPr id="163" name="TextBox 162">
-              <a:extLst>
-                <a:ext uri="{FF2B5EF4-FFF2-40B4-BE49-F238E27FC236}">
-                  <a16:creationId xmlns:a16="http://schemas.microsoft.com/office/drawing/2014/main" id="{F98B8DDD-5213-6347-8516-D48717F66626}"/>
-                </a:ext>
-              </a:extLst>
-            </p:cNvPr>
-            <p:cNvSpPr txBox="1"/>
-            <p:nvPr/>
-          </p:nvSpPr>
-          <p:spPr>
-            <a:xfrm>
-              <a:off x="2660519" y="1851544"/>
-              <a:ext cx="600400" cy="492392"/>
-            </a:xfrm>
-            <a:prstGeom prst="rect">
-              <a:avLst/>
-            </a:prstGeom>
-            <a:noFill/>
-          </p:spPr>
-          <p:txBody>
-            <a:bodyPr wrap="square" rtlCol="0">
-              <a:spAutoFit/>
-            </a:bodyPr>
-            <a:lstStyle/>
-            <a:p>
-              <a:r>
-                <a:rPr lang="en-US" dirty="0"/>
-                <a:t>alt</a:t>
-              </a:r>
-            </a:p>
-          </p:txBody>
-        </p:sp>
         <p:sp>
           <p:nvSpPr>
             <p:cNvPr id="2" name="Rectangle 62"/>
@@ -22487,6 +22368,57 @@
             </a:fontRef>
           </p:style>
         </p:cxnSp>
+        <p:sp>
+          <p:nvSpPr>
+            <p:cNvPr id="21" name="Rectangle 20"/>
+            <p:cNvSpPr/>
+            <p:nvPr/>
+          </p:nvSpPr>
+          <p:spPr>
+            <a:xfrm>
+              <a:off x="5203500" y="2369481"/>
+              <a:ext cx="146240" cy="983319"/>
+            </a:xfrm>
+            <a:prstGeom prst="rect">
+              <a:avLst/>
+            </a:prstGeom>
+            <a:solidFill>
+              <a:srgbClr val="7030A0"/>
+            </a:solidFill>
+            <a:ln>
+              <a:solidFill>
+                <a:srgbClr val="7030A0"/>
+              </a:solidFill>
+            </a:ln>
+            <a:effectLst/>
+          </p:spPr>
+          <p:style>
+            <a:lnRef idx="1">
+              <a:schemeClr val="accent3"/>
+            </a:lnRef>
+            <a:fillRef idx="2">
+              <a:schemeClr val="accent3"/>
+            </a:fillRef>
+            <a:effectRef idx="1">
+              <a:schemeClr val="accent3"/>
+            </a:effectRef>
+            <a:fontRef idx="minor">
+              <a:schemeClr val="dk1"/>
+            </a:fontRef>
+          </p:style>
+          <p:txBody>
+            <a:bodyPr rtlCol="0" anchor="ctr"/>
+            <a:lstStyle/>
+            <a:p>
+              <a:pPr algn="ctr"/>
+              <a:endParaRPr lang="en-SG" sz="1400">
+                <a:solidFill>
+                  <a:schemeClr val="dk1"/>
+                </a:solidFill>
+              </a:endParaRPr>
+            </a:p>
+          </p:txBody>
+        </p:sp>
         <p:cxnSp>
           <p:nvCxnSpPr>
             <p:cNvPr id="23" name="Straight Arrow Connector 22"/>
@@ -22534,7 +22466,7 @@
           <p:spPr>
             <a:xfrm>
               <a:off x="127184" y="1162901"/>
-              <a:ext cx="1155596" cy="646331"/>
+              <a:ext cx="1155596" cy="1077218"/>
             </a:xfrm>
             <a:prstGeom prst="rect">
               <a:avLst/>
@@ -22549,19 +22481,26 @@
             <a:p>
               <a:r>
                 <a:rPr lang="en-SG" sz="1400" dirty="0" err="1"/>
-                <a:t>setAdmin</a:t>
+                <a:t>createModule</a:t>
+              </a:r>
+              <a:endParaRPr lang="en-SG" sz="1400" dirty="0"/>
+            </a:p>
+            <a:p>
+              <a:r>
+                <a:rPr lang="en-SG" sz="1400" dirty="0" err="1"/>
+                <a:t>mCode</a:t>
               </a:r>
               <a:r>
                 <a:rPr lang="en-SG" sz="1400" dirty="0"/>
-                <a:t> </a:t>
+                <a:t>/CS2113 </a:t>
               </a:r>
               <a:r>
                 <a:rPr lang="en-SG" sz="1400" dirty="0" err="1"/>
-                <a:t>uName</a:t>
+                <a:t>mTitle</a:t>
               </a:r>
               <a:r>
                 <a:rPr lang="en-SG" sz="1400" dirty="0"/>
-                <a:t>/john set/true</a:t>
+                <a:t>/Software Engineering and OOP</a:t>
               </a:r>
               <a:endParaRPr lang="en-US" sz="1400" dirty="0"/>
             </a:p>
@@ -22628,7 +22567,7 @@
             <a:lstStyle/>
             <a:p>
               <a:r>
-                <a:rPr lang="en-US" sz="1600" dirty="0">
+                <a:rPr lang="en-US" sz="1200" dirty="0">
                   <a:solidFill>
                     <a:srgbClr val="0070C0"/>
                   </a:solidFill>
@@ -22636,39 +22575,54 @@
                 <a:t>execute(“</a:t>
               </a:r>
               <a:r>
-                <a:rPr lang="en-US" sz="1600" dirty="0" err="1">
+                <a:rPr lang="en-US" sz="1200" dirty="0" err="1">
                   <a:solidFill>
                     <a:srgbClr val="0070C0"/>
                   </a:solidFill>
                 </a:rPr>
-                <a:t>setAdmin</a:t>
+                <a:t>createModule</a:t>
               </a:r>
+              <a:endParaRPr lang="en-US" sz="1200" dirty="0">
+                <a:solidFill>
+                  <a:srgbClr val="0070C0"/>
+                </a:solidFill>
+              </a:endParaRPr>
+            </a:p>
+            <a:p>
               <a:r>
-                <a:rPr lang="en-US" sz="1600" dirty="0">
+                <a:rPr lang="en-US" sz="1200" dirty="0" err="1">
                   <a:solidFill>
                     <a:srgbClr val="0070C0"/>
                   </a:solidFill>
                 </a:rPr>
-                <a:t> </a:t>
+                <a:t>mCode</a:t>
               </a:r>
               <a:r>
-                <a:rPr lang="en-US" sz="1600" dirty="0" err="1">
+                <a:rPr lang="en-US" sz="1200" dirty="0">
                   <a:solidFill>
                     <a:srgbClr val="0070C0"/>
                   </a:solidFill>
                 </a:rPr>
-                <a:t>uName</a:t>
+                <a:t>/CS2113 </a:t>
               </a:r>
               <a:r>
-                <a:rPr lang="en-US" sz="1600" dirty="0">
+                <a:rPr lang="en-US" sz="1200" dirty="0" err="1">
                   <a:solidFill>
                     <a:srgbClr val="0070C0"/>
                   </a:solidFill>
                 </a:rPr>
-                <a:t>/john set/true</a:t>
+                <a:t>mTitle</a:t>
               </a:r>
               <a:r>
-                <a:rPr lang="en-SG" sz="1600" dirty="0">
+                <a:rPr lang="en-US" sz="1200" dirty="0">
+                  <a:solidFill>
+                    <a:srgbClr val="0070C0"/>
+                  </a:solidFill>
+                </a:rPr>
+                <a:t>/Software Engineering and OOP</a:t>
+              </a:r>
+              <a:r>
+                <a:rPr lang="en-SG" sz="1200" dirty="0">
                   <a:solidFill>
                     <a:srgbClr val="2D73C1"/>
                   </a:solidFill>
@@ -22676,7 +22630,7 @@
                 <a:t>”</a:t>
               </a:r>
               <a:r>
-                <a:rPr lang="en-US" sz="1600" dirty="0">
+                <a:rPr lang="en-US" sz="1200" dirty="0">
                   <a:solidFill>
                     <a:srgbClr val="2D73C1"/>
                   </a:solidFill>
@@ -22694,7 +22648,7 @@
           </p:nvSpPr>
           <p:spPr>
             <a:xfrm>
-              <a:off x="5503292" y="1475591"/>
+              <a:off x="5401359" y="1468605"/>
               <a:ext cx="2205748" cy="169277"/>
             </a:xfrm>
             <a:prstGeom prst="rect">
@@ -22714,7 +22668,7 @@
                     <a:srgbClr val="7031A0"/>
                   </a:solidFill>
                 </a:rPr>
-                <a:t>getUserByName</a:t>
+                <a:t>getModuleByCode</a:t>
               </a:r>
               <a:r>
                 <a:rPr lang="en-US" sz="1100" dirty="0">
@@ -22722,7 +22676,7 @@
                     <a:srgbClr val="7031A0"/>
                   </a:solidFill>
                 </a:rPr>
-                <a:t>(“john”)</a:t>
+                <a:t>(“CS2113”)</a:t>
               </a:r>
             </a:p>
           </p:txBody>
@@ -22881,7 +22835,7 @@
           <p:spPr>
             <a:xfrm>
               <a:off x="9280842" y="976142"/>
-              <a:ext cx="0" cy="2910058"/>
+              <a:ext cx="0" cy="2933804"/>
             </a:xfrm>
             <a:prstGeom prst="line">
               <a:avLst/>
@@ -23074,6 +23028,52 @@
             </a:fontRef>
           </p:style>
         </p:cxnSp>
+        <p:cxnSp>
+          <p:nvCxnSpPr>
+            <p:cNvPr id="86" name="Straight Arrow Connector 85">
+              <a:extLst>
+                <a:ext uri="{FF2B5EF4-FFF2-40B4-BE49-F238E27FC236}">
+                  <a16:creationId xmlns:a16="http://schemas.microsoft.com/office/drawing/2014/main" id="{76F83257-F4F5-8048-90BD-0184D7949E0E}"/>
+                </a:ext>
+              </a:extLst>
+            </p:cNvPr>
+            <p:cNvCxnSpPr>
+              <a:cxnSpLocks/>
+            </p:cNvCxnSpPr>
+            <p:nvPr/>
+          </p:nvCxnSpPr>
+          <p:spPr>
+            <a:xfrm>
+              <a:off x="3262335" y="2667000"/>
+              <a:ext cx="1938999" cy="0"/>
+            </a:xfrm>
+            <a:prstGeom prst="straightConnector1">
+              <a:avLst/>
+            </a:prstGeom>
+            <a:ln w="19050">
+              <a:solidFill>
+                <a:srgbClr val="7030A0"/>
+              </a:solidFill>
+              <a:prstDash val="sysDash"/>
+              <a:headEnd type="arrow" w="med" len="med"/>
+              <a:tailEnd type="none" w="med" len="med"/>
+            </a:ln>
+          </p:spPr>
+          <p:style>
+            <a:lnRef idx="1">
+              <a:schemeClr val="accent1"/>
+            </a:lnRef>
+            <a:fillRef idx="0">
+              <a:schemeClr val="accent1"/>
+            </a:fillRef>
+            <a:effectRef idx="0">
+              <a:schemeClr val="accent1"/>
+            </a:effectRef>
+            <a:fontRef idx="minor">
+              <a:schemeClr val="tx1"/>
+            </a:fontRef>
+          </p:style>
+        </p:cxnSp>
         <p:sp>
           <p:nvSpPr>
             <p:cNvPr id="79" name="TextBox 78">
@@ -23108,7 +23108,7 @@
                     <a:srgbClr val="0070C0"/>
                   </a:solidFill>
                 </a:rPr>
-                <a:t>getUserRepository</a:t>
+                <a:t>getModuleRepository</a:t>
               </a:r>
               <a:r>
                 <a:rPr lang="en-US" sz="1400" dirty="0">
@@ -23339,7 +23339,7 @@
                     <a:schemeClr val="bg1"/>
                   </a:solidFill>
                 </a:rPr>
-                <a:t>UserRepository</a:t>
+                <a:t>ModuleRepository</a:t>
               </a:r>
               <a:endParaRPr lang="en-SG" sz="1600" dirty="0">
                 <a:solidFill>
@@ -23366,7 +23366,7 @@
           <p:spPr>
             <a:xfrm>
               <a:off x="7148557" y="981285"/>
-              <a:ext cx="0" cy="2904915"/>
+              <a:ext cx="0" cy="1917955"/>
             </a:xfrm>
             <a:prstGeom prst="line">
               <a:avLst/>
@@ -23528,8 +23528,8 @@
           </p:nvSpPr>
           <p:spPr>
             <a:xfrm>
-              <a:off x="7422603" y="1540657"/>
-              <a:ext cx="1818344" cy="169277"/>
+              <a:off x="7392754" y="1503225"/>
+              <a:ext cx="1818344" cy="338554"/>
             </a:xfrm>
             <a:prstGeom prst="rect">
               <a:avLst/>
@@ -23548,7 +23548,7 @@
                     <a:srgbClr val="E46D39"/>
                   </a:solidFill>
                 </a:rPr>
-                <a:t>getUsers</a:t>
+                <a:t>getModuleBy</a:t>
               </a:r>
               <a:r>
                 <a:rPr lang="en-US" sz="1100" dirty="0">
@@ -23556,154 +23556,43 @@
                     <a:srgbClr val="E46D39"/>
                   </a:solidFill>
                 </a:rPr>
-                <a:t>().filter(“john”)</a:t>
+                <a:t>(module-&gt; </a:t>
+              </a:r>
+              <a:r>
+                <a:rPr lang="en-US" sz="1100" dirty="0" err="1">
+                  <a:solidFill>
+                    <a:srgbClr val="E46D39"/>
+                  </a:solidFill>
+                </a:rPr>
+                <a:t>module.getId</a:t>
+              </a:r>
+              <a:r>
+                <a:rPr lang="en-US" sz="1100" dirty="0">
+                  <a:solidFill>
+                    <a:srgbClr val="E46D39"/>
+                  </a:solidFill>
+                </a:rPr>
+                <a:t>()==</a:t>
+              </a:r>
+              <a:r>
+                <a:rPr lang="en-US" sz="1100" dirty="0" err="1">
+                  <a:solidFill>
+                    <a:srgbClr val="E46D39"/>
+                  </a:solidFill>
+                </a:rPr>
+                <a:t>moduleId</a:t>
+              </a:r>
+              <a:r>
+                <a:rPr lang="en-US" sz="1100" dirty="0">
+                  <a:solidFill>
+                    <a:srgbClr val="E46D39"/>
+                  </a:solidFill>
+                </a:rPr>
+                <a:t>)</a:t>
               </a:r>
             </a:p>
           </p:txBody>
         </p:sp>
-        <p:cxnSp>
-          <p:nvCxnSpPr>
-            <p:cNvPr id="182" name="Straight Arrow Connector 181">
-              <a:extLst>
-                <a:ext uri="{FF2B5EF4-FFF2-40B4-BE49-F238E27FC236}">
-                  <a16:creationId xmlns:a16="http://schemas.microsoft.com/office/drawing/2014/main" id="{CF55466C-66BC-7C47-8F9D-5213C9E91807}"/>
-                </a:ext>
-              </a:extLst>
-            </p:cNvPr>
-            <p:cNvCxnSpPr>
-              <a:cxnSpLocks/>
-            </p:cNvCxnSpPr>
-            <p:nvPr/>
-          </p:nvCxnSpPr>
-          <p:spPr>
-            <a:xfrm>
-              <a:off x="3262335" y="1847319"/>
-              <a:ext cx="1938999" cy="0"/>
-            </a:xfrm>
-            <a:prstGeom prst="straightConnector1">
-              <a:avLst/>
-            </a:prstGeom>
-            <a:ln w="19050">
-              <a:solidFill>
-                <a:srgbClr val="7030A0"/>
-              </a:solidFill>
-              <a:prstDash val="sysDash"/>
-              <a:headEnd type="arrow" w="med" len="med"/>
-              <a:tailEnd type="none" w="med" len="med"/>
-            </a:ln>
-          </p:spPr>
-          <p:style>
-            <a:lnRef idx="1">
-              <a:schemeClr val="accent1"/>
-            </a:lnRef>
-            <a:fillRef idx="0">
-              <a:schemeClr val="accent1"/>
-            </a:fillRef>
-            <a:effectRef idx="0">
-              <a:schemeClr val="accent1"/>
-            </a:effectRef>
-            <a:fontRef idx="minor">
-              <a:schemeClr val="tx1"/>
-            </a:fontRef>
-          </p:style>
-        </p:cxnSp>
-        <p:sp>
-          <p:nvSpPr>
-            <p:cNvPr id="21" name="Rectangle 20"/>
-            <p:cNvSpPr/>
-            <p:nvPr/>
-          </p:nvSpPr>
-          <p:spPr>
-            <a:xfrm>
-              <a:off x="5200948" y="2713453"/>
-              <a:ext cx="146240" cy="983319"/>
-            </a:xfrm>
-            <a:prstGeom prst="rect">
-              <a:avLst/>
-            </a:prstGeom>
-            <a:solidFill>
-              <a:srgbClr val="7030A0"/>
-            </a:solidFill>
-            <a:ln>
-              <a:solidFill>
-                <a:srgbClr val="7030A0"/>
-              </a:solidFill>
-            </a:ln>
-            <a:effectLst/>
-          </p:spPr>
-          <p:style>
-            <a:lnRef idx="1">
-              <a:schemeClr val="accent3"/>
-            </a:lnRef>
-            <a:fillRef idx="2">
-              <a:schemeClr val="accent3"/>
-            </a:fillRef>
-            <a:effectRef idx="1">
-              <a:schemeClr val="accent3"/>
-            </a:effectRef>
-            <a:fontRef idx="minor">
-              <a:schemeClr val="dk1"/>
-            </a:fontRef>
-          </p:style>
-          <p:txBody>
-            <a:bodyPr rtlCol="0" anchor="ctr"/>
-            <a:lstStyle/>
-            <a:p>
-              <a:pPr algn="ctr"/>
-              <a:endParaRPr lang="en-SG" sz="1400">
-                <a:solidFill>
-                  <a:schemeClr val="dk1"/>
-                </a:solidFill>
-              </a:endParaRPr>
-            </a:p>
-          </p:txBody>
-        </p:sp>
-        <p:cxnSp>
-          <p:nvCxnSpPr>
-            <p:cNvPr id="86" name="Straight Arrow Connector 85">
-              <a:extLst>
-                <a:ext uri="{FF2B5EF4-FFF2-40B4-BE49-F238E27FC236}">
-                  <a16:creationId xmlns:a16="http://schemas.microsoft.com/office/drawing/2014/main" id="{76F83257-F4F5-8048-90BD-0184D7949E0E}"/>
-                </a:ext>
-              </a:extLst>
-            </p:cNvPr>
-            <p:cNvCxnSpPr>
-              <a:cxnSpLocks/>
-            </p:cNvCxnSpPr>
-            <p:nvPr/>
-          </p:nvCxnSpPr>
-          <p:spPr>
-            <a:xfrm>
-              <a:off x="3259783" y="3010972"/>
-              <a:ext cx="1938999" cy="0"/>
-            </a:xfrm>
-            <a:prstGeom prst="straightConnector1">
-              <a:avLst/>
-            </a:prstGeom>
-            <a:ln w="19050">
-              <a:solidFill>
-                <a:srgbClr val="7030A0"/>
-              </a:solidFill>
-              <a:prstDash val="sysDash"/>
-              <a:headEnd type="arrow" w="med" len="med"/>
-              <a:tailEnd type="none" w="med" len="med"/>
-            </a:ln>
-          </p:spPr>
-          <p:style>
-            <a:lnRef idx="1">
-              <a:schemeClr val="accent1"/>
-            </a:lnRef>
-            <a:fillRef idx="0">
-              <a:schemeClr val="accent1"/>
-            </a:fillRef>
-            <a:effectRef idx="0">
-              <a:schemeClr val="accent1"/>
-            </a:effectRef>
-            <a:fontRef idx="minor">
-              <a:schemeClr val="tx1"/>
-            </a:fontRef>
-          </p:style>
-        </p:cxnSp>
         <p:cxnSp>
           <p:nvCxnSpPr>
             <p:cNvPr id="146" name="Straight Arrow Connector 145">
@@ -23720,7 +23609,7 @@
           </p:nvCxnSpPr>
           <p:spPr>
             <a:xfrm>
-              <a:off x="3248459" y="2724956"/>
+              <a:off x="3251011" y="2380984"/>
               <a:ext cx="1958543" cy="0"/>
             </a:xfrm>
             <a:prstGeom prst="straightConnector1">
@@ -23762,7 +23651,7 @@
           </p:nvSpPr>
           <p:spPr>
             <a:xfrm>
-              <a:off x="3346486" y="2718121"/>
+              <a:off x="3349038" y="2374149"/>
               <a:ext cx="1815772" cy="215444"/>
             </a:xfrm>
             <a:prstGeom prst="rect">
@@ -23782,7 +23671,7 @@
                     <a:srgbClr val="0070C0"/>
                   </a:solidFill>
                 </a:rPr>
-                <a:t>getUserRepository</a:t>
+                <a:t>getModuleRepository</a:t>
               </a:r>
               <a:r>
                 <a:rPr lang="en-US" sz="1400" dirty="0">
@@ -23809,7 +23698,7 @@
           </p:nvSpPr>
           <p:spPr>
             <a:xfrm>
-              <a:off x="5487766" y="2842758"/>
+              <a:off x="5490318" y="2498786"/>
               <a:ext cx="1898997" cy="169277"/>
             </a:xfrm>
             <a:prstGeom prst="rect">
@@ -23829,7 +23718,7 @@
                     <a:srgbClr val="7031A0"/>
                   </a:solidFill>
                 </a:rPr>
-                <a:t>updateUser</a:t>
+                <a:t>addModule</a:t>
               </a:r>
               <a:r>
                 <a:rPr lang="en-US" sz="1100" dirty="0">
@@ -23837,7 +23726,7 @@
                     <a:srgbClr val="7031A0"/>
                   </a:solidFill>
                 </a:rPr>
-                <a:t>(user)</a:t>
+                <a:t>(module)</a:t>
               </a:r>
             </a:p>
           </p:txBody>
@@ -23858,7 +23747,7 @@
           </p:nvCxnSpPr>
           <p:spPr>
             <a:xfrm>
-              <a:off x="5343358" y="2796504"/>
+              <a:off x="5345910" y="2452532"/>
               <a:ext cx="1733618" cy="0"/>
             </a:xfrm>
             <a:prstGeom prst="straightConnector1">
@@ -23902,7 +23791,7 @@
           </p:nvCxnSpPr>
           <p:spPr>
             <a:xfrm flipV="1">
-              <a:off x="7190011" y="2868270"/>
+              <a:off x="7192563" y="2524298"/>
               <a:ext cx="2021130" cy="1"/>
             </a:xfrm>
             <a:prstGeom prst="straightConnector1">
@@ -23944,7 +23833,7 @@
           </p:nvSpPr>
           <p:spPr>
             <a:xfrm>
-              <a:off x="7693814" y="2878091"/>
+              <a:off x="7696366" y="2534119"/>
               <a:ext cx="1898997" cy="169277"/>
             </a:xfrm>
             <a:prstGeom prst="rect">
@@ -23959,20 +23848,12 @@
             <a:lstStyle/>
             <a:p>
               <a:r>
-                <a:rPr lang="en-US" sz="1100" dirty="0" err="1">
-                  <a:solidFill>
-                    <a:srgbClr val="E46D39"/>
-                  </a:solidFill>
-                </a:rPr>
-                <a:t>updateObjectInList</a:t>
-              </a:r>
-              <a:r>
                 <a:rPr lang="en-US" sz="1100" dirty="0">
                   <a:solidFill>
                     <a:srgbClr val="E46D39"/>
                   </a:solidFill>
                 </a:rPr>
-                <a:t>(user)</a:t>
+                <a:t>add(module)</a:t>
               </a:r>
             </a:p>
           </p:txBody>
@@ -23991,7 +23872,7 @@
           </p:nvSpPr>
           <p:spPr>
             <a:xfrm>
-              <a:off x="9211350" y="2878067"/>
+              <a:off x="9213902" y="2534095"/>
               <a:ext cx="152714" cy="292592"/>
             </a:xfrm>
             <a:prstGeom prst="rect">
@@ -24052,7 +23933,7 @@
           </p:nvSpPr>
           <p:spPr>
             <a:xfrm>
-              <a:off x="7085307" y="2804552"/>
+              <a:off x="7087859" y="2460580"/>
               <a:ext cx="121396" cy="366108"/>
             </a:xfrm>
             <a:prstGeom prst="rect">
@@ -24115,7 +23996,7 @@
           </p:nvCxnSpPr>
           <p:spPr>
             <a:xfrm flipV="1">
-              <a:off x="7205566" y="3166576"/>
+              <a:off x="7208118" y="2822604"/>
               <a:ext cx="2077085" cy="2724"/>
             </a:xfrm>
             <a:prstGeom prst="straightConnector1">
@@ -24163,7 +24044,7 @@
           </p:nvCxnSpPr>
           <p:spPr>
             <a:xfrm>
-              <a:off x="5340085" y="3163372"/>
+              <a:off x="5342637" y="2819400"/>
               <a:ext cx="1736891" cy="0"/>
             </a:xfrm>
             <a:prstGeom prst="straightConnector1">
@@ -24193,6 +24074,148 @@
             </a:fontRef>
           </p:style>
         </p:cxnSp>
+        <p:sp>
+          <p:nvSpPr>
+            <p:cNvPr id="160" name="Rectangle 159">
+              <a:extLst>
+                <a:ext uri="{FF2B5EF4-FFF2-40B4-BE49-F238E27FC236}">
+                  <a16:creationId xmlns:a16="http://schemas.microsoft.com/office/drawing/2014/main" id="{B5D7BF70-460D-EC4E-A028-EE67288325A0}"/>
+                </a:ext>
+              </a:extLst>
+            </p:cNvPr>
+            <p:cNvSpPr/>
+            <p:nvPr/>
+          </p:nvSpPr>
+          <p:spPr>
+            <a:xfrm>
+              <a:off x="2673840" y="2129773"/>
+              <a:ext cx="7010015" cy="1634388"/>
+            </a:xfrm>
+            <a:prstGeom prst="rect">
+              <a:avLst/>
+            </a:prstGeom>
+            <a:solidFill>
+              <a:schemeClr val="accent5">
+                <a:lumMod val="75000"/>
+                <a:alpha val="29000"/>
+              </a:schemeClr>
+            </a:solidFill>
+            <a:ln w="12700">
+              <a:solidFill>
+                <a:schemeClr val="dk1"/>
+              </a:solidFill>
+            </a:ln>
+          </p:spPr>
+          <p:style>
+            <a:lnRef idx="2">
+              <a:schemeClr val="dk1"/>
+            </a:lnRef>
+            <a:fillRef idx="1">
+              <a:schemeClr val="lt1"/>
+            </a:fillRef>
+            <a:effectRef idx="0">
+              <a:schemeClr val="dk1"/>
+            </a:effectRef>
+            <a:fontRef idx="minor">
+              <a:schemeClr val="dk1"/>
+            </a:fontRef>
+          </p:style>
+          <p:txBody>
+            <a:bodyPr rtlCol="0" anchor="ctr"/>
+            <a:lstStyle/>
+            <a:p>
+              <a:pPr algn="ctr"/>
+              <a:endParaRPr lang="en-US" dirty="0"/>
+            </a:p>
+          </p:txBody>
+        </p:sp>
+        <p:sp>
+          <p:nvSpPr>
+            <p:cNvPr id="162" name="Snip Single Corner Rectangle 161">
+              <a:extLst>
+                <a:ext uri="{FF2B5EF4-FFF2-40B4-BE49-F238E27FC236}">
+                  <a16:creationId xmlns:a16="http://schemas.microsoft.com/office/drawing/2014/main" id="{24173F3B-DF15-B44A-AAD7-CDA8447BC302}"/>
+                </a:ext>
+              </a:extLst>
+            </p:cNvPr>
+            <p:cNvSpPr/>
+            <p:nvPr/>
+          </p:nvSpPr>
+          <p:spPr>
+            <a:xfrm rot="10800000" flipH="1">
+              <a:off x="2681468" y="2135406"/>
+              <a:ext cx="392426" cy="258750"/>
+            </a:xfrm>
+            <a:prstGeom prst="snip1Rect">
+              <a:avLst/>
+            </a:prstGeom>
+            <a:solidFill>
+              <a:schemeClr val="accent5">
+                <a:lumMod val="75000"/>
+                <a:alpha val="76000"/>
+              </a:schemeClr>
+            </a:solidFill>
+          </p:spPr>
+          <p:style>
+            <a:lnRef idx="2">
+              <a:schemeClr val="accent1">
+                <a:shade val="50000"/>
+              </a:schemeClr>
+            </a:lnRef>
+            <a:fillRef idx="1">
+              <a:schemeClr val="accent1"/>
+            </a:fillRef>
+            <a:effectRef idx="0">
+              <a:schemeClr val="accent1"/>
+            </a:effectRef>
+            <a:fontRef idx="minor">
+              <a:schemeClr val="lt1"/>
+            </a:fontRef>
+          </p:style>
+          <p:txBody>
+            <a:bodyPr rtlCol="0" anchor="ctr"/>
+            <a:lstStyle/>
+            <a:p>
+              <a:pPr algn="ctr"/>
+              <a:endParaRPr lang="en-US" dirty="0"/>
+            </a:p>
+          </p:txBody>
+        </p:sp>
+        <p:sp>
+          <p:nvSpPr>
+            <p:cNvPr id="163" name="TextBox 162">
+              <a:extLst>
+                <a:ext uri="{FF2B5EF4-FFF2-40B4-BE49-F238E27FC236}">
+                  <a16:creationId xmlns:a16="http://schemas.microsoft.com/office/drawing/2014/main" id="{F98B8DDD-5213-6347-8516-D48717F66626}"/>
+                </a:ext>
+              </a:extLst>
+            </p:cNvPr>
+            <p:cNvSpPr txBox="1"/>
+            <p:nvPr/>
+          </p:nvSpPr>
+          <p:spPr>
+            <a:xfrm>
+              <a:off x="2663071" y="2071546"/>
+              <a:ext cx="476103" cy="369332"/>
+            </a:xfrm>
+            <a:prstGeom prst="rect">
+              <a:avLst/>
+            </a:prstGeom>
+            <a:noFill/>
+          </p:spPr>
+          <p:txBody>
+            <a:bodyPr wrap="square" rtlCol="0">
+              <a:spAutoFit/>
+            </a:bodyPr>
+            <a:lstStyle/>
+            <a:p>
+              <a:r>
+                <a:rPr lang="en-US" dirty="0"/>
+                <a:t>alt</a:t>
+              </a:r>
+            </a:p>
+          </p:txBody>
+        </p:sp>
         <p:sp>
           <p:nvSpPr>
             <p:cNvPr id="164" name="TextBox 163">
@@ -24207,8 +24230,8 @@
           </p:nvSpPr>
           <p:spPr>
             <a:xfrm>
-              <a:off x="3215909" y="2009000"/>
-              <a:ext cx="2537757" cy="410328"/>
+              <a:off x="3266996" y="2091729"/>
+              <a:ext cx="2012382" cy="307777"/>
             </a:xfrm>
             <a:prstGeom prst="rect">
               <a:avLst/>
@@ -24223,11 +24246,69 @@
             <a:p>
               <a:r>
                 <a:rPr lang="en-US" sz="1400" dirty="0"/>
-                <a:t>[valid user]</a:t>
+                <a:t>[module</a:t>
+              </a:r>
+              <a:r>
+                <a:rPr lang="zh-CN" altLang="en-US" sz="1400" dirty="0"/>
+                <a:t> </a:t>
+              </a:r>
+              <a:r>
+                <a:rPr lang="en-US" altLang="zh-CN" sz="1400" dirty="0"/>
+                <a:t>does not exist</a:t>
+              </a:r>
+              <a:r>
+                <a:rPr lang="en-US" sz="1400" dirty="0"/>
+                <a:t>]</a:t>
               </a:r>
             </a:p>
           </p:txBody>
         </p:sp>
+        <p:cxnSp>
+          <p:nvCxnSpPr>
+            <p:cNvPr id="182" name="Straight Arrow Connector 181">
+              <a:extLst>
+                <a:ext uri="{FF2B5EF4-FFF2-40B4-BE49-F238E27FC236}">
+                  <a16:creationId xmlns:a16="http://schemas.microsoft.com/office/drawing/2014/main" id="{CF55466C-66BC-7C47-8F9D-5213C9E91807}"/>
+                </a:ext>
+              </a:extLst>
+            </p:cNvPr>
+            <p:cNvCxnSpPr>
+              <a:cxnSpLocks/>
+            </p:cNvCxnSpPr>
+            <p:nvPr/>
+          </p:nvCxnSpPr>
+          <p:spPr>
+            <a:xfrm>
+              <a:off x="3262335" y="1847319"/>
+              <a:ext cx="1938999" cy="0"/>
+            </a:xfrm>
+            <a:prstGeom prst="straightConnector1">
+              <a:avLst/>
+            </a:prstGeom>
+            <a:ln w="19050">
+              <a:solidFill>
+                <a:srgbClr val="7030A0"/>
+              </a:solidFill>
+              <a:prstDash val="sysDash"/>
+              <a:headEnd type="arrow" w="med" len="med"/>
+              <a:tailEnd type="none" w="med" len="med"/>
+            </a:ln>
+          </p:spPr>
+          <p:style>
+            <a:lnRef idx="1">
+              <a:schemeClr val="accent1"/>
+            </a:lnRef>
+            <a:fillRef idx="0">
+              <a:schemeClr val="accent1"/>
+            </a:fillRef>
+            <a:effectRef idx="0">
+              <a:schemeClr val="accent1"/>
+            </a:effectRef>
+            <a:fontRef idx="minor">
+              <a:schemeClr val="tx1"/>
+            </a:fontRef>
+          </p:style>
+        </p:cxnSp>
         <p:sp>
           <p:nvSpPr>
             <p:cNvPr id="87" name="TextBox 86">
@@ -24242,7 +24323,7 @@
           </p:nvSpPr>
           <p:spPr>
             <a:xfrm>
-              <a:off x="5578653" y="3352900"/>
+              <a:off x="5581205" y="3008928"/>
               <a:ext cx="1898997" cy="215444"/>
             </a:xfrm>
             <a:prstGeom prst="rect">
@@ -24283,7 +24364,7 @@
           </p:nvCxnSpPr>
           <p:spPr>
             <a:xfrm>
-              <a:off x="5344907" y="3344804"/>
+              <a:off x="5347459" y="3000832"/>
               <a:ext cx="3857026" cy="0"/>
             </a:xfrm>
             <a:prstGeom prst="straightConnector1">
@@ -24325,7 +24406,7 @@
           </p:nvSpPr>
           <p:spPr>
             <a:xfrm>
-              <a:off x="9203482" y="3350689"/>
+              <a:off x="9206034" y="3006717"/>
               <a:ext cx="160909" cy="352376"/>
             </a:xfrm>
             <a:prstGeom prst="rect">
@@ -24388,7 +24469,7 @@
           </p:nvCxnSpPr>
           <p:spPr>
             <a:xfrm flipV="1">
-              <a:off x="5343358" y="3696772"/>
+              <a:off x="5345910" y="3352800"/>
               <a:ext cx="3927586" cy="3205"/>
             </a:xfrm>
             <a:prstGeom prst="straightConnector1">
@@ -24436,7 +24517,7 @@
           </p:nvCxnSpPr>
           <p:spPr>
             <a:xfrm>
-              <a:off x="3248458" y="3683967"/>
+              <a:off x="3251010" y="3339995"/>
               <a:ext cx="1938999" cy="0"/>
             </a:xfrm>
             <a:prstGeom prst="straightConnector1">
@@ -24482,7 +24563,7 @@
           </p:nvCxnSpPr>
           <p:spPr>
             <a:xfrm>
-              <a:off x="3240239" y="3350654"/>
+              <a:off x="3242791" y="3006682"/>
               <a:ext cx="1958543" cy="0"/>
             </a:xfrm>
             <a:prstGeom prst="straightConnector1">
@@ -24524,7 +24605,7 @@
           </p:nvSpPr>
           <p:spPr>
             <a:xfrm>
-              <a:off x="3502648" y="3343819"/>
+              <a:off x="3505200" y="2999847"/>
               <a:ext cx="1624501" cy="215444"/>
             </a:xfrm>
             <a:prstGeom prst="rect">
@@ -24549,311 +24630,11 @@
             </a:p>
           </p:txBody>
         </p:sp>
-        <p:sp>
-          <p:nvSpPr>
-            <p:cNvPr id="97" name="Rectangle 62">
-              <a:extLst>
-                <a:ext uri="{FF2B5EF4-FFF2-40B4-BE49-F238E27FC236}">
-                  <a16:creationId xmlns:a16="http://schemas.microsoft.com/office/drawing/2014/main" id="{B2308537-1BFE-124F-BFB9-CA0DDEA18E6E}"/>
-                </a:ext>
-              </a:extLst>
-            </p:cNvPr>
-            <p:cNvSpPr/>
-            <p:nvPr/>
-          </p:nvSpPr>
-          <p:spPr>
-            <a:xfrm>
-              <a:off x="10396779" y="622315"/>
-              <a:ext cx="1418400" cy="330081"/>
-            </a:xfrm>
-            <a:prstGeom prst="rect">
-              <a:avLst/>
-            </a:prstGeom>
-            <a:solidFill>
-              <a:schemeClr val="accent2"/>
-            </a:solidFill>
-            <a:ln w="19050">
-              <a:noFill/>
-            </a:ln>
-            <a:effectLst/>
-          </p:spPr>
-          <p:style>
-            <a:lnRef idx="1">
-              <a:schemeClr val="accent2"/>
-            </a:lnRef>
-            <a:fillRef idx="2">
-              <a:schemeClr val="accent2"/>
-            </a:fillRef>
-            <a:effectRef idx="1">
-              <a:schemeClr val="accent2"/>
-            </a:effectRef>
-            <a:fontRef idx="minor">
-              <a:schemeClr val="dk1"/>
-            </a:fontRef>
-          </p:style>
-          <p:txBody>
-            <a:bodyPr rtlCol="0" anchor="ctr"/>
-            <a:lstStyle/>
-            <a:p>
-              <a:pPr algn="ctr"/>
-              <a:r>
-                <a:rPr lang="en-US" sz="1600" dirty="0">
-                  <a:solidFill>
-                    <a:schemeClr val="bg1"/>
-                  </a:solidFill>
-                </a:rPr>
-                <a:t>:User</a:t>
-              </a:r>
-              <a:endParaRPr lang="en-SG" sz="1600" dirty="0">
-                <a:solidFill>
-                  <a:schemeClr val="bg1"/>
-                </a:solidFill>
-              </a:endParaRPr>
-            </a:p>
-          </p:txBody>
-        </p:sp>
-        <p:cxnSp>
-          <p:nvCxnSpPr>
-            <p:cNvPr id="98" name="Straight Connector 97">
-              <a:extLst>
-                <a:ext uri="{FF2B5EF4-FFF2-40B4-BE49-F238E27FC236}">
-                  <a16:creationId xmlns:a16="http://schemas.microsoft.com/office/drawing/2014/main" id="{C4A09792-155E-4549-9C98-39983F9F5BBC}"/>
-                </a:ext>
-              </a:extLst>
-            </p:cNvPr>
-            <p:cNvCxnSpPr>
-              <a:cxnSpLocks/>
-            </p:cNvCxnSpPr>
-            <p:nvPr/>
-          </p:nvCxnSpPr>
-          <p:spPr>
-            <a:xfrm>
-              <a:off x="11105979" y="962108"/>
-              <a:ext cx="0" cy="2933804"/>
-            </a:xfrm>
-            <a:prstGeom prst="line">
-              <a:avLst/>
-            </a:prstGeom>
-            <a:ln w="19050">
-              <a:solidFill>
-                <a:srgbClr val="C1504D"/>
-              </a:solidFill>
-              <a:prstDash val="sysDash"/>
-            </a:ln>
-            <a:effectLst/>
-          </p:spPr>
-          <p:style>
-            <a:lnRef idx="1">
-              <a:schemeClr val="accent1"/>
-            </a:lnRef>
-            <a:fillRef idx="2">
-              <a:schemeClr val="accent1"/>
-            </a:fillRef>
-            <a:effectRef idx="1">
-              <a:schemeClr val="accent1"/>
-            </a:effectRef>
-            <a:fontRef idx="minor">
-              <a:schemeClr val="dk1"/>
-            </a:fontRef>
-          </p:style>
-        </p:cxnSp>
-        <p:sp>
-          <p:nvSpPr>
-            <p:cNvPr id="99" name="Rectangle 98">
-              <a:extLst>
-                <a:ext uri="{FF2B5EF4-FFF2-40B4-BE49-F238E27FC236}">
-                  <a16:creationId xmlns:a16="http://schemas.microsoft.com/office/drawing/2014/main" id="{203A351F-7F6D-3040-B347-7FCF7174D4EA}"/>
-                </a:ext>
-              </a:extLst>
-            </p:cNvPr>
-            <p:cNvSpPr/>
-            <p:nvPr/>
-          </p:nvSpPr>
-          <p:spPr>
-            <a:xfrm>
-              <a:off x="11021175" y="2057400"/>
-              <a:ext cx="169609" cy="309138"/>
-            </a:xfrm>
-            <a:prstGeom prst="rect">
-              <a:avLst/>
-            </a:prstGeom>
-            <a:solidFill>
-              <a:schemeClr val="accent2"/>
-            </a:solidFill>
-            <a:ln>
-              <a:noFill/>
-            </a:ln>
-            <a:effectLst/>
-          </p:spPr>
-          <p:style>
-            <a:lnRef idx="1">
-              <a:schemeClr val="accent3"/>
-            </a:lnRef>
-            <a:fillRef idx="2">
-              <a:schemeClr val="accent3"/>
-            </a:fillRef>
-            <a:effectRef idx="1">
-              <a:schemeClr val="accent3"/>
-            </a:effectRef>
-            <a:fontRef idx="minor">
-              <a:schemeClr val="dk1"/>
-            </a:fontRef>
-          </p:style>
-          <p:txBody>
-            <a:bodyPr rtlCol="0" anchor="ctr"/>
-            <a:lstStyle/>
-            <a:p>
-              <a:pPr algn="ctr"/>
-              <a:endParaRPr lang="en-SG" sz="1400">
-                <a:solidFill>
-                  <a:schemeClr val="dk1"/>
-                </a:solidFill>
-              </a:endParaRPr>
-            </a:p>
-          </p:txBody>
-        </p:sp>
-        <p:cxnSp>
-          <p:nvCxnSpPr>
-            <p:cNvPr id="100" name="Straight Arrow Connector 99">
-              <a:extLst>
-                <a:ext uri="{FF2B5EF4-FFF2-40B4-BE49-F238E27FC236}">
-                  <a16:creationId xmlns:a16="http://schemas.microsoft.com/office/drawing/2014/main" id="{BD41DAD0-CC54-E74C-9B70-664300F931E6}"/>
-                </a:ext>
-              </a:extLst>
-            </p:cNvPr>
-            <p:cNvCxnSpPr>
-              <a:cxnSpLocks/>
-            </p:cNvCxnSpPr>
-            <p:nvPr/>
-          </p:nvCxnSpPr>
-          <p:spPr>
-            <a:xfrm>
-              <a:off x="3253109" y="2069548"/>
-              <a:ext cx="7776112" cy="0"/>
-            </a:xfrm>
-            <a:prstGeom prst="straightConnector1">
-              <a:avLst/>
-            </a:prstGeom>
-            <a:ln w="19050">
-              <a:solidFill>
-                <a:srgbClr val="0070C0"/>
-              </a:solidFill>
-              <a:tailEnd type="arrow"/>
-            </a:ln>
-          </p:spPr>
-          <p:style>
-            <a:lnRef idx="1">
-              <a:schemeClr val="accent1"/>
-            </a:lnRef>
-            <a:fillRef idx="0">
-              <a:schemeClr val="accent1"/>
-            </a:fillRef>
-            <a:effectRef idx="0">
-              <a:schemeClr val="accent1"/>
-            </a:effectRef>
-            <a:fontRef idx="minor">
-              <a:schemeClr val="tx1"/>
-            </a:fontRef>
-          </p:style>
-        </p:cxnSp>
-        <p:cxnSp>
-          <p:nvCxnSpPr>
-            <p:cNvPr id="104" name="Straight Arrow Connector 103">
-              <a:extLst>
-                <a:ext uri="{FF2B5EF4-FFF2-40B4-BE49-F238E27FC236}">
-                  <a16:creationId xmlns:a16="http://schemas.microsoft.com/office/drawing/2014/main" id="{D02BAF39-9F7A-1D49-9154-FFBD2CE3EC7A}"/>
-                </a:ext>
-              </a:extLst>
-            </p:cNvPr>
-            <p:cNvCxnSpPr>
-              <a:cxnSpLocks/>
-            </p:cNvCxnSpPr>
-            <p:nvPr/>
-          </p:nvCxnSpPr>
-          <p:spPr>
-            <a:xfrm>
-              <a:off x="3259056" y="2352162"/>
-              <a:ext cx="7770165" cy="0"/>
-            </a:xfrm>
-            <a:prstGeom prst="straightConnector1">
-              <a:avLst/>
-            </a:prstGeom>
-            <a:ln w="19050">
-              <a:solidFill>
-                <a:srgbClr val="C1504D"/>
-              </a:solidFill>
-              <a:prstDash val="sysDash"/>
-              <a:headEnd type="arrow" w="med" len="med"/>
-              <a:tailEnd type="none" w="med" len="med"/>
-            </a:ln>
-          </p:spPr>
-          <p:style>
-            <a:lnRef idx="1">
-              <a:schemeClr val="accent1"/>
-            </a:lnRef>
-            <a:fillRef idx="0">
-              <a:schemeClr val="accent1"/>
-            </a:fillRef>
-            <a:effectRef idx="0">
-              <a:schemeClr val="accent1"/>
-            </a:effectRef>
-            <a:fontRef idx="minor">
-              <a:schemeClr val="tx1"/>
-            </a:fontRef>
-          </p:style>
-        </p:cxnSp>
-        <p:sp>
-          <p:nvSpPr>
-            <p:cNvPr id="105" name="TextBox 104">
-              <a:extLst>
-                <a:ext uri="{FF2B5EF4-FFF2-40B4-BE49-F238E27FC236}">
-                  <a16:creationId xmlns:a16="http://schemas.microsoft.com/office/drawing/2014/main" id="{2B448A8D-76D8-2149-8F8B-B3E13A788C75}"/>
-                </a:ext>
-              </a:extLst>
-            </p:cNvPr>
-            <p:cNvSpPr txBox="1"/>
-            <p:nvPr/>
-          </p:nvSpPr>
-          <p:spPr>
-            <a:xfrm>
-              <a:off x="5578653" y="2083642"/>
-              <a:ext cx="1741529" cy="215444"/>
-            </a:xfrm>
-            <a:prstGeom prst="rect">
-              <a:avLst/>
-            </a:prstGeom>
-            <a:noFill/>
-          </p:spPr>
-          <p:txBody>
-            <a:bodyPr wrap="square" lIns="0" tIns="0" rIns="0" bIns="0" rtlCol="0">
-              <a:spAutoFit/>
-            </a:bodyPr>
-            <a:lstStyle/>
-            <a:p>
-              <a:r>
-                <a:rPr lang="en-US" sz="1400" dirty="0" err="1">
-                  <a:solidFill>
-                    <a:srgbClr val="0070C0"/>
-                  </a:solidFill>
-                </a:rPr>
-                <a:t>setAdmin</a:t>
-              </a:r>
-              <a:r>
-                <a:rPr lang="en-US" sz="1400" dirty="0">
-                  <a:solidFill>
-                    <a:srgbClr val="0070C0"/>
-                  </a:solidFill>
-                </a:rPr>
-                <a:t>(true)</a:t>
-              </a:r>
-            </a:p>
-          </p:txBody>
-        </p:sp>
       </p:grpSp>
     </p:spTree>
     <p:extLst>
       <p:ext uri="{BB962C8B-B14F-4D97-AF65-F5344CB8AC3E}">
-        <p14:creationId xmlns:p14="http://schemas.microsoft.com/office/powerpoint/2010/main" val="2565664869"/>
+        <p14:creationId xmlns:p14="http://schemas.microsoft.com/office/powerpoint/2010/main" val="4157031269"/>
       </p:ext>
     </p:extLst>
   </p:cSld>
@@ -26134,10 +25915,10 @@
       </p:sp>
       <p:grpSp>
         <p:nvGrpSpPr>
-          <p:cNvPr id="3" name="Group 2">
+          <p:cNvPr id="28" name="Group 27">
             <a:extLst>
               <a:ext uri="{FF2B5EF4-FFF2-40B4-BE49-F238E27FC236}">
-                <a16:creationId xmlns:a16="http://schemas.microsoft.com/office/drawing/2014/main" id="{335A5C0E-D2ED-8E48-A2E1-D2FD9E7C0034}"/>
+                <a16:creationId xmlns:a16="http://schemas.microsoft.com/office/drawing/2014/main" id="{F91C8786-8AA8-C74C-B1A8-7F5A403C570C}"/>
               </a:ext>
             </a:extLst>
           </p:cNvPr>
@@ -26204,6 +25985,93 @@
             <a:p>
               <a:pPr algn="ctr"/>
               <a:endParaRPr lang="en-US" dirty="0"/>
+            </a:p>
+          </p:txBody>
+        </p:sp>
+        <p:sp>
+          <p:nvSpPr>
+            <p:cNvPr id="162" name="Snip Single Corner Rectangle 161">
+              <a:extLst>
+                <a:ext uri="{FF2B5EF4-FFF2-40B4-BE49-F238E27FC236}">
+                  <a16:creationId xmlns:a16="http://schemas.microsoft.com/office/drawing/2014/main" id="{24173F3B-DF15-B44A-AAD7-CDA8447BC302}"/>
+                </a:ext>
+              </a:extLst>
+            </p:cNvPr>
+            <p:cNvSpPr/>
+            <p:nvPr/>
+          </p:nvSpPr>
+          <p:spPr>
+            <a:xfrm rot="10800000" flipH="1">
+              <a:off x="2683719" y="1936682"/>
+              <a:ext cx="494877" cy="344965"/>
+            </a:xfrm>
+            <a:prstGeom prst="snip1Rect">
+              <a:avLst/>
+            </a:prstGeom>
+            <a:solidFill>
+              <a:schemeClr val="accent5">
+                <a:lumMod val="75000"/>
+                <a:alpha val="76000"/>
+              </a:schemeClr>
+            </a:solidFill>
+          </p:spPr>
+          <p:style>
+            <a:lnRef idx="2">
+              <a:schemeClr val="accent1">
+                <a:shade val="50000"/>
+              </a:schemeClr>
+            </a:lnRef>
+            <a:fillRef idx="1">
+              <a:schemeClr val="accent1"/>
+            </a:fillRef>
+            <a:effectRef idx="0">
+              <a:schemeClr val="accent1"/>
+            </a:effectRef>
+            <a:fontRef idx="minor">
+              <a:schemeClr val="lt1"/>
+            </a:fontRef>
+          </p:style>
+          <p:txBody>
+            <a:bodyPr rtlCol="0" anchor="ctr"/>
+            <a:lstStyle/>
+            <a:p>
+              <a:pPr algn="ctr"/>
+              <a:endParaRPr lang="en-US" dirty="0"/>
+            </a:p>
+          </p:txBody>
+        </p:sp>
+        <p:sp>
+          <p:nvSpPr>
+            <p:cNvPr id="163" name="TextBox 162">
+              <a:extLst>
+                <a:ext uri="{FF2B5EF4-FFF2-40B4-BE49-F238E27FC236}">
+                  <a16:creationId xmlns:a16="http://schemas.microsoft.com/office/drawing/2014/main" id="{F98B8DDD-5213-6347-8516-D48717F66626}"/>
+                </a:ext>
+              </a:extLst>
+            </p:cNvPr>
+            <p:cNvSpPr txBox="1"/>
+            <p:nvPr/>
+          </p:nvSpPr>
+          <p:spPr>
+            <a:xfrm>
+              <a:off x="2660519" y="1851544"/>
+              <a:ext cx="600400" cy="492392"/>
+            </a:xfrm>
+            <a:prstGeom prst="rect">
+              <a:avLst/>
+            </a:prstGeom>
+            <a:noFill/>
+          </p:spPr>
+          <p:txBody>
+            <a:bodyPr wrap="square" rtlCol="0">
+              <a:spAutoFit/>
+            </a:bodyPr>
+            <a:lstStyle/>
+            <a:p>
+              <a:r>
+                <a:rPr lang="en-US" dirty="0"/>
+                <a:t>alt</a:t>
+              </a:r>
             </a:p>
           </p:txBody>
         </p:sp>
@@ -26891,7 +26759,7 @@
             <a:p>
               <a:r>
                 <a:rPr lang="en-SG" sz="1400" dirty="0" err="1"/>
-                <a:t>blockUser</a:t>
+                <a:t>setAdmin</a:t>
               </a:r>
               <a:r>
                 <a:rPr lang="en-SG" sz="1400" dirty="0"/>
@@ -26903,7 +26771,7 @@
               </a:r>
               <a:r>
                 <a:rPr lang="en-SG" sz="1400" dirty="0"/>
-                <a:t>/john block/true</a:t>
+                <a:t>/john set/true</a:t>
               </a:r>
               <a:endParaRPr lang="en-US" sz="1400" dirty="0"/>
             </a:p>
@@ -26983,7 +26851,7 @@
                     <a:srgbClr val="0070C0"/>
                   </a:solidFill>
                 </a:rPr>
-                <a:t>blockUser</a:t>
+                <a:t>setAdmin</a:t>
               </a:r>
               <a:r>
                 <a:rPr lang="en-US" sz="1600" dirty="0">
@@ -27007,7 +26875,7 @@
                     <a:srgbClr val="0070C0"/>
                   </a:solidFill>
                 </a:rPr>
-                <a:t>/john block/true</a:t>
+                <a:t>/john set/true</a:t>
               </a:r>
               <a:r>
                 <a:rPr lang="en-SG" sz="1600" dirty="0">
@@ -28537,93 +28405,6 @@
         </p:cxnSp>
         <p:sp>
           <p:nvSpPr>
-            <p:cNvPr id="162" name="Snip Single Corner Rectangle 161">
-              <a:extLst>
-                <a:ext uri="{FF2B5EF4-FFF2-40B4-BE49-F238E27FC236}">
-                  <a16:creationId xmlns:a16="http://schemas.microsoft.com/office/drawing/2014/main" id="{24173F3B-DF15-B44A-AAD7-CDA8447BC302}"/>
-                </a:ext>
-              </a:extLst>
-            </p:cNvPr>
-            <p:cNvSpPr/>
-            <p:nvPr/>
-          </p:nvSpPr>
-          <p:spPr>
-            <a:xfrm rot="10800000" flipH="1">
-              <a:off x="2683719" y="1936682"/>
-              <a:ext cx="494877" cy="344965"/>
-            </a:xfrm>
-            <a:prstGeom prst="snip1Rect">
-              <a:avLst/>
-            </a:prstGeom>
-            <a:solidFill>
-              <a:schemeClr val="accent5">
-                <a:lumMod val="75000"/>
-                <a:alpha val="76000"/>
-              </a:schemeClr>
-            </a:solidFill>
-          </p:spPr>
-          <p:style>
-            <a:lnRef idx="2">
-              <a:schemeClr val="accent1">
-                <a:shade val="50000"/>
-              </a:schemeClr>
-            </a:lnRef>
-            <a:fillRef idx="1">
-              <a:schemeClr val="accent1"/>
-            </a:fillRef>
-            <a:effectRef idx="0">
-              <a:schemeClr val="accent1"/>
-            </a:effectRef>
-            <a:fontRef idx="minor">
-              <a:schemeClr val="lt1"/>
-            </a:fontRef>
-          </p:style>
-          <p:txBody>
-            <a:bodyPr rtlCol="0" anchor="ctr"/>
-            <a:lstStyle/>
-            <a:p>
-              <a:pPr algn="ctr"/>
-              <a:endParaRPr lang="en-US" dirty="0"/>
-            </a:p>
-          </p:txBody>
-        </p:sp>
-        <p:sp>
-          <p:nvSpPr>
-            <p:cNvPr id="163" name="TextBox 162">
-              <a:extLst>
-                <a:ext uri="{FF2B5EF4-FFF2-40B4-BE49-F238E27FC236}">
-                  <a16:creationId xmlns:a16="http://schemas.microsoft.com/office/drawing/2014/main" id="{F98B8DDD-5213-6347-8516-D48717F66626}"/>
-                </a:ext>
-              </a:extLst>
-            </p:cNvPr>
-            <p:cNvSpPr txBox="1"/>
-            <p:nvPr/>
-          </p:nvSpPr>
-          <p:spPr>
-            <a:xfrm>
-              <a:off x="2660519" y="1851544"/>
-              <a:ext cx="600400" cy="492392"/>
-            </a:xfrm>
-            <a:prstGeom prst="rect">
-              <a:avLst/>
-            </a:prstGeom>
-            <a:noFill/>
-          </p:spPr>
-          <p:txBody>
-            <a:bodyPr wrap="square" rtlCol="0">
-              <a:spAutoFit/>
-            </a:bodyPr>
-            <a:lstStyle/>
-            <a:p>
-              <a:r>
-                <a:rPr lang="en-US" dirty="0"/>
-                <a:t>alt</a:t>
-              </a:r>
-            </a:p>
-          </p:txBody>
-        </p:sp>
-        <p:sp>
-          <p:nvSpPr>
             <p:cNvPr id="164" name="TextBox 163">
               <a:extLst>
                 <a:ext uri="{FF2B5EF4-FFF2-40B4-BE49-F238E27FC236}">
@@ -29265,7 +29046,7 @@
                     <a:srgbClr val="0070C0"/>
                   </a:solidFill>
                 </a:rPr>
-                <a:t>setBlock</a:t>
+                <a:t>setAdmin</a:t>
               </a:r>
               <a:r>
                 <a:rPr lang="en-US" sz="1400" dirty="0">
@@ -29282,7 +29063,7 @@
     </p:spTree>
     <p:extLst>
       <p:ext uri="{BB962C8B-B14F-4D97-AF65-F5344CB8AC3E}">
-        <p14:creationId xmlns:p14="http://schemas.microsoft.com/office/powerpoint/2010/main" val="3333709988"/>
+        <p14:creationId xmlns:p14="http://schemas.microsoft.com/office/powerpoint/2010/main" val="2565664869"/>
       </p:ext>
     </p:extLst>
   </p:cSld>
@@ -30563,6 +30344,4435 @@
       </p:sp>
       <p:grpSp>
         <p:nvGrpSpPr>
+          <p:cNvPr id="3" name="Group 2">
+            <a:extLst>
+              <a:ext uri="{FF2B5EF4-FFF2-40B4-BE49-F238E27FC236}">
+                <a16:creationId xmlns:a16="http://schemas.microsoft.com/office/drawing/2014/main" id="{335A5C0E-D2ED-8E48-A2E1-D2FD9E7C0034}"/>
+              </a:ext>
+            </a:extLst>
+          </p:cNvPr>
+          <p:cNvGrpSpPr/>
+          <p:nvPr/>
+        </p:nvGrpSpPr>
+        <p:grpSpPr>
+          <a:xfrm>
+            <a:off x="-187234" y="533400"/>
+            <a:ext cx="12002413" cy="3574734"/>
+            <a:chOff x="-187234" y="533400"/>
+            <a:chExt cx="12002413" cy="3574734"/>
+          </a:xfrm>
+        </p:grpSpPr>
+        <p:sp>
+          <p:nvSpPr>
+            <p:cNvPr id="160" name="Rectangle 159">
+              <a:extLst>
+                <a:ext uri="{FF2B5EF4-FFF2-40B4-BE49-F238E27FC236}">
+                  <a16:creationId xmlns:a16="http://schemas.microsoft.com/office/drawing/2014/main" id="{B5D7BF70-460D-EC4E-A028-EE67288325A0}"/>
+                </a:ext>
+              </a:extLst>
+            </p:cNvPr>
+            <p:cNvSpPr/>
+            <p:nvPr/>
+          </p:nvSpPr>
+          <p:spPr>
+            <a:xfrm>
+              <a:off x="2674099" y="1929172"/>
+              <a:ext cx="8840130" cy="2178962"/>
+            </a:xfrm>
+            <a:prstGeom prst="rect">
+              <a:avLst/>
+            </a:prstGeom>
+            <a:solidFill>
+              <a:schemeClr val="accent5">
+                <a:lumMod val="75000"/>
+                <a:alpha val="29000"/>
+              </a:schemeClr>
+            </a:solidFill>
+            <a:ln w="12700">
+              <a:solidFill>
+                <a:schemeClr val="dk1"/>
+              </a:solidFill>
+            </a:ln>
+          </p:spPr>
+          <p:style>
+            <a:lnRef idx="2">
+              <a:schemeClr val="dk1"/>
+            </a:lnRef>
+            <a:fillRef idx="1">
+              <a:schemeClr val="lt1"/>
+            </a:fillRef>
+            <a:effectRef idx="0">
+              <a:schemeClr val="dk1"/>
+            </a:effectRef>
+            <a:fontRef idx="minor">
+              <a:schemeClr val="dk1"/>
+            </a:fontRef>
+          </p:style>
+          <p:txBody>
+            <a:bodyPr rtlCol="0" anchor="ctr"/>
+            <a:lstStyle/>
+            <a:p>
+              <a:pPr algn="ctr"/>
+              <a:endParaRPr lang="en-US" dirty="0"/>
+            </a:p>
+          </p:txBody>
+        </p:sp>
+        <p:sp>
+          <p:nvSpPr>
+            <p:cNvPr id="2" name="Rectangle 62"/>
+            <p:cNvSpPr/>
+            <p:nvPr/>
+          </p:nvSpPr>
+          <p:spPr>
+            <a:xfrm>
+              <a:off x="772226" y="607926"/>
+              <a:ext cx="1086197" cy="346760"/>
+            </a:xfrm>
+            <a:prstGeom prst="rect">
+              <a:avLst/>
+            </a:prstGeom>
+            <a:solidFill>
+              <a:srgbClr val="00B050"/>
+            </a:solidFill>
+            <a:ln w="19050">
+              <a:solidFill>
+                <a:srgbClr val="00B050"/>
+              </a:solidFill>
+            </a:ln>
+            <a:effectLst/>
+          </p:spPr>
+          <p:style>
+            <a:lnRef idx="1">
+              <a:schemeClr val="accent2"/>
+            </a:lnRef>
+            <a:fillRef idx="2">
+              <a:schemeClr val="accent2"/>
+            </a:fillRef>
+            <a:effectRef idx="1">
+              <a:schemeClr val="accent2"/>
+            </a:effectRef>
+            <a:fontRef idx="minor">
+              <a:schemeClr val="dk1"/>
+            </a:fontRef>
+          </p:style>
+          <p:txBody>
+            <a:bodyPr rtlCol="0" anchor="ctr"/>
+            <a:lstStyle/>
+            <a:p>
+              <a:pPr algn="ctr"/>
+              <a:r>
+                <a:rPr lang="en-US" sz="1600" dirty="0">
+                  <a:solidFill>
+                    <a:schemeClr val="bg1"/>
+                  </a:solidFill>
+                </a:rPr>
+                <a:t>:UI</a:t>
+              </a:r>
+              <a:endParaRPr lang="en-SG" sz="1600" dirty="0">
+                <a:solidFill>
+                  <a:schemeClr val="bg1"/>
+                </a:solidFill>
+              </a:endParaRPr>
+            </a:p>
+          </p:txBody>
+        </p:sp>
+        <p:cxnSp>
+          <p:nvCxnSpPr>
+            <p:cNvPr id="5" name="Straight Connector 4"/>
+            <p:cNvCxnSpPr>
+              <a:cxnSpLocks/>
+            </p:cNvCxnSpPr>
+            <p:nvPr/>
+          </p:nvCxnSpPr>
+          <p:spPr>
+            <a:xfrm>
+              <a:off x="1319043" y="971597"/>
+              <a:ext cx="0" cy="2938349"/>
+            </a:xfrm>
+            <a:prstGeom prst="line">
+              <a:avLst/>
+            </a:prstGeom>
+            <a:ln w="19050">
+              <a:solidFill>
+                <a:srgbClr val="00B050"/>
+              </a:solidFill>
+              <a:prstDash val="sysDash"/>
+            </a:ln>
+            <a:effectLst/>
+          </p:spPr>
+          <p:style>
+            <a:lnRef idx="1">
+              <a:schemeClr val="accent1"/>
+            </a:lnRef>
+            <a:fillRef idx="2">
+              <a:schemeClr val="accent1"/>
+            </a:fillRef>
+            <a:effectRef idx="1">
+              <a:schemeClr val="accent1"/>
+            </a:effectRef>
+            <a:fontRef idx="minor">
+              <a:schemeClr val="dk1"/>
+            </a:fontRef>
+          </p:style>
+        </p:cxnSp>
+        <p:sp>
+          <p:nvSpPr>
+            <p:cNvPr id="6" name="Rectangle 5"/>
+            <p:cNvSpPr/>
+            <p:nvPr/>
+          </p:nvSpPr>
+          <p:spPr>
+            <a:xfrm>
+              <a:off x="1247034" y="1143000"/>
+              <a:ext cx="189092" cy="2362187"/>
+            </a:xfrm>
+            <a:prstGeom prst="rect">
+              <a:avLst/>
+            </a:prstGeom>
+            <a:solidFill>
+              <a:srgbClr val="00B050"/>
+            </a:solidFill>
+            <a:ln>
+              <a:solidFill>
+                <a:srgbClr val="00B050"/>
+              </a:solidFill>
+            </a:ln>
+            <a:effectLst/>
+          </p:spPr>
+          <p:style>
+            <a:lnRef idx="1">
+              <a:schemeClr val="accent3"/>
+            </a:lnRef>
+            <a:fillRef idx="2">
+              <a:schemeClr val="accent3"/>
+            </a:fillRef>
+            <a:effectRef idx="1">
+              <a:schemeClr val="accent3"/>
+            </a:effectRef>
+            <a:fontRef idx="minor">
+              <a:schemeClr val="dk1"/>
+            </a:fontRef>
+          </p:style>
+          <p:txBody>
+            <a:bodyPr rtlCol="0" anchor="ctr"/>
+            <a:lstStyle/>
+            <a:p>
+              <a:pPr algn="ctr"/>
+              <a:endParaRPr lang="en-SG" sz="1400">
+                <a:solidFill>
+                  <a:schemeClr val="dk1"/>
+                </a:solidFill>
+              </a:endParaRPr>
+            </a:p>
+          </p:txBody>
+        </p:sp>
+        <p:grpSp>
+          <p:nvGrpSpPr>
+            <p:cNvPr id="7" name="Actor"/>
+            <p:cNvGrpSpPr/>
+            <p:nvPr/>
+          </p:nvGrpSpPr>
+          <p:grpSpPr>
+            <a:xfrm>
+              <a:off x="-187234" y="533400"/>
+              <a:ext cx="321832" cy="573410"/>
+              <a:chOff x="3239901" y="4149080"/>
+              <a:chExt cx="648072" cy="1146820"/>
+            </a:xfrm>
+          </p:grpSpPr>
+          <p:sp>
+            <p:nvSpPr>
+              <p:cNvPr id="8" name="Flowchart: Connector 7"/>
+              <p:cNvSpPr/>
+              <p:nvPr/>
+            </p:nvSpPr>
+            <p:spPr>
+              <a:xfrm>
+                <a:off x="3419872" y="4149080"/>
+                <a:ext cx="288032" cy="288032"/>
+              </a:xfrm>
+              <a:prstGeom prst="flowChartConnector">
+                <a:avLst/>
+              </a:prstGeom>
+              <a:solidFill>
+                <a:schemeClr val="bg1">
+                  <a:lumMod val="85000"/>
+                </a:schemeClr>
+              </a:solidFill>
+              <a:ln w="28575">
+                <a:solidFill>
+                  <a:schemeClr val="tx1"/>
+                </a:solidFill>
+              </a:ln>
+              <a:effectLst/>
+            </p:spPr>
+            <p:style>
+              <a:lnRef idx="1">
+                <a:schemeClr val="accent4"/>
+              </a:lnRef>
+              <a:fillRef idx="2">
+                <a:schemeClr val="accent4"/>
+              </a:fillRef>
+              <a:effectRef idx="1">
+                <a:schemeClr val="accent4"/>
+              </a:effectRef>
+              <a:fontRef idx="minor">
+                <a:schemeClr val="dk1"/>
+              </a:fontRef>
+            </p:style>
+            <p:txBody>
+              <a:bodyPr rtlCol="0" anchor="ctr"/>
+              <a:lstStyle/>
+              <a:p>
+                <a:pPr algn="ctr"/>
+                <a:endParaRPr lang="en-SG"/>
+              </a:p>
+            </p:txBody>
+          </p:sp>
+          <p:cxnSp>
+            <p:nvCxnSpPr>
+              <p:cNvPr id="9" name="Straight Connector 8"/>
+              <p:cNvCxnSpPr>
+                <a:stCxn id="8" idx="4"/>
+              </p:cNvCxnSpPr>
+              <p:nvPr/>
+            </p:nvCxnSpPr>
+            <p:spPr>
+              <a:xfrm>
+                <a:off x="3563888" y="4437112"/>
+                <a:ext cx="0" cy="504056"/>
+              </a:xfrm>
+              <a:prstGeom prst="line">
+                <a:avLst/>
+              </a:prstGeom>
+              <a:ln w="28575">
+                <a:solidFill>
+                  <a:schemeClr val="tx1"/>
+                </a:solidFill>
+              </a:ln>
+              <a:effectLst/>
+            </p:spPr>
+            <p:style>
+              <a:lnRef idx="1">
+                <a:schemeClr val="accent4"/>
+              </a:lnRef>
+              <a:fillRef idx="2">
+                <a:schemeClr val="accent4"/>
+              </a:fillRef>
+              <a:effectRef idx="1">
+                <a:schemeClr val="accent4"/>
+              </a:effectRef>
+              <a:fontRef idx="minor">
+                <a:schemeClr val="dk1"/>
+              </a:fontRef>
+            </p:style>
+          </p:cxnSp>
+          <p:sp>
+            <p:nvSpPr>
+              <p:cNvPr id="10" name="Freeform 9"/>
+              <p:cNvSpPr/>
+              <p:nvPr/>
+            </p:nvSpPr>
+            <p:spPr>
+              <a:xfrm>
+                <a:off x="3324225" y="4933950"/>
+                <a:ext cx="479425" cy="361950"/>
+              </a:xfrm>
+              <a:custGeom>
+                <a:avLst/>
+                <a:gdLst>
+                  <a:gd name="connsiteX0" fmla="*/ 0 w 479425"/>
+                  <a:gd name="connsiteY0" fmla="*/ 355600 h 361950"/>
+                  <a:gd name="connsiteX1" fmla="*/ 241300 w 479425"/>
+                  <a:gd name="connsiteY1" fmla="*/ 0 h 361950"/>
+                  <a:gd name="connsiteX2" fmla="*/ 479425 w 479425"/>
+                  <a:gd name="connsiteY2" fmla="*/ 361950 h 361950"/>
+                </a:gdLst>
+                <a:ahLst/>
+                <a:cxnLst>
+                  <a:cxn ang="0">
+                    <a:pos x="connsiteX0" y="connsiteY0"/>
+                  </a:cxn>
+                  <a:cxn ang="0">
+                    <a:pos x="connsiteX1" y="connsiteY1"/>
+                  </a:cxn>
+                  <a:cxn ang="0">
+                    <a:pos x="connsiteX2" y="connsiteY2"/>
+                  </a:cxn>
+                </a:cxnLst>
+                <a:rect l="l" t="t" r="r" b="b"/>
+                <a:pathLst>
+                  <a:path w="479425" h="361950">
+                    <a:moveTo>
+                      <a:pt x="0" y="355600"/>
+                    </a:moveTo>
+                    <a:lnTo>
+                      <a:pt x="241300" y="0"/>
+                    </a:lnTo>
+                    <a:lnTo>
+                      <a:pt x="479425" y="361950"/>
+                    </a:lnTo>
+                  </a:path>
+                </a:pathLst>
+              </a:custGeom>
+              <a:noFill/>
+              <a:ln w="28575">
+                <a:solidFill>
+                  <a:schemeClr val="tx1"/>
+                </a:solidFill>
+              </a:ln>
+              <a:effectLst/>
+            </p:spPr>
+            <p:style>
+              <a:lnRef idx="1">
+                <a:schemeClr val="accent4"/>
+              </a:lnRef>
+              <a:fillRef idx="2">
+                <a:schemeClr val="accent4"/>
+              </a:fillRef>
+              <a:effectRef idx="1">
+                <a:schemeClr val="accent4"/>
+              </a:effectRef>
+              <a:fontRef idx="minor">
+                <a:schemeClr val="dk1"/>
+              </a:fontRef>
+            </p:style>
+            <p:txBody>
+              <a:bodyPr rtlCol="0" anchor="ctr"/>
+              <a:lstStyle/>
+              <a:p>
+                <a:pPr algn="ctr"/>
+                <a:endParaRPr lang="en-SG"/>
+              </a:p>
+            </p:txBody>
+          </p:sp>
+          <p:cxnSp>
+            <p:nvCxnSpPr>
+              <p:cNvPr id="11" name="Straight Connector 10"/>
+              <p:cNvCxnSpPr/>
+              <p:nvPr/>
+            </p:nvCxnSpPr>
+            <p:spPr>
+              <a:xfrm>
+                <a:off x="3239901" y="4509120"/>
+                <a:ext cx="648072" cy="0"/>
+              </a:xfrm>
+              <a:prstGeom prst="line">
+                <a:avLst/>
+              </a:prstGeom>
+              <a:ln w="28575">
+                <a:solidFill>
+                  <a:schemeClr val="tx1"/>
+                </a:solidFill>
+              </a:ln>
+              <a:effectLst/>
+            </p:spPr>
+            <p:style>
+              <a:lnRef idx="1">
+                <a:schemeClr val="accent4"/>
+              </a:lnRef>
+              <a:fillRef idx="2">
+                <a:schemeClr val="accent4"/>
+              </a:fillRef>
+              <a:effectRef idx="1">
+                <a:schemeClr val="accent4"/>
+              </a:effectRef>
+              <a:fontRef idx="minor">
+                <a:schemeClr val="dk1"/>
+              </a:fontRef>
+            </p:style>
+          </p:cxnSp>
+        </p:grpSp>
+        <p:sp>
+          <p:nvSpPr>
+            <p:cNvPr id="16" name="Rectangle 62"/>
+            <p:cNvSpPr/>
+            <p:nvPr/>
+          </p:nvSpPr>
+          <p:spPr>
+            <a:xfrm>
+              <a:off x="2637776" y="606177"/>
+              <a:ext cx="1086197" cy="346760"/>
+            </a:xfrm>
+            <a:prstGeom prst="rect">
+              <a:avLst/>
+            </a:prstGeom>
+            <a:solidFill>
+              <a:srgbClr val="0070C0"/>
+            </a:solidFill>
+            <a:ln w="19050">
+              <a:solidFill>
+                <a:srgbClr val="0070C0"/>
+              </a:solidFill>
+            </a:ln>
+            <a:effectLst/>
+          </p:spPr>
+          <p:style>
+            <a:lnRef idx="1">
+              <a:schemeClr val="accent2"/>
+            </a:lnRef>
+            <a:fillRef idx="2">
+              <a:schemeClr val="accent2"/>
+            </a:fillRef>
+            <a:effectRef idx="1">
+              <a:schemeClr val="accent2"/>
+            </a:effectRef>
+            <a:fontRef idx="minor">
+              <a:schemeClr val="dk1"/>
+            </a:fontRef>
+          </p:style>
+          <p:txBody>
+            <a:bodyPr rtlCol="0" anchor="ctr"/>
+            <a:lstStyle/>
+            <a:p>
+              <a:pPr algn="ctr"/>
+              <a:r>
+                <a:rPr lang="en-US" sz="1600" dirty="0">
+                  <a:solidFill>
+                    <a:schemeClr val="bg1"/>
+                  </a:solidFill>
+                </a:rPr>
+                <a:t>:Logic</a:t>
+              </a:r>
+              <a:endParaRPr lang="en-SG" sz="1600" dirty="0">
+                <a:solidFill>
+                  <a:schemeClr val="bg1"/>
+                </a:solidFill>
+              </a:endParaRPr>
+            </a:p>
+          </p:txBody>
+        </p:sp>
+        <p:cxnSp>
+          <p:nvCxnSpPr>
+            <p:cNvPr id="17" name="Straight Connector 16"/>
+            <p:cNvCxnSpPr>
+              <a:cxnSpLocks/>
+            </p:cNvCxnSpPr>
+            <p:nvPr/>
+          </p:nvCxnSpPr>
+          <p:spPr>
+            <a:xfrm>
+              <a:off x="3184593" y="969848"/>
+              <a:ext cx="0" cy="2916352"/>
+            </a:xfrm>
+            <a:prstGeom prst="line">
+              <a:avLst/>
+            </a:prstGeom>
+            <a:ln w="19050">
+              <a:solidFill>
+                <a:srgbClr val="0070C0"/>
+              </a:solidFill>
+              <a:prstDash val="sysDash"/>
+            </a:ln>
+            <a:effectLst/>
+          </p:spPr>
+          <p:style>
+            <a:lnRef idx="1">
+              <a:schemeClr val="accent1"/>
+            </a:lnRef>
+            <a:fillRef idx="2">
+              <a:schemeClr val="accent1"/>
+            </a:fillRef>
+            <a:effectRef idx="1">
+              <a:schemeClr val="accent1"/>
+            </a:effectRef>
+            <a:fontRef idx="minor">
+              <a:schemeClr val="dk1"/>
+            </a:fontRef>
+          </p:style>
+        </p:cxnSp>
+        <p:sp>
+          <p:nvSpPr>
+            <p:cNvPr id="18" name="Rectangle 17"/>
+            <p:cNvSpPr/>
+            <p:nvPr/>
+          </p:nvSpPr>
+          <p:spPr>
+            <a:xfrm>
+              <a:off x="3112585" y="1277083"/>
+              <a:ext cx="157237" cy="2228109"/>
+            </a:xfrm>
+            <a:prstGeom prst="rect">
+              <a:avLst/>
+            </a:prstGeom>
+            <a:solidFill>
+              <a:srgbClr val="0070C0"/>
+            </a:solidFill>
+            <a:ln>
+              <a:solidFill>
+                <a:srgbClr val="0070C0"/>
+              </a:solidFill>
+            </a:ln>
+            <a:effectLst/>
+          </p:spPr>
+          <p:style>
+            <a:lnRef idx="1">
+              <a:schemeClr val="accent3"/>
+            </a:lnRef>
+            <a:fillRef idx="2">
+              <a:schemeClr val="accent3"/>
+            </a:fillRef>
+            <a:effectRef idx="1">
+              <a:schemeClr val="accent3"/>
+            </a:effectRef>
+            <a:fontRef idx="minor">
+              <a:schemeClr val="dk1"/>
+            </a:fontRef>
+          </p:style>
+          <p:txBody>
+            <a:bodyPr rtlCol="0" anchor="ctr"/>
+            <a:lstStyle/>
+            <a:p>
+              <a:pPr algn="ctr"/>
+              <a:endParaRPr lang="en-SG" sz="1400">
+                <a:solidFill>
+                  <a:schemeClr val="dk1"/>
+                </a:solidFill>
+              </a:endParaRPr>
+            </a:p>
+          </p:txBody>
+        </p:sp>
+        <p:sp>
+          <p:nvSpPr>
+            <p:cNvPr id="19" name="Rectangle 62"/>
+            <p:cNvSpPr/>
+            <p:nvPr/>
+          </p:nvSpPr>
+          <p:spPr>
+            <a:xfrm>
+              <a:off x="4570795" y="622315"/>
+              <a:ext cx="1418400" cy="330081"/>
+            </a:xfrm>
+            <a:prstGeom prst="rect">
+              <a:avLst/>
+            </a:prstGeom>
+            <a:solidFill>
+              <a:srgbClr val="7030A0"/>
+            </a:solidFill>
+            <a:ln w="19050">
+              <a:solidFill>
+                <a:srgbClr val="7030A0"/>
+              </a:solidFill>
+            </a:ln>
+            <a:effectLst/>
+          </p:spPr>
+          <p:style>
+            <a:lnRef idx="1">
+              <a:schemeClr val="accent2"/>
+            </a:lnRef>
+            <a:fillRef idx="2">
+              <a:schemeClr val="accent2"/>
+            </a:fillRef>
+            <a:effectRef idx="1">
+              <a:schemeClr val="accent2"/>
+            </a:effectRef>
+            <a:fontRef idx="minor">
+              <a:schemeClr val="dk1"/>
+            </a:fontRef>
+          </p:style>
+          <p:txBody>
+            <a:bodyPr rtlCol="0" anchor="ctr"/>
+            <a:lstStyle/>
+            <a:p>
+              <a:pPr algn="ctr"/>
+              <a:r>
+                <a:rPr lang="en-US" sz="1600" dirty="0">
+                  <a:solidFill>
+                    <a:schemeClr val="bg1"/>
+                  </a:solidFill>
+                </a:rPr>
+                <a:t>:</a:t>
+              </a:r>
+              <a:r>
+                <a:rPr lang="en-US" sz="1600" dirty="0" err="1">
+                  <a:solidFill>
+                    <a:schemeClr val="bg1"/>
+                  </a:solidFill>
+                </a:rPr>
+                <a:t>UnitOfWork</a:t>
+              </a:r>
+              <a:endParaRPr lang="en-SG" sz="1600" dirty="0">
+                <a:solidFill>
+                  <a:schemeClr val="bg1"/>
+                </a:solidFill>
+              </a:endParaRPr>
+            </a:p>
+          </p:txBody>
+        </p:sp>
+        <p:cxnSp>
+          <p:nvCxnSpPr>
+            <p:cNvPr id="20" name="Straight Connector 19"/>
+            <p:cNvCxnSpPr>
+              <a:cxnSpLocks/>
+              <a:stCxn id="19" idx="2"/>
+            </p:cNvCxnSpPr>
+            <p:nvPr/>
+          </p:nvCxnSpPr>
+          <p:spPr>
+            <a:xfrm>
+              <a:off x="5279995" y="952396"/>
+              <a:ext cx="0" cy="2933804"/>
+            </a:xfrm>
+            <a:prstGeom prst="line">
+              <a:avLst/>
+            </a:prstGeom>
+            <a:ln w="19050">
+              <a:solidFill>
+                <a:srgbClr val="7030A0"/>
+              </a:solidFill>
+              <a:prstDash val="sysDash"/>
+            </a:ln>
+            <a:effectLst/>
+          </p:spPr>
+          <p:style>
+            <a:lnRef idx="1">
+              <a:schemeClr val="accent1"/>
+            </a:lnRef>
+            <a:fillRef idx="2">
+              <a:schemeClr val="accent1"/>
+            </a:fillRef>
+            <a:effectRef idx="1">
+              <a:schemeClr val="accent1"/>
+            </a:effectRef>
+            <a:fontRef idx="minor">
+              <a:schemeClr val="dk1"/>
+            </a:fontRef>
+          </p:style>
+        </p:cxnSp>
+        <p:cxnSp>
+          <p:nvCxnSpPr>
+            <p:cNvPr id="23" name="Straight Arrow Connector 22"/>
+            <p:cNvCxnSpPr>
+              <a:cxnSpLocks/>
+            </p:cNvCxnSpPr>
+            <p:nvPr/>
+          </p:nvCxnSpPr>
+          <p:spPr>
+            <a:xfrm>
+              <a:off x="127184" y="1143000"/>
+              <a:ext cx="1112235" cy="0"/>
+            </a:xfrm>
+            <a:prstGeom prst="straightConnector1">
+              <a:avLst/>
+            </a:prstGeom>
+            <a:ln w="19050">
+              <a:solidFill>
+                <a:schemeClr val="tx1"/>
+              </a:solidFill>
+              <a:tailEnd type="arrow"/>
+            </a:ln>
+          </p:spPr>
+          <p:style>
+            <a:lnRef idx="1">
+              <a:schemeClr val="accent1"/>
+            </a:lnRef>
+            <a:fillRef idx="0">
+              <a:schemeClr val="accent1"/>
+            </a:fillRef>
+            <a:effectRef idx="0">
+              <a:schemeClr val="accent1"/>
+            </a:effectRef>
+            <a:fontRef idx="minor">
+              <a:schemeClr val="tx1"/>
+            </a:fontRef>
+          </p:style>
+        </p:cxnSp>
+        <p:sp>
+          <p:nvSpPr>
+            <p:cNvPr id="24" name="TextBox 23"/>
+            <p:cNvSpPr txBox="1"/>
+            <p:nvPr/>
+          </p:nvSpPr>
+          <p:spPr>
+            <a:xfrm>
+              <a:off x="127184" y="1162901"/>
+              <a:ext cx="1155596" cy="646331"/>
+            </a:xfrm>
+            <a:prstGeom prst="rect">
+              <a:avLst/>
+            </a:prstGeom>
+            <a:noFill/>
+          </p:spPr>
+          <p:txBody>
+            <a:bodyPr wrap="square" lIns="0" tIns="0" rIns="0" bIns="0" rtlCol="0">
+              <a:spAutoFit/>
+            </a:bodyPr>
+            <a:lstStyle/>
+            <a:p>
+              <a:r>
+                <a:rPr lang="en-SG" sz="1400" dirty="0" err="1"/>
+                <a:t>blockUser</a:t>
+              </a:r>
+              <a:r>
+                <a:rPr lang="en-SG" sz="1400" dirty="0"/>
+                <a:t> </a:t>
+              </a:r>
+              <a:r>
+                <a:rPr lang="en-SG" sz="1400" dirty="0" err="1"/>
+                <a:t>uName</a:t>
+              </a:r>
+              <a:r>
+                <a:rPr lang="en-SG" sz="1400" dirty="0"/>
+                <a:t>/john block/true</a:t>
+              </a:r>
+              <a:endParaRPr lang="en-US" sz="1400" dirty="0"/>
+            </a:p>
+          </p:txBody>
+        </p:sp>
+        <p:cxnSp>
+          <p:nvCxnSpPr>
+            <p:cNvPr id="25" name="Straight Arrow Connector 24"/>
+            <p:cNvCxnSpPr>
+              <a:cxnSpLocks/>
+            </p:cNvCxnSpPr>
+            <p:nvPr/>
+          </p:nvCxnSpPr>
+          <p:spPr>
+            <a:xfrm>
+              <a:off x="1399435" y="1277085"/>
+              <a:ext cx="1701499" cy="0"/>
+            </a:xfrm>
+            <a:prstGeom prst="straightConnector1">
+              <a:avLst/>
+            </a:prstGeom>
+            <a:ln w="19050">
+              <a:solidFill>
+                <a:srgbClr val="00B050"/>
+              </a:solidFill>
+              <a:tailEnd type="arrow"/>
+            </a:ln>
+          </p:spPr>
+          <p:style>
+            <a:lnRef idx="1">
+              <a:schemeClr val="accent1"/>
+            </a:lnRef>
+            <a:fillRef idx="0">
+              <a:schemeClr val="accent1"/>
+            </a:fillRef>
+            <a:effectRef idx="0">
+              <a:schemeClr val="accent1"/>
+            </a:effectRef>
+            <a:fontRef idx="minor">
+              <a:schemeClr val="tx1"/>
+            </a:fontRef>
+          </p:style>
+        </p:cxnSp>
+        <p:sp>
+          <p:nvSpPr>
+            <p:cNvPr id="26" name="TextBox 25"/>
+            <p:cNvSpPr txBox="1"/>
+            <p:nvPr/>
+          </p:nvSpPr>
+          <p:spPr>
+            <a:xfrm>
+              <a:off x="1475763" y="1319402"/>
+              <a:ext cx="1700165" cy="738664"/>
+            </a:xfrm>
+            <a:prstGeom prst="rect">
+              <a:avLst/>
+            </a:prstGeom>
+            <a:noFill/>
+          </p:spPr>
+          <p:txBody>
+            <a:bodyPr wrap="square" lIns="0" tIns="0" rIns="0" bIns="0" rtlCol="0">
+              <a:spAutoFit/>
+            </a:bodyPr>
+            <a:lstStyle/>
+            <a:p>
+              <a:r>
+                <a:rPr lang="en-US" sz="1600" dirty="0">
+                  <a:solidFill>
+                    <a:srgbClr val="0070C0"/>
+                  </a:solidFill>
+                </a:rPr>
+                <a:t>execute(“</a:t>
+              </a:r>
+              <a:r>
+                <a:rPr lang="en-US" sz="1600" dirty="0" err="1">
+                  <a:solidFill>
+                    <a:srgbClr val="0070C0"/>
+                  </a:solidFill>
+                </a:rPr>
+                <a:t>blockUser</a:t>
+              </a:r>
+              <a:r>
+                <a:rPr lang="en-US" sz="1600" dirty="0">
+                  <a:solidFill>
+                    <a:srgbClr val="0070C0"/>
+                  </a:solidFill>
+                </a:rPr>
+                <a:t> </a:t>
+              </a:r>
+              <a:r>
+                <a:rPr lang="en-US" sz="1600" dirty="0" err="1">
+                  <a:solidFill>
+                    <a:srgbClr val="0070C0"/>
+                  </a:solidFill>
+                </a:rPr>
+                <a:t>uName</a:t>
+              </a:r>
+              <a:r>
+                <a:rPr lang="en-US" sz="1600" dirty="0">
+                  <a:solidFill>
+                    <a:srgbClr val="0070C0"/>
+                  </a:solidFill>
+                </a:rPr>
+                <a:t>/john block/true</a:t>
+              </a:r>
+              <a:r>
+                <a:rPr lang="en-SG" sz="1600" dirty="0">
+                  <a:solidFill>
+                    <a:srgbClr val="2D73C1"/>
+                  </a:solidFill>
+                </a:rPr>
+                <a:t>”</a:t>
+              </a:r>
+              <a:r>
+                <a:rPr lang="en-US" sz="1600" dirty="0">
+                  <a:solidFill>
+                    <a:srgbClr val="2D73C1"/>
+                  </a:solidFill>
+                </a:rPr>
+                <a:t>)</a:t>
+              </a:r>
+            </a:p>
+          </p:txBody>
+        </p:sp>
+        <p:sp>
+          <p:nvSpPr>
+            <p:cNvPr id="33" name="TextBox 32"/>
+            <p:cNvSpPr txBox="1"/>
+            <p:nvPr/>
+          </p:nvSpPr>
+          <p:spPr>
+            <a:xfrm>
+              <a:off x="5503292" y="1475591"/>
+              <a:ext cx="2205748" cy="169277"/>
+            </a:xfrm>
+            <a:prstGeom prst="rect">
+              <a:avLst/>
+            </a:prstGeom>
+            <a:noFill/>
+          </p:spPr>
+          <p:txBody>
+            <a:bodyPr wrap="square" lIns="0" tIns="0" rIns="0" bIns="0" rtlCol="0">
+              <a:spAutoFit/>
+            </a:bodyPr>
+            <a:lstStyle/>
+            <a:p>
+              <a:r>
+                <a:rPr lang="en-US" sz="1100" dirty="0" err="1">
+                  <a:solidFill>
+                    <a:srgbClr val="7031A0"/>
+                  </a:solidFill>
+                </a:rPr>
+                <a:t>getUserByName</a:t>
+              </a:r>
+              <a:r>
+                <a:rPr lang="en-US" sz="1100" dirty="0">
+                  <a:solidFill>
+                    <a:srgbClr val="7031A0"/>
+                  </a:solidFill>
+                </a:rPr>
+                <a:t>(“john”)</a:t>
+              </a:r>
+            </a:p>
+          </p:txBody>
+        </p:sp>
+        <p:cxnSp>
+          <p:nvCxnSpPr>
+            <p:cNvPr id="35" name="Straight Arrow Connector 34"/>
+            <p:cNvCxnSpPr>
+              <a:cxnSpLocks/>
+            </p:cNvCxnSpPr>
+            <p:nvPr/>
+          </p:nvCxnSpPr>
+          <p:spPr>
+            <a:xfrm>
+              <a:off x="1437675" y="3505192"/>
+              <a:ext cx="1701499" cy="0"/>
+            </a:xfrm>
+            <a:prstGeom prst="straightConnector1">
+              <a:avLst/>
+            </a:prstGeom>
+            <a:ln w="19050">
+              <a:solidFill>
+                <a:srgbClr val="0070C0"/>
+              </a:solidFill>
+              <a:prstDash val="sysDash"/>
+              <a:headEnd type="arrow" w="med" len="med"/>
+              <a:tailEnd type="none" w="med" len="med"/>
+            </a:ln>
+          </p:spPr>
+          <p:style>
+            <a:lnRef idx="1">
+              <a:schemeClr val="accent1"/>
+            </a:lnRef>
+            <a:fillRef idx="0">
+              <a:schemeClr val="accent1"/>
+            </a:fillRef>
+            <a:effectRef idx="0">
+              <a:schemeClr val="accent1"/>
+            </a:effectRef>
+            <a:fontRef idx="minor">
+              <a:schemeClr val="tx1"/>
+            </a:fontRef>
+          </p:style>
+        </p:cxnSp>
+        <p:cxnSp>
+          <p:nvCxnSpPr>
+            <p:cNvPr id="37" name="Straight Arrow Connector 36"/>
+            <p:cNvCxnSpPr>
+              <a:cxnSpLocks/>
+            </p:cNvCxnSpPr>
+            <p:nvPr/>
+          </p:nvCxnSpPr>
+          <p:spPr>
+            <a:xfrm>
+              <a:off x="92723" y="3505200"/>
+              <a:ext cx="1135523" cy="0"/>
+            </a:xfrm>
+            <a:prstGeom prst="straightConnector1">
+              <a:avLst/>
+            </a:prstGeom>
+            <a:ln w="19050">
+              <a:solidFill>
+                <a:srgbClr val="00B050"/>
+              </a:solidFill>
+              <a:prstDash val="sysDash"/>
+              <a:headEnd type="arrow" w="med" len="med"/>
+              <a:tailEnd type="none" w="med" len="med"/>
+            </a:ln>
+          </p:spPr>
+          <p:style>
+            <a:lnRef idx="1">
+              <a:schemeClr val="accent1"/>
+            </a:lnRef>
+            <a:fillRef idx="0">
+              <a:schemeClr val="accent1"/>
+            </a:fillRef>
+            <a:effectRef idx="0">
+              <a:schemeClr val="accent1"/>
+            </a:effectRef>
+            <a:fontRef idx="minor">
+              <a:schemeClr val="tx1"/>
+            </a:fontRef>
+          </p:style>
+        </p:cxnSp>
+        <p:sp>
+          <p:nvSpPr>
+            <p:cNvPr id="39" name="Rectangle 62"/>
+            <p:cNvSpPr/>
+            <p:nvPr/>
+          </p:nvSpPr>
+          <p:spPr>
+            <a:xfrm>
+              <a:off x="8588840" y="623088"/>
+              <a:ext cx="1362272" cy="346760"/>
+            </a:xfrm>
+            <a:prstGeom prst="rect">
+              <a:avLst/>
+            </a:prstGeom>
+            <a:solidFill>
+              <a:schemeClr val="accent5">
+                <a:lumMod val="75000"/>
+              </a:schemeClr>
+            </a:solidFill>
+            <a:ln w="19050">
+              <a:solidFill>
+                <a:schemeClr val="accent5">
+                  <a:lumMod val="75000"/>
+                </a:schemeClr>
+              </a:solidFill>
+            </a:ln>
+            <a:effectLst/>
+          </p:spPr>
+          <p:style>
+            <a:lnRef idx="1">
+              <a:schemeClr val="accent2"/>
+            </a:lnRef>
+            <a:fillRef idx="2">
+              <a:schemeClr val="accent2"/>
+            </a:fillRef>
+            <a:effectRef idx="1">
+              <a:schemeClr val="accent2"/>
+            </a:effectRef>
+            <a:fontRef idx="minor">
+              <a:schemeClr val="dk1"/>
+            </a:fontRef>
+          </p:style>
+          <p:txBody>
+            <a:bodyPr rtlCol="0" anchor="ctr"/>
+            <a:lstStyle/>
+            <a:p>
+              <a:pPr algn="ctr"/>
+              <a:r>
+                <a:rPr lang="en-US" sz="1600" dirty="0">
+                  <a:solidFill>
+                    <a:schemeClr val="bg1"/>
+                  </a:solidFill>
+                </a:rPr>
+                <a:t>:Storage</a:t>
+              </a:r>
+              <a:endParaRPr lang="en-SG" sz="1600" dirty="0">
+                <a:solidFill>
+                  <a:schemeClr val="bg1"/>
+                </a:solidFill>
+              </a:endParaRPr>
+            </a:p>
+          </p:txBody>
+        </p:sp>
+        <p:cxnSp>
+          <p:nvCxnSpPr>
+            <p:cNvPr id="40" name="Straight Connector 39"/>
+            <p:cNvCxnSpPr>
+              <a:cxnSpLocks/>
+            </p:cNvCxnSpPr>
+            <p:nvPr/>
+          </p:nvCxnSpPr>
+          <p:spPr>
+            <a:xfrm>
+              <a:off x="9280842" y="976142"/>
+              <a:ext cx="0" cy="2910058"/>
+            </a:xfrm>
+            <a:prstGeom prst="line">
+              <a:avLst/>
+            </a:prstGeom>
+            <a:ln w="19050">
+              <a:solidFill>
+                <a:schemeClr val="accent5">
+                  <a:lumMod val="75000"/>
+                </a:schemeClr>
+              </a:solidFill>
+              <a:prstDash val="sysDash"/>
+            </a:ln>
+            <a:effectLst/>
+          </p:spPr>
+          <p:style>
+            <a:lnRef idx="1">
+              <a:schemeClr val="accent1"/>
+            </a:lnRef>
+            <a:fillRef idx="2">
+              <a:schemeClr val="accent1"/>
+            </a:fillRef>
+            <a:effectRef idx="1">
+              <a:schemeClr val="accent1"/>
+            </a:effectRef>
+            <a:fontRef idx="minor">
+              <a:schemeClr val="dk1"/>
+            </a:fontRef>
+          </p:style>
+        </p:cxnSp>
+        <p:cxnSp>
+          <p:nvCxnSpPr>
+            <p:cNvPr id="42" name="Straight Arrow Connector 41"/>
+            <p:cNvCxnSpPr>
+              <a:cxnSpLocks/>
+            </p:cNvCxnSpPr>
+            <p:nvPr/>
+          </p:nvCxnSpPr>
+          <p:spPr>
+            <a:xfrm>
+              <a:off x="5345910" y="1453665"/>
+              <a:ext cx="1733618" cy="0"/>
+            </a:xfrm>
+            <a:prstGeom prst="straightConnector1">
+              <a:avLst/>
+            </a:prstGeom>
+            <a:ln w="19050">
+              <a:solidFill>
+                <a:srgbClr val="7030A0"/>
+              </a:solidFill>
+              <a:tailEnd type="arrow"/>
+            </a:ln>
+          </p:spPr>
+          <p:style>
+            <a:lnRef idx="1">
+              <a:schemeClr val="accent1"/>
+            </a:lnRef>
+            <a:fillRef idx="0">
+              <a:schemeClr val="accent1"/>
+            </a:fillRef>
+            <a:effectRef idx="0">
+              <a:schemeClr val="accent1"/>
+            </a:effectRef>
+            <a:fontRef idx="minor">
+              <a:schemeClr val="tx1"/>
+            </a:fontRef>
+          </p:style>
+        </p:cxnSp>
+        <p:cxnSp>
+          <p:nvCxnSpPr>
+            <p:cNvPr id="44" name="Straight Arrow Connector 43"/>
+            <p:cNvCxnSpPr>
+              <a:cxnSpLocks/>
+            </p:cNvCxnSpPr>
+            <p:nvPr/>
+          </p:nvCxnSpPr>
+          <p:spPr>
+            <a:xfrm flipV="1">
+              <a:off x="7208119" y="1832935"/>
+              <a:ext cx="2077085" cy="2724"/>
+            </a:xfrm>
+            <a:prstGeom prst="straightConnector1">
+              <a:avLst/>
+            </a:prstGeom>
+            <a:ln w="19050">
+              <a:solidFill>
+                <a:schemeClr val="accent5">
+                  <a:lumMod val="75000"/>
+                </a:schemeClr>
+              </a:solidFill>
+              <a:prstDash val="sysDash"/>
+              <a:headEnd type="arrow" w="med" len="med"/>
+              <a:tailEnd type="none" w="med" len="med"/>
+            </a:ln>
+          </p:spPr>
+          <p:style>
+            <a:lnRef idx="1">
+              <a:schemeClr val="accent1"/>
+            </a:lnRef>
+            <a:fillRef idx="0">
+              <a:schemeClr val="accent1"/>
+            </a:fillRef>
+            <a:effectRef idx="0">
+              <a:schemeClr val="accent1"/>
+            </a:effectRef>
+            <a:fontRef idx="minor">
+              <a:schemeClr val="tx1"/>
+            </a:fontRef>
+          </p:style>
+        </p:cxnSp>
+        <p:cxnSp>
+          <p:nvCxnSpPr>
+            <p:cNvPr id="85" name="Straight Connector 84"/>
+            <p:cNvCxnSpPr>
+              <a:cxnSpLocks/>
+            </p:cNvCxnSpPr>
+            <p:nvPr/>
+          </p:nvCxnSpPr>
+          <p:spPr>
+            <a:xfrm>
+              <a:off x="-25216" y="1099672"/>
+              <a:ext cx="0" cy="2810274"/>
+            </a:xfrm>
+            <a:prstGeom prst="line">
+              <a:avLst/>
+            </a:prstGeom>
+            <a:ln w="19050">
+              <a:solidFill>
+                <a:schemeClr val="tx1"/>
+              </a:solidFill>
+              <a:prstDash val="sysDash"/>
+            </a:ln>
+            <a:effectLst/>
+          </p:spPr>
+          <p:style>
+            <a:lnRef idx="1">
+              <a:schemeClr val="accent1"/>
+            </a:lnRef>
+            <a:fillRef idx="2">
+              <a:schemeClr val="accent1"/>
+            </a:fillRef>
+            <a:effectRef idx="1">
+              <a:schemeClr val="accent1"/>
+            </a:effectRef>
+            <a:fontRef idx="minor">
+              <a:schemeClr val="dk1"/>
+            </a:fontRef>
+          </p:style>
+        </p:cxnSp>
+        <p:cxnSp>
+          <p:nvCxnSpPr>
+            <p:cNvPr id="84" name="Straight Arrow Connector 83">
+              <a:extLst>
+                <a:ext uri="{FF2B5EF4-FFF2-40B4-BE49-F238E27FC236}">
+                  <a16:creationId xmlns:a16="http://schemas.microsoft.com/office/drawing/2014/main" id="{F61F4022-5AD8-7A4C-8980-F68F7C69162D}"/>
+                </a:ext>
+              </a:extLst>
+            </p:cNvPr>
+            <p:cNvCxnSpPr>
+              <a:cxnSpLocks/>
+            </p:cNvCxnSpPr>
+            <p:nvPr/>
+          </p:nvCxnSpPr>
+          <p:spPr>
+            <a:xfrm>
+              <a:off x="3251010" y="1384518"/>
+              <a:ext cx="1958543" cy="0"/>
+            </a:xfrm>
+            <a:prstGeom prst="straightConnector1">
+              <a:avLst/>
+            </a:prstGeom>
+            <a:ln w="19050">
+              <a:solidFill>
+                <a:srgbClr val="0070C0"/>
+              </a:solidFill>
+              <a:tailEnd type="arrow"/>
+            </a:ln>
+          </p:spPr>
+          <p:style>
+            <a:lnRef idx="1">
+              <a:schemeClr val="accent1"/>
+            </a:lnRef>
+            <a:fillRef idx="0">
+              <a:schemeClr val="accent1"/>
+            </a:fillRef>
+            <a:effectRef idx="0">
+              <a:schemeClr val="accent1"/>
+            </a:effectRef>
+            <a:fontRef idx="minor">
+              <a:schemeClr val="tx1"/>
+            </a:fontRef>
+          </p:style>
+        </p:cxnSp>
+        <p:sp>
+          <p:nvSpPr>
+            <p:cNvPr id="79" name="TextBox 78">
+              <a:extLst>
+                <a:ext uri="{FF2B5EF4-FFF2-40B4-BE49-F238E27FC236}">
+                  <a16:creationId xmlns:a16="http://schemas.microsoft.com/office/drawing/2014/main" id="{F6CB4F46-0AE1-9645-9A37-BB0E2A615403}"/>
+                </a:ext>
+              </a:extLst>
+            </p:cNvPr>
+            <p:cNvSpPr txBox="1"/>
+            <p:nvPr/>
+          </p:nvSpPr>
+          <p:spPr>
+            <a:xfrm>
+              <a:off x="3430901" y="1384518"/>
+              <a:ext cx="1741529" cy="215444"/>
+            </a:xfrm>
+            <a:prstGeom prst="rect">
+              <a:avLst/>
+            </a:prstGeom>
+            <a:noFill/>
+          </p:spPr>
+          <p:txBody>
+            <a:bodyPr wrap="square" lIns="0" tIns="0" rIns="0" bIns="0" rtlCol="0">
+              <a:spAutoFit/>
+            </a:bodyPr>
+            <a:lstStyle/>
+            <a:p>
+              <a:r>
+                <a:rPr lang="en-US" sz="1400" dirty="0" err="1">
+                  <a:solidFill>
+                    <a:srgbClr val="0070C0"/>
+                  </a:solidFill>
+                </a:rPr>
+                <a:t>getUserRepository</a:t>
+              </a:r>
+              <a:r>
+                <a:rPr lang="en-US" sz="1400" dirty="0">
+                  <a:solidFill>
+                    <a:srgbClr val="0070C0"/>
+                  </a:solidFill>
+                </a:rPr>
+                <a:t>()</a:t>
+              </a:r>
+            </a:p>
+          </p:txBody>
+        </p:sp>
+        <p:sp>
+          <p:nvSpPr>
+            <p:cNvPr id="80" name="Rectangle 79">
+              <a:extLst>
+                <a:ext uri="{FF2B5EF4-FFF2-40B4-BE49-F238E27FC236}">
+                  <a16:creationId xmlns:a16="http://schemas.microsoft.com/office/drawing/2014/main" id="{2D67F1ED-CB09-4640-8802-58B473881628}"/>
+                </a:ext>
+              </a:extLst>
+            </p:cNvPr>
+            <p:cNvSpPr/>
+            <p:nvPr/>
+          </p:nvSpPr>
+          <p:spPr>
+            <a:xfrm>
+              <a:off x="9207355" y="1513897"/>
+              <a:ext cx="149843" cy="329068"/>
+            </a:xfrm>
+            <a:prstGeom prst="rect">
+              <a:avLst/>
+            </a:prstGeom>
+            <a:solidFill>
+              <a:schemeClr val="accent5">
+                <a:lumMod val="75000"/>
+              </a:schemeClr>
+            </a:solidFill>
+            <a:ln>
+              <a:solidFill>
+                <a:schemeClr val="accent5">
+                  <a:lumMod val="75000"/>
+                </a:schemeClr>
+              </a:solidFill>
+            </a:ln>
+            <a:effectLst/>
+          </p:spPr>
+          <p:style>
+            <a:lnRef idx="1">
+              <a:schemeClr val="accent3"/>
+            </a:lnRef>
+            <a:fillRef idx="2">
+              <a:schemeClr val="accent3"/>
+            </a:fillRef>
+            <a:effectRef idx="1">
+              <a:schemeClr val="accent3"/>
+            </a:effectRef>
+            <a:fontRef idx="minor">
+              <a:schemeClr val="dk1"/>
+            </a:fontRef>
+          </p:style>
+          <p:txBody>
+            <a:bodyPr rtlCol="0" anchor="ctr"/>
+            <a:lstStyle/>
+            <a:p>
+              <a:pPr algn="ctr"/>
+              <a:endParaRPr lang="en-SG" sz="1400">
+                <a:solidFill>
+                  <a:schemeClr val="dk1"/>
+                </a:solidFill>
+              </a:endParaRPr>
+            </a:p>
+          </p:txBody>
+        </p:sp>
+        <p:cxnSp>
+          <p:nvCxnSpPr>
+            <p:cNvPr id="82" name="Straight Arrow Connector 81">
+              <a:extLst>
+                <a:ext uri="{FF2B5EF4-FFF2-40B4-BE49-F238E27FC236}">
+                  <a16:creationId xmlns:a16="http://schemas.microsoft.com/office/drawing/2014/main" id="{427DA050-FB57-A64E-A909-A84253C9841D}"/>
+                </a:ext>
+              </a:extLst>
+            </p:cNvPr>
+            <p:cNvCxnSpPr>
+              <a:cxnSpLocks/>
+            </p:cNvCxnSpPr>
+            <p:nvPr/>
+          </p:nvCxnSpPr>
+          <p:spPr>
+            <a:xfrm>
+              <a:off x="5379608" y="1845280"/>
+              <a:ext cx="1736891" cy="0"/>
+            </a:xfrm>
+            <a:prstGeom prst="straightConnector1">
+              <a:avLst/>
+            </a:prstGeom>
+            <a:ln w="19050">
+              <a:solidFill>
+                <a:srgbClr val="E46D39"/>
+              </a:solidFill>
+              <a:prstDash val="sysDash"/>
+              <a:headEnd type="arrow" w="med" len="med"/>
+              <a:tailEnd type="none" w="med" len="med"/>
+            </a:ln>
+          </p:spPr>
+          <p:style>
+            <a:lnRef idx="1">
+              <a:schemeClr val="accent1"/>
+            </a:lnRef>
+            <a:fillRef idx="0">
+              <a:schemeClr val="accent1"/>
+            </a:fillRef>
+            <a:effectRef idx="0">
+              <a:schemeClr val="accent1"/>
+            </a:effectRef>
+            <a:fontRef idx="minor">
+              <a:schemeClr val="tx1"/>
+            </a:fontRef>
+          </p:style>
+        </p:cxnSp>
+        <p:cxnSp>
+          <p:nvCxnSpPr>
+            <p:cNvPr id="92" name="Straight Arrow Connector 91">
+              <a:extLst>
+                <a:ext uri="{FF2B5EF4-FFF2-40B4-BE49-F238E27FC236}">
+                  <a16:creationId xmlns:a16="http://schemas.microsoft.com/office/drawing/2014/main" id="{208D1A69-12AF-A348-B515-22C964E3FE54}"/>
+                </a:ext>
+              </a:extLst>
+            </p:cNvPr>
+            <p:cNvCxnSpPr>
+              <a:cxnSpLocks/>
+            </p:cNvCxnSpPr>
+            <p:nvPr/>
+          </p:nvCxnSpPr>
+          <p:spPr>
+            <a:xfrm flipV="1">
+              <a:off x="7213388" y="1516985"/>
+              <a:ext cx="2021130" cy="1"/>
+            </a:xfrm>
+            <a:prstGeom prst="straightConnector1">
+              <a:avLst/>
+            </a:prstGeom>
+            <a:ln w="19050">
+              <a:solidFill>
+                <a:srgbClr val="E46D39"/>
+              </a:solidFill>
+              <a:tailEnd type="arrow"/>
+            </a:ln>
+          </p:spPr>
+          <p:style>
+            <a:lnRef idx="1">
+              <a:schemeClr val="accent1"/>
+            </a:lnRef>
+            <a:fillRef idx="0">
+              <a:schemeClr val="accent1"/>
+            </a:fillRef>
+            <a:effectRef idx="0">
+              <a:schemeClr val="accent1"/>
+            </a:effectRef>
+            <a:fontRef idx="minor">
+              <a:schemeClr val="tx1"/>
+            </a:fontRef>
+          </p:style>
+        </p:cxnSp>
+        <p:sp>
+          <p:nvSpPr>
+            <p:cNvPr id="109" name="Rectangle 62">
+              <a:extLst>
+                <a:ext uri="{FF2B5EF4-FFF2-40B4-BE49-F238E27FC236}">
+                  <a16:creationId xmlns:a16="http://schemas.microsoft.com/office/drawing/2014/main" id="{3BF3380C-871E-464E-B841-6FDCE81D379F}"/>
+                </a:ext>
+              </a:extLst>
+            </p:cNvPr>
+            <p:cNvSpPr/>
+            <p:nvPr/>
+          </p:nvSpPr>
+          <p:spPr>
+            <a:xfrm>
+              <a:off x="6248053" y="615348"/>
+              <a:ext cx="1847618" cy="346760"/>
+            </a:xfrm>
+            <a:prstGeom prst="rect">
+              <a:avLst/>
+            </a:prstGeom>
+            <a:solidFill>
+              <a:schemeClr val="accent6">
+                <a:lumMod val="75000"/>
+              </a:schemeClr>
+            </a:solidFill>
+            <a:ln w="19050">
+              <a:solidFill>
+                <a:schemeClr val="accent6">
+                  <a:lumMod val="75000"/>
+                </a:schemeClr>
+              </a:solidFill>
+            </a:ln>
+            <a:effectLst/>
+          </p:spPr>
+          <p:style>
+            <a:lnRef idx="1">
+              <a:schemeClr val="accent2"/>
+            </a:lnRef>
+            <a:fillRef idx="2">
+              <a:schemeClr val="accent2"/>
+            </a:fillRef>
+            <a:effectRef idx="1">
+              <a:schemeClr val="accent2"/>
+            </a:effectRef>
+            <a:fontRef idx="minor">
+              <a:schemeClr val="dk1"/>
+            </a:fontRef>
+          </p:style>
+          <p:txBody>
+            <a:bodyPr rtlCol="0" anchor="ctr"/>
+            <a:lstStyle/>
+            <a:p>
+              <a:pPr algn="ctr"/>
+              <a:r>
+                <a:rPr lang="en-US" sz="1600" dirty="0">
+                  <a:solidFill>
+                    <a:schemeClr val="bg1"/>
+                  </a:solidFill>
+                </a:rPr>
+                <a:t>:</a:t>
+              </a:r>
+              <a:r>
+                <a:rPr lang="en-US" sz="1600" dirty="0" err="1">
+                  <a:solidFill>
+                    <a:schemeClr val="bg1"/>
+                  </a:solidFill>
+                </a:rPr>
+                <a:t>UserRepository</a:t>
+              </a:r>
+              <a:endParaRPr lang="en-SG" sz="1600" dirty="0">
+                <a:solidFill>
+                  <a:schemeClr val="bg1"/>
+                </a:solidFill>
+              </a:endParaRPr>
+            </a:p>
+          </p:txBody>
+        </p:sp>
+        <p:cxnSp>
+          <p:nvCxnSpPr>
+            <p:cNvPr id="110" name="Straight Connector 109">
+              <a:extLst>
+                <a:ext uri="{FF2B5EF4-FFF2-40B4-BE49-F238E27FC236}">
+                  <a16:creationId xmlns:a16="http://schemas.microsoft.com/office/drawing/2014/main" id="{8C204061-7B86-6D48-91D9-7E7744B0D3E4}"/>
+                </a:ext>
+              </a:extLst>
+            </p:cNvPr>
+            <p:cNvCxnSpPr>
+              <a:cxnSpLocks/>
+            </p:cNvCxnSpPr>
+            <p:nvPr/>
+          </p:nvCxnSpPr>
+          <p:spPr>
+            <a:xfrm>
+              <a:off x="7148557" y="981285"/>
+              <a:ext cx="0" cy="2904915"/>
+            </a:xfrm>
+            <a:prstGeom prst="line">
+              <a:avLst/>
+            </a:prstGeom>
+            <a:ln w="19050">
+              <a:solidFill>
+                <a:schemeClr val="accent6">
+                  <a:lumMod val="75000"/>
+                </a:schemeClr>
+              </a:solidFill>
+              <a:prstDash val="sysDash"/>
+            </a:ln>
+            <a:effectLst/>
+          </p:spPr>
+          <p:style>
+            <a:lnRef idx="1">
+              <a:schemeClr val="accent1"/>
+            </a:lnRef>
+            <a:fillRef idx="2">
+              <a:schemeClr val="accent1"/>
+            </a:fillRef>
+            <a:effectRef idx="1">
+              <a:schemeClr val="accent1"/>
+            </a:effectRef>
+            <a:fontRef idx="minor">
+              <a:schemeClr val="dk1"/>
+            </a:fontRef>
+          </p:style>
+        </p:cxnSp>
+        <p:sp>
+          <p:nvSpPr>
+            <p:cNvPr id="111" name="Rectangle 110">
+              <a:extLst>
+                <a:ext uri="{FF2B5EF4-FFF2-40B4-BE49-F238E27FC236}">
+                  <a16:creationId xmlns:a16="http://schemas.microsoft.com/office/drawing/2014/main" id="{A9D1866E-A63E-364C-BE5C-21E8CE4E5AA7}"/>
+                </a:ext>
+              </a:extLst>
+            </p:cNvPr>
+            <p:cNvSpPr/>
+            <p:nvPr/>
+          </p:nvSpPr>
+          <p:spPr>
+            <a:xfrm>
+              <a:off x="7082663" y="1450577"/>
+              <a:ext cx="130040" cy="400966"/>
+            </a:xfrm>
+            <a:prstGeom prst="rect">
+              <a:avLst/>
+            </a:prstGeom>
+            <a:solidFill>
+              <a:schemeClr val="accent6">
+                <a:lumMod val="75000"/>
+              </a:schemeClr>
+            </a:solidFill>
+            <a:ln>
+              <a:solidFill>
+                <a:schemeClr val="accent6">
+                  <a:lumMod val="75000"/>
+                </a:schemeClr>
+              </a:solidFill>
+            </a:ln>
+            <a:effectLst/>
+          </p:spPr>
+          <p:style>
+            <a:lnRef idx="1">
+              <a:schemeClr val="accent3"/>
+            </a:lnRef>
+            <a:fillRef idx="2">
+              <a:schemeClr val="accent3"/>
+            </a:fillRef>
+            <a:effectRef idx="1">
+              <a:schemeClr val="accent3"/>
+            </a:effectRef>
+            <a:fontRef idx="minor">
+              <a:schemeClr val="dk1"/>
+            </a:fontRef>
+          </p:style>
+          <p:txBody>
+            <a:bodyPr rtlCol="0" anchor="ctr"/>
+            <a:lstStyle/>
+            <a:p>
+              <a:pPr algn="ctr"/>
+              <a:endParaRPr lang="en-SG" sz="1400">
+                <a:solidFill>
+                  <a:schemeClr val="dk1"/>
+                </a:solidFill>
+              </a:endParaRPr>
+            </a:p>
+          </p:txBody>
+        </p:sp>
+        <p:sp>
+          <p:nvSpPr>
+            <p:cNvPr id="129" name="Rectangle 128">
+              <a:extLst>
+                <a:ext uri="{FF2B5EF4-FFF2-40B4-BE49-F238E27FC236}">
+                  <a16:creationId xmlns:a16="http://schemas.microsoft.com/office/drawing/2014/main" id="{A565901B-1996-DE4D-8ED2-3A2CD815DF09}"/>
+                </a:ext>
+              </a:extLst>
+            </p:cNvPr>
+            <p:cNvSpPr/>
+            <p:nvPr/>
+          </p:nvSpPr>
+          <p:spPr>
+            <a:xfrm>
+              <a:off x="5209999" y="1371600"/>
+              <a:ext cx="169609" cy="479944"/>
+            </a:xfrm>
+            <a:prstGeom prst="rect">
+              <a:avLst/>
+            </a:prstGeom>
+            <a:solidFill>
+              <a:srgbClr val="7030A0"/>
+            </a:solidFill>
+            <a:ln>
+              <a:solidFill>
+                <a:srgbClr val="7030A0"/>
+              </a:solidFill>
+            </a:ln>
+            <a:effectLst/>
+          </p:spPr>
+          <p:style>
+            <a:lnRef idx="1">
+              <a:schemeClr val="accent3"/>
+            </a:lnRef>
+            <a:fillRef idx="2">
+              <a:schemeClr val="accent3"/>
+            </a:fillRef>
+            <a:effectRef idx="1">
+              <a:schemeClr val="accent3"/>
+            </a:effectRef>
+            <a:fontRef idx="minor">
+              <a:schemeClr val="dk1"/>
+            </a:fontRef>
+          </p:style>
+          <p:txBody>
+            <a:bodyPr rtlCol="0" anchor="ctr"/>
+            <a:lstStyle/>
+            <a:p>
+              <a:pPr algn="ctr"/>
+              <a:endParaRPr lang="en-SG" sz="1400">
+                <a:solidFill>
+                  <a:schemeClr val="dk1"/>
+                </a:solidFill>
+              </a:endParaRPr>
+            </a:p>
+          </p:txBody>
+        </p:sp>
+        <p:sp>
+          <p:nvSpPr>
+            <p:cNvPr id="136" name="TextBox 135">
+              <a:extLst>
+                <a:ext uri="{FF2B5EF4-FFF2-40B4-BE49-F238E27FC236}">
+                  <a16:creationId xmlns:a16="http://schemas.microsoft.com/office/drawing/2014/main" id="{91CA3C36-D39C-C046-9614-6714A2E23235}"/>
+                </a:ext>
+              </a:extLst>
+            </p:cNvPr>
+            <p:cNvSpPr txBox="1"/>
+            <p:nvPr/>
+          </p:nvSpPr>
+          <p:spPr>
+            <a:xfrm>
+              <a:off x="7422603" y="1540657"/>
+              <a:ext cx="1818344" cy="169277"/>
+            </a:xfrm>
+            <a:prstGeom prst="rect">
+              <a:avLst/>
+            </a:prstGeom>
+            <a:noFill/>
+          </p:spPr>
+          <p:txBody>
+            <a:bodyPr wrap="square" lIns="0" tIns="0" rIns="0" bIns="0" rtlCol="0">
+              <a:spAutoFit/>
+            </a:bodyPr>
+            <a:lstStyle/>
+            <a:p>
+              <a:r>
+                <a:rPr lang="en-US" sz="1100" dirty="0" err="1">
+                  <a:solidFill>
+                    <a:srgbClr val="E46D39"/>
+                  </a:solidFill>
+                </a:rPr>
+                <a:t>getUsers</a:t>
+              </a:r>
+              <a:r>
+                <a:rPr lang="en-US" sz="1100" dirty="0">
+                  <a:solidFill>
+                    <a:srgbClr val="E46D39"/>
+                  </a:solidFill>
+                </a:rPr>
+                <a:t>().filter(“john”)</a:t>
+              </a:r>
+            </a:p>
+          </p:txBody>
+        </p:sp>
+        <p:cxnSp>
+          <p:nvCxnSpPr>
+            <p:cNvPr id="182" name="Straight Arrow Connector 181">
+              <a:extLst>
+                <a:ext uri="{FF2B5EF4-FFF2-40B4-BE49-F238E27FC236}">
+                  <a16:creationId xmlns:a16="http://schemas.microsoft.com/office/drawing/2014/main" id="{CF55466C-66BC-7C47-8F9D-5213C9E91807}"/>
+                </a:ext>
+              </a:extLst>
+            </p:cNvPr>
+            <p:cNvCxnSpPr>
+              <a:cxnSpLocks/>
+            </p:cNvCxnSpPr>
+            <p:nvPr/>
+          </p:nvCxnSpPr>
+          <p:spPr>
+            <a:xfrm>
+              <a:off x="3262335" y="1847319"/>
+              <a:ext cx="1938999" cy="0"/>
+            </a:xfrm>
+            <a:prstGeom prst="straightConnector1">
+              <a:avLst/>
+            </a:prstGeom>
+            <a:ln w="19050">
+              <a:solidFill>
+                <a:srgbClr val="7030A0"/>
+              </a:solidFill>
+              <a:prstDash val="sysDash"/>
+              <a:headEnd type="arrow" w="med" len="med"/>
+              <a:tailEnd type="none" w="med" len="med"/>
+            </a:ln>
+          </p:spPr>
+          <p:style>
+            <a:lnRef idx="1">
+              <a:schemeClr val="accent1"/>
+            </a:lnRef>
+            <a:fillRef idx="0">
+              <a:schemeClr val="accent1"/>
+            </a:fillRef>
+            <a:effectRef idx="0">
+              <a:schemeClr val="accent1"/>
+            </a:effectRef>
+            <a:fontRef idx="minor">
+              <a:schemeClr val="tx1"/>
+            </a:fontRef>
+          </p:style>
+        </p:cxnSp>
+        <p:sp>
+          <p:nvSpPr>
+            <p:cNvPr id="21" name="Rectangle 20"/>
+            <p:cNvSpPr/>
+            <p:nvPr/>
+          </p:nvSpPr>
+          <p:spPr>
+            <a:xfrm>
+              <a:off x="5200948" y="2713453"/>
+              <a:ext cx="146240" cy="983319"/>
+            </a:xfrm>
+            <a:prstGeom prst="rect">
+              <a:avLst/>
+            </a:prstGeom>
+            <a:solidFill>
+              <a:srgbClr val="7030A0"/>
+            </a:solidFill>
+            <a:ln>
+              <a:solidFill>
+                <a:srgbClr val="7030A0"/>
+              </a:solidFill>
+            </a:ln>
+            <a:effectLst/>
+          </p:spPr>
+          <p:style>
+            <a:lnRef idx="1">
+              <a:schemeClr val="accent3"/>
+            </a:lnRef>
+            <a:fillRef idx="2">
+              <a:schemeClr val="accent3"/>
+            </a:fillRef>
+            <a:effectRef idx="1">
+              <a:schemeClr val="accent3"/>
+            </a:effectRef>
+            <a:fontRef idx="minor">
+              <a:schemeClr val="dk1"/>
+            </a:fontRef>
+          </p:style>
+          <p:txBody>
+            <a:bodyPr rtlCol="0" anchor="ctr"/>
+            <a:lstStyle/>
+            <a:p>
+              <a:pPr algn="ctr"/>
+              <a:endParaRPr lang="en-SG" sz="1400">
+                <a:solidFill>
+                  <a:schemeClr val="dk1"/>
+                </a:solidFill>
+              </a:endParaRPr>
+            </a:p>
+          </p:txBody>
+        </p:sp>
+        <p:cxnSp>
+          <p:nvCxnSpPr>
+            <p:cNvPr id="86" name="Straight Arrow Connector 85">
+              <a:extLst>
+                <a:ext uri="{FF2B5EF4-FFF2-40B4-BE49-F238E27FC236}">
+                  <a16:creationId xmlns:a16="http://schemas.microsoft.com/office/drawing/2014/main" id="{76F83257-F4F5-8048-90BD-0184D7949E0E}"/>
+                </a:ext>
+              </a:extLst>
+            </p:cNvPr>
+            <p:cNvCxnSpPr>
+              <a:cxnSpLocks/>
+            </p:cNvCxnSpPr>
+            <p:nvPr/>
+          </p:nvCxnSpPr>
+          <p:spPr>
+            <a:xfrm>
+              <a:off x="3259783" y="3010972"/>
+              <a:ext cx="1938999" cy="0"/>
+            </a:xfrm>
+            <a:prstGeom prst="straightConnector1">
+              <a:avLst/>
+            </a:prstGeom>
+            <a:ln w="19050">
+              <a:solidFill>
+                <a:srgbClr val="7030A0"/>
+              </a:solidFill>
+              <a:prstDash val="sysDash"/>
+              <a:headEnd type="arrow" w="med" len="med"/>
+              <a:tailEnd type="none" w="med" len="med"/>
+            </a:ln>
+          </p:spPr>
+          <p:style>
+            <a:lnRef idx="1">
+              <a:schemeClr val="accent1"/>
+            </a:lnRef>
+            <a:fillRef idx="0">
+              <a:schemeClr val="accent1"/>
+            </a:fillRef>
+            <a:effectRef idx="0">
+              <a:schemeClr val="accent1"/>
+            </a:effectRef>
+            <a:fontRef idx="minor">
+              <a:schemeClr val="tx1"/>
+            </a:fontRef>
+          </p:style>
+        </p:cxnSp>
+        <p:cxnSp>
+          <p:nvCxnSpPr>
+            <p:cNvPr id="146" name="Straight Arrow Connector 145">
+              <a:extLst>
+                <a:ext uri="{FF2B5EF4-FFF2-40B4-BE49-F238E27FC236}">
+                  <a16:creationId xmlns:a16="http://schemas.microsoft.com/office/drawing/2014/main" id="{067B547A-543B-404E-B62B-1F045E44548A}"/>
+                </a:ext>
+              </a:extLst>
+            </p:cNvPr>
+            <p:cNvCxnSpPr>
+              <a:cxnSpLocks/>
+            </p:cNvCxnSpPr>
+            <p:nvPr/>
+          </p:nvCxnSpPr>
+          <p:spPr>
+            <a:xfrm>
+              <a:off x="3248459" y="2724956"/>
+              <a:ext cx="1958543" cy="0"/>
+            </a:xfrm>
+            <a:prstGeom prst="straightConnector1">
+              <a:avLst/>
+            </a:prstGeom>
+            <a:ln w="19050">
+              <a:solidFill>
+                <a:srgbClr val="0070C0"/>
+              </a:solidFill>
+              <a:tailEnd type="arrow"/>
+            </a:ln>
+          </p:spPr>
+          <p:style>
+            <a:lnRef idx="1">
+              <a:schemeClr val="accent1"/>
+            </a:lnRef>
+            <a:fillRef idx="0">
+              <a:schemeClr val="accent1"/>
+            </a:fillRef>
+            <a:effectRef idx="0">
+              <a:schemeClr val="accent1"/>
+            </a:effectRef>
+            <a:fontRef idx="minor">
+              <a:schemeClr val="tx1"/>
+            </a:fontRef>
+          </p:style>
+        </p:cxnSp>
+        <p:sp>
+          <p:nvSpPr>
+            <p:cNvPr id="147" name="TextBox 146">
+              <a:extLst>
+                <a:ext uri="{FF2B5EF4-FFF2-40B4-BE49-F238E27FC236}">
+                  <a16:creationId xmlns:a16="http://schemas.microsoft.com/office/drawing/2014/main" id="{ACA58A29-58AF-0045-AF37-D0A1B9EE4EB7}"/>
+                </a:ext>
+              </a:extLst>
+            </p:cNvPr>
+            <p:cNvSpPr txBox="1"/>
+            <p:nvPr/>
+          </p:nvSpPr>
+          <p:spPr>
+            <a:xfrm>
+              <a:off x="3346486" y="2718121"/>
+              <a:ext cx="1815772" cy="215444"/>
+            </a:xfrm>
+            <a:prstGeom prst="rect">
+              <a:avLst/>
+            </a:prstGeom>
+            <a:noFill/>
+          </p:spPr>
+          <p:txBody>
+            <a:bodyPr wrap="square" lIns="0" tIns="0" rIns="0" bIns="0" rtlCol="0">
+              <a:spAutoFit/>
+            </a:bodyPr>
+            <a:lstStyle/>
+            <a:p>
+              <a:r>
+                <a:rPr lang="en-US" sz="1400" dirty="0" err="1">
+                  <a:solidFill>
+                    <a:srgbClr val="0070C0"/>
+                  </a:solidFill>
+                </a:rPr>
+                <a:t>getUserRepository</a:t>
+              </a:r>
+              <a:r>
+                <a:rPr lang="en-US" sz="1400" dirty="0">
+                  <a:solidFill>
+                    <a:srgbClr val="0070C0"/>
+                  </a:solidFill>
+                </a:rPr>
+                <a:t>()</a:t>
+              </a:r>
+            </a:p>
+          </p:txBody>
+        </p:sp>
+        <p:sp>
+          <p:nvSpPr>
+            <p:cNvPr id="148" name="TextBox 147">
+              <a:extLst>
+                <a:ext uri="{FF2B5EF4-FFF2-40B4-BE49-F238E27FC236}">
+                  <a16:creationId xmlns:a16="http://schemas.microsoft.com/office/drawing/2014/main" id="{6F37FC1A-30AD-3F48-936C-040A58C85158}"/>
+                </a:ext>
+              </a:extLst>
+            </p:cNvPr>
+            <p:cNvSpPr txBox="1"/>
+            <p:nvPr/>
+          </p:nvSpPr>
+          <p:spPr>
+            <a:xfrm>
+              <a:off x="5487766" y="2842758"/>
+              <a:ext cx="1898997" cy="169277"/>
+            </a:xfrm>
+            <a:prstGeom prst="rect">
+              <a:avLst/>
+            </a:prstGeom>
+            <a:noFill/>
+          </p:spPr>
+          <p:txBody>
+            <a:bodyPr wrap="square" lIns="0" tIns="0" rIns="0" bIns="0" rtlCol="0">
+              <a:spAutoFit/>
+            </a:bodyPr>
+            <a:lstStyle/>
+            <a:p>
+              <a:r>
+                <a:rPr lang="en-US" sz="1100" dirty="0" err="1">
+                  <a:solidFill>
+                    <a:srgbClr val="7031A0"/>
+                  </a:solidFill>
+                </a:rPr>
+                <a:t>updateUser</a:t>
+              </a:r>
+              <a:r>
+                <a:rPr lang="en-US" sz="1100" dirty="0">
+                  <a:solidFill>
+                    <a:srgbClr val="7031A0"/>
+                  </a:solidFill>
+                </a:rPr>
+                <a:t>(user)</a:t>
+              </a:r>
+            </a:p>
+          </p:txBody>
+        </p:sp>
+        <p:cxnSp>
+          <p:nvCxnSpPr>
+            <p:cNvPr id="149" name="Straight Arrow Connector 148">
+              <a:extLst>
+                <a:ext uri="{FF2B5EF4-FFF2-40B4-BE49-F238E27FC236}">
+                  <a16:creationId xmlns:a16="http://schemas.microsoft.com/office/drawing/2014/main" id="{5040E6A9-E539-7B41-8571-16AA13821BDC}"/>
+                </a:ext>
+              </a:extLst>
+            </p:cNvPr>
+            <p:cNvCxnSpPr>
+              <a:cxnSpLocks/>
+            </p:cNvCxnSpPr>
+            <p:nvPr/>
+          </p:nvCxnSpPr>
+          <p:spPr>
+            <a:xfrm>
+              <a:off x="5343358" y="2796504"/>
+              <a:ext cx="1733618" cy="0"/>
+            </a:xfrm>
+            <a:prstGeom prst="straightConnector1">
+              <a:avLst/>
+            </a:prstGeom>
+            <a:ln w="19050">
+              <a:solidFill>
+                <a:srgbClr val="7030A0"/>
+              </a:solidFill>
+              <a:tailEnd type="arrow"/>
+            </a:ln>
+          </p:spPr>
+          <p:style>
+            <a:lnRef idx="1">
+              <a:schemeClr val="accent1"/>
+            </a:lnRef>
+            <a:fillRef idx="0">
+              <a:schemeClr val="accent1"/>
+            </a:fillRef>
+            <a:effectRef idx="0">
+              <a:schemeClr val="accent1"/>
+            </a:effectRef>
+            <a:fontRef idx="minor">
+              <a:schemeClr val="tx1"/>
+            </a:fontRef>
+          </p:style>
+        </p:cxnSp>
+        <p:cxnSp>
+          <p:nvCxnSpPr>
+            <p:cNvPr id="150" name="Straight Arrow Connector 149">
+              <a:extLst>
+                <a:ext uri="{FF2B5EF4-FFF2-40B4-BE49-F238E27FC236}">
+                  <a16:creationId xmlns:a16="http://schemas.microsoft.com/office/drawing/2014/main" id="{E1D12F9D-556D-6648-A55A-EFF39898F45E}"/>
+                </a:ext>
+              </a:extLst>
+            </p:cNvPr>
+            <p:cNvCxnSpPr>
+              <a:cxnSpLocks/>
+            </p:cNvCxnSpPr>
+            <p:nvPr/>
+          </p:nvCxnSpPr>
+          <p:spPr>
+            <a:xfrm flipV="1">
+              <a:off x="7190011" y="2868270"/>
+              <a:ext cx="2021130" cy="1"/>
+            </a:xfrm>
+            <a:prstGeom prst="straightConnector1">
+              <a:avLst/>
+            </a:prstGeom>
+            <a:ln w="19050">
+              <a:solidFill>
+                <a:srgbClr val="E46D39"/>
+              </a:solidFill>
+              <a:tailEnd type="arrow"/>
+            </a:ln>
+          </p:spPr>
+          <p:style>
+            <a:lnRef idx="1">
+              <a:schemeClr val="accent1"/>
+            </a:lnRef>
+            <a:fillRef idx="0">
+              <a:schemeClr val="accent1"/>
+            </a:fillRef>
+            <a:effectRef idx="0">
+              <a:schemeClr val="accent1"/>
+            </a:effectRef>
+            <a:fontRef idx="minor">
+              <a:schemeClr val="tx1"/>
+            </a:fontRef>
+          </p:style>
+        </p:cxnSp>
+        <p:sp>
+          <p:nvSpPr>
+            <p:cNvPr id="151" name="TextBox 150">
+              <a:extLst>
+                <a:ext uri="{FF2B5EF4-FFF2-40B4-BE49-F238E27FC236}">
+                  <a16:creationId xmlns:a16="http://schemas.microsoft.com/office/drawing/2014/main" id="{3949533B-F785-2145-96EA-77C34A29F09B}"/>
+                </a:ext>
+              </a:extLst>
+            </p:cNvPr>
+            <p:cNvSpPr txBox="1"/>
+            <p:nvPr/>
+          </p:nvSpPr>
+          <p:spPr>
+            <a:xfrm>
+              <a:off x="7693814" y="2878091"/>
+              <a:ext cx="1898997" cy="169277"/>
+            </a:xfrm>
+            <a:prstGeom prst="rect">
+              <a:avLst/>
+            </a:prstGeom>
+            <a:noFill/>
+          </p:spPr>
+          <p:txBody>
+            <a:bodyPr wrap="square" lIns="0" tIns="0" rIns="0" bIns="0" rtlCol="0">
+              <a:spAutoFit/>
+            </a:bodyPr>
+            <a:lstStyle/>
+            <a:p>
+              <a:r>
+                <a:rPr lang="en-US" sz="1100" dirty="0" err="1">
+                  <a:solidFill>
+                    <a:srgbClr val="E46D39"/>
+                  </a:solidFill>
+                </a:rPr>
+                <a:t>updateObjectInList</a:t>
+              </a:r>
+              <a:r>
+                <a:rPr lang="en-US" sz="1100" dirty="0">
+                  <a:solidFill>
+                    <a:srgbClr val="E46D39"/>
+                  </a:solidFill>
+                </a:rPr>
+                <a:t>(user)</a:t>
+              </a:r>
+            </a:p>
+          </p:txBody>
+        </p:sp>
+        <p:sp>
+          <p:nvSpPr>
+            <p:cNvPr id="152" name="Rectangle 151">
+              <a:extLst>
+                <a:ext uri="{FF2B5EF4-FFF2-40B4-BE49-F238E27FC236}">
+                  <a16:creationId xmlns:a16="http://schemas.microsoft.com/office/drawing/2014/main" id="{756A9901-B8C9-8448-9ADE-0DEFB5B84853}"/>
+                </a:ext>
+              </a:extLst>
+            </p:cNvPr>
+            <p:cNvSpPr/>
+            <p:nvPr/>
+          </p:nvSpPr>
+          <p:spPr>
+            <a:xfrm>
+              <a:off x="9211350" y="2878067"/>
+              <a:ext cx="152714" cy="292592"/>
+            </a:xfrm>
+            <a:prstGeom prst="rect">
+              <a:avLst/>
+            </a:prstGeom>
+            <a:solidFill>
+              <a:schemeClr val="accent5">
+                <a:lumMod val="75000"/>
+              </a:schemeClr>
+            </a:solidFill>
+            <a:ln>
+              <a:solidFill>
+                <a:schemeClr val="accent5">
+                  <a:lumMod val="75000"/>
+                </a:schemeClr>
+              </a:solidFill>
+            </a:ln>
+            <a:effectLst/>
+          </p:spPr>
+          <p:style>
+            <a:lnRef idx="1">
+              <a:schemeClr val="accent3"/>
+            </a:lnRef>
+            <a:fillRef idx="2">
+              <a:schemeClr val="accent3"/>
+            </a:fillRef>
+            <a:effectRef idx="1">
+              <a:schemeClr val="accent3"/>
+            </a:effectRef>
+            <a:fontRef idx="minor">
+              <a:schemeClr val="dk1"/>
+            </a:fontRef>
+          </p:style>
+          <p:txBody>
+            <a:bodyPr rtlCol="0" anchor="ctr"/>
+            <a:lstStyle/>
+            <a:p>
+              <a:pPr algn="ctr"/>
+              <a:endParaRPr lang="en-SG" sz="1400">
+                <a:solidFill>
+                  <a:schemeClr val="dk1"/>
+                </a:solidFill>
+              </a:endParaRPr>
+            </a:p>
+          </p:txBody>
+        </p:sp>
+        <p:sp>
+          <p:nvSpPr>
+            <p:cNvPr id="153" name="Rectangle 152">
+              <a:extLst>
+                <a:ext uri="{FF2B5EF4-FFF2-40B4-BE49-F238E27FC236}">
+                  <a16:creationId xmlns:a16="http://schemas.microsoft.com/office/drawing/2014/main" id="{EFC244D9-1E03-D34A-807A-75144B08686A}"/>
+                </a:ext>
+              </a:extLst>
+            </p:cNvPr>
+            <p:cNvSpPr/>
+            <p:nvPr/>
+          </p:nvSpPr>
+          <p:spPr>
+            <a:xfrm>
+              <a:off x="7085307" y="2804552"/>
+              <a:ext cx="121396" cy="366108"/>
+            </a:xfrm>
+            <a:prstGeom prst="rect">
+              <a:avLst/>
+            </a:prstGeom>
+            <a:solidFill>
+              <a:schemeClr val="accent6">
+                <a:lumMod val="75000"/>
+              </a:schemeClr>
+            </a:solidFill>
+            <a:ln>
+              <a:solidFill>
+                <a:schemeClr val="accent6">
+                  <a:lumMod val="75000"/>
+                </a:schemeClr>
+              </a:solidFill>
+            </a:ln>
+            <a:effectLst/>
+          </p:spPr>
+          <p:style>
+            <a:lnRef idx="1">
+              <a:schemeClr val="accent3"/>
+            </a:lnRef>
+            <a:fillRef idx="2">
+              <a:schemeClr val="accent3"/>
+            </a:fillRef>
+            <a:effectRef idx="1">
+              <a:schemeClr val="accent3"/>
+            </a:effectRef>
+            <a:fontRef idx="minor">
+              <a:schemeClr val="dk1"/>
+            </a:fontRef>
+          </p:style>
+          <p:txBody>
+            <a:bodyPr rtlCol="0" anchor="ctr"/>
+            <a:lstStyle/>
+            <a:p>
+              <a:pPr algn="ctr"/>
+              <a:endParaRPr lang="en-SG" sz="1400">
+                <a:solidFill>
+                  <a:schemeClr val="dk1"/>
+                </a:solidFill>
+              </a:endParaRPr>
+            </a:p>
+          </p:txBody>
+        </p:sp>
+        <p:cxnSp>
+          <p:nvCxnSpPr>
+            <p:cNvPr id="155" name="Straight Arrow Connector 154">
+              <a:extLst>
+                <a:ext uri="{FF2B5EF4-FFF2-40B4-BE49-F238E27FC236}">
+                  <a16:creationId xmlns:a16="http://schemas.microsoft.com/office/drawing/2014/main" id="{779A448F-BA2B-7545-8D0C-1EDB2EAD00B9}"/>
+                </a:ext>
+              </a:extLst>
+            </p:cNvPr>
+            <p:cNvCxnSpPr>
+              <a:cxnSpLocks/>
+            </p:cNvCxnSpPr>
+            <p:nvPr/>
+          </p:nvCxnSpPr>
+          <p:spPr>
+            <a:xfrm flipV="1">
+              <a:off x="7205566" y="3166576"/>
+              <a:ext cx="2077085" cy="2724"/>
+            </a:xfrm>
+            <a:prstGeom prst="straightConnector1">
+              <a:avLst/>
+            </a:prstGeom>
+            <a:ln w="19050">
+              <a:solidFill>
+                <a:schemeClr val="accent5">
+                  <a:lumMod val="75000"/>
+                </a:schemeClr>
+              </a:solidFill>
+              <a:prstDash val="sysDash"/>
+              <a:headEnd type="arrow" w="med" len="med"/>
+              <a:tailEnd type="none" w="med" len="med"/>
+            </a:ln>
+          </p:spPr>
+          <p:style>
+            <a:lnRef idx="1">
+              <a:schemeClr val="accent1"/>
+            </a:lnRef>
+            <a:fillRef idx="0">
+              <a:schemeClr val="accent1"/>
+            </a:fillRef>
+            <a:effectRef idx="0">
+              <a:schemeClr val="accent1"/>
+            </a:effectRef>
+            <a:fontRef idx="minor">
+              <a:schemeClr val="tx1"/>
+            </a:fontRef>
+          </p:style>
+        </p:cxnSp>
+        <p:cxnSp>
+          <p:nvCxnSpPr>
+            <p:cNvPr id="156" name="Straight Arrow Connector 155">
+              <a:extLst>
+                <a:ext uri="{FF2B5EF4-FFF2-40B4-BE49-F238E27FC236}">
+                  <a16:creationId xmlns:a16="http://schemas.microsoft.com/office/drawing/2014/main" id="{71B33BDF-1B95-C94E-A54C-985DC8D34A7C}"/>
+                </a:ext>
+              </a:extLst>
+            </p:cNvPr>
+            <p:cNvCxnSpPr>
+              <a:cxnSpLocks/>
+            </p:cNvCxnSpPr>
+            <p:nvPr/>
+          </p:nvCxnSpPr>
+          <p:spPr>
+            <a:xfrm>
+              <a:off x="5340085" y="3163372"/>
+              <a:ext cx="1736891" cy="0"/>
+            </a:xfrm>
+            <a:prstGeom prst="straightConnector1">
+              <a:avLst/>
+            </a:prstGeom>
+            <a:ln w="19050">
+              <a:solidFill>
+                <a:srgbClr val="E46D39"/>
+              </a:solidFill>
+              <a:prstDash val="sysDash"/>
+              <a:headEnd type="arrow" w="med" len="med"/>
+              <a:tailEnd type="none" w="med" len="med"/>
+            </a:ln>
+          </p:spPr>
+          <p:style>
+            <a:lnRef idx="1">
+              <a:schemeClr val="accent1"/>
+            </a:lnRef>
+            <a:fillRef idx="0">
+              <a:schemeClr val="accent1"/>
+            </a:fillRef>
+            <a:effectRef idx="0">
+              <a:schemeClr val="accent1"/>
+            </a:effectRef>
+            <a:fontRef idx="minor">
+              <a:schemeClr val="tx1"/>
+            </a:fontRef>
+          </p:style>
+        </p:cxnSp>
+        <p:sp>
+          <p:nvSpPr>
+            <p:cNvPr id="162" name="Snip Single Corner Rectangle 161">
+              <a:extLst>
+                <a:ext uri="{FF2B5EF4-FFF2-40B4-BE49-F238E27FC236}">
+                  <a16:creationId xmlns:a16="http://schemas.microsoft.com/office/drawing/2014/main" id="{24173F3B-DF15-B44A-AAD7-CDA8447BC302}"/>
+                </a:ext>
+              </a:extLst>
+            </p:cNvPr>
+            <p:cNvSpPr/>
+            <p:nvPr/>
+          </p:nvSpPr>
+          <p:spPr>
+            <a:xfrm rot="10800000" flipH="1">
+              <a:off x="2683719" y="1936682"/>
+              <a:ext cx="494877" cy="344965"/>
+            </a:xfrm>
+            <a:prstGeom prst="snip1Rect">
+              <a:avLst/>
+            </a:prstGeom>
+            <a:solidFill>
+              <a:schemeClr val="accent5">
+                <a:lumMod val="75000"/>
+                <a:alpha val="76000"/>
+              </a:schemeClr>
+            </a:solidFill>
+          </p:spPr>
+          <p:style>
+            <a:lnRef idx="2">
+              <a:schemeClr val="accent1">
+                <a:shade val="50000"/>
+              </a:schemeClr>
+            </a:lnRef>
+            <a:fillRef idx="1">
+              <a:schemeClr val="accent1"/>
+            </a:fillRef>
+            <a:effectRef idx="0">
+              <a:schemeClr val="accent1"/>
+            </a:effectRef>
+            <a:fontRef idx="minor">
+              <a:schemeClr val="lt1"/>
+            </a:fontRef>
+          </p:style>
+          <p:txBody>
+            <a:bodyPr rtlCol="0" anchor="ctr"/>
+            <a:lstStyle/>
+            <a:p>
+              <a:pPr algn="ctr"/>
+              <a:endParaRPr lang="en-US" dirty="0"/>
+            </a:p>
+          </p:txBody>
+        </p:sp>
+        <p:sp>
+          <p:nvSpPr>
+            <p:cNvPr id="163" name="TextBox 162">
+              <a:extLst>
+                <a:ext uri="{FF2B5EF4-FFF2-40B4-BE49-F238E27FC236}">
+                  <a16:creationId xmlns:a16="http://schemas.microsoft.com/office/drawing/2014/main" id="{F98B8DDD-5213-6347-8516-D48717F66626}"/>
+                </a:ext>
+              </a:extLst>
+            </p:cNvPr>
+            <p:cNvSpPr txBox="1"/>
+            <p:nvPr/>
+          </p:nvSpPr>
+          <p:spPr>
+            <a:xfrm>
+              <a:off x="2660519" y="1851544"/>
+              <a:ext cx="600400" cy="492392"/>
+            </a:xfrm>
+            <a:prstGeom prst="rect">
+              <a:avLst/>
+            </a:prstGeom>
+            <a:noFill/>
+          </p:spPr>
+          <p:txBody>
+            <a:bodyPr wrap="square" rtlCol="0">
+              <a:spAutoFit/>
+            </a:bodyPr>
+            <a:lstStyle/>
+            <a:p>
+              <a:r>
+                <a:rPr lang="en-US" dirty="0"/>
+                <a:t>alt</a:t>
+              </a:r>
+            </a:p>
+          </p:txBody>
+        </p:sp>
+        <p:sp>
+          <p:nvSpPr>
+            <p:cNvPr id="164" name="TextBox 163">
+              <a:extLst>
+                <a:ext uri="{FF2B5EF4-FFF2-40B4-BE49-F238E27FC236}">
+                  <a16:creationId xmlns:a16="http://schemas.microsoft.com/office/drawing/2014/main" id="{00982779-D485-3742-B65B-2E678F732FBA}"/>
+                </a:ext>
+              </a:extLst>
+            </p:cNvPr>
+            <p:cNvSpPr txBox="1"/>
+            <p:nvPr/>
+          </p:nvSpPr>
+          <p:spPr>
+            <a:xfrm>
+              <a:off x="3215909" y="2009000"/>
+              <a:ext cx="2537757" cy="410328"/>
+            </a:xfrm>
+            <a:prstGeom prst="rect">
+              <a:avLst/>
+            </a:prstGeom>
+            <a:noFill/>
+          </p:spPr>
+          <p:txBody>
+            <a:bodyPr wrap="square" rtlCol="0">
+              <a:spAutoFit/>
+            </a:bodyPr>
+            <a:lstStyle/>
+            <a:p>
+              <a:r>
+                <a:rPr lang="en-US" sz="1400" dirty="0"/>
+                <a:t>[valid user]</a:t>
+              </a:r>
+            </a:p>
+          </p:txBody>
+        </p:sp>
+        <p:sp>
+          <p:nvSpPr>
+            <p:cNvPr id="87" name="TextBox 86">
+              <a:extLst>
+                <a:ext uri="{FF2B5EF4-FFF2-40B4-BE49-F238E27FC236}">
+                  <a16:creationId xmlns:a16="http://schemas.microsoft.com/office/drawing/2014/main" id="{6530B30E-3A53-DF41-BBBF-A3E67C5CAE5D}"/>
+                </a:ext>
+              </a:extLst>
+            </p:cNvPr>
+            <p:cNvSpPr txBox="1"/>
+            <p:nvPr/>
+          </p:nvSpPr>
+          <p:spPr>
+            <a:xfrm>
+              <a:off x="5578653" y="3352900"/>
+              <a:ext cx="1898997" cy="215444"/>
+            </a:xfrm>
+            <a:prstGeom prst="rect">
+              <a:avLst/>
+            </a:prstGeom>
+            <a:noFill/>
+          </p:spPr>
+          <p:txBody>
+            <a:bodyPr wrap="square" lIns="0" tIns="0" rIns="0" bIns="0" rtlCol="0">
+              <a:spAutoFit/>
+            </a:bodyPr>
+            <a:lstStyle/>
+            <a:p>
+              <a:r>
+                <a:rPr lang="en-US" sz="1400" dirty="0">
+                  <a:solidFill>
+                    <a:srgbClr val="7031A0"/>
+                  </a:solidFill>
+                </a:rPr>
+                <a:t>commit()</a:t>
+              </a:r>
+            </a:p>
+          </p:txBody>
+        </p:sp>
+        <p:cxnSp>
+          <p:nvCxnSpPr>
+            <p:cNvPr id="88" name="Straight Arrow Connector 87">
+              <a:extLst>
+                <a:ext uri="{FF2B5EF4-FFF2-40B4-BE49-F238E27FC236}">
+                  <a16:creationId xmlns:a16="http://schemas.microsoft.com/office/drawing/2014/main" id="{F8D72FA6-15C2-CA49-A4A5-3968B2E31CF2}"/>
+                </a:ext>
+              </a:extLst>
+            </p:cNvPr>
+            <p:cNvCxnSpPr>
+              <a:cxnSpLocks/>
+            </p:cNvCxnSpPr>
+            <p:nvPr/>
+          </p:nvCxnSpPr>
+          <p:spPr>
+            <a:xfrm>
+              <a:off x="5344907" y="3344804"/>
+              <a:ext cx="3857026" cy="0"/>
+            </a:xfrm>
+            <a:prstGeom prst="straightConnector1">
+              <a:avLst/>
+            </a:prstGeom>
+            <a:ln w="19050">
+              <a:solidFill>
+                <a:srgbClr val="7030A0"/>
+              </a:solidFill>
+              <a:tailEnd type="arrow"/>
+            </a:ln>
+          </p:spPr>
+          <p:style>
+            <a:lnRef idx="1">
+              <a:schemeClr val="accent1"/>
+            </a:lnRef>
+            <a:fillRef idx="0">
+              <a:schemeClr val="accent1"/>
+            </a:fillRef>
+            <a:effectRef idx="0">
+              <a:schemeClr val="accent1"/>
+            </a:effectRef>
+            <a:fontRef idx="minor">
+              <a:schemeClr val="tx1"/>
+            </a:fontRef>
+          </p:style>
+        </p:cxnSp>
+        <p:sp>
+          <p:nvSpPr>
+            <p:cNvPr id="91" name="Rectangle 90">
+              <a:extLst>
+                <a:ext uri="{FF2B5EF4-FFF2-40B4-BE49-F238E27FC236}">
+                  <a16:creationId xmlns:a16="http://schemas.microsoft.com/office/drawing/2014/main" id="{1D32739B-3E4A-884F-9C90-F1B02E5F10A3}"/>
+                </a:ext>
+              </a:extLst>
+            </p:cNvPr>
+            <p:cNvSpPr/>
+            <p:nvPr/>
+          </p:nvSpPr>
+          <p:spPr>
+            <a:xfrm>
+              <a:off x="9203482" y="3350689"/>
+              <a:ext cx="160909" cy="352376"/>
+            </a:xfrm>
+            <a:prstGeom prst="rect">
+              <a:avLst/>
+            </a:prstGeom>
+            <a:solidFill>
+              <a:schemeClr val="accent5">
+                <a:lumMod val="75000"/>
+              </a:schemeClr>
+            </a:solidFill>
+            <a:ln>
+              <a:solidFill>
+                <a:schemeClr val="accent5">
+                  <a:lumMod val="75000"/>
+                </a:schemeClr>
+              </a:solidFill>
+            </a:ln>
+            <a:effectLst/>
+          </p:spPr>
+          <p:style>
+            <a:lnRef idx="1">
+              <a:schemeClr val="accent3"/>
+            </a:lnRef>
+            <a:fillRef idx="2">
+              <a:schemeClr val="accent3"/>
+            </a:fillRef>
+            <a:effectRef idx="1">
+              <a:schemeClr val="accent3"/>
+            </a:effectRef>
+            <a:fontRef idx="minor">
+              <a:schemeClr val="dk1"/>
+            </a:fontRef>
+          </p:style>
+          <p:txBody>
+            <a:bodyPr rtlCol="0" anchor="ctr"/>
+            <a:lstStyle/>
+            <a:p>
+              <a:pPr algn="ctr"/>
+              <a:endParaRPr lang="en-SG" sz="1400">
+                <a:solidFill>
+                  <a:schemeClr val="dk1"/>
+                </a:solidFill>
+              </a:endParaRPr>
+            </a:p>
+          </p:txBody>
+        </p:sp>
+        <p:cxnSp>
+          <p:nvCxnSpPr>
+            <p:cNvPr id="94" name="Straight Arrow Connector 93">
+              <a:extLst>
+                <a:ext uri="{FF2B5EF4-FFF2-40B4-BE49-F238E27FC236}">
+                  <a16:creationId xmlns:a16="http://schemas.microsoft.com/office/drawing/2014/main" id="{2EDDEE5F-7F12-A94E-89AC-41E403999452}"/>
+                </a:ext>
+              </a:extLst>
+            </p:cNvPr>
+            <p:cNvCxnSpPr>
+              <a:cxnSpLocks/>
+            </p:cNvCxnSpPr>
+            <p:nvPr/>
+          </p:nvCxnSpPr>
+          <p:spPr>
+            <a:xfrm flipV="1">
+              <a:off x="5343358" y="3696772"/>
+              <a:ext cx="3927586" cy="3205"/>
+            </a:xfrm>
+            <a:prstGeom prst="straightConnector1">
+              <a:avLst/>
+            </a:prstGeom>
+            <a:ln w="19050">
+              <a:solidFill>
+                <a:schemeClr val="accent5">
+                  <a:lumMod val="75000"/>
+                </a:schemeClr>
+              </a:solidFill>
+              <a:prstDash val="sysDash"/>
+              <a:headEnd type="arrow" w="med" len="med"/>
+              <a:tailEnd type="none" w="med" len="med"/>
+            </a:ln>
+          </p:spPr>
+          <p:style>
+            <a:lnRef idx="1">
+              <a:schemeClr val="accent1"/>
+            </a:lnRef>
+            <a:fillRef idx="0">
+              <a:schemeClr val="accent1"/>
+            </a:fillRef>
+            <a:effectRef idx="0">
+              <a:schemeClr val="accent1"/>
+            </a:effectRef>
+            <a:fontRef idx="minor">
+              <a:schemeClr val="tx1"/>
+            </a:fontRef>
+          </p:style>
+        </p:cxnSp>
+        <p:cxnSp>
+          <p:nvCxnSpPr>
+            <p:cNvPr id="101" name="Straight Arrow Connector 100">
+              <a:extLst>
+                <a:ext uri="{FF2B5EF4-FFF2-40B4-BE49-F238E27FC236}">
+                  <a16:creationId xmlns:a16="http://schemas.microsoft.com/office/drawing/2014/main" id="{5DCD4230-6B2B-5B4C-8A82-25202C536600}"/>
+                </a:ext>
+              </a:extLst>
+            </p:cNvPr>
+            <p:cNvCxnSpPr>
+              <a:cxnSpLocks/>
+            </p:cNvCxnSpPr>
+            <p:nvPr/>
+          </p:nvCxnSpPr>
+          <p:spPr>
+            <a:xfrm>
+              <a:off x="3248458" y="3683967"/>
+              <a:ext cx="1938999" cy="0"/>
+            </a:xfrm>
+            <a:prstGeom prst="straightConnector1">
+              <a:avLst/>
+            </a:prstGeom>
+            <a:ln w="19050">
+              <a:solidFill>
+                <a:srgbClr val="7030A0"/>
+              </a:solidFill>
+              <a:prstDash val="sysDash"/>
+              <a:headEnd type="arrow" w="med" len="med"/>
+              <a:tailEnd type="none" w="med" len="med"/>
+            </a:ln>
+          </p:spPr>
+          <p:style>
+            <a:lnRef idx="1">
+              <a:schemeClr val="accent1"/>
+            </a:lnRef>
+            <a:fillRef idx="0">
+              <a:schemeClr val="accent1"/>
+            </a:fillRef>
+            <a:effectRef idx="0">
+              <a:schemeClr val="accent1"/>
+            </a:effectRef>
+            <a:fontRef idx="minor">
+              <a:schemeClr val="tx1"/>
+            </a:fontRef>
+          </p:style>
+        </p:cxnSp>
+        <p:cxnSp>
+          <p:nvCxnSpPr>
+            <p:cNvPr id="102" name="Straight Arrow Connector 101">
+              <a:extLst>
+                <a:ext uri="{FF2B5EF4-FFF2-40B4-BE49-F238E27FC236}">
+                  <a16:creationId xmlns:a16="http://schemas.microsoft.com/office/drawing/2014/main" id="{46A9D097-0696-1947-A630-00A828C61CAE}"/>
+                </a:ext>
+              </a:extLst>
+            </p:cNvPr>
+            <p:cNvCxnSpPr>
+              <a:cxnSpLocks/>
+            </p:cNvCxnSpPr>
+            <p:nvPr/>
+          </p:nvCxnSpPr>
+          <p:spPr>
+            <a:xfrm>
+              <a:off x="3240239" y="3350654"/>
+              <a:ext cx="1958543" cy="0"/>
+            </a:xfrm>
+            <a:prstGeom prst="straightConnector1">
+              <a:avLst/>
+            </a:prstGeom>
+            <a:ln w="19050">
+              <a:solidFill>
+                <a:srgbClr val="0070C0"/>
+              </a:solidFill>
+              <a:tailEnd type="arrow"/>
+            </a:ln>
+          </p:spPr>
+          <p:style>
+            <a:lnRef idx="1">
+              <a:schemeClr val="accent1"/>
+            </a:lnRef>
+            <a:fillRef idx="0">
+              <a:schemeClr val="accent1"/>
+            </a:fillRef>
+            <a:effectRef idx="0">
+              <a:schemeClr val="accent1"/>
+            </a:effectRef>
+            <a:fontRef idx="minor">
+              <a:schemeClr val="tx1"/>
+            </a:fontRef>
+          </p:style>
+        </p:cxnSp>
+        <p:sp>
+          <p:nvSpPr>
+            <p:cNvPr id="103" name="TextBox 102">
+              <a:extLst>
+                <a:ext uri="{FF2B5EF4-FFF2-40B4-BE49-F238E27FC236}">
+                  <a16:creationId xmlns:a16="http://schemas.microsoft.com/office/drawing/2014/main" id="{833D9F35-DF62-6F4F-B7F8-FB4A8B1C56C5}"/>
+                </a:ext>
+              </a:extLst>
+            </p:cNvPr>
+            <p:cNvSpPr txBox="1"/>
+            <p:nvPr/>
+          </p:nvSpPr>
+          <p:spPr>
+            <a:xfrm>
+              <a:off x="3502648" y="3343819"/>
+              <a:ext cx="1624501" cy="215444"/>
+            </a:xfrm>
+            <a:prstGeom prst="rect">
+              <a:avLst/>
+            </a:prstGeom>
+            <a:noFill/>
+          </p:spPr>
+          <p:txBody>
+            <a:bodyPr wrap="square" lIns="0" tIns="0" rIns="0" bIns="0" rtlCol="0">
+              <a:spAutoFit/>
+            </a:bodyPr>
+            <a:lstStyle/>
+            <a:p>
+              <a:r>
+                <a:rPr lang="en-US" sz="1400" dirty="0">
+                  <a:solidFill>
+                    <a:srgbClr val="0070C0"/>
+                  </a:solidFill>
+                </a:rPr>
+                <a:t>commit()</a:t>
+              </a:r>
+            </a:p>
+          </p:txBody>
+        </p:sp>
+        <p:sp>
+          <p:nvSpPr>
+            <p:cNvPr id="97" name="Rectangle 62">
+              <a:extLst>
+                <a:ext uri="{FF2B5EF4-FFF2-40B4-BE49-F238E27FC236}">
+                  <a16:creationId xmlns:a16="http://schemas.microsoft.com/office/drawing/2014/main" id="{B2308537-1BFE-124F-BFB9-CA0DDEA18E6E}"/>
+                </a:ext>
+              </a:extLst>
+            </p:cNvPr>
+            <p:cNvSpPr/>
+            <p:nvPr/>
+          </p:nvSpPr>
+          <p:spPr>
+            <a:xfrm>
+              <a:off x="10396779" y="622315"/>
+              <a:ext cx="1418400" cy="330081"/>
+            </a:xfrm>
+            <a:prstGeom prst="rect">
+              <a:avLst/>
+            </a:prstGeom>
+            <a:solidFill>
+              <a:schemeClr val="accent2"/>
+            </a:solidFill>
+            <a:ln w="19050">
+              <a:noFill/>
+            </a:ln>
+            <a:effectLst/>
+          </p:spPr>
+          <p:style>
+            <a:lnRef idx="1">
+              <a:schemeClr val="accent2"/>
+            </a:lnRef>
+            <a:fillRef idx="2">
+              <a:schemeClr val="accent2"/>
+            </a:fillRef>
+            <a:effectRef idx="1">
+              <a:schemeClr val="accent2"/>
+            </a:effectRef>
+            <a:fontRef idx="minor">
+              <a:schemeClr val="dk1"/>
+            </a:fontRef>
+          </p:style>
+          <p:txBody>
+            <a:bodyPr rtlCol="0" anchor="ctr"/>
+            <a:lstStyle/>
+            <a:p>
+              <a:pPr algn="ctr"/>
+              <a:r>
+                <a:rPr lang="en-US" sz="1600" dirty="0">
+                  <a:solidFill>
+                    <a:schemeClr val="bg1"/>
+                  </a:solidFill>
+                </a:rPr>
+                <a:t>:User</a:t>
+              </a:r>
+              <a:endParaRPr lang="en-SG" sz="1600" dirty="0">
+                <a:solidFill>
+                  <a:schemeClr val="bg1"/>
+                </a:solidFill>
+              </a:endParaRPr>
+            </a:p>
+          </p:txBody>
+        </p:sp>
+        <p:cxnSp>
+          <p:nvCxnSpPr>
+            <p:cNvPr id="98" name="Straight Connector 97">
+              <a:extLst>
+                <a:ext uri="{FF2B5EF4-FFF2-40B4-BE49-F238E27FC236}">
+                  <a16:creationId xmlns:a16="http://schemas.microsoft.com/office/drawing/2014/main" id="{C4A09792-155E-4549-9C98-39983F9F5BBC}"/>
+                </a:ext>
+              </a:extLst>
+            </p:cNvPr>
+            <p:cNvCxnSpPr>
+              <a:cxnSpLocks/>
+            </p:cNvCxnSpPr>
+            <p:nvPr/>
+          </p:nvCxnSpPr>
+          <p:spPr>
+            <a:xfrm>
+              <a:off x="11105979" y="962108"/>
+              <a:ext cx="0" cy="2933804"/>
+            </a:xfrm>
+            <a:prstGeom prst="line">
+              <a:avLst/>
+            </a:prstGeom>
+            <a:ln w="19050">
+              <a:solidFill>
+                <a:srgbClr val="C1504D"/>
+              </a:solidFill>
+              <a:prstDash val="sysDash"/>
+            </a:ln>
+            <a:effectLst/>
+          </p:spPr>
+          <p:style>
+            <a:lnRef idx="1">
+              <a:schemeClr val="accent1"/>
+            </a:lnRef>
+            <a:fillRef idx="2">
+              <a:schemeClr val="accent1"/>
+            </a:fillRef>
+            <a:effectRef idx="1">
+              <a:schemeClr val="accent1"/>
+            </a:effectRef>
+            <a:fontRef idx="minor">
+              <a:schemeClr val="dk1"/>
+            </a:fontRef>
+          </p:style>
+        </p:cxnSp>
+        <p:sp>
+          <p:nvSpPr>
+            <p:cNvPr id="99" name="Rectangle 98">
+              <a:extLst>
+                <a:ext uri="{FF2B5EF4-FFF2-40B4-BE49-F238E27FC236}">
+                  <a16:creationId xmlns:a16="http://schemas.microsoft.com/office/drawing/2014/main" id="{203A351F-7F6D-3040-B347-7FCF7174D4EA}"/>
+                </a:ext>
+              </a:extLst>
+            </p:cNvPr>
+            <p:cNvSpPr/>
+            <p:nvPr/>
+          </p:nvSpPr>
+          <p:spPr>
+            <a:xfrm>
+              <a:off x="11021175" y="2057400"/>
+              <a:ext cx="169609" cy="309138"/>
+            </a:xfrm>
+            <a:prstGeom prst="rect">
+              <a:avLst/>
+            </a:prstGeom>
+            <a:solidFill>
+              <a:schemeClr val="accent2"/>
+            </a:solidFill>
+            <a:ln>
+              <a:noFill/>
+            </a:ln>
+            <a:effectLst/>
+          </p:spPr>
+          <p:style>
+            <a:lnRef idx="1">
+              <a:schemeClr val="accent3"/>
+            </a:lnRef>
+            <a:fillRef idx="2">
+              <a:schemeClr val="accent3"/>
+            </a:fillRef>
+            <a:effectRef idx="1">
+              <a:schemeClr val="accent3"/>
+            </a:effectRef>
+            <a:fontRef idx="minor">
+              <a:schemeClr val="dk1"/>
+            </a:fontRef>
+          </p:style>
+          <p:txBody>
+            <a:bodyPr rtlCol="0" anchor="ctr"/>
+            <a:lstStyle/>
+            <a:p>
+              <a:pPr algn="ctr"/>
+              <a:endParaRPr lang="en-SG" sz="1400">
+                <a:solidFill>
+                  <a:schemeClr val="dk1"/>
+                </a:solidFill>
+              </a:endParaRPr>
+            </a:p>
+          </p:txBody>
+        </p:sp>
+        <p:cxnSp>
+          <p:nvCxnSpPr>
+            <p:cNvPr id="100" name="Straight Arrow Connector 99">
+              <a:extLst>
+                <a:ext uri="{FF2B5EF4-FFF2-40B4-BE49-F238E27FC236}">
+                  <a16:creationId xmlns:a16="http://schemas.microsoft.com/office/drawing/2014/main" id="{BD41DAD0-CC54-E74C-9B70-664300F931E6}"/>
+                </a:ext>
+              </a:extLst>
+            </p:cNvPr>
+            <p:cNvCxnSpPr>
+              <a:cxnSpLocks/>
+            </p:cNvCxnSpPr>
+            <p:nvPr/>
+          </p:nvCxnSpPr>
+          <p:spPr>
+            <a:xfrm>
+              <a:off x="3253109" y="2069548"/>
+              <a:ext cx="7776112" cy="0"/>
+            </a:xfrm>
+            <a:prstGeom prst="straightConnector1">
+              <a:avLst/>
+            </a:prstGeom>
+            <a:ln w="19050">
+              <a:solidFill>
+                <a:srgbClr val="0070C0"/>
+              </a:solidFill>
+              <a:tailEnd type="arrow"/>
+            </a:ln>
+          </p:spPr>
+          <p:style>
+            <a:lnRef idx="1">
+              <a:schemeClr val="accent1"/>
+            </a:lnRef>
+            <a:fillRef idx="0">
+              <a:schemeClr val="accent1"/>
+            </a:fillRef>
+            <a:effectRef idx="0">
+              <a:schemeClr val="accent1"/>
+            </a:effectRef>
+            <a:fontRef idx="minor">
+              <a:schemeClr val="tx1"/>
+            </a:fontRef>
+          </p:style>
+        </p:cxnSp>
+        <p:cxnSp>
+          <p:nvCxnSpPr>
+            <p:cNvPr id="104" name="Straight Arrow Connector 103">
+              <a:extLst>
+                <a:ext uri="{FF2B5EF4-FFF2-40B4-BE49-F238E27FC236}">
+                  <a16:creationId xmlns:a16="http://schemas.microsoft.com/office/drawing/2014/main" id="{D02BAF39-9F7A-1D49-9154-FFBD2CE3EC7A}"/>
+                </a:ext>
+              </a:extLst>
+            </p:cNvPr>
+            <p:cNvCxnSpPr>
+              <a:cxnSpLocks/>
+            </p:cNvCxnSpPr>
+            <p:nvPr/>
+          </p:nvCxnSpPr>
+          <p:spPr>
+            <a:xfrm>
+              <a:off x="3259056" y="2352162"/>
+              <a:ext cx="7770165" cy="0"/>
+            </a:xfrm>
+            <a:prstGeom prst="straightConnector1">
+              <a:avLst/>
+            </a:prstGeom>
+            <a:ln w="19050">
+              <a:solidFill>
+                <a:srgbClr val="C1504D"/>
+              </a:solidFill>
+              <a:prstDash val="sysDash"/>
+              <a:headEnd type="arrow" w="med" len="med"/>
+              <a:tailEnd type="none" w="med" len="med"/>
+            </a:ln>
+          </p:spPr>
+          <p:style>
+            <a:lnRef idx="1">
+              <a:schemeClr val="accent1"/>
+            </a:lnRef>
+            <a:fillRef idx="0">
+              <a:schemeClr val="accent1"/>
+            </a:fillRef>
+            <a:effectRef idx="0">
+              <a:schemeClr val="accent1"/>
+            </a:effectRef>
+            <a:fontRef idx="minor">
+              <a:schemeClr val="tx1"/>
+            </a:fontRef>
+          </p:style>
+        </p:cxnSp>
+        <p:sp>
+          <p:nvSpPr>
+            <p:cNvPr id="105" name="TextBox 104">
+              <a:extLst>
+                <a:ext uri="{FF2B5EF4-FFF2-40B4-BE49-F238E27FC236}">
+                  <a16:creationId xmlns:a16="http://schemas.microsoft.com/office/drawing/2014/main" id="{2B448A8D-76D8-2149-8F8B-B3E13A788C75}"/>
+                </a:ext>
+              </a:extLst>
+            </p:cNvPr>
+            <p:cNvSpPr txBox="1"/>
+            <p:nvPr/>
+          </p:nvSpPr>
+          <p:spPr>
+            <a:xfrm>
+              <a:off x="5578653" y="2083642"/>
+              <a:ext cx="1741529" cy="215444"/>
+            </a:xfrm>
+            <a:prstGeom prst="rect">
+              <a:avLst/>
+            </a:prstGeom>
+            <a:noFill/>
+          </p:spPr>
+          <p:txBody>
+            <a:bodyPr wrap="square" lIns="0" tIns="0" rIns="0" bIns="0" rtlCol="0">
+              <a:spAutoFit/>
+            </a:bodyPr>
+            <a:lstStyle/>
+            <a:p>
+              <a:r>
+                <a:rPr lang="en-US" sz="1400" dirty="0" err="1">
+                  <a:solidFill>
+                    <a:srgbClr val="0070C0"/>
+                  </a:solidFill>
+                </a:rPr>
+                <a:t>setBlock</a:t>
+              </a:r>
+              <a:r>
+                <a:rPr lang="en-US" sz="1400" dirty="0">
+                  <a:solidFill>
+                    <a:srgbClr val="0070C0"/>
+                  </a:solidFill>
+                </a:rPr>
+                <a:t>(true)</a:t>
+              </a:r>
+            </a:p>
+          </p:txBody>
+        </p:sp>
+      </p:grpSp>
+    </p:spTree>
+    <p:extLst>
+      <p:ext uri="{BB962C8B-B14F-4D97-AF65-F5344CB8AC3E}">
+        <p14:creationId xmlns:p14="http://schemas.microsoft.com/office/powerpoint/2010/main" val="3333709988"/>
+      </p:ext>
+    </p:extLst>
+  </p:cSld>
+  <p:clrMapOvr>
+    <a:masterClrMapping/>
+  </p:clrMapOvr>
+</p:sld>
+</file>
+
+<file path=ppt/slides/slide8.xml><?xml version="1.0" encoding="utf-8"?>
+<p:sld xmlns:a="http://schemas.openxmlformats.org/drawingml/2006/main" xmlns:r="http://schemas.openxmlformats.org/officeDocument/2006/relationships" xmlns:p="http://schemas.openxmlformats.org/presentationml/2006/main">
+  <p:cSld>
+    <p:spTree>
+      <p:nvGrpSpPr>
+        <p:cNvPr id="1" name=""/>
+        <p:cNvGrpSpPr/>
+        <p:nvPr/>
+      </p:nvGrpSpPr>
+      <p:grpSpPr>
+        <a:xfrm>
+          <a:off x="0" y="0"/>
+          <a:ext cx="0" cy="0"/>
+          <a:chOff x="0" y="0"/>
+          <a:chExt cx="0" cy="0"/>
+        </a:xfrm>
+      </p:grpSpPr>
+      <p:sp>
+        <p:nvSpPr>
+          <p:cNvPr id="53" name="Rectangle 62"/>
+          <p:cNvSpPr/>
+          <p:nvPr/>
+        </p:nvSpPr>
+        <p:spPr>
+          <a:xfrm>
+            <a:off x="7370178" y="4278322"/>
+            <a:ext cx="1093635" cy="346760"/>
+          </a:xfrm>
+          <a:prstGeom prst="rect">
+            <a:avLst/>
+          </a:prstGeom>
+          <a:solidFill>
+            <a:schemeClr val="accent6">
+              <a:lumMod val="75000"/>
+            </a:schemeClr>
+          </a:solidFill>
+          <a:ln w="19050">
+            <a:solidFill>
+              <a:schemeClr val="accent6">
+                <a:lumMod val="75000"/>
+              </a:schemeClr>
+            </a:solidFill>
+          </a:ln>
+          <a:effectLst/>
+        </p:spPr>
+        <p:style>
+          <a:lnRef idx="1">
+            <a:schemeClr val="accent2"/>
+          </a:lnRef>
+          <a:fillRef idx="2">
+            <a:schemeClr val="accent2"/>
+          </a:fillRef>
+          <a:effectRef idx="1">
+            <a:schemeClr val="accent2"/>
+          </a:effectRef>
+          <a:fontRef idx="minor">
+            <a:schemeClr val="dk1"/>
+          </a:fontRef>
+        </p:style>
+        <p:txBody>
+          <a:bodyPr rtlCol="0" anchor="ctr"/>
+          <a:lstStyle/>
+          <a:p>
+            <a:pPr algn="ctr"/>
+            <a:r>
+              <a:rPr lang="en-US" sz="1600" dirty="0">
+                <a:solidFill>
+                  <a:schemeClr val="bg1"/>
+                </a:solidFill>
+              </a:rPr>
+              <a:t>:Storage</a:t>
+            </a:r>
+            <a:endParaRPr lang="en-SG" sz="1600" dirty="0">
+              <a:solidFill>
+                <a:schemeClr val="bg1"/>
+              </a:solidFill>
+            </a:endParaRPr>
+          </a:p>
+        </p:txBody>
+      </p:sp>
+      <p:cxnSp>
+        <p:nvCxnSpPr>
+          <p:cNvPr id="54" name="Straight Connector 53"/>
+          <p:cNvCxnSpPr/>
+          <p:nvPr/>
+        </p:nvCxnSpPr>
+        <p:spPr>
+          <a:xfrm>
+            <a:off x="7916995" y="4641993"/>
+            <a:ext cx="0" cy="1723059"/>
+          </a:xfrm>
+          <a:prstGeom prst="line">
+            <a:avLst/>
+          </a:prstGeom>
+          <a:ln w="19050">
+            <a:solidFill>
+              <a:schemeClr val="accent6">
+                <a:lumMod val="75000"/>
+              </a:schemeClr>
+            </a:solidFill>
+            <a:prstDash val="sysDash"/>
+          </a:ln>
+          <a:effectLst/>
+        </p:spPr>
+        <p:style>
+          <a:lnRef idx="1">
+            <a:schemeClr val="accent1"/>
+          </a:lnRef>
+          <a:fillRef idx="2">
+            <a:schemeClr val="accent1"/>
+          </a:fillRef>
+          <a:effectRef idx="1">
+            <a:schemeClr val="accent1"/>
+          </a:effectRef>
+          <a:fontRef idx="minor">
+            <a:schemeClr val="dk1"/>
+          </a:fontRef>
+        </p:style>
+      </p:cxnSp>
+      <p:sp>
+        <p:nvSpPr>
+          <p:cNvPr id="55" name="Rectangle 54"/>
+          <p:cNvSpPr/>
+          <p:nvPr/>
+        </p:nvSpPr>
+        <p:spPr>
+          <a:xfrm>
+            <a:off x="7844987" y="5335662"/>
+            <a:ext cx="124478" cy="287409"/>
+          </a:xfrm>
+          <a:prstGeom prst="rect">
+            <a:avLst/>
+          </a:prstGeom>
+          <a:solidFill>
+            <a:schemeClr val="accent6">
+              <a:lumMod val="75000"/>
+            </a:schemeClr>
+          </a:solidFill>
+          <a:ln>
+            <a:solidFill>
+              <a:schemeClr val="accent6">
+                <a:lumMod val="75000"/>
+              </a:schemeClr>
+            </a:solidFill>
+          </a:ln>
+          <a:effectLst/>
+        </p:spPr>
+        <p:style>
+          <a:lnRef idx="1">
+            <a:schemeClr val="accent3"/>
+          </a:lnRef>
+          <a:fillRef idx="2">
+            <a:schemeClr val="accent3"/>
+          </a:fillRef>
+          <a:effectRef idx="1">
+            <a:schemeClr val="accent3"/>
+          </a:effectRef>
+          <a:fontRef idx="minor">
+            <a:schemeClr val="dk1"/>
+          </a:fontRef>
+        </p:style>
+        <p:txBody>
+          <a:bodyPr rtlCol="0" anchor="ctr"/>
+          <a:lstStyle/>
+          <a:p>
+            <a:pPr algn="ctr"/>
+            <a:endParaRPr lang="en-SG" sz="1400">
+              <a:solidFill>
+                <a:schemeClr val="dk1"/>
+              </a:solidFill>
+            </a:endParaRPr>
+          </a:p>
+        </p:txBody>
+      </p:sp>
+      <p:sp>
+        <p:nvSpPr>
+          <p:cNvPr id="62" name="TextBox 61"/>
+          <p:cNvSpPr txBox="1"/>
+          <p:nvPr/>
+        </p:nvSpPr>
+        <p:spPr>
+          <a:xfrm>
+            <a:off x="1810094" y="4797674"/>
+            <a:ext cx="2716635" cy="215444"/>
+          </a:xfrm>
+          <a:prstGeom prst="rect">
+            <a:avLst/>
+          </a:prstGeom>
+          <a:noFill/>
+        </p:spPr>
+        <p:txBody>
+          <a:bodyPr wrap="square" lIns="0" tIns="0" rIns="0" bIns="0" rtlCol="0">
+            <a:spAutoFit/>
+          </a:bodyPr>
+          <a:lstStyle/>
+          <a:p>
+            <a:r>
+              <a:rPr lang="en-US" sz="1400" dirty="0">
+                <a:solidFill>
+                  <a:schemeClr val="accent5">
+                    <a:lumMod val="75000"/>
+                  </a:schemeClr>
+                </a:solidFill>
+              </a:rPr>
+              <a:t>post(</a:t>
+            </a:r>
+            <a:r>
+              <a:rPr lang="en-US" sz="1400" dirty="0" err="1">
+                <a:solidFill>
+                  <a:schemeClr val="accent5">
+                    <a:lumMod val="75000"/>
+                  </a:schemeClr>
+                </a:solidFill>
+              </a:rPr>
+              <a:t>ForumBookChangedEvent</a:t>
+            </a:r>
+            <a:r>
+              <a:rPr lang="en-US" sz="1400" dirty="0">
+                <a:solidFill>
+                  <a:schemeClr val="accent5">
+                    <a:lumMod val="75000"/>
+                  </a:schemeClr>
+                </a:solidFill>
+              </a:rPr>
+              <a:t>)</a:t>
+            </a:r>
+          </a:p>
+        </p:txBody>
+      </p:sp>
+      <p:cxnSp>
+        <p:nvCxnSpPr>
+          <p:cNvPr id="63" name="Straight Arrow Connector 62"/>
+          <p:cNvCxnSpPr/>
+          <p:nvPr/>
+        </p:nvCxnSpPr>
+        <p:spPr>
+          <a:xfrm flipH="1">
+            <a:off x="4526729" y="5623071"/>
+            <a:ext cx="3383941" cy="0"/>
+          </a:xfrm>
+          <a:prstGeom prst="straightConnector1">
+            <a:avLst/>
+          </a:prstGeom>
+          <a:ln w="19050">
+            <a:solidFill>
+              <a:schemeClr val="accent6">
+                <a:lumMod val="75000"/>
+              </a:schemeClr>
+            </a:solidFill>
+            <a:prstDash val="sysDash"/>
+            <a:headEnd type="none" w="med" len="med"/>
+            <a:tailEnd type="arrow" w="med" len="med"/>
+          </a:ln>
+        </p:spPr>
+        <p:style>
+          <a:lnRef idx="1">
+            <a:schemeClr val="accent1"/>
+          </a:lnRef>
+          <a:fillRef idx="0">
+            <a:schemeClr val="accent1"/>
+          </a:fillRef>
+          <a:effectRef idx="0">
+            <a:schemeClr val="accent1"/>
+          </a:effectRef>
+          <a:fontRef idx="minor">
+            <a:schemeClr val="tx1"/>
+          </a:fontRef>
+        </p:style>
+      </p:cxnSp>
+      <p:sp>
+        <p:nvSpPr>
+          <p:cNvPr id="66" name="Rectangle 62"/>
+          <p:cNvSpPr/>
+          <p:nvPr/>
+        </p:nvSpPr>
+        <p:spPr>
+          <a:xfrm>
+            <a:off x="3791146" y="4295233"/>
+            <a:ext cx="1371600" cy="346760"/>
+          </a:xfrm>
+          <a:prstGeom prst="rect">
+            <a:avLst/>
+          </a:prstGeom>
+          <a:solidFill>
+            <a:schemeClr val="accent5">
+              <a:lumMod val="75000"/>
+            </a:schemeClr>
+          </a:solidFill>
+          <a:ln w="19050">
+            <a:solidFill>
+              <a:schemeClr val="accent5">
+                <a:lumMod val="75000"/>
+              </a:schemeClr>
+            </a:solidFill>
+          </a:ln>
+          <a:effectLst/>
+        </p:spPr>
+        <p:style>
+          <a:lnRef idx="1">
+            <a:schemeClr val="accent2"/>
+          </a:lnRef>
+          <a:fillRef idx="2">
+            <a:schemeClr val="accent2"/>
+          </a:fillRef>
+          <a:effectRef idx="1">
+            <a:schemeClr val="accent2"/>
+          </a:effectRef>
+          <a:fontRef idx="minor">
+            <a:schemeClr val="dk1"/>
+          </a:fontRef>
+        </p:style>
+        <p:txBody>
+          <a:bodyPr rtlCol="0" anchor="ctr"/>
+          <a:lstStyle/>
+          <a:p>
+            <a:pPr algn="ctr"/>
+            <a:r>
+              <a:rPr lang="en-US" sz="1600" dirty="0">
+                <a:solidFill>
+                  <a:schemeClr val="bg1"/>
+                </a:solidFill>
+              </a:rPr>
+              <a:t>:</a:t>
+            </a:r>
+            <a:r>
+              <a:rPr lang="en-US" sz="1600" dirty="0" err="1">
+                <a:solidFill>
+                  <a:schemeClr val="bg1"/>
+                </a:solidFill>
+              </a:rPr>
+              <a:t>EventsCenter</a:t>
+            </a:r>
+            <a:endParaRPr lang="en-SG" sz="1600" dirty="0">
+              <a:solidFill>
+                <a:schemeClr val="bg1"/>
+              </a:solidFill>
+            </a:endParaRPr>
+          </a:p>
+        </p:txBody>
+      </p:sp>
+      <p:cxnSp>
+        <p:nvCxnSpPr>
+          <p:cNvPr id="67" name="Straight Connector 66"/>
+          <p:cNvCxnSpPr/>
+          <p:nvPr/>
+        </p:nvCxnSpPr>
+        <p:spPr>
+          <a:xfrm>
+            <a:off x="4456731" y="4648287"/>
+            <a:ext cx="0" cy="1723059"/>
+          </a:xfrm>
+          <a:prstGeom prst="line">
+            <a:avLst/>
+          </a:prstGeom>
+          <a:ln w="19050">
+            <a:solidFill>
+              <a:schemeClr val="accent5">
+                <a:lumMod val="75000"/>
+              </a:schemeClr>
+            </a:solidFill>
+            <a:prstDash val="sysDash"/>
+          </a:ln>
+          <a:effectLst/>
+        </p:spPr>
+        <p:style>
+          <a:lnRef idx="1">
+            <a:schemeClr val="accent1"/>
+          </a:lnRef>
+          <a:fillRef idx="2">
+            <a:schemeClr val="accent1"/>
+          </a:fillRef>
+          <a:effectRef idx="1">
+            <a:schemeClr val="accent1"/>
+          </a:effectRef>
+          <a:fontRef idx="minor">
+            <a:schemeClr val="dk1"/>
+          </a:fontRef>
+        </p:style>
+      </p:cxnSp>
+      <p:sp>
+        <p:nvSpPr>
+          <p:cNvPr id="68" name="Rectangle 67"/>
+          <p:cNvSpPr/>
+          <p:nvPr/>
+        </p:nvSpPr>
+        <p:spPr>
+          <a:xfrm>
+            <a:off x="4384723" y="5071220"/>
+            <a:ext cx="142006" cy="1036757"/>
+          </a:xfrm>
+          <a:prstGeom prst="rect">
+            <a:avLst/>
+          </a:prstGeom>
+          <a:solidFill>
+            <a:schemeClr val="accent5">
+              <a:lumMod val="75000"/>
+            </a:schemeClr>
+          </a:solidFill>
+          <a:ln>
+            <a:solidFill>
+              <a:schemeClr val="accent5">
+                <a:lumMod val="75000"/>
+              </a:schemeClr>
+            </a:solidFill>
+          </a:ln>
+          <a:effectLst/>
+        </p:spPr>
+        <p:style>
+          <a:lnRef idx="1">
+            <a:schemeClr val="accent3"/>
+          </a:lnRef>
+          <a:fillRef idx="2">
+            <a:schemeClr val="accent3"/>
+          </a:fillRef>
+          <a:effectRef idx="1">
+            <a:schemeClr val="accent3"/>
+          </a:effectRef>
+          <a:fontRef idx="minor">
+            <a:schemeClr val="dk1"/>
+          </a:fontRef>
+        </p:style>
+        <p:txBody>
+          <a:bodyPr rtlCol="0" anchor="ctr"/>
+          <a:lstStyle/>
+          <a:p>
+            <a:pPr algn="ctr"/>
+            <a:endParaRPr lang="en-SG" sz="1400">
+              <a:solidFill>
+                <a:schemeClr val="dk1"/>
+              </a:solidFill>
+            </a:endParaRPr>
+          </a:p>
+        </p:txBody>
+      </p:sp>
+      <p:cxnSp>
+        <p:nvCxnSpPr>
+          <p:cNvPr id="69" name="Straight Arrow Connector 68"/>
+          <p:cNvCxnSpPr/>
+          <p:nvPr/>
+        </p:nvCxnSpPr>
+        <p:spPr>
+          <a:xfrm>
+            <a:off x="3078929" y="5071220"/>
+            <a:ext cx="1295400" cy="0"/>
+          </a:xfrm>
+          <a:prstGeom prst="straightConnector1">
+            <a:avLst/>
+          </a:prstGeom>
+          <a:ln w="19050">
+            <a:solidFill>
+              <a:srgbClr val="7030A0"/>
+            </a:solidFill>
+            <a:tailEnd type="arrow"/>
+          </a:ln>
+        </p:spPr>
+        <p:style>
+          <a:lnRef idx="1">
+            <a:schemeClr val="accent1"/>
+          </a:lnRef>
+          <a:fillRef idx="0">
+            <a:schemeClr val="accent1"/>
+          </a:fillRef>
+          <a:effectRef idx="0">
+            <a:schemeClr val="accent1"/>
+          </a:effectRef>
+          <a:fontRef idx="minor">
+            <a:schemeClr val="tx1"/>
+          </a:fontRef>
+        </p:style>
+      </p:cxnSp>
+      <p:cxnSp>
+        <p:nvCxnSpPr>
+          <p:cNvPr id="70" name="Straight Arrow Connector 69"/>
+          <p:cNvCxnSpPr/>
+          <p:nvPr/>
+        </p:nvCxnSpPr>
+        <p:spPr>
+          <a:xfrm>
+            <a:off x="2975642" y="6107977"/>
+            <a:ext cx="1448755" cy="0"/>
+          </a:xfrm>
+          <a:prstGeom prst="straightConnector1">
+            <a:avLst/>
+          </a:prstGeom>
+          <a:ln w="19050">
+            <a:solidFill>
+              <a:schemeClr val="accent5">
+                <a:lumMod val="75000"/>
+              </a:schemeClr>
+            </a:solidFill>
+            <a:prstDash val="sysDash"/>
+            <a:headEnd type="arrow" w="med" len="med"/>
+            <a:tailEnd type="none" w="med" len="med"/>
+          </a:ln>
+        </p:spPr>
+        <p:style>
+          <a:lnRef idx="1">
+            <a:schemeClr val="accent1"/>
+          </a:lnRef>
+          <a:fillRef idx="0">
+            <a:schemeClr val="accent1"/>
+          </a:fillRef>
+          <a:effectRef idx="0">
+            <a:schemeClr val="accent1"/>
+          </a:effectRef>
+          <a:fontRef idx="minor">
+            <a:schemeClr val="tx1"/>
+          </a:fontRef>
+        </p:style>
+      </p:cxnSp>
+      <p:cxnSp>
+        <p:nvCxnSpPr>
+          <p:cNvPr id="72" name="Straight Arrow Connector 71"/>
+          <p:cNvCxnSpPr/>
+          <p:nvPr/>
+        </p:nvCxnSpPr>
+        <p:spPr>
+          <a:xfrm>
+            <a:off x="4526729" y="5341014"/>
+            <a:ext cx="3318258" cy="0"/>
+          </a:xfrm>
+          <a:prstGeom prst="straightConnector1">
+            <a:avLst/>
+          </a:prstGeom>
+          <a:ln w="19050">
+            <a:solidFill>
+              <a:schemeClr val="accent5">
+                <a:lumMod val="75000"/>
+              </a:schemeClr>
+            </a:solidFill>
+            <a:headEnd type="none" w="med" len="med"/>
+            <a:tailEnd type="arrow" w="med" len="med"/>
+          </a:ln>
+        </p:spPr>
+        <p:style>
+          <a:lnRef idx="1">
+            <a:schemeClr val="accent1"/>
+          </a:lnRef>
+          <a:fillRef idx="0">
+            <a:schemeClr val="accent1"/>
+          </a:fillRef>
+          <a:effectRef idx="0">
+            <a:schemeClr val="accent1"/>
+          </a:effectRef>
+          <a:fontRef idx="minor">
+            <a:schemeClr val="tx1"/>
+          </a:fontRef>
+        </p:style>
+      </p:cxnSp>
+      <p:sp>
+        <p:nvSpPr>
+          <p:cNvPr id="74" name="TextBox 73"/>
+          <p:cNvSpPr txBox="1"/>
+          <p:nvPr/>
+        </p:nvSpPr>
+        <p:spPr>
+          <a:xfrm>
+            <a:off x="5036330" y="5065911"/>
+            <a:ext cx="2659870" cy="215444"/>
+          </a:xfrm>
+          <a:prstGeom prst="rect">
+            <a:avLst/>
+          </a:prstGeom>
+          <a:noFill/>
+        </p:spPr>
+        <p:txBody>
+          <a:bodyPr wrap="square" lIns="0" tIns="0" rIns="0" bIns="0" rtlCol="0">
+            <a:spAutoFit/>
+          </a:bodyPr>
+          <a:lstStyle/>
+          <a:p>
+            <a:r>
+              <a:rPr lang="en-US" sz="1400" dirty="0" err="1">
+                <a:solidFill>
+                  <a:schemeClr val="accent6">
+                    <a:lumMod val="75000"/>
+                  </a:schemeClr>
+                </a:solidFill>
+              </a:rPr>
+              <a:t>handleForumBookChangedEvent</a:t>
+            </a:r>
+            <a:r>
+              <a:rPr lang="en-US" sz="1400" dirty="0">
+                <a:solidFill>
+                  <a:schemeClr val="accent6">
+                    <a:lumMod val="75000"/>
+                  </a:schemeClr>
+                </a:solidFill>
+              </a:rPr>
+              <a:t>()</a:t>
+            </a:r>
+          </a:p>
+        </p:txBody>
+      </p:sp>
+      <p:sp>
+        <p:nvSpPr>
+          <p:cNvPr id="45" name="Rectangle 62"/>
+          <p:cNvSpPr/>
+          <p:nvPr/>
+        </p:nvSpPr>
+        <p:spPr>
+          <a:xfrm>
+            <a:off x="721634" y="4278322"/>
+            <a:ext cx="1093635" cy="346760"/>
+          </a:xfrm>
+          <a:prstGeom prst="rect">
+            <a:avLst/>
+          </a:prstGeom>
+          <a:solidFill>
+            <a:srgbClr val="00B050"/>
+          </a:solidFill>
+          <a:ln w="19050">
+            <a:solidFill>
+              <a:srgbClr val="00B050"/>
+            </a:solidFill>
+          </a:ln>
+          <a:effectLst/>
+        </p:spPr>
+        <p:style>
+          <a:lnRef idx="1">
+            <a:schemeClr val="accent2"/>
+          </a:lnRef>
+          <a:fillRef idx="2">
+            <a:schemeClr val="accent2"/>
+          </a:fillRef>
+          <a:effectRef idx="1">
+            <a:schemeClr val="accent2"/>
+          </a:effectRef>
+          <a:fontRef idx="minor">
+            <a:schemeClr val="dk1"/>
+          </a:fontRef>
+        </p:style>
+        <p:txBody>
+          <a:bodyPr rtlCol="0" anchor="ctr"/>
+          <a:lstStyle/>
+          <a:p>
+            <a:pPr algn="ctr"/>
+            <a:r>
+              <a:rPr lang="en-US" sz="1600" dirty="0">
+                <a:solidFill>
+                  <a:schemeClr val="bg1"/>
+                </a:solidFill>
+              </a:rPr>
+              <a:t>:UI</a:t>
+            </a:r>
+            <a:endParaRPr lang="en-SG" sz="1600" dirty="0">
+              <a:solidFill>
+                <a:schemeClr val="bg1"/>
+              </a:solidFill>
+            </a:endParaRPr>
+          </a:p>
+        </p:txBody>
+      </p:sp>
+      <p:cxnSp>
+        <p:nvCxnSpPr>
+          <p:cNvPr id="46" name="Straight Connector 45"/>
+          <p:cNvCxnSpPr/>
+          <p:nvPr/>
+        </p:nvCxnSpPr>
+        <p:spPr>
+          <a:xfrm>
+            <a:off x="1268451" y="4641993"/>
+            <a:ext cx="0" cy="1723059"/>
+          </a:xfrm>
+          <a:prstGeom prst="line">
+            <a:avLst/>
+          </a:prstGeom>
+          <a:ln w="19050">
+            <a:solidFill>
+              <a:srgbClr val="00B050"/>
+            </a:solidFill>
+            <a:prstDash val="sysDash"/>
+          </a:ln>
+          <a:effectLst/>
+        </p:spPr>
+        <p:style>
+          <a:lnRef idx="1">
+            <a:schemeClr val="accent1"/>
+          </a:lnRef>
+          <a:fillRef idx="2">
+            <a:schemeClr val="accent1"/>
+          </a:fillRef>
+          <a:effectRef idx="1">
+            <a:schemeClr val="accent1"/>
+          </a:effectRef>
+          <a:fontRef idx="minor">
+            <a:schemeClr val="dk1"/>
+          </a:fontRef>
+        </p:style>
+      </p:cxnSp>
+      <p:sp>
+        <p:nvSpPr>
+          <p:cNvPr id="47" name="Rectangle 46"/>
+          <p:cNvSpPr/>
+          <p:nvPr/>
+        </p:nvSpPr>
+        <p:spPr>
+          <a:xfrm>
+            <a:off x="1196443" y="5670472"/>
+            <a:ext cx="130545" cy="273128"/>
+          </a:xfrm>
+          <a:prstGeom prst="rect">
+            <a:avLst/>
+          </a:prstGeom>
+          <a:solidFill>
+            <a:srgbClr val="00B050"/>
+          </a:solidFill>
+          <a:ln>
+            <a:solidFill>
+              <a:srgbClr val="00B050"/>
+            </a:solidFill>
+          </a:ln>
+          <a:effectLst/>
+        </p:spPr>
+        <p:style>
+          <a:lnRef idx="1">
+            <a:schemeClr val="accent3"/>
+          </a:lnRef>
+          <a:fillRef idx="2">
+            <a:schemeClr val="accent3"/>
+          </a:fillRef>
+          <a:effectRef idx="1">
+            <a:schemeClr val="accent3"/>
+          </a:effectRef>
+          <a:fontRef idx="minor">
+            <a:schemeClr val="dk1"/>
+          </a:fontRef>
+        </p:style>
+        <p:txBody>
+          <a:bodyPr rtlCol="0" anchor="ctr"/>
+          <a:lstStyle/>
+          <a:p>
+            <a:pPr algn="ctr"/>
+            <a:endParaRPr lang="en-SG" sz="1400">
+              <a:solidFill>
+                <a:schemeClr val="dk1"/>
+              </a:solidFill>
+            </a:endParaRPr>
+          </a:p>
+        </p:txBody>
+      </p:sp>
+      <p:cxnSp>
+        <p:nvCxnSpPr>
+          <p:cNvPr id="48" name="Straight Arrow Connector 47"/>
+          <p:cNvCxnSpPr/>
+          <p:nvPr/>
+        </p:nvCxnSpPr>
+        <p:spPr>
+          <a:xfrm flipH="1">
+            <a:off x="1348843" y="5943600"/>
+            <a:ext cx="3061842" cy="0"/>
+          </a:xfrm>
+          <a:prstGeom prst="straightConnector1">
+            <a:avLst/>
+          </a:prstGeom>
+          <a:ln w="19050">
+            <a:solidFill>
+              <a:srgbClr val="00B050"/>
+            </a:solidFill>
+            <a:prstDash val="sysDash"/>
+            <a:headEnd type="arrow" w="med" len="med"/>
+            <a:tailEnd type="none" w="med" len="med"/>
+          </a:ln>
+        </p:spPr>
+        <p:style>
+          <a:lnRef idx="1">
+            <a:schemeClr val="accent1"/>
+          </a:lnRef>
+          <a:fillRef idx="0">
+            <a:schemeClr val="accent1"/>
+          </a:fillRef>
+          <a:effectRef idx="0">
+            <a:schemeClr val="accent1"/>
+          </a:effectRef>
+          <a:fontRef idx="minor">
+            <a:schemeClr val="tx1"/>
+          </a:fontRef>
+        </p:style>
+      </p:cxnSp>
+      <p:cxnSp>
+        <p:nvCxnSpPr>
+          <p:cNvPr id="49" name="Straight Arrow Connector 48"/>
+          <p:cNvCxnSpPr/>
+          <p:nvPr/>
+        </p:nvCxnSpPr>
+        <p:spPr>
+          <a:xfrm>
+            <a:off x="1348843" y="5670472"/>
+            <a:ext cx="3061841" cy="0"/>
+          </a:xfrm>
+          <a:prstGeom prst="straightConnector1">
+            <a:avLst/>
+          </a:prstGeom>
+          <a:ln w="19050">
+            <a:solidFill>
+              <a:schemeClr val="accent5">
+                <a:lumMod val="75000"/>
+              </a:schemeClr>
+            </a:solidFill>
+            <a:headEnd type="arrow" w="med" len="med"/>
+            <a:tailEnd type="none" w="med" len="med"/>
+          </a:ln>
+        </p:spPr>
+        <p:style>
+          <a:lnRef idx="1">
+            <a:schemeClr val="accent1"/>
+          </a:lnRef>
+          <a:fillRef idx="0">
+            <a:schemeClr val="accent1"/>
+          </a:fillRef>
+          <a:effectRef idx="0">
+            <a:schemeClr val="accent1"/>
+          </a:effectRef>
+          <a:fontRef idx="minor">
+            <a:schemeClr val="tx1"/>
+          </a:fontRef>
+        </p:style>
+      </p:cxnSp>
+      <p:sp>
+        <p:nvSpPr>
+          <p:cNvPr id="50" name="TextBox 49"/>
+          <p:cNvSpPr txBox="1"/>
+          <p:nvPr/>
+        </p:nvSpPr>
+        <p:spPr>
+          <a:xfrm>
+            <a:off x="1416276" y="5395369"/>
+            <a:ext cx="2659870" cy="215444"/>
+          </a:xfrm>
+          <a:prstGeom prst="rect">
+            <a:avLst/>
+          </a:prstGeom>
+          <a:noFill/>
+        </p:spPr>
+        <p:txBody>
+          <a:bodyPr wrap="square" lIns="0" tIns="0" rIns="0" bIns="0" rtlCol="0">
+            <a:spAutoFit/>
+          </a:bodyPr>
+          <a:lstStyle/>
+          <a:p>
+            <a:r>
+              <a:rPr lang="en-US" sz="1400" dirty="0" err="1">
+                <a:solidFill>
+                  <a:srgbClr val="00B050"/>
+                </a:solidFill>
+              </a:rPr>
+              <a:t>handleForumBookChangedEvent</a:t>
+            </a:r>
+            <a:r>
+              <a:rPr lang="en-US" sz="1400" dirty="0">
+                <a:solidFill>
+                  <a:srgbClr val="00B050"/>
+                </a:solidFill>
+              </a:rPr>
+              <a:t>()</a:t>
+            </a:r>
+          </a:p>
+        </p:txBody>
+      </p:sp>
+      <p:grpSp>
+        <p:nvGrpSpPr>
+          <p:cNvPr id="13" name="Group 12"/>
+          <p:cNvGrpSpPr/>
+          <p:nvPr/>
+        </p:nvGrpSpPr>
+        <p:grpSpPr>
+          <a:xfrm>
+            <a:off x="1028134" y="5612032"/>
+            <a:ext cx="217349" cy="270072"/>
+            <a:chOff x="1028134" y="5612032"/>
+            <a:chExt cx="217349" cy="270072"/>
+          </a:xfrm>
+        </p:grpSpPr>
+        <p:sp>
+          <p:nvSpPr>
+            <p:cNvPr id="12" name="Freeform 11"/>
+            <p:cNvSpPr/>
+            <p:nvPr/>
+          </p:nvSpPr>
+          <p:spPr>
+            <a:xfrm rot="2600998" flipH="1" flipV="1">
+              <a:off x="1028134" y="5612032"/>
+              <a:ext cx="167452" cy="116880"/>
+            </a:xfrm>
+            <a:custGeom>
+              <a:avLst/>
+              <a:gdLst>
+                <a:gd name="connsiteX0" fmla="*/ 0 w 226400"/>
+                <a:gd name="connsiteY0" fmla="*/ 32920 h 171466"/>
+                <a:gd name="connsiteX1" fmla="*/ 157018 w 226400"/>
+                <a:gd name="connsiteY1" fmla="*/ 5211 h 171466"/>
+                <a:gd name="connsiteX2" fmla="*/ 221673 w 226400"/>
+                <a:gd name="connsiteY2" fmla="*/ 125284 h 171466"/>
+                <a:gd name="connsiteX3" fmla="*/ 36945 w 226400"/>
+                <a:gd name="connsiteY3" fmla="*/ 171466 h 171466"/>
+              </a:gdLst>
+              <a:ahLst/>
+              <a:cxnLst>
+                <a:cxn ang="0">
+                  <a:pos x="connsiteX0" y="connsiteY0"/>
+                </a:cxn>
+                <a:cxn ang="0">
+                  <a:pos x="connsiteX1" y="connsiteY1"/>
+                </a:cxn>
+                <a:cxn ang="0">
+                  <a:pos x="connsiteX2" y="connsiteY2"/>
+                </a:cxn>
+                <a:cxn ang="0">
+                  <a:pos x="connsiteX3" y="connsiteY3"/>
+                </a:cxn>
+              </a:cxnLst>
+              <a:rect l="l" t="t" r="r" b="b"/>
+              <a:pathLst>
+                <a:path w="226400" h="171466">
+                  <a:moveTo>
+                    <a:pt x="0" y="32920"/>
+                  </a:moveTo>
+                  <a:cubicBezTo>
+                    <a:pt x="60036" y="11368"/>
+                    <a:pt x="120073" y="-10183"/>
+                    <a:pt x="157018" y="5211"/>
+                  </a:cubicBezTo>
+                  <a:cubicBezTo>
+                    <a:pt x="193963" y="20605"/>
+                    <a:pt x="241685" y="97575"/>
+                    <a:pt x="221673" y="125284"/>
+                  </a:cubicBezTo>
+                  <a:cubicBezTo>
+                    <a:pt x="201661" y="152993"/>
+                    <a:pt x="119303" y="162229"/>
+                    <a:pt x="36945" y="171466"/>
+                  </a:cubicBezTo>
+                </a:path>
+              </a:pathLst>
+            </a:custGeom>
+            <a:ln w="19050">
+              <a:solidFill>
+                <a:srgbClr val="00B050"/>
+              </a:solidFill>
+              <a:headEnd type="arrow" w="med" len="med"/>
+              <a:tailEnd type="none" w="med" len="med"/>
+            </a:ln>
+          </p:spPr>
+          <p:style>
+            <a:lnRef idx="1">
+              <a:schemeClr val="accent1"/>
+            </a:lnRef>
+            <a:fillRef idx="0">
+              <a:schemeClr val="accent1"/>
+            </a:fillRef>
+            <a:effectRef idx="0">
+              <a:schemeClr val="accent1"/>
+            </a:effectRef>
+            <a:fontRef idx="minor">
+              <a:schemeClr val="tx1"/>
+            </a:fontRef>
+          </p:style>
+          <p:txBody>
+            <a:bodyPr rtlCol="0" anchor="ctr"/>
+            <a:lstStyle/>
+            <a:p>
+              <a:pPr algn="ctr"/>
+              <a:endParaRPr lang="en-SG"/>
+            </a:p>
+          </p:txBody>
+        </p:sp>
+        <p:sp>
+          <p:nvSpPr>
+            <p:cNvPr id="56" name="Rectangle 55"/>
+            <p:cNvSpPr/>
+            <p:nvPr/>
+          </p:nvSpPr>
+          <p:spPr>
+            <a:xfrm>
+              <a:off x="1147403" y="5712513"/>
+              <a:ext cx="98080" cy="169591"/>
+            </a:xfrm>
+            <a:prstGeom prst="rect">
+              <a:avLst/>
+            </a:prstGeom>
+            <a:solidFill>
+              <a:srgbClr val="00B050"/>
+            </a:solidFill>
+            <a:ln>
+              <a:solidFill>
+                <a:schemeClr val="bg1"/>
+              </a:solidFill>
+            </a:ln>
+            <a:effectLst/>
+          </p:spPr>
+          <p:style>
+            <a:lnRef idx="1">
+              <a:schemeClr val="accent3"/>
+            </a:lnRef>
+            <a:fillRef idx="2">
+              <a:schemeClr val="accent3"/>
+            </a:fillRef>
+            <a:effectRef idx="1">
+              <a:schemeClr val="accent3"/>
+            </a:effectRef>
+            <a:fontRef idx="minor">
+              <a:schemeClr val="dk1"/>
+            </a:fontRef>
+          </p:style>
+          <p:txBody>
+            <a:bodyPr rtlCol="0" anchor="ctr"/>
+            <a:lstStyle/>
+            <a:p>
+              <a:pPr algn="ctr"/>
+              <a:endParaRPr lang="en-SG" sz="1400">
+                <a:solidFill>
+                  <a:schemeClr val="dk1"/>
+                </a:solidFill>
+              </a:endParaRPr>
+            </a:p>
+          </p:txBody>
+        </p:sp>
+      </p:grpSp>
+      <p:sp>
+        <p:nvSpPr>
+          <p:cNvPr id="57" name="TextBox 56"/>
+          <p:cNvSpPr txBox="1"/>
+          <p:nvPr/>
+        </p:nvSpPr>
+        <p:spPr>
+          <a:xfrm>
+            <a:off x="194562" y="5444571"/>
+            <a:ext cx="794081" cy="430887"/>
+          </a:xfrm>
+          <a:prstGeom prst="rect">
+            <a:avLst/>
+          </a:prstGeom>
+          <a:noFill/>
+        </p:spPr>
+        <p:txBody>
+          <a:bodyPr wrap="square" lIns="0" tIns="0" rIns="0" bIns="0" rtlCol="0">
+            <a:spAutoFit/>
+          </a:bodyPr>
+          <a:lstStyle/>
+          <a:p>
+            <a:pPr algn="r"/>
+            <a:r>
+              <a:rPr lang="en-US" sz="1400" dirty="0">
+                <a:solidFill>
+                  <a:srgbClr val="00B050"/>
+                </a:solidFill>
+              </a:rPr>
+              <a:t>Update status bar</a:t>
+            </a:r>
+          </a:p>
+        </p:txBody>
+      </p:sp>
+      <p:grpSp>
+        <p:nvGrpSpPr>
+          <p:cNvPr id="58" name="Group 57"/>
+          <p:cNvGrpSpPr/>
+          <p:nvPr/>
+        </p:nvGrpSpPr>
+        <p:grpSpPr>
+          <a:xfrm flipH="1">
+            <a:off x="7936842" y="5335662"/>
+            <a:ext cx="217349" cy="270072"/>
+            <a:chOff x="1028134" y="5612032"/>
+            <a:chExt cx="217349" cy="270072"/>
+          </a:xfrm>
+        </p:grpSpPr>
+        <p:sp>
+          <p:nvSpPr>
+            <p:cNvPr id="59" name="Freeform 58"/>
+            <p:cNvSpPr/>
+            <p:nvPr/>
+          </p:nvSpPr>
+          <p:spPr>
+            <a:xfrm rot="2600998" flipH="1" flipV="1">
+              <a:off x="1028134" y="5612032"/>
+              <a:ext cx="167452" cy="116880"/>
+            </a:xfrm>
+            <a:custGeom>
+              <a:avLst/>
+              <a:gdLst>
+                <a:gd name="connsiteX0" fmla="*/ 0 w 226400"/>
+                <a:gd name="connsiteY0" fmla="*/ 32920 h 171466"/>
+                <a:gd name="connsiteX1" fmla="*/ 157018 w 226400"/>
+                <a:gd name="connsiteY1" fmla="*/ 5211 h 171466"/>
+                <a:gd name="connsiteX2" fmla="*/ 221673 w 226400"/>
+                <a:gd name="connsiteY2" fmla="*/ 125284 h 171466"/>
+                <a:gd name="connsiteX3" fmla="*/ 36945 w 226400"/>
+                <a:gd name="connsiteY3" fmla="*/ 171466 h 171466"/>
+              </a:gdLst>
+              <a:ahLst/>
+              <a:cxnLst>
+                <a:cxn ang="0">
+                  <a:pos x="connsiteX0" y="connsiteY0"/>
+                </a:cxn>
+                <a:cxn ang="0">
+                  <a:pos x="connsiteX1" y="connsiteY1"/>
+                </a:cxn>
+                <a:cxn ang="0">
+                  <a:pos x="connsiteX2" y="connsiteY2"/>
+                </a:cxn>
+                <a:cxn ang="0">
+                  <a:pos x="connsiteX3" y="connsiteY3"/>
+                </a:cxn>
+              </a:cxnLst>
+              <a:rect l="l" t="t" r="r" b="b"/>
+              <a:pathLst>
+                <a:path w="226400" h="171466">
+                  <a:moveTo>
+                    <a:pt x="0" y="32920"/>
+                  </a:moveTo>
+                  <a:cubicBezTo>
+                    <a:pt x="60036" y="11368"/>
+                    <a:pt x="120073" y="-10183"/>
+                    <a:pt x="157018" y="5211"/>
+                  </a:cubicBezTo>
+                  <a:cubicBezTo>
+                    <a:pt x="193963" y="20605"/>
+                    <a:pt x="241685" y="97575"/>
+                    <a:pt x="221673" y="125284"/>
+                  </a:cubicBezTo>
+                  <a:cubicBezTo>
+                    <a:pt x="201661" y="152993"/>
+                    <a:pt x="119303" y="162229"/>
+                    <a:pt x="36945" y="171466"/>
+                  </a:cubicBezTo>
+                </a:path>
+              </a:pathLst>
+            </a:custGeom>
+            <a:ln w="19050">
+              <a:solidFill>
+                <a:schemeClr val="accent6">
+                  <a:lumMod val="75000"/>
+                </a:schemeClr>
+              </a:solidFill>
+              <a:headEnd type="arrow" w="med" len="med"/>
+              <a:tailEnd type="none" w="med" len="med"/>
+            </a:ln>
+          </p:spPr>
+          <p:style>
+            <a:lnRef idx="1">
+              <a:schemeClr val="accent1"/>
+            </a:lnRef>
+            <a:fillRef idx="0">
+              <a:schemeClr val="accent1"/>
+            </a:fillRef>
+            <a:effectRef idx="0">
+              <a:schemeClr val="accent1"/>
+            </a:effectRef>
+            <a:fontRef idx="minor">
+              <a:schemeClr val="tx1"/>
+            </a:fontRef>
+          </p:style>
+          <p:txBody>
+            <a:bodyPr rtlCol="0" anchor="ctr"/>
+            <a:lstStyle/>
+            <a:p>
+              <a:pPr algn="ctr"/>
+              <a:endParaRPr lang="en-SG"/>
+            </a:p>
+          </p:txBody>
+        </p:sp>
+        <p:sp>
+          <p:nvSpPr>
+            <p:cNvPr id="60" name="Rectangle 59"/>
+            <p:cNvSpPr/>
+            <p:nvPr/>
+          </p:nvSpPr>
+          <p:spPr>
+            <a:xfrm>
+              <a:off x="1147403" y="5712513"/>
+              <a:ext cx="98080" cy="169591"/>
+            </a:xfrm>
+            <a:prstGeom prst="rect">
+              <a:avLst/>
+            </a:prstGeom>
+            <a:solidFill>
+              <a:schemeClr val="accent6">
+                <a:lumMod val="75000"/>
+              </a:schemeClr>
+            </a:solidFill>
+            <a:ln>
+              <a:solidFill>
+                <a:schemeClr val="bg1"/>
+              </a:solidFill>
+            </a:ln>
+            <a:effectLst/>
+          </p:spPr>
+          <p:style>
+            <a:lnRef idx="1">
+              <a:schemeClr val="accent3"/>
+            </a:lnRef>
+            <a:fillRef idx="2">
+              <a:schemeClr val="accent3"/>
+            </a:fillRef>
+            <a:effectRef idx="1">
+              <a:schemeClr val="accent3"/>
+            </a:effectRef>
+            <a:fontRef idx="minor">
+              <a:schemeClr val="dk1"/>
+            </a:fontRef>
+          </p:style>
+          <p:txBody>
+            <a:bodyPr rtlCol="0" anchor="ctr"/>
+            <a:lstStyle/>
+            <a:p>
+              <a:pPr algn="ctr"/>
+              <a:endParaRPr lang="en-SG" sz="1400">
+                <a:solidFill>
+                  <a:schemeClr val="dk1"/>
+                </a:solidFill>
+              </a:endParaRPr>
+            </a:p>
+          </p:txBody>
+        </p:sp>
+      </p:grpSp>
+      <p:sp>
+        <p:nvSpPr>
+          <p:cNvPr id="61" name="TextBox 60"/>
+          <p:cNvSpPr txBox="1"/>
+          <p:nvPr/>
+        </p:nvSpPr>
+        <p:spPr>
+          <a:xfrm>
+            <a:off x="8223953" y="5180992"/>
+            <a:ext cx="539047" cy="430887"/>
+          </a:xfrm>
+          <a:prstGeom prst="rect">
+            <a:avLst/>
+          </a:prstGeom>
+          <a:noFill/>
+        </p:spPr>
+        <p:txBody>
+          <a:bodyPr wrap="square" lIns="0" tIns="0" rIns="0" bIns="0" rtlCol="0">
+            <a:spAutoFit/>
+          </a:bodyPr>
+          <a:lstStyle/>
+          <a:p>
+            <a:r>
+              <a:rPr lang="en-US" sz="1400" dirty="0">
+                <a:solidFill>
+                  <a:schemeClr val="accent6">
+                    <a:lumMod val="75000"/>
+                  </a:schemeClr>
+                </a:solidFill>
+              </a:rPr>
+              <a:t>Save </a:t>
+            </a:r>
+            <a:br>
+              <a:rPr lang="en-US" sz="1400" dirty="0">
+                <a:solidFill>
+                  <a:schemeClr val="accent6">
+                    <a:lumMod val="75000"/>
+                  </a:schemeClr>
+                </a:solidFill>
+              </a:rPr>
+            </a:br>
+            <a:r>
+              <a:rPr lang="en-US" sz="1400" dirty="0">
+                <a:solidFill>
+                  <a:schemeClr val="accent6">
+                    <a:lumMod val="75000"/>
+                  </a:schemeClr>
+                </a:solidFill>
+              </a:rPr>
+              <a:t>to file</a:t>
+            </a:r>
+          </a:p>
+        </p:txBody>
+      </p:sp>
+      <p:grpSp>
+        <p:nvGrpSpPr>
           <p:cNvPr id="36" name="Group 35">
             <a:extLst>
               <a:ext uri="{FF2B5EF4-FFF2-40B4-BE49-F238E27FC236}">
@@ -32286,7 +36496,7 @@
 </p:sld>
 </file>
 
-<file path=ppt/slides/slide8.xml><?xml version="1.0" encoding="utf-8"?>
+<file path=ppt/slides/slide9.xml><?xml version="1.0" encoding="utf-8"?>
 <p:sld xmlns:a="http://schemas.openxmlformats.org/drawingml/2006/main" xmlns:r="http://schemas.openxmlformats.org/officeDocument/2006/relationships" xmlns:p="http://schemas.openxmlformats.org/presentationml/2006/main">
   <p:cSld>
     <p:spTree>

--- a/docs/diagrams/HighLevelSequenceDiagrams.pptx
+++ b/docs/diagrams/HighLevelSequenceDiagrams.pptx
@@ -107,6 +107,22 @@
       </a:defRPr>
     </a:lvl9pPr>
   </p:defaultTextStyle>
+  <p:extLst>
+    <p:ext uri="{EFAFB233-063F-42B5-8137-9DF3F51BA10A}">
+      <p15:sldGuideLst xmlns:p15="http://schemas.microsoft.com/office/powerpoint/2012/main">
+        <p15:guide id="1" orient="horz" pos="1488">
+          <p15:clr>
+            <a:srgbClr val="A4A3A4"/>
+          </p15:clr>
+        </p15:guide>
+        <p15:guide id="2" pos="2880">
+          <p15:clr>
+            <a:srgbClr val="A4A3A4"/>
+          </p15:clr>
+        </p15:guide>
+      </p15:sldGuideLst>
+    </p:ext>
+  </p:extLst>
 </p:presentation>
 </file>
 
@@ -192,7 +208,7 @@
           <a:p>
             <a:fld id="{F5CC4B3F-88C1-4FFA-B1B6-F41C21DC6924}" type="datetimeFigureOut">
               <a:rPr lang="en-US" smtClean="0"/>
-              <a:t>10/16/2016</a:t>
+              <a:t>11/11/2018</a:t>
             </a:fld>
             <a:endParaRPr lang="en-US"/>
           </a:p>
@@ -641,7 +657,7 @@
           <a:p>
             <a:fld id="{78C97017-6FC3-485B-9764-EAC9E56C1D49}" type="datetimeFigureOut">
               <a:rPr lang="en-US" smtClean="0"/>
-              <a:t>10/16/2016</a:t>
+              <a:t>11/11/2018</a:t>
             </a:fld>
             <a:endParaRPr lang="en-US"/>
           </a:p>
@@ -811,7 +827,7 @@
           <a:p>
             <a:fld id="{78C97017-6FC3-485B-9764-EAC9E56C1D49}" type="datetimeFigureOut">
               <a:rPr lang="en-US" smtClean="0"/>
-              <a:t>10/16/2016</a:t>
+              <a:t>11/11/2018</a:t>
             </a:fld>
             <a:endParaRPr lang="en-US"/>
           </a:p>
@@ -991,7 +1007,7 @@
           <a:p>
             <a:fld id="{78C97017-6FC3-485B-9764-EAC9E56C1D49}" type="datetimeFigureOut">
               <a:rPr lang="en-US" smtClean="0"/>
-              <a:t>10/16/2016</a:t>
+              <a:t>11/11/2018</a:t>
             </a:fld>
             <a:endParaRPr lang="en-US"/>
           </a:p>
@@ -1161,7 +1177,7 @@
           <a:p>
             <a:fld id="{78C97017-6FC3-485B-9764-EAC9E56C1D49}" type="datetimeFigureOut">
               <a:rPr lang="en-US" smtClean="0"/>
-              <a:t>10/16/2016</a:t>
+              <a:t>11/11/2018</a:t>
             </a:fld>
             <a:endParaRPr lang="en-US"/>
           </a:p>
@@ -1407,7 +1423,7 @@
           <a:p>
             <a:fld id="{78C97017-6FC3-485B-9764-EAC9E56C1D49}" type="datetimeFigureOut">
               <a:rPr lang="en-US" smtClean="0"/>
-              <a:t>10/16/2016</a:t>
+              <a:t>11/11/2018</a:t>
             </a:fld>
             <a:endParaRPr lang="en-US"/>
           </a:p>
@@ -1695,7 +1711,7 @@
           <a:p>
             <a:fld id="{78C97017-6FC3-485B-9764-EAC9E56C1D49}" type="datetimeFigureOut">
               <a:rPr lang="en-US" smtClean="0"/>
-              <a:t>10/16/2016</a:t>
+              <a:t>11/11/2018</a:t>
             </a:fld>
             <a:endParaRPr lang="en-US"/>
           </a:p>
@@ -2117,7 +2133,7 @@
           <a:p>
             <a:fld id="{78C97017-6FC3-485B-9764-EAC9E56C1D49}" type="datetimeFigureOut">
               <a:rPr lang="en-US" smtClean="0"/>
-              <a:t>10/16/2016</a:t>
+              <a:t>11/11/2018</a:t>
             </a:fld>
             <a:endParaRPr lang="en-US"/>
           </a:p>
@@ -2235,7 +2251,7 @@
           <a:p>
             <a:fld id="{78C97017-6FC3-485B-9764-EAC9E56C1D49}" type="datetimeFigureOut">
               <a:rPr lang="en-US" smtClean="0"/>
-              <a:t>10/16/2016</a:t>
+              <a:t>11/11/2018</a:t>
             </a:fld>
             <a:endParaRPr lang="en-US"/>
           </a:p>
@@ -2330,7 +2346,7 @@
           <a:p>
             <a:fld id="{78C97017-6FC3-485B-9764-EAC9E56C1D49}" type="datetimeFigureOut">
               <a:rPr lang="en-US" smtClean="0"/>
-              <a:t>10/16/2016</a:t>
+              <a:t>11/11/2018</a:t>
             </a:fld>
             <a:endParaRPr lang="en-US"/>
           </a:p>
@@ -2607,7 +2623,7 @@
           <a:p>
             <a:fld id="{78C97017-6FC3-485B-9764-EAC9E56C1D49}" type="datetimeFigureOut">
               <a:rPr lang="en-US" smtClean="0"/>
-              <a:t>10/16/2016</a:t>
+              <a:t>11/11/2018</a:t>
             </a:fld>
             <a:endParaRPr lang="en-US"/>
           </a:p>
@@ -2860,7 +2876,7 @@
           <a:p>
             <a:fld id="{78C97017-6FC3-485B-9764-EAC9E56C1D49}" type="datetimeFigureOut">
               <a:rPr lang="en-US" smtClean="0"/>
-              <a:t>10/16/2016</a:t>
+              <a:t>11/11/2018</a:t>
             </a:fld>
             <a:endParaRPr lang="en-US"/>
           </a:p>
@@ -3073,7 +3089,7 @@
           <a:p>
             <a:fld id="{78C97017-6FC3-485B-9764-EAC9E56C1D49}" type="datetimeFigureOut">
               <a:rPr lang="en-US" smtClean="0"/>
-              <a:t>10/16/2016</a:t>
+              <a:t>11/11/2018</a:t>
             </a:fld>
             <a:endParaRPr lang="en-US"/>
           </a:p>

--- a/docs/diagrams/HighLevelSequenceDiagrams.pptx
+++ b/docs/diagrams/HighLevelSequenceDiagrams.pptx
@@ -107,6 +107,22 @@
       </a:defRPr>
     </a:lvl9pPr>
   </p:defaultTextStyle>
+  <p:extLst>
+    <p:ext uri="{EFAFB233-063F-42B5-8137-9DF3F51BA10A}">
+      <p15:sldGuideLst xmlns:p15="http://schemas.microsoft.com/office/powerpoint/2012/main">
+        <p15:guide id="1" orient="horz" pos="1488">
+          <p15:clr>
+            <a:srgbClr val="A4A3A4"/>
+          </p15:clr>
+        </p15:guide>
+        <p15:guide id="2" pos="2880">
+          <p15:clr>
+            <a:srgbClr val="A4A3A4"/>
+          </p15:clr>
+        </p15:guide>
+      </p15:sldGuideLst>
+    </p:ext>
+  </p:extLst>
 </p:presentation>
 </file>
 
@@ -159,7 +175,7 @@
             </a:lvl1pPr>
           </a:lstStyle>
           <a:p>
-            <a:endParaRPr lang="en-US"/>
+            <a:endParaRPr lang="en-US" dirty="0"/>
           </a:p>
         </p:txBody>
       </p:sp>
@@ -192,9 +208,9 @@
           <a:p>
             <a:fld id="{F5CC4B3F-88C1-4FFA-B1B6-F41C21DC6924}" type="datetimeFigureOut">
               <a:rPr lang="en-US" smtClean="0"/>
-              <a:t>10/16/2016</a:t>
+              <a:t>11/11/2018</a:t>
             </a:fld>
-            <a:endParaRPr lang="en-US"/>
+            <a:endParaRPr lang="en-US" dirty="0"/>
           </a:p>
         </p:txBody>
       </p:sp>
@@ -227,7 +243,7 @@
           <a:bodyPr vert="horz" lIns="91440" tIns="45720" rIns="91440" bIns="45720" rtlCol="0" anchor="ctr"/>
           <a:lstStyle/>
           <a:p>
-            <a:endParaRPr lang="en-US"/>
+            <a:endParaRPr lang="en-US" dirty="0"/>
           </a:p>
         </p:txBody>
       </p:sp>
@@ -256,38 +272,37 @@
           <a:p>
             <a:pPr lvl="0"/>
             <a:r>
-              <a:rPr lang="en-US" smtClean="0"/>
+              <a:rPr lang="en-US"/>
               <a:t>Click to edit Master text styles</a:t>
             </a:r>
           </a:p>
           <a:p>
             <a:pPr lvl="1"/>
             <a:r>
-              <a:rPr lang="en-US" smtClean="0"/>
+              <a:rPr lang="en-US"/>
               <a:t>Second level</a:t>
             </a:r>
           </a:p>
           <a:p>
             <a:pPr lvl="2"/>
             <a:r>
-              <a:rPr lang="en-US" smtClean="0"/>
+              <a:rPr lang="en-US"/>
               <a:t>Third level</a:t>
             </a:r>
           </a:p>
           <a:p>
             <a:pPr lvl="3"/>
             <a:r>
-              <a:rPr lang="en-US" smtClean="0"/>
+              <a:rPr lang="en-US"/>
               <a:t>Fourth level</a:t>
             </a:r>
           </a:p>
           <a:p>
             <a:pPr lvl="4"/>
             <a:r>
-              <a:rPr lang="en-US" smtClean="0"/>
+              <a:rPr lang="en-US"/>
               <a:t>Fifth level</a:t>
             </a:r>
-            <a:endParaRPr lang="en-US"/>
           </a:p>
         </p:txBody>
       </p:sp>
@@ -318,7 +333,7 @@
             </a:lvl1pPr>
           </a:lstStyle>
           <a:p>
-            <a:endParaRPr lang="en-US"/>
+            <a:endParaRPr lang="en-US" dirty="0"/>
           </a:p>
         </p:txBody>
       </p:sp>
@@ -353,7 +368,7 @@
               <a:rPr lang="en-US" smtClean="0"/>
               <a:t>‹#›</a:t>
             </a:fld>
-            <a:endParaRPr lang="en-US"/>
+            <a:endParaRPr lang="en-US" dirty="0"/>
           </a:p>
         </p:txBody>
       </p:sp>
@@ -498,10 +513,9 @@
           <a:lstStyle/>
           <a:p>
             <a:r>
-              <a:rPr lang="en-US" smtClean="0"/>
+              <a:rPr lang="en-US"/>
               <a:t>Click to edit Master title style</a:t>
             </a:r>
-            <a:endParaRPr lang="en-US"/>
           </a:p>
         </p:txBody>
       </p:sp>
@@ -617,10 +631,9 @@
           </a:lstStyle>
           <a:p>
             <a:r>
-              <a:rPr lang="en-US" smtClean="0"/>
+              <a:rPr lang="en-US"/>
               <a:t>Click to edit Master subtitle style</a:t>
             </a:r>
-            <a:endParaRPr lang="en-US"/>
           </a:p>
         </p:txBody>
       </p:sp>
@@ -641,9 +654,9 @@
           <a:p>
             <a:fld id="{78C97017-6FC3-485B-9764-EAC9E56C1D49}" type="datetimeFigureOut">
               <a:rPr lang="en-US" smtClean="0"/>
-              <a:t>10/16/2016</a:t>
+              <a:t>11/11/2018</a:t>
             </a:fld>
-            <a:endParaRPr lang="en-US"/>
+            <a:endParaRPr lang="en-US" dirty="0"/>
           </a:p>
         </p:txBody>
       </p:sp>
@@ -662,7 +675,7 @@
           <a:bodyPr/>
           <a:lstStyle/>
           <a:p>
-            <a:endParaRPr lang="en-US"/>
+            <a:endParaRPr lang="en-US" dirty="0"/>
           </a:p>
         </p:txBody>
       </p:sp>
@@ -685,7 +698,7 @@
               <a:rPr lang="en-US" smtClean="0"/>
               <a:t>‹#›</a:t>
             </a:fld>
-            <a:endParaRPr lang="en-US"/>
+            <a:endParaRPr lang="en-US" dirty="0"/>
           </a:p>
         </p:txBody>
       </p:sp>
@@ -735,10 +748,9 @@
           <a:lstStyle/>
           <a:p>
             <a:r>
-              <a:rPr lang="en-US" smtClean="0"/>
+              <a:rPr lang="en-US"/>
               <a:t>Click to edit Master title style</a:t>
             </a:r>
-            <a:endParaRPr lang="en-US"/>
           </a:p>
         </p:txBody>
       </p:sp>
@@ -759,38 +771,37 @@
           <a:p>
             <a:pPr lvl="0"/>
             <a:r>
-              <a:rPr lang="en-US" smtClean="0"/>
+              <a:rPr lang="en-US"/>
               <a:t>Click to edit Master text styles</a:t>
             </a:r>
           </a:p>
           <a:p>
             <a:pPr lvl="1"/>
             <a:r>
-              <a:rPr lang="en-US" smtClean="0"/>
+              <a:rPr lang="en-US"/>
               <a:t>Second level</a:t>
             </a:r>
           </a:p>
           <a:p>
             <a:pPr lvl="2"/>
             <a:r>
-              <a:rPr lang="en-US" smtClean="0"/>
+              <a:rPr lang="en-US"/>
               <a:t>Third level</a:t>
             </a:r>
           </a:p>
           <a:p>
             <a:pPr lvl="3"/>
             <a:r>
-              <a:rPr lang="en-US" smtClean="0"/>
+              <a:rPr lang="en-US"/>
               <a:t>Fourth level</a:t>
             </a:r>
           </a:p>
           <a:p>
             <a:pPr lvl="4"/>
             <a:r>
-              <a:rPr lang="en-US" smtClean="0"/>
+              <a:rPr lang="en-US"/>
               <a:t>Fifth level</a:t>
             </a:r>
-            <a:endParaRPr lang="en-US"/>
           </a:p>
         </p:txBody>
       </p:sp>
@@ -811,9 +822,9 @@
           <a:p>
             <a:fld id="{78C97017-6FC3-485B-9764-EAC9E56C1D49}" type="datetimeFigureOut">
               <a:rPr lang="en-US" smtClean="0"/>
-              <a:t>10/16/2016</a:t>
+              <a:t>11/11/2018</a:t>
             </a:fld>
-            <a:endParaRPr lang="en-US"/>
+            <a:endParaRPr lang="en-US" dirty="0"/>
           </a:p>
         </p:txBody>
       </p:sp>
@@ -832,7 +843,7 @@
           <a:bodyPr/>
           <a:lstStyle/>
           <a:p>
-            <a:endParaRPr lang="en-US"/>
+            <a:endParaRPr lang="en-US" dirty="0"/>
           </a:p>
         </p:txBody>
       </p:sp>
@@ -855,7 +866,7 @@
               <a:rPr lang="en-US" smtClean="0"/>
               <a:t>‹#›</a:t>
             </a:fld>
-            <a:endParaRPr lang="en-US"/>
+            <a:endParaRPr lang="en-US" dirty="0"/>
           </a:p>
         </p:txBody>
       </p:sp>
@@ -910,10 +921,9 @@
           <a:lstStyle/>
           <a:p>
             <a:r>
-              <a:rPr lang="en-US" smtClean="0"/>
+              <a:rPr lang="en-US"/>
               <a:t>Click to edit Master title style</a:t>
             </a:r>
-            <a:endParaRPr lang="en-US"/>
           </a:p>
         </p:txBody>
       </p:sp>
@@ -939,38 +949,37 @@
           <a:p>
             <a:pPr lvl="0"/>
             <a:r>
-              <a:rPr lang="en-US" smtClean="0"/>
+              <a:rPr lang="en-US"/>
               <a:t>Click to edit Master text styles</a:t>
             </a:r>
           </a:p>
           <a:p>
             <a:pPr lvl="1"/>
             <a:r>
-              <a:rPr lang="en-US" smtClean="0"/>
+              <a:rPr lang="en-US"/>
               <a:t>Second level</a:t>
             </a:r>
           </a:p>
           <a:p>
             <a:pPr lvl="2"/>
             <a:r>
-              <a:rPr lang="en-US" smtClean="0"/>
+              <a:rPr lang="en-US"/>
               <a:t>Third level</a:t>
             </a:r>
           </a:p>
           <a:p>
             <a:pPr lvl="3"/>
             <a:r>
-              <a:rPr lang="en-US" smtClean="0"/>
+              <a:rPr lang="en-US"/>
               <a:t>Fourth level</a:t>
             </a:r>
           </a:p>
           <a:p>
             <a:pPr lvl="4"/>
             <a:r>
-              <a:rPr lang="en-US" smtClean="0"/>
+              <a:rPr lang="en-US"/>
               <a:t>Fifth level</a:t>
             </a:r>
-            <a:endParaRPr lang="en-US"/>
           </a:p>
         </p:txBody>
       </p:sp>
@@ -991,9 +1000,9 @@
           <a:p>
             <a:fld id="{78C97017-6FC3-485B-9764-EAC9E56C1D49}" type="datetimeFigureOut">
               <a:rPr lang="en-US" smtClean="0"/>
-              <a:t>10/16/2016</a:t>
+              <a:t>11/11/2018</a:t>
             </a:fld>
-            <a:endParaRPr lang="en-US"/>
+            <a:endParaRPr lang="en-US" dirty="0"/>
           </a:p>
         </p:txBody>
       </p:sp>
@@ -1012,7 +1021,7 @@
           <a:bodyPr/>
           <a:lstStyle/>
           <a:p>
-            <a:endParaRPr lang="en-US"/>
+            <a:endParaRPr lang="en-US" dirty="0"/>
           </a:p>
         </p:txBody>
       </p:sp>
@@ -1035,7 +1044,7 @@
               <a:rPr lang="en-US" smtClean="0"/>
               <a:t>‹#›</a:t>
             </a:fld>
-            <a:endParaRPr lang="en-US"/>
+            <a:endParaRPr lang="en-US" dirty="0"/>
           </a:p>
         </p:txBody>
       </p:sp>
@@ -1085,10 +1094,9 @@
           <a:lstStyle/>
           <a:p>
             <a:r>
-              <a:rPr lang="en-US" smtClean="0"/>
+              <a:rPr lang="en-US"/>
               <a:t>Click to edit Master title style</a:t>
             </a:r>
-            <a:endParaRPr lang="en-US"/>
           </a:p>
         </p:txBody>
       </p:sp>
@@ -1109,38 +1117,37 @@
           <a:p>
             <a:pPr lvl="0"/>
             <a:r>
-              <a:rPr lang="en-US" smtClean="0"/>
+              <a:rPr lang="en-US"/>
               <a:t>Click to edit Master text styles</a:t>
             </a:r>
           </a:p>
           <a:p>
             <a:pPr lvl="1"/>
             <a:r>
-              <a:rPr lang="en-US" smtClean="0"/>
+              <a:rPr lang="en-US"/>
               <a:t>Second level</a:t>
             </a:r>
           </a:p>
           <a:p>
             <a:pPr lvl="2"/>
             <a:r>
-              <a:rPr lang="en-US" smtClean="0"/>
+              <a:rPr lang="en-US"/>
               <a:t>Third level</a:t>
             </a:r>
           </a:p>
           <a:p>
             <a:pPr lvl="3"/>
             <a:r>
-              <a:rPr lang="en-US" smtClean="0"/>
+              <a:rPr lang="en-US"/>
               <a:t>Fourth level</a:t>
             </a:r>
           </a:p>
           <a:p>
             <a:pPr lvl="4"/>
             <a:r>
-              <a:rPr lang="en-US" smtClean="0"/>
+              <a:rPr lang="en-US"/>
               <a:t>Fifth level</a:t>
             </a:r>
-            <a:endParaRPr lang="en-US"/>
           </a:p>
         </p:txBody>
       </p:sp>
@@ -1161,9 +1168,9 @@
           <a:p>
             <a:fld id="{78C97017-6FC3-485B-9764-EAC9E56C1D49}" type="datetimeFigureOut">
               <a:rPr lang="en-US" smtClean="0"/>
-              <a:t>10/16/2016</a:t>
+              <a:t>11/11/2018</a:t>
             </a:fld>
-            <a:endParaRPr lang="en-US"/>
+            <a:endParaRPr lang="en-US" dirty="0"/>
           </a:p>
         </p:txBody>
       </p:sp>
@@ -1182,7 +1189,7 @@
           <a:bodyPr/>
           <a:lstStyle/>
           <a:p>
-            <a:endParaRPr lang="en-US"/>
+            <a:endParaRPr lang="en-US" dirty="0"/>
           </a:p>
         </p:txBody>
       </p:sp>
@@ -1205,7 +1212,7 @@
               <a:rPr lang="en-US" smtClean="0"/>
               <a:t>‹#›</a:t>
             </a:fld>
-            <a:endParaRPr lang="en-US"/>
+            <a:endParaRPr lang="en-US" dirty="0"/>
           </a:p>
         </p:txBody>
       </p:sp>
@@ -1264,10 +1271,9 @@
           </a:lstStyle>
           <a:p>
             <a:r>
-              <a:rPr lang="en-US" smtClean="0"/>
+              <a:rPr lang="en-US"/>
               <a:t>Click to edit Master title style</a:t>
             </a:r>
-            <a:endParaRPr lang="en-US"/>
           </a:p>
         </p:txBody>
       </p:sp>
@@ -1384,7 +1390,7 @@
           <a:p>
             <a:pPr lvl="0"/>
             <a:r>
-              <a:rPr lang="en-US" smtClean="0"/>
+              <a:rPr lang="en-US"/>
               <a:t>Click to edit Master text styles</a:t>
             </a:r>
           </a:p>
@@ -1407,9 +1413,9 @@
           <a:p>
             <a:fld id="{78C97017-6FC3-485B-9764-EAC9E56C1D49}" type="datetimeFigureOut">
               <a:rPr lang="en-US" smtClean="0"/>
-              <a:t>10/16/2016</a:t>
+              <a:t>11/11/2018</a:t>
             </a:fld>
-            <a:endParaRPr lang="en-US"/>
+            <a:endParaRPr lang="en-US" dirty="0"/>
           </a:p>
         </p:txBody>
       </p:sp>
@@ -1428,7 +1434,7 @@
           <a:bodyPr/>
           <a:lstStyle/>
           <a:p>
-            <a:endParaRPr lang="en-US"/>
+            <a:endParaRPr lang="en-US" dirty="0"/>
           </a:p>
         </p:txBody>
       </p:sp>
@@ -1451,7 +1457,7 @@
               <a:rPr lang="en-US" smtClean="0"/>
               <a:t>‹#›</a:t>
             </a:fld>
-            <a:endParaRPr lang="en-US"/>
+            <a:endParaRPr lang="en-US" dirty="0"/>
           </a:p>
         </p:txBody>
       </p:sp>
@@ -1501,10 +1507,9 @@
           <a:lstStyle/>
           <a:p>
             <a:r>
-              <a:rPr lang="en-US" smtClean="0"/>
+              <a:rPr lang="en-US"/>
               <a:t>Click to edit Master title style</a:t>
             </a:r>
-            <a:endParaRPr lang="en-US"/>
           </a:p>
         </p:txBody>
       </p:sp>
@@ -1558,38 +1563,37 @@
           <a:p>
             <a:pPr lvl="0"/>
             <a:r>
-              <a:rPr lang="en-US" smtClean="0"/>
+              <a:rPr lang="en-US"/>
               <a:t>Click to edit Master text styles</a:t>
             </a:r>
           </a:p>
           <a:p>
             <a:pPr lvl="1"/>
             <a:r>
-              <a:rPr lang="en-US" smtClean="0"/>
+              <a:rPr lang="en-US"/>
               <a:t>Second level</a:t>
             </a:r>
           </a:p>
           <a:p>
             <a:pPr lvl="2"/>
             <a:r>
-              <a:rPr lang="en-US" smtClean="0"/>
+              <a:rPr lang="en-US"/>
               <a:t>Third level</a:t>
             </a:r>
           </a:p>
           <a:p>
             <a:pPr lvl="3"/>
             <a:r>
-              <a:rPr lang="en-US" smtClean="0"/>
+              <a:rPr lang="en-US"/>
               <a:t>Fourth level</a:t>
             </a:r>
           </a:p>
           <a:p>
             <a:pPr lvl="4"/>
             <a:r>
-              <a:rPr lang="en-US" smtClean="0"/>
+              <a:rPr lang="en-US"/>
               <a:t>Fifth level</a:t>
             </a:r>
-            <a:endParaRPr lang="en-US"/>
           </a:p>
         </p:txBody>
       </p:sp>
@@ -1643,38 +1647,37 @@
           <a:p>
             <a:pPr lvl="0"/>
             <a:r>
-              <a:rPr lang="en-US" smtClean="0"/>
+              <a:rPr lang="en-US"/>
               <a:t>Click to edit Master text styles</a:t>
             </a:r>
           </a:p>
           <a:p>
             <a:pPr lvl="1"/>
             <a:r>
-              <a:rPr lang="en-US" smtClean="0"/>
+              <a:rPr lang="en-US"/>
               <a:t>Second level</a:t>
             </a:r>
           </a:p>
           <a:p>
             <a:pPr lvl="2"/>
             <a:r>
-              <a:rPr lang="en-US" smtClean="0"/>
+              <a:rPr lang="en-US"/>
               <a:t>Third level</a:t>
             </a:r>
           </a:p>
           <a:p>
             <a:pPr lvl="3"/>
             <a:r>
-              <a:rPr lang="en-US" smtClean="0"/>
+              <a:rPr lang="en-US"/>
               <a:t>Fourth level</a:t>
             </a:r>
           </a:p>
           <a:p>
             <a:pPr lvl="4"/>
             <a:r>
-              <a:rPr lang="en-US" smtClean="0"/>
+              <a:rPr lang="en-US"/>
               <a:t>Fifth level</a:t>
             </a:r>
-            <a:endParaRPr lang="en-US"/>
           </a:p>
         </p:txBody>
       </p:sp>
@@ -1695,9 +1698,9 @@
           <a:p>
             <a:fld id="{78C97017-6FC3-485B-9764-EAC9E56C1D49}" type="datetimeFigureOut">
               <a:rPr lang="en-US" smtClean="0"/>
-              <a:t>10/16/2016</a:t>
+              <a:t>11/11/2018</a:t>
             </a:fld>
-            <a:endParaRPr lang="en-US"/>
+            <a:endParaRPr lang="en-US" dirty="0"/>
           </a:p>
         </p:txBody>
       </p:sp>
@@ -1716,7 +1719,7 @@
           <a:bodyPr/>
           <a:lstStyle/>
           <a:p>
-            <a:endParaRPr lang="en-US"/>
+            <a:endParaRPr lang="en-US" dirty="0"/>
           </a:p>
         </p:txBody>
       </p:sp>
@@ -1739,7 +1742,7 @@
               <a:rPr lang="en-US" smtClean="0"/>
               <a:t>‹#›</a:t>
             </a:fld>
-            <a:endParaRPr lang="en-US"/>
+            <a:endParaRPr lang="en-US" dirty="0"/>
           </a:p>
         </p:txBody>
       </p:sp>
@@ -1793,10 +1796,9 @@
           </a:lstStyle>
           <a:p>
             <a:r>
-              <a:rPr lang="en-US" smtClean="0"/>
+              <a:rPr lang="en-US"/>
               <a:t>Click to edit Master title style</a:t>
             </a:r>
-            <a:endParaRPr lang="en-US"/>
           </a:p>
         </p:txBody>
       </p:sp>
@@ -1859,7 +1861,7 @@
           <a:p>
             <a:pPr lvl="0"/>
             <a:r>
-              <a:rPr lang="en-US" smtClean="0"/>
+              <a:rPr lang="en-US"/>
               <a:t>Click to edit Master text styles</a:t>
             </a:r>
           </a:p>
@@ -1915,38 +1917,37 @@
           <a:p>
             <a:pPr lvl="0"/>
             <a:r>
-              <a:rPr lang="en-US" smtClean="0"/>
+              <a:rPr lang="en-US"/>
               <a:t>Click to edit Master text styles</a:t>
             </a:r>
           </a:p>
           <a:p>
             <a:pPr lvl="1"/>
             <a:r>
-              <a:rPr lang="en-US" smtClean="0"/>
+              <a:rPr lang="en-US"/>
               <a:t>Second level</a:t>
             </a:r>
           </a:p>
           <a:p>
             <a:pPr lvl="2"/>
             <a:r>
-              <a:rPr lang="en-US" smtClean="0"/>
+              <a:rPr lang="en-US"/>
               <a:t>Third level</a:t>
             </a:r>
           </a:p>
           <a:p>
             <a:pPr lvl="3"/>
             <a:r>
-              <a:rPr lang="en-US" smtClean="0"/>
+              <a:rPr lang="en-US"/>
               <a:t>Fourth level</a:t>
             </a:r>
           </a:p>
           <a:p>
             <a:pPr lvl="4"/>
             <a:r>
-              <a:rPr lang="en-US" smtClean="0"/>
+              <a:rPr lang="en-US"/>
               <a:t>Fifth level</a:t>
             </a:r>
-            <a:endParaRPr lang="en-US"/>
           </a:p>
         </p:txBody>
       </p:sp>
@@ -2009,7 +2010,7 @@
           <a:p>
             <a:pPr lvl="0"/>
             <a:r>
-              <a:rPr lang="en-US" smtClean="0"/>
+              <a:rPr lang="en-US"/>
               <a:t>Click to edit Master text styles</a:t>
             </a:r>
           </a:p>
@@ -2065,38 +2066,37 @@
           <a:p>
             <a:pPr lvl="0"/>
             <a:r>
-              <a:rPr lang="en-US" smtClean="0"/>
+              <a:rPr lang="en-US"/>
               <a:t>Click to edit Master text styles</a:t>
             </a:r>
           </a:p>
           <a:p>
             <a:pPr lvl="1"/>
             <a:r>
-              <a:rPr lang="en-US" smtClean="0"/>
+              <a:rPr lang="en-US"/>
               <a:t>Second level</a:t>
             </a:r>
           </a:p>
           <a:p>
             <a:pPr lvl="2"/>
             <a:r>
-              <a:rPr lang="en-US" smtClean="0"/>
+              <a:rPr lang="en-US"/>
               <a:t>Third level</a:t>
             </a:r>
           </a:p>
           <a:p>
             <a:pPr lvl="3"/>
             <a:r>
-              <a:rPr lang="en-US" smtClean="0"/>
+              <a:rPr lang="en-US"/>
               <a:t>Fourth level</a:t>
             </a:r>
           </a:p>
           <a:p>
             <a:pPr lvl="4"/>
             <a:r>
-              <a:rPr lang="en-US" smtClean="0"/>
+              <a:rPr lang="en-US"/>
               <a:t>Fifth level</a:t>
             </a:r>
-            <a:endParaRPr lang="en-US"/>
           </a:p>
         </p:txBody>
       </p:sp>
@@ -2117,9 +2117,9 @@
           <a:p>
             <a:fld id="{78C97017-6FC3-485B-9764-EAC9E56C1D49}" type="datetimeFigureOut">
               <a:rPr lang="en-US" smtClean="0"/>
-              <a:t>10/16/2016</a:t>
+              <a:t>11/11/2018</a:t>
             </a:fld>
-            <a:endParaRPr lang="en-US"/>
+            <a:endParaRPr lang="en-US" dirty="0"/>
           </a:p>
         </p:txBody>
       </p:sp>
@@ -2138,7 +2138,7 @@
           <a:bodyPr/>
           <a:lstStyle/>
           <a:p>
-            <a:endParaRPr lang="en-US"/>
+            <a:endParaRPr lang="en-US" dirty="0"/>
           </a:p>
         </p:txBody>
       </p:sp>
@@ -2161,7 +2161,7 @@
               <a:rPr lang="en-US" smtClean="0"/>
               <a:t>‹#›</a:t>
             </a:fld>
-            <a:endParaRPr lang="en-US"/>
+            <a:endParaRPr lang="en-US" dirty="0"/>
           </a:p>
         </p:txBody>
       </p:sp>
@@ -2211,10 +2211,9 @@
           <a:lstStyle/>
           <a:p>
             <a:r>
-              <a:rPr lang="en-US" smtClean="0"/>
+              <a:rPr lang="en-US"/>
               <a:t>Click to edit Master title style</a:t>
             </a:r>
-            <a:endParaRPr lang="en-US"/>
           </a:p>
         </p:txBody>
       </p:sp>
@@ -2235,9 +2234,9 @@
           <a:p>
             <a:fld id="{78C97017-6FC3-485B-9764-EAC9E56C1D49}" type="datetimeFigureOut">
               <a:rPr lang="en-US" smtClean="0"/>
-              <a:t>10/16/2016</a:t>
+              <a:t>11/11/2018</a:t>
             </a:fld>
-            <a:endParaRPr lang="en-US"/>
+            <a:endParaRPr lang="en-US" dirty="0"/>
           </a:p>
         </p:txBody>
       </p:sp>
@@ -2256,7 +2255,7 @@
           <a:bodyPr/>
           <a:lstStyle/>
           <a:p>
-            <a:endParaRPr lang="en-US"/>
+            <a:endParaRPr lang="en-US" dirty="0"/>
           </a:p>
         </p:txBody>
       </p:sp>
@@ -2279,7 +2278,7 @@
               <a:rPr lang="en-US" smtClean="0"/>
               <a:t>‹#›</a:t>
             </a:fld>
-            <a:endParaRPr lang="en-US"/>
+            <a:endParaRPr lang="en-US" dirty="0"/>
           </a:p>
         </p:txBody>
       </p:sp>
@@ -2330,9 +2329,9 @@
           <a:p>
             <a:fld id="{78C97017-6FC3-485B-9764-EAC9E56C1D49}" type="datetimeFigureOut">
               <a:rPr lang="en-US" smtClean="0"/>
-              <a:t>10/16/2016</a:t>
+              <a:t>11/11/2018</a:t>
             </a:fld>
-            <a:endParaRPr lang="en-US"/>
+            <a:endParaRPr lang="en-US" dirty="0"/>
           </a:p>
         </p:txBody>
       </p:sp>
@@ -2351,7 +2350,7 @@
           <a:bodyPr/>
           <a:lstStyle/>
           <a:p>
-            <a:endParaRPr lang="en-US"/>
+            <a:endParaRPr lang="en-US" dirty="0"/>
           </a:p>
         </p:txBody>
       </p:sp>
@@ -2374,7 +2373,7 @@
               <a:rPr lang="en-US" smtClean="0"/>
               <a:t>‹#›</a:t>
             </a:fld>
-            <a:endParaRPr lang="en-US"/>
+            <a:endParaRPr lang="en-US" dirty="0"/>
           </a:p>
         </p:txBody>
       </p:sp>
@@ -2433,10 +2432,9 @@
           </a:lstStyle>
           <a:p>
             <a:r>
-              <a:rPr lang="en-US" smtClean="0"/>
+              <a:rPr lang="en-US"/>
               <a:t>Click to edit Master title style</a:t>
             </a:r>
-            <a:endParaRPr lang="en-US"/>
           </a:p>
         </p:txBody>
       </p:sp>
@@ -2490,38 +2488,37 @@
           <a:p>
             <a:pPr lvl="0"/>
             <a:r>
-              <a:rPr lang="en-US" smtClean="0"/>
+              <a:rPr lang="en-US"/>
               <a:t>Click to edit Master text styles</a:t>
             </a:r>
           </a:p>
           <a:p>
             <a:pPr lvl="1"/>
             <a:r>
-              <a:rPr lang="en-US" smtClean="0"/>
+              <a:rPr lang="en-US"/>
               <a:t>Second level</a:t>
             </a:r>
           </a:p>
           <a:p>
             <a:pPr lvl="2"/>
             <a:r>
-              <a:rPr lang="en-US" smtClean="0"/>
+              <a:rPr lang="en-US"/>
               <a:t>Third level</a:t>
             </a:r>
           </a:p>
           <a:p>
             <a:pPr lvl="3"/>
             <a:r>
-              <a:rPr lang="en-US" smtClean="0"/>
+              <a:rPr lang="en-US"/>
               <a:t>Fourth level</a:t>
             </a:r>
           </a:p>
           <a:p>
             <a:pPr lvl="4"/>
             <a:r>
-              <a:rPr lang="en-US" smtClean="0"/>
+              <a:rPr lang="en-US"/>
               <a:t>Fifth level</a:t>
             </a:r>
-            <a:endParaRPr lang="en-US"/>
           </a:p>
         </p:txBody>
       </p:sp>
@@ -2584,7 +2581,7 @@
           <a:p>
             <a:pPr lvl="0"/>
             <a:r>
-              <a:rPr lang="en-US" smtClean="0"/>
+              <a:rPr lang="en-US"/>
               <a:t>Click to edit Master text styles</a:t>
             </a:r>
           </a:p>
@@ -2607,9 +2604,9 @@
           <a:p>
             <a:fld id="{78C97017-6FC3-485B-9764-EAC9E56C1D49}" type="datetimeFigureOut">
               <a:rPr lang="en-US" smtClean="0"/>
-              <a:t>10/16/2016</a:t>
+              <a:t>11/11/2018</a:t>
             </a:fld>
-            <a:endParaRPr lang="en-US"/>
+            <a:endParaRPr lang="en-US" dirty="0"/>
           </a:p>
         </p:txBody>
       </p:sp>
@@ -2628,7 +2625,7 @@
           <a:bodyPr/>
           <a:lstStyle/>
           <a:p>
-            <a:endParaRPr lang="en-US"/>
+            <a:endParaRPr lang="en-US" dirty="0"/>
           </a:p>
         </p:txBody>
       </p:sp>
@@ -2651,7 +2648,7 @@
               <a:rPr lang="en-US" smtClean="0"/>
               <a:t>‹#›</a:t>
             </a:fld>
-            <a:endParaRPr lang="en-US"/>
+            <a:endParaRPr lang="en-US" dirty="0"/>
           </a:p>
         </p:txBody>
       </p:sp>
@@ -2710,10 +2707,9 @@
           </a:lstStyle>
           <a:p>
             <a:r>
-              <a:rPr lang="en-US" smtClean="0"/>
+              <a:rPr lang="en-US"/>
               <a:t>Click to edit Master title style</a:t>
             </a:r>
-            <a:endParaRPr lang="en-US"/>
           </a:p>
         </p:txBody>
       </p:sp>
@@ -2774,7 +2770,7 @@
             </a:lvl9pPr>
           </a:lstStyle>
           <a:p>
-            <a:endParaRPr lang="en-US"/>
+            <a:endParaRPr lang="en-US" dirty="0"/>
           </a:p>
         </p:txBody>
       </p:sp>
@@ -2837,7 +2833,7 @@
           <a:p>
             <a:pPr lvl="0"/>
             <a:r>
-              <a:rPr lang="en-US" smtClean="0"/>
+              <a:rPr lang="en-US"/>
               <a:t>Click to edit Master text styles</a:t>
             </a:r>
           </a:p>
@@ -2860,9 +2856,9 @@
           <a:p>
             <a:fld id="{78C97017-6FC3-485B-9764-EAC9E56C1D49}" type="datetimeFigureOut">
               <a:rPr lang="en-US" smtClean="0"/>
-              <a:t>10/16/2016</a:t>
+              <a:t>11/11/2018</a:t>
             </a:fld>
-            <a:endParaRPr lang="en-US"/>
+            <a:endParaRPr lang="en-US" dirty="0"/>
           </a:p>
         </p:txBody>
       </p:sp>
@@ -2881,7 +2877,7 @@
           <a:bodyPr/>
           <a:lstStyle/>
           <a:p>
-            <a:endParaRPr lang="en-US"/>
+            <a:endParaRPr lang="en-US" dirty="0"/>
           </a:p>
         </p:txBody>
       </p:sp>
@@ -2904,7 +2900,7 @@
               <a:rPr lang="en-US" smtClean="0"/>
               <a:t>‹#›</a:t>
             </a:fld>
-            <a:endParaRPr lang="en-US"/>
+            <a:endParaRPr lang="en-US" dirty="0"/>
           </a:p>
         </p:txBody>
       </p:sp>
@@ -2969,10 +2965,9 @@
           <a:lstStyle/>
           <a:p>
             <a:r>
-              <a:rPr lang="en-US" smtClean="0"/>
+              <a:rPr lang="en-US"/>
               <a:t>Click to edit Master title style</a:t>
             </a:r>
-            <a:endParaRPr lang="en-US"/>
           </a:p>
         </p:txBody>
       </p:sp>
@@ -3003,38 +2998,37 @@
           <a:p>
             <a:pPr lvl="0"/>
             <a:r>
-              <a:rPr lang="en-US" smtClean="0"/>
+              <a:rPr lang="en-US"/>
               <a:t>Click to edit Master text styles</a:t>
             </a:r>
           </a:p>
           <a:p>
             <a:pPr lvl="1"/>
             <a:r>
-              <a:rPr lang="en-US" smtClean="0"/>
+              <a:rPr lang="en-US"/>
               <a:t>Second level</a:t>
             </a:r>
           </a:p>
           <a:p>
             <a:pPr lvl="2"/>
             <a:r>
-              <a:rPr lang="en-US" smtClean="0"/>
+              <a:rPr lang="en-US"/>
               <a:t>Third level</a:t>
             </a:r>
           </a:p>
           <a:p>
             <a:pPr lvl="3"/>
             <a:r>
-              <a:rPr lang="en-US" smtClean="0"/>
+              <a:rPr lang="en-US"/>
               <a:t>Fourth level</a:t>
             </a:r>
           </a:p>
           <a:p>
             <a:pPr lvl="4"/>
             <a:r>
-              <a:rPr lang="en-US" smtClean="0"/>
+              <a:rPr lang="en-US"/>
               <a:t>Fifth level</a:t>
             </a:r>
-            <a:endParaRPr lang="en-US"/>
           </a:p>
         </p:txBody>
       </p:sp>
@@ -3073,9 +3067,9 @@
           <a:p>
             <a:fld id="{78C97017-6FC3-485B-9764-EAC9E56C1D49}" type="datetimeFigureOut">
               <a:rPr lang="en-US" smtClean="0"/>
-              <a:t>10/16/2016</a:t>
+              <a:t>11/11/2018</a:t>
             </a:fld>
-            <a:endParaRPr lang="en-US"/>
+            <a:endParaRPr lang="en-US" dirty="0"/>
           </a:p>
         </p:txBody>
       </p:sp>
@@ -3112,7 +3106,7 @@
             </a:lvl1pPr>
           </a:lstStyle>
           <a:p>
-            <a:endParaRPr lang="en-US"/>
+            <a:endParaRPr lang="en-US" dirty="0"/>
           </a:p>
         </p:txBody>
       </p:sp>
@@ -3153,7 +3147,7 @@
               <a:rPr lang="en-US" smtClean="0"/>
               <a:t>‹#›</a:t>
             </a:fld>
-            <a:endParaRPr lang="en-US"/>
+            <a:endParaRPr lang="en-US" dirty="0"/>
           </a:p>
         </p:txBody>
       </p:sp>
@@ -3492,7 +3486,7 @@
           <a:p>
             <a:pPr algn="ctr"/>
             <a:r>
-              <a:rPr lang="en-US" sz="1600" dirty="0" smtClean="0">
+              <a:rPr lang="en-US" sz="1600" dirty="0">
                 <a:solidFill>
                   <a:schemeClr val="bg1"/>
                 </a:solidFill>
@@ -3587,7 +3581,7 @@
           <a:lstStyle/>
           <a:p>
             <a:pPr algn="ctr"/>
-            <a:endParaRPr lang="en-SG" sz="1400">
+            <a:endParaRPr lang="en-SG" sz="1400" dirty="0">
               <a:solidFill>
                 <a:schemeClr val="dk1"/>
               </a:solidFill>
@@ -3654,7 +3648,7 @@
             <a:lstStyle/>
             <a:p>
               <a:pPr algn="ctr"/>
-              <a:endParaRPr lang="en-SG"/>
+              <a:endParaRPr lang="en-SG" dirty="0"/>
             </a:p>
           </p:txBody>
         </p:sp>
@@ -3771,7 +3765,7 @@
             <a:lstStyle/>
             <a:p>
               <a:pPr algn="ctr"/>
-              <a:endParaRPr lang="en-SG"/>
+              <a:endParaRPr lang="en-SG" dirty="0"/>
             </a:p>
           </p:txBody>
         </p:sp>
@@ -3856,7 +3850,7 @@
           <a:p>
             <a:pPr algn="ctr"/>
             <a:r>
-              <a:rPr lang="en-US" sz="1600" dirty="0" smtClean="0">
+              <a:rPr lang="en-US" sz="1600" dirty="0">
                 <a:solidFill>
                   <a:schemeClr val="bg1"/>
                 </a:solidFill>
@@ -3951,7 +3945,7 @@
           <a:lstStyle/>
           <a:p>
             <a:pPr algn="ctr"/>
-            <a:endParaRPr lang="en-SG" sz="1400">
+            <a:endParaRPr lang="en-SG" sz="1400" dirty="0">
               <a:solidFill>
                 <a:schemeClr val="dk1"/>
               </a:solidFill>
@@ -4003,7 +3997,7 @@
           <a:p>
             <a:pPr algn="ctr"/>
             <a:r>
-              <a:rPr lang="en-US" sz="1600" dirty="0" smtClean="0">
+              <a:rPr lang="en-US" sz="1600" dirty="0">
                 <a:solidFill>
                   <a:schemeClr val="bg1"/>
                 </a:solidFill>
@@ -4098,7 +4092,7 @@
           <a:lstStyle/>
           <a:p>
             <a:pPr algn="ctr"/>
-            <a:endParaRPr lang="en-SG" sz="1400">
+            <a:endParaRPr lang="en-SG" sz="1400" dirty="0">
               <a:solidFill>
                 <a:schemeClr val="dk1"/>
               </a:solidFill>
@@ -4165,10 +4159,9 @@
           <a:lstStyle/>
           <a:p>
             <a:r>
-              <a:rPr lang="en-US" sz="1400" dirty="0" smtClean="0"/>
+              <a:rPr lang="en-US" sz="1400" dirty="0"/>
               <a:t>delete 1</a:t>
             </a:r>
-            <a:endParaRPr lang="en-US" sz="1400" dirty="0"/>
           </a:p>
         </p:txBody>
       </p:sp>
@@ -4231,18 +4224,13 @@
           <a:lstStyle/>
           <a:p>
             <a:r>
-              <a:rPr lang="en-US" sz="1400" dirty="0" smtClean="0">
+              <a:rPr lang="en-US" sz="1400" dirty="0">
                 <a:solidFill>
                   <a:srgbClr val="0070C0"/>
                 </a:solidFill>
               </a:rPr>
               <a:t>execute(“delete 1”)</a:t>
             </a:r>
-            <a:endParaRPr lang="en-US" sz="1400" dirty="0">
-              <a:solidFill>
-                <a:srgbClr val="0070C0"/>
-              </a:solidFill>
-            </a:endParaRPr>
           </a:p>
         </p:txBody>
       </p:sp>
@@ -4305,26 +4293,13 @@
           <a:lstStyle/>
           <a:p>
             <a:r>
-              <a:rPr lang="en-US" sz="1400" dirty="0" err="1" smtClean="0">
+              <a:rPr lang="en-US" sz="1400" dirty="0">
                 <a:solidFill>
                   <a:srgbClr val="7030A0"/>
                 </a:solidFill>
               </a:rPr>
-              <a:t>deletePerson</a:t>
-            </a:r>
-            <a:r>
-              <a:rPr lang="en-US" sz="1400" dirty="0" smtClean="0">
-                <a:solidFill>
-                  <a:srgbClr val="7030A0"/>
-                </a:solidFill>
-              </a:rPr>
-              <a:t>(p)</a:t>
-            </a:r>
-            <a:endParaRPr lang="en-US" sz="1400" dirty="0">
-              <a:solidFill>
-                <a:srgbClr val="7030A0"/>
-              </a:solidFill>
-            </a:endParaRPr>
+              <a:t>deleteTask(t)</a:t>
+            </a:r>
           </a:p>
         </p:txBody>
       </p:sp>
@@ -4351,42 +4326,15 @@
           <a:lstStyle/>
           <a:p>
             <a:r>
-              <a:rPr lang="en-US" sz="1400" dirty="0" smtClean="0">
+              <a:rPr lang="en-US" sz="1400" dirty="0">
                 <a:solidFill>
                   <a:schemeClr val="accent5">
                     <a:lumMod val="75000"/>
                   </a:schemeClr>
                 </a:solidFill>
               </a:rPr>
-              <a:t>post(</a:t>
-            </a:r>
-            <a:r>
-              <a:rPr lang="en-US" sz="1400" dirty="0" err="1" smtClean="0">
-                <a:solidFill>
-                  <a:schemeClr val="accent5">
-                    <a:lumMod val="75000"/>
-                  </a:schemeClr>
-                </a:solidFill>
-              </a:rPr>
-              <a:t>AddressBookChangedEvent</a:t>
-            </a:r>
-            <a:r>
-              <a:rPr lang="en-US" sz="1400" dirty="0" smtClean="0">
-                <a:solidFill>
-                  <a:schemeClr val="accent5">
-                    <a:lumMod val="75000"/>
-                  </a:schemeClr>
-                </a:solidFill>
-              </a:rPr>
-              <a:t>)</a:t>
-            </a:r>
-            <a:endParaRPr lang="en-US" sz="1400" dirty="0">
-              <a:solidFill>
-                <a:schemeClr val="accent5">
-                  <a:lumMod val="75000"/>
-                </a:schemeClr>
-              </a:solidFill>
-            </a:endParaRPr>
+              <a:t>post(TodoListChangedEvent)</a:t>
+            </a:r>
           </a:p>
         </p:txBody>
       </p:sp>
@@ -4552,20 +4500,12 @@
           <a:p>
             <a:pPr algn="ctr"/>
             <a:r>
-              <a:rPr lang="en-US" sz="1600" dirty="0" smtClean="0">
+              <a:rPr lang="en-US" sz="1600" dirty="0">
                 <a:solidFill>
                   <a:schemeClr val="bg1"/>
                 </a:solidFill>
               </a:rPr>
-              <a:t>:</a:t>
-            </a:r>
-            <a:r>
-              <a:rPr lang="en-US" sz="1600" dirty="0" err="1" smtClean="0">
-                <a:solidFill>
-                  <a:schemeClr val="bg1"/>
-                </a:solidFill>
-              </a:rPr>
-              <a:t>EventsCenter</a:t>
+              <a:t>:EventsCenter</a:t>
             </a:r>
             <a:endParaRPr lang="en-SG" sz="1600" dirty="0">
               <a:solidFill>
@@ -4661,7 +4601,7 @@
           <a:lstStyle/>
           <a:p>
             <a:pPr algn="ctr"/>
-            <a:endParaRPr lang="en-SG" sz="1400">
+            <a:endParaRPr lang="en-SG" sz="1400" dirty="0">
               <a:solidFill>
                 <a:schemeClr val="dk1"/>
               </a:solidFill>
@@ -4793,7 +4733,7 @@
           <a:p>
             <a:pPr algn="ctr"/>
             <a:r>
-              <a:rPr lang="en-US" sz="1600" dirty="0" smtClean="0">
+              <a:rPr lang="en-US" sz="1600" dirty="0">
                 <a:solidFill>
                   <a:schemeClr val="bg1"/>
                 </a:solidFill>
@@ -4894,7 +4834,7 @@
           <a:lstStyle/>
           <a:p>
             <a:pPr algn="ctr"/>
-            <a:endParaRPr lang="en-SG" sz="1400">
+            <a:endParaRPr lang="en-SG" sz="1400" dirty="0">
               <a:solidFill>
                 <a:schemeClr val="dk1"/>
               </a:solidFill>
@@ -4925,42 +4865,15 @@
           <a:lstStyle/>
           <a:p>
             <a:r>
-              <a:rPr lang="en-US" sz="1400" dirty="0" smtClean="0">
+              <a:rPr lang="en-US" sz="1400" dirty="0">
                 <a:solidFill>
                   <a:schemeClr val="accent5">
                     <a:lumMod val="75000"/>
                   </a:schemeClr>
                 </a:solidFill>
               </a:rPr>
-              <a:t>post(</a:t>
-            </a:r>
-            <a:r>
-              <a:rPr lang="en-US" sz="1400" dirty="0" err="1" smtClean="0">
-                <a:solidFill>
-                  <a:schemeClr val="accent5">
-                    <a:lumMod val="75000"/>
-                  </a:schemeClr>
-                </a:solidFill>
-              </a:rPr>
-              <a:t>AddressBookChangedEvent</a:t>
-            </a:r>
-            <a:r>
-              <a:rPr lang="en-US" sz="1400" dirty="0" smtClean="0">
-                <a:solidFill>
-                  <a:schemeClr val="accent5">
-                    <a:lumMod val="75000"/>
-                  </a:schemeClr>
-                </a:solidFill>
-              </a:rPr>
-              <a:t>)</a:t>
-            </a:r>
-            <a:endParaRPr lang="en-US" sz="1400" dirty="0">
-              <a:solidFill>
-                <a:schemeClr val="accent5">
-                  <a:lumMod val="75000"/>
-                </a:schemeClr>
-              </a:solidFill>
-            </a:endParaRPr>
+              <a:t>post(TodoListChangedEvent)</a:t>
+            </a:r>
           </a:p>
         </p:txBody>
       </p:sp>
@@ -5052,20 +4965,12 @@
           <a:p>
             <a:pPr algn="ctr"/>
             <a:r>
-              <a:rPr lang="en-US" sz="1600" dirty="0" smtClean="0">
+              <a:rPr lang="en-US" sz="1600" dirty="0">
                 <a:solidFill>
                   <a:schemeClr val="bg1"/>
                 </a:solidFill>
               </a:rPr>
-              <a:t>:</a:t>
-            </a:r>
-            <a:r>
-              <a:rPr lang="en-US" sz="1600" dirty="0" err="1" smtClean="0">
-                <a:solidFill>
-                  <a:schemeClr val="bg1"/>
-                </a:solidFill>
-              </a:rPr>
-              <a:t>EventsCenter</a:t>
+              <a:t>:EventsCenter</a:t>
             </a:r>
             <a:endParaRPr lang="en-SG" sz="1600" dirty="0">
               <a:solidFill>
@@ -5161,7 +5066,7 @@
           <a:lstStyle/>
           <a:p>
             <a:pPr algn="ctr"/>
-            <a:endParaRPr lang="en-SG" sz="1400">
+            <a:endParaRPr lang="en-SG" sz="1400" dirty="0">
               <a:solidFill>
                 <a:schemeClr val="dk1"/>
               </a:solidFill>
@@ -5307,32 +5212,15 @@
           <a:lstStyle/>
           <a:p>
             <a:r>
-              <a:rPr lang="en-US" sz="1400" dirty="0" err="1" smtClean="0">
+              <a:rPr lang="en-US" sz="1400" dirty="0">
                 <a:solidFill>
                   <a:schemeClr val="accent6">
                     <a:lumMod val="75000"/>
                   </a:schemeClr>
                 </a:solidFill>
               </a:rPr>
-              <a:t>handleAddresssBookChangedEvent</a:t>
-            </a:r>
-            <a:r>
-              <a:rPr lang="en-US" sz="1400" dirty="0" smtClean="0">
-                <a:solidFill>
-                  <a:schemeClr val="accent6">
-                    <a:lumMod val="75000"/>
-                  </a:schemeClr>
-                </a:solidFill>
-              </a:rPr>
-              <a:t>()</a:t>
-            </a:r>
-            <a:endParaRPr lang="en-US" sz="1400" dirty="0">
-              <a:solidFill>
-                <a:schemeClr val="accent6">
-                  <a:lumMod val="75000"/>
-                </a:schemeClr>
-              </a:solidFill>
-            </a:endParaRPr>
+              <a:t>handleTodoListChangedEvent()</a:t>
+            </a:r>
           </a:p>
         </p:txBody>
       </p:sp>
@@ -5417,7 +5305,7 @@
           <a:p>
             <a:pPr algn="ctr"/>
             <a:r>
-              <a:rPr lang="en-US" sz="1600" dirty="0" smtClean="0">
+              <a:rPr lang="en-US" sz="1600" dirty="0">
                 <a:solidFill>
                   <a:schemeClr val="bg1"/>
                 </a:solidFill>
@@ -5512,7 +5400,7 @@
           <a:lstStyle/>
           <a:p>
             <a:pPr algn="ctr"/>
-            <a:endParaRPr lang="en-SG" sz="1400">
+            <a:endParaRPr lang="en-SG" sz="1400" dirty="0">
               <a:solidFill>
                 <a:schemeClr val="dk1"/>
               </a:solidFill>
@@ -5620,26 +5508,13 @@
           <a:lstStyle/>
           <a:p>
             <a:r>
-              <a:rPr lang="en-US" sz="1400" dirty="0" err="1" smtClean="0">
+              <a:rPr lang="en-US" sz="1400" dirty="0">
                 <a:solidFill>
                   <a:srgbClr val="00B050"/>
                 </a:solidFill>
               </a:rPr>
-              <a:t>handleAddresssBookChangedEvent</a:t>
-            </a:r>
-            <a:r>
-              <a:rPr lang="en-US" sz="1400" dirty="0" smtClean="0">
-                <a:solidFill>
-                  <a:srgbClr val="00B050"/>
-                </a:solidFill>
-              </a:rPr>
-              <a:t>()</a:t>
-            </a:r>
-            <a:endParaRPr lang="en-US" sz="1400" dirty="0">
-              <a:solidFill>
-                <a:srgbClr val="00B050"/>
-              </a:solidFill>
-            </a:endParaRPr>
+              <a:t>handleTodoListChangedEvent()</a:t>
+            </a:r>
           </a:p>
         </p:txBody>
       </p:sp>
@@ -5746,7 +5621,7 @@
             <a:lstStyle/>
             <a:p>
               <a:pPr algn="ctr"/>
-              <a:endParaRPr lang="en-SG"/>
+              <a:endParaRPr lang="en-SG" dirty="0"/>
             </a:p>
           </p:txBody>
         </p:sp>
@@ -5793,7 +5668,7 @@
             <a:lstStyle/>
             <a:p>
               <a:pPr algn="ctr"/>
-              <a:endParaRPr lang="en-SG" sz="1400">
+              <a:endParaRPr lang="en-SG" sz="1400" dirty="0">
                 <a:solidFill>
                   <a:schemeClr val="dk1"/>
                 </a:solidFill>
@@ -5826,18 +5701,13 @@
           <a:p>
             <a:pPr algn="r"/>
             <a:r>
-              <a:rPr lang="en-US" sz="1400" dirty="0" smtClean="0">
+              <a:rPr lang="en-US" sz="1400" dirty="0">
                 <a:solidFill>
                   <a:srgbClr val="00B050"/>
                 </a:solidFill>
               </a:rPr>
               <a:t>Update status bar</a:t>
             </a:r>
-            <a:endParaRPr lang="en-US" sz="1400" dirty="0">
-              <a:solidFill>
-                <a:srgbClr val="00B050"/>
-              </a:solidFill>
-            </a:endParaRPr>
           </a:p>
         </p:txBody>
       </p:sp>
@@ -5946,7 +5816,7 @@
             <a:lstStyle/>
             <a:p>
               <a:pPr algn="ctr"/>
-              <a:endParaRPr lang="en-SG"/>
+              <a:endParaRPr lang="en-SG" dirty="0"/>
             </a:p>
           </p:txBody>
         </p:sp>
@@ -5995,7 +5865,7 @@
             <a:lstStyle/>
             <a:p>
               <a:pPr algn="ctr"/>
-              <a:endParaRPr lang="en-SG" sz="1400">
+              <a:endParaRPr lang="en-SG" sz="1400" dirty="0">
                 <a:solidFill>
                   <a:schemeClr val="dk1"/>
                 </a:solidFill>
@@ -6027,7 +5897,7 @@
           <a:lstStyle/>
           <a:p>
             <a:r>
-              <a:rPr lang="en-US" sz="1400" dirty="0" smtClean="0">
+              <a:rPr lang="en-US" sz="1400" dirty="0">
                 <a:solidFill>
                   <a:schemeClr val="accent6">
                     <a:lumMod val="75000"/>
@@ -6037,7 +5907,7 @@
               <a:t>Save </a:t>
             </a:r>
             <a:br>
-              <a:rPr lang="en-US" sz="1400" dirty="0" smtClean="0">
+              <a:rPr lang="en-US" sz="1400" dirty="0">
                 <a:solidFill>
                   <a:schemeClr val="accent6">
                     <a:lumMod val="75000"/>
@@ -6046,7 +5916,7 @@
               </a:rPr>
             </a:br>
             <a:r>
-              <a:rPr lang="en-US" sz="1400" dirty="0" smtClean="0">
+              <a:rPr lang="en-US" sz="1400" dirty="0">
                 <a:solidFill>
                   <a:schemeClr val="accent6">
                     <a:lumMod val="75000"/>
@@ -6055,13 +5925,6 @@
               </a:rPr>
               <a:t>to file</a:t>
             </a:r>
-            <a:endParaRPr lang="en-US" sz="1400" dirty="0">
-              <a:solidFill>
-                <a:schemeClr val="accent6">
-                  <a:lumMod val="75000"/>
-                </a:schemeClr>
-              </a:solidFill>
-            </a:endParaRPr>
           </a:p>
         </p:txBody>
       </p:sp>

--- a/docs/diagrams/HighLevelSequenceDiagrams.pptx
+++ b/docs/diagrams/HighLevelSequenceDiagrams.pptx
@@ -5,10 +5,11 @@
     <p:sldMasterId id="2147483648" r:id="rId1"/>
   </p:sldMasterIdLst>
   <p:notesMasterIdLst>
-    <p:notesMasterId r:id="rId3"/>
+    <p:notesMasterId r:id="rId4"/>
   </p:notesMasterIdLst>
   <p:sldIdLst>
     <p:sldId id="266" r:id="rId2"/>
+    <p:sldId id="267" r:id="rId3"/>
   </p:sldIdLst>
   <p:sldSz cx="9144000" cy="6858000" type="screen4x3"/>
   <p:notesSz cx="6858000" cy="9144000"/>
@@ -107,6 +108,22 @@
       </a:defRPr>
     </a:lvl9pPr>
   </p:defaultTextStyle>
+  <p:extLst>
+    <p:ext uri="{EFAFB233-063F-42B5-8137-9DF3F51BA10A}">
+      <p15:sldGuideLst xmlns:p15="http://schemas.microsoft.com/office/powerpoint/2012/main">
+        <p15:guide id="1" orient="horz" pos="1488">
+          <p15:clr>
+            <a:srgbClr val="A4A3A4"/>
+          </p15:clr>
+        </p15:guide>
+        <p15:guide id="2" pos="2880">
+          <p15:clr>
+            <a:srgbClr val="A4A3A4"/>
+          </p15:clr>
+        </p15:guide>
+      </p15:sldGuideLst>
+    </p:ext>
+  </p:extLst>
 </p:presentation>
 </file>
 
@@ -192,7 +209,7 @@
           <a:p>
             <a:fld id="{F5CC4B3F-88C1-4FFA-B1B6-F41C21DC6924}" type="datetimeFigureOut">
               <a:rPr lang="en-US" smtClean="0"/>
-              <a:t>10/16/2016</a:t>
+              <a:t>11/11/2018</a:t>
             </a:fld>
             <a:endParaRPr lang="en-US"/>
           </a:p>
@@ -256,38 +273,37 @@
           <a:p>
             <a:pPr lvl="0"/>
             <a:r>
-              <a:rPr lang="en-US" smtClean="0"/>
+              <a:rPr lang="en-US"/>
               <a:t>Click to edit Master text styles</a:t>
             </a:r>
           </a:p>
           <a:p>
             <a:pPr lvl="1"/>
             <a:r>
-              <a:rPr lang="en-US" smtClean="0"/>
+              <a:rPr lang="en-US"/>
               <a:t>Second level</a:t>
             </a:r>
           </a:p>
           <a:p>
             <a:pPr lvl="2"/>
             <a:r>
-              <a:rPr lang="en-US" smtClean="0"/>
+              <a:rPr lang="en-US"/>
               <a:t>Third level</a:t>
             </a:r>
           </a:p>
           <a:p>
             <a:pPr lvl="3"/>
             <a:r>
-              <a:rPr lang="en-US" smtClean="0"/>
+              <a:rPr lang="en-US"/>
               <a:t>Fourth level</a:t>
             </a:r>
           </a:p>
           <a:p>
             <a:pPr lvl="4"/>
             <a:r>
-              <a:rPr lang="en-US" smtClean="0"/>
+              <a:rPr lang="en-US"/>
               <a:t>Fifth level</a:t>
             </a:r>
-            <a:endParaRPr lang="en-US"/>
           </a:p>
         </p:txBody>
       </p:sp>
@@ -498,10 +514,9 @@
           <a:lstStyle/>
           <a:p>
             <a:r>
-              <a:rPr lang="en-US" smtClean="0"/>
+              <a:rPr lang="en-US"/>
               <a:t>Click to edit Master title style</a:t>
             </a:r>
-            <a:endParaRPr lang="en-US"/>
           </a:p>
         </p:txBody>
       </p:sp>
@@ -617,10 +632,9 @@
           </a:lstStyle>
           <a:p>
             <a:r>
-              <a:rPr lang="en-US" smtClean="0"/>
+              <a:rPr lang="en-US"/>
               <a:t>Click to edit Master subtitle style</a:t>
             </a:r>
-            <a:endParaRPr lang="en-US"/>
           </a:p>
         </p:txBody>
       </p:sp>
@@ -641,7 +655,7 @@
           <a:p>
             <a:fld id="{78C97017-6FC3-485B-9764-EAC9E56C1D49}" type="datetimeFigureOut">
               <a:rPr lang="en-US" smtClean="0"/>
-              <a:t>10/16/2016</a:t>
+              <a:t>11/11/2018</a:t>
             </a:fld>
             <a:endParaRPr lang="en-US"/>
           </a:p>
@@ -735,10 +749,9 @@
           <a:lstStyle/>
           <a:p>
             <a:r>
-              <a:rPr lang="en-US" smtClean="0"/>
+              <a:rPr lang="en-US"/>
               <a:t>Click to edit Master title style</a:t>
             </a:r>
-            <a:endParaRPr lang="en-US"/>
           </a:p>
         </p:txBody>
       </p:sp>
@@ -759,38 +772,37 @@
           <a:p>
             <a:pPr lvl="0"/>
             <a:r>
-              <a:rPr lang="en-US" smtClean="0"/>
+              <a:rPr lang="en-US"/>
               <a:t>Click to edit Master text styles</a:t>
             </a:r>
           </a:p>
           <a:p>
             <a:pPr lvl="1"/>
             <a:r>
-              <a:rPr lang="en-US" smtClean="0"/>
+              <a:rPr lang="en-US"/>
               <a:t>Second level</a:t>
             </a:r>
           </a:p>
           <a:p>
             <a:pPr lvl="2"/>
             <a:r>
-              <a:rPr lang="en-US" smtClean="0"/>
+              <a:rPr lang="en-US"/>
               <a:t>Third level</a:t>
             </a:r>
           </a:p>
           <a:p>
             <a:pPr lvl="3"/>
             <a:r>
-              <a:rPr lang="en-US" smtClean="0"/>
+              <a:rPr lang="en-US"/>
               <a:t>Fourth level</a:t>
             </a:r>
           </a:p>
           <a:p>
             <a:pPr lvl="4"/>
             <a:r>
-              <a:rPr lang="en-US" smtClean="0"/>
+              <a:rPr lang="en-US"/>
               <a:t>Fifth level</a:t>
             </a:r>
-            <a:endParaRPr lang="en-US"/>
           </a:p>
         </p:txBody>
       </p:sp>
@@ -811,7 +823,7 @@
           <a:p>
             <a:fld id="{78C97017-6FC3-485B-9764-EAC9E56C1D49}" type="datetimeFigureOut">
               <a:rPr lang="en-US" smtClean="0"/>
-              <a:t>10/16/2016</a:t>
+              <a:t>11/11/2018</a:t>
             </a:fld>
             <a:endParaRPr lang="en-US"/>
           </a:p>
@@ -910,10 +922,9 @@
           <a:lstStyle/>
           <a:p>
             <a:r>
-              <a:rPr lang="en-US" smtClean="0"/>
+              <a:rPr lang="en-US"/>
               <a:t>Click to edit Master title style</a:t>
             </a:r>
-            <a:endParaRPr lang="en-US"/>
           </a:p>
         </p:txBody>
       </p:sp>
@@ -939,38 +950,37 @@
           <a:p>
             <a:pPr lvl="0"/>
             <a:r>
-              <a:rPr lang="en-US" smtClean="0"/>
+              <a:rPr lang="en-US"/>
               <a:t>Click to edit Master text styles</a:t>
             </a:r>
           </a:p>
           <a:p>
             <a:pPr lvl="1"/>
             <a:r>
-              <a:rPr lang="en-US" smtClean="0"/>
+              <a:rPr lang="en-US"/>
               <a:t>Second level</a:t>
             </a:r>
           </a:p>
           <a:p>
             <a:pPr lvl="2"/>
             <a:r>
-              <a:rPr lang="en-US" smtClean="0"/>
+              <a:rPr lang="en-US"/>
               <a:t>Third level</a:t>
             </a:r>
           </a:p>
           <a:p>
             <a:pPr lvl="3"/>
             <a:r>
-              <a:rPr lang="en-US" smtClean="0"/>
+              <a:rPr lang="en-US"/>
               <a:t>Fourth level</a:t>
             </a:r>
           </a:p>
           <a:p>
             <a:pPr lvl="4"/>
             <a:r>
-              <a:rPr lang="en-US" smtClean="0"/>
+              <a:rPr lang="en-US"/>
               <a:t>Fifth level</a:t>
             </a:r>
-            <a:endParaRPr lang="en-US"/>
           </a:p>
         </p:txBody>
       </p:sp>
@@ -991,7 +1001,7 @@
           <a:p>
             <a:fld id="{78C97017-6FC3-485B-9764-EAC9E56C1D49}" type="datetimeFigureOut">
               <a:rPr lang="en-US" smtClean="0"/>
-              <a:t>10/16/2016</a:t>
+              <a:t>11/11/2018</a:t>
             </a:fld>
             <a:endParaRPr lang="en-US"/>
           </a:p>
@@ -1085,10 +1095,9 @@
           <a:lstStyle/>
           <a:p>
             <a:r>
-              <a:rPr lang="en-US" smtClean="0"/>
+              <a:rPr lang="en-US"/>
               <a:t>Click to edit Master title style</a:t>
             </a:r>
-            <a:endParaRPr lang="en-US"/>
           </a:p>
         </p:txBody>
       </p:sp>
@@ -1109,38 +1118,37 @@
           <a:p>
             <a:pPr lvl="0"/>
             <a:r>
-              <a:rPr lang="en-US" smtClean="0"/>
+              <a:rPr lang="en-US"/>
               <a:t>Click to edit Master text styles</a:t>
             </a:r>
           </a:p>
           <a:p>
             <a:pPr lvl="1"/>
             <a:r>
-              <a:rPr lang="en-US" smtClean="0"/>
+              <a:rPr lang="en-US"/>
               <a:t>Second level</a:t>
             </a:r>
           </a:p>
           <a:p>
             <a:pPr lvl="2"/>
             <a:r>
-              <a:rPr lang="en-US" smtClean="0"/>
+              <a:rPr lang="en-US"/>
               <a:t>Third level</a:t>
             </a:r>
           </a:p>
           <a:p>
             <a:pPr lvl="3"/>
             <a:r>
-              <a:rPr lang="en-US" smtClean="0"/>
+              <a:rPr lang="en-US"/>
               <a:t>Fourth level</a:t>
             </a:r>
           </a:p>
           <a:p>
             <a:pPr lvl="4"/>
             <a:r>
-              <a:rPr lang="en-US" smtClean="0"/>
+              <a:rPr lang="en-US"/>
               <a:t>Fifth level</a:t>
             </a:r>
-            <a:endParaRPr lang="en-US"/>
           </a:p>
         </p:txBody>
       </p:sp>
@@ -1161,7 +1169,7 @@
           <a:p>
             <a:fld id="{78C97017-6FC3-485B-9764-EAC9E56C1D49}" type="datetimeFigureOut">
               <a:rPr lang="en-US" smtClean="0"/>
-              <a:t>10/16/2016</a:t>
+              <a:t>11/11/2018</a:t>
             </a:fld>
             <a:endParaRPr lang="en-US"/>
           </a:p>
@@ -1264,10 +1272,9 @@
           </a:lstStyle>
           <a:p>
             <a:r>
-              <a:rPr lang="en-US" smtClean="0"/>
+              <a:rPr lang="en-US"/>
               <a:t>Click to edit Master title style</a:t>
             </a:r>
-            <a:endParaRPr lang="en-US"/>
           </a:p>
         </p:txBody>
       </p:sp>
@@ -1384,7 +1391,7 @@
           <a:p>
             <a:pPr lvl="0"/>
             <a:r>
-              <a:rPr lang="en-US" smtClean="0"/>
+              <a:rPr lang="en-US"/>
               <a:t>Click to edit Master text styles</a:t>
             </a:r>
           </a:p>
@@ -1407,7 +1414,7 @@
           <a:p>
             <a:fld id="{78C97017-6FC3-485B-9764-EAC9E56C1D49}" type="datetimeFigureOut">
               <a:rPr lang="en-US" smtClean="0"/>
-              <a:t>10/16/2016</a:t>
+              <a:t>11/11/2018</a:t>
             </a:fld>
             <a:endParaRPr lang="en-US"/>
           </a:p>
@@ -1501,10 +1508,9 @@
           <a:lstStyle/>
           <a:p>
             <a:r>
-              <a:rPr lang="en-US" smtClean="0"/>
+              <a:rPr lang="en-US"/>
               <a:t>Click to edit Master title style</a:t>
             </a:r>
-            <a:endParaRPr lang="en-US"/>
           </a:p>
         </p:txBody>
       </p:sp>
@@ -1558,38 +1564,37 @@
           <a:p>
             <a:pPr lvl="0"/>
             <a:r>
-              <a:rPr lang="en-US" smtClean="0"/>
+              <a:rPr lang="en-US"/>
               <a:t>Click to edit Master text styles</a:t>
             </a:r>
           </a:p>
           <a:p>
             <a:pPr lvl="1"/>
             <a:r>
-              <a:rPr lang="en-US" smtClean="0"/>
+              <a:rPr lang="en-US"/>
               <a:t>Second level</a:t>
             </a:r>
           </a:p>
           <a:p>
             <a:pPr lvl="2"/>
             <a:r>
-              <a:rPr lang="en-US" smtClean="0"/>
+              <a:rPr lang="en-US"/>
               <a:t>Third level</a:t>
             </a:r>
           </a:p>
           <a:p>
             <a:pPr lvl="3"/>
             <a:r>
-              <a:rPr lang="en-US" smtClean="0"/>
+              <a:rPr lang="en-US"/>
               <a:t>Fourth level</a:t>
             </a:r>
           </a:p>
           <a:p>
             <a:pPr lvl="4"/>
             <a:r>
-              <a:rPr lang="en-US" smtClean="0"/>
+              <a:rPr lang="en-US"/>
               <a:t>Fifth level</a:t>
             </a:r>
-            <a:endParaRPr lang="en-US"/>
           </a:p>
         </p:txBody>
       </p:sp>
@@ -1643,38 +1648,37 @@
           <a:p>
             <a:pPr lvl="0"/>
             <a:r>
-              <a:rPr lang="en-US" smtClean="0"/>
+              <a:rPr lang="en-US"/>
               <a:t>Click to edit Master text styles</a:t>
             </a:r>
           </a:p>
           <a:p>
             <a:pPr lvl="1"/>
             <a:r>
-              <a:rPr lang="en-US" smtClean="0"/>
+              <a:rPr lang="en-US"/>
               <a:t>Second level</a:t>
             </a:r>
           </a:p>
           <a:p>
             <a:pPr lvl="2"/>
             <a:r>
-              <a:rPr lang="en-US" smtClean="0"/>
+              <a:rPr lang="en-US"/>
               <a:t>Third level</a:t>
             </a:r>
           </a:p>
           <a:p>
             <a:pPr lvl="3"/>
             <a:r>
-              <a:rPr lang="en-US" smtClean="0"/>
+              <a:rPr lang="en-US"/>
               <a:t>Fourth level</a:t>
             </a:r>
           </a:p>
           <a:p>
             <a:pPr lvl="4"/>
             <a:r>
-              <a:rPr lang="en-US" smtClean="0"/>
+              <a:rPr lang="en-US"/>
               <a:t>Fifth level</a:t>
             </a:r>
-            <a:endParaRPr lang="en-US"/>
           </a:p>
         </p:txBody>
       </p:sp>
@@ -1695,7 +1699,7 @@
           <a:p>
             <a:fld id="{78C97017-6FC3-485B-9764-EAC9E56C1D49}" type="datetimeFigureOut">
               <a:rPr lang="en-US" smtClean="0"/>
-              <a:t>10/16/2016</a:t>
+              <a:t>11/11/2018</a:t>
             </a:fld>
             <a:endParaRPr lang="en-US"/>
           </a:p>
@@ -1793,10 +1797,9 @@
           </a:lstStyle>
           <a:p>
             <a:r>
-              <a:rPr lang="en-US" smtClean="0"/>
+              <a:rPr lang="en-US"/>
               <a:t>Click to edit Master title style</a:t>
             </a:r>
-            <a:endParaRPr lang="en-US"/>
           </a:p>
         </p:txBody>
       </p:sp>
@@ -1859,7 +1862,7 @@
           <a:p>
             <a:pPr lvl="0"/>
             <a:r>
-              <a:rPr lang="en-US" smtClean="0"/>
+              <a:rPr lang="en-US"/>
               <a:t>Click to edit Master text styles</a:t>
             </a:r>
           </a:p>
@@ -1915,38 +1918,37 @@
           <a:p>
             <a:pPr lvl="0"/>
             <a:r>
-              <a:rPr lang="en-US" smtClean="0"/>
+              <a:rPr lang="en-US"/>
               <a:t>Click to edit Master text styles</a:t>
             </a:r>
           </a:p>
           <a:p>
             <a:pPr lvl="1"/>
             <a:r>
-              <a:rPr lang="en-US" smtClean="0"/>
+              <a:rPr lang="en-US"/>
               <a:t>Second level</a:t>
             </a:r>
           </a:p>
           <a:p>
             <a:pPr lvl="2"/>
             <a:r>
-              <a:rPr lang="en-US" smtClean="0"/>
+              <a:rPr lang="en-US"/>
               <a:t>Third level</a:t>
             </a:r>
           </a:p>
           <a:p>
             <a:pPr lvl="3"/>
             <a:r>
-              <a:rPr lang="en-US" smtClean="0"/>
+              <a:rPr lang="en-US"/>
               <a:t>Fourth level</a:t>
             </a:r>
           </a:p>
           <a:p>
             <a:pPr lvl="4"/>
             <a:r>
-              <a:rPr lang="en-US" smtClean="0"/>
+              <a:rPr lang="en-US"/>
               <a:t>Fifth level</a:t>
             </a:r>
-            <a:endParaRPr lang="en-US"/>
           </a:p>
         </p:txBody>
       </p:sp>
@@ -2009,7 +2011,7 @@
           <a:p>
             <a:pPr lvl="0"/>
             <a:r>
-              <a:rPr lang="en-US" smtClean="0"/>
+              <a:rPr lang="en-US"/>
               <a:t>Click to edit Master text styles</a:t>
             </a:r>
           </a:p>
@@ -2065,38 +2067,37 @@
           <a:p>
             <a:pPr lvl="0"/>
             <a:r>
-              <a:rPr lang="en-US" smtClean="0"/>
+              <a:rPr lang="en-US"/>
               <a:t>Click to edit Master text styles</a:t>
             </a:r>
           </a:p>
           <a:p>
             <a:pPr lvl="1"/>
             <a:r>
-              <a:rPr lang="en-US" smtClean="0"/>
+              <a:rPr lang="en-US"/>
               <a:t>Second level</a:t>
             </a:r>
           </a:p>
           <a:p>
             <a:pPr lvl="2"/>
             <a:r>
-              <a:rPr lang="en-US" smtClean="0"/>
+              <a:rPr lang="en-US"/>
               <a:t>Third level</a:t>
             </a:r>
           </a:p>
           <a:p>
             <a:pPr lvl="3"/>
             <a:r>
-              <a:rPr lang="en-US" smtClean="0"/>
+              <a:rPr lang="en-US"/>
               <a:t>Fourth level</a:t>
             </a:r>
           </a:p>
           <a:p>
             <a:pPr lvl="4"/>
             <a:r>
-              <a:rPr lang="en-US" smtClean="0"/>
+              <a:rPr lang="en-US"/>
               <a:t>Fifth level</a:t>
             </a:r>
-            <a:endParaRPr lang="en-US"/>
           </a:p>
         </p:txBody>
       </p:sp>
@@ -2117,7 +2118,7 @@
           <a:p>
             <a:fld id="{78C97017-6FC3-485B-9764-EAC9E56C1D49}" type="datetimeFigureOut">
               <a:rPr lang="en-US" smtClean="0"/>
-              <a:t>10/16/2016</a:t>
+              <a:t>11/11/2018</a:t>
             </a:fld>
             <a:endParaRPr lang="en-US"/>
           </a:p>
@@ -2211,10 +2212,9 @@
           <a:lstStyle/>
           <a:p>
             <a:r>
-              <a:rPr lang="en-US" smtClean="0"/>
+              <a:rPr lang="en-US"/>
               <a:t>Click to edit Master title style</a:t>
             </a:r>
-            <a:endParaRPr lang="en-US"/>
           </a:p>
         </p:txBody>
       </p:sp>
@@ -2235,7 +2235,7 @@
           <a:p>
             <a:fld id="{78C97017-6FC3-485B-9764-EAC9E56C1D49}" type="datetimeFigureOut">
               <a:rPr lang="en-US" smtClean="0"/>
-              <a:t>10/16/2016</a:t>
+              <a:t>11/11/2018</a:t>
             </a:fld>
             <a:endParaRPr lang="en-US"/>
           </a:p>
@@ -2330,7 +2330,7 @@
           <a:p>
             <a:fld id="{78C97017-6FC3-485B-9764-EAC9E56C1D49}" type="datetimeFigureOut">
               <a:rPr lang="en-US" smtClean="0"/>
-              <a:t>10/16/2016</a:t>
+              <a:t>11/11/2018</a:t>
             </a:fld>
             <a:endParaRPr lang="en-US"/>
           </a:p>
@@ -2433,10 +2433,9 @@
           </a:lstStyle>
           <a:p>
             <a:r>
-              <a:rPr lang="en-US" smtClean="0"/>
+              <a:rPr lang="en-US"/>
               <a:t>Click to edit Master title style</a:t>
             </a:r>
-            <a:endParaRPr lang="en-US"/>
           </a:p>
         </p:txBody>
       </p:sp>
@@ -2490,38 +2489,37 @@
           <a:p>
             <a:pPr lvl="0"/>
             <a:r>
-              <a:rPr lang="en-US" smtClean="0"/>
+              <a:rPr lang="en-US"/>
               <a:t>Click to edit Master text styles</a:t>
             </a:r>
           </a:p>
           <a:p>
             <a:pPr lvl="1"/>
             <a:r>
-              <a:rPr lang="en-US" smtClean="0"/>
+              <a:rPr lang="en-US"/>
               <a:t>Second level</a:t>
             </a:r>
           </a:p>
           <a:p>
             <a:pPr lvl="2"/>
             <a:r>
-              <a:rPr lang="en-US" smtClean="0"/>
+              <a:rPr lang="en-US"/>
               <a:t>Third level</a:t>
             </a:r>
           </a:p>
           <a:p>
             <a:pPr lvl="3"/>
             <a:r>
-              <a:rPr lang="en-US" smtClean="0"/>
+              <a:rPr lang="en-US"/>
               <a:t>Fourth level</a:t>
             </a:r>
           </a:p>
           <a:p>
             <a:pPr lvl="4"/>
             <a:r>
-              <a:rPr lang="en-US" smtClean="0"/>
+              <a:rPr lang="en-US"/>
               <a:t>Fifth level</a:t>
             </a:r>
-            <a:endParaRPr lang="en-US"/>
           </a:p>
         </p:txBody>
       </p:sp>
@@ -2584,7 +2582,7 @@
           <a:p>
             <a:pPr lvl="0"/>
             <a:r>
-              <a:rPr lang="en-US" smtClean="0"/>
+              <a:rPr lang="en-US"/>
               <a:t>Click to edit Master text styles</a:t>
             </a:r>
           </a:p>
@@ -2607,7 +2605,7 @@
           <a:p>
             <a:fld id="{78C97017-6FC3-485B-9764-EAC9E56C1D49}" type="datetimeFigureOut">
               <a:rPr lang="en-US" smtClean="0"/>
-              <a:t>10/16/2016</a:t>
+              <a:t>11/11/2018</a:t>
             </a:fld>
             <a:endParaRPr lang="en-US"/>
           </a:p>
@@ -2710,10 +2708,9 @@
           </a:lstStyle>
           <a:p>
             <a:r>
-              <a:rPr lang="en-US" smtClean="0"/>
+              <a:rPr lang="en-US"/>
               <a:t>Click to edit Master title style</a:t>
             </a:r>
-            <a:endParaRPr lang="en-US"/>
           </a:p>
         </p:txBody>
       </p:sp>
@@ -2837,7 +2834,7 @@
           <a:p>
             <a:pPr lvl="0"/>
             <a:r>
-              <a:rPr lang="en-US" smtClean="0"/>
+              <a:rPr lang="en-US"/>
               <a:t>Click to edit Master text styles</a:t>
             </a:r>
           </a:p>
@@ -2860,7 +2857,7 @@
           <a:p>
             <a:fld id="{78C97017-6FC3-485B-9764-EAC9E56C1D49}" type="datetimeFigureOut">
               <a:rPr lang="en-US" smtClean="0"/>
-              <a:t>10/16/2016</a:t>
+              <a:t>11/11/2018</a:t>
             </a:fld>
             <a:endParaRPr lang="en-US"/>
           </a:p>
@@ -2969,10 +2966,9 @@
           <a:lstStyle/>
           <a:p>
             <a:r>
-              <a:rPr lang="en-US" smtClean="0"/>
+              <a:rPr lang="en-US"/>
               <a:t>Click to edit Master title style</a:t>
             </a:r>
-            <a:endParaRPr lang="en-US"/>
           </a:p>
         </p:txBody>
       </p:sp>
@@ -3003,38 +2999,37 @@
           <a:p>
             <a:pPr lvl="0"/>
             <a:r>
-              <a:rPr lang="en-US" smtClean="0"/>
+              <a:rPr lang="en-US"/>
               <a:t>Click to edit Master text styles</a:t>
             </a:r>
           </a:p>
           <a:p>
             <a:pPr lvl="1"/>
             <a:r>
-              <a:rPr lang="en-US" smtClean="0"/>
+              <a:rPr lang="en-US"/>
               <a:t>Second level</a:t>
             </a:r>
           </a:p>
           <a:p>
             <a:pPr lvl="2"/>
             <a:r>
-              <a:rPr lang="en-US" smtClean="0"/>
+              <a:rPr lang="en-US"/>
               <a:t>Third level</a:t>
             </a:r>
           </a:p>
           <a:p>
             <a:pPr lvl="3"/>
             <a:r>
-              <a:rPr lang="en-US" smtClean="0"/>
+              <a:rPr lang="en-US"/>
               <a:t>Fourth level</a:t>
             </a:r>
           </a:p>
           <a:p>
             <a:pPr lvl="4"/>
             <a:r>
-              <a:rPr lang="en-US" smtClean="0"/>
+              <a:rPr lang="en-US"/>
               <a:t>Fifth level</a:t>
             </a:r>
-            <a:endParaRPr lang="en-US"/>
           </a:p>
         </p:txBody>
       </p:sp>
@@ -3073,7 +3068,7 @@
           <a:p>
             <a:fld id="{78C97017-6FC3-485B-9764-EAC9E56C1D49}" type="datetimeFigureOut">
               <a:rPr lang="en-US" smtClean="0"/>
-              <a:t>10/16/2016</a:t>
+              <a:t>11/11/2018</a:t>
             </a:fld>
             <a:endParaRPr lang="en-US"/>
           </a:p>
@@ -3492,7 +3487,7 @@
           <a:p>
             <a:pPr algn="ctr"/>
             <a:r>
-              <a:rPr lang="en-US" sz="1600" dirty="0" smtClean="0">
+              <a:rPr lang="en-US" sz="1600" dirty="0">
                 <a:solidFill>
                   <a:schemeClr val="bg1"/>
                 </a:solidFill>
@@ -3856,7 +3851,7 @@
           <a:p>
             <a:pPr algn="ctr"/>
             <a:r>
-              <a:rPr lang="en-US" sz="1600" dirty="0" smtClean="0">
+              <a:rPr lang="en-US" sz="1600" dirty="0">
                 <a:solidFill>
                   <a:schemeClr val="bg1"/>
                 </a:solidFill>
@@ -4003,7 +3998,7 @@
           <a:p>
             <a:pPr algn="ctr"/>
             <a:r>
-              <a:rPr lang="en-US" sz="1600" dirty="0" smtClean="0">
+              <a:rPr lang="en-US" sz="1600" dirty="0">
                 <a:solidFill>
                   <a:schemeClr val="bg1"/>
                 </a:solidFill>
@@ -4165,10 +4160,9 @@
           <a:lstStyle/>
           <a:p>
             <a:r>
-              <a:rPr lang="en-US" sz="1400" dirty="0" smtClean="0"/>
+              <a:rPr lang="en-US" sz="1400" dirty="0"/>
               <a:t>delete 1</a:t>
             </a:r>
-            <a:endParaRPr lang="en-US" sz="1400" dirty="0"/>
           </a:p>
         </p:txBody>
       </p:sp>
@@ -4231,18 +4225,13 @@
           <a:lstStyle/>
           <a:p>
             <a:r>
-              <a:rPr lang="en-US" sz="1400" dirty="0" smtClean="0">
+              <a:rPr lang="en-US" sz="1400" dirty="0">
                 <a:solidFill>
                   <a:srgbClr val="0070C0"/>
                 </a:solidFill>
               </a:rPr>
               <a:t>execute(“delete 1”)</a:t>
             </a:r>
-            <a:endParaRPr lang="en-US" sz="1400" dirty="0">
-              <a:solidFill>
-                <a:srgbClr val="0070C0"/>
-              </a:solidFill>
-            </a:endParaRPr>
           </a:p>
         </p:txBody>
       </p:sp>
@@ -4305,7 +4294,7 @@
           <a:lstStyle/>
           <a:p>
             <a:r>
-              <a:rPr lang="en-US" sz="1400" dirty="0" err="1" smtClean="0">
+              <a:rPr lang="en-US" sz="1400" dirty="0" err="1">
                 <a:solidFill>
                   <a:srgbClr val="7030A0"/>
                 </a:solidFill>
@@ -4313,18 +4302,13 @@
               <a:t>deletePerson</a:t>
             </a:r>
             <a:r>
-              <a:rPr lang="en-US" sz="1400" dirty="0" smtClean="0">
+              <a:rPr lang="en-US" sz="1400" dirty="0">
                 <a:solidFill>
                   <a:srgbClr val="7030A0"/>
                 </a:solidFill>
               </a:rPr>
               <a:t>(p)</a:t>
             </a:r>
-            <a:endParaRPr lang="en-US" sz="1400" dirty="0">
-              <a:solidFill>
-                <a:srgbClr val="7030A0"/>
-              </a:solidFill>
-            </a:endParaRPr>
           </a:p>
         </p:txBody>
       </p:sp>
@@ -4351,7 +4335,7 @@
           <a:lstStyle/>
           <a:p>
             <a:r>
-              <a:rPr lang="en-US" sz="1400" dirty="0" smtClean="0">
+              <a:rPr lang="en-US" sz="1400" dirty="0">
                 <a:solidFill>
                   <a:schemeClr val="accent5">
                     <a:lumMod val="75000"/>
@@ -4361,7 +4345,7 @@
               <a:t>post(</a:t>
             </a:r>
             <a:r>
-              <a:rPr lang="en-US" sz="1400" dirty="0" err="1" smtClean="0">
+              <a:rPr lang="en-US" sz="1400" dirty="0" err="1">
                 <a:solidFill>
                   <a:schemeClr val="accent5">
                     <a:lumMod val="75000"/>
@@ -4371,7 +4355,7 @@
               <a:t>AddressBookChangedEvent</a:t>
             </a:r>
             <a:r>
-              <a:rPr lang="en-US" sz="1400" dirty="0" smtClean="0">
+              <a:rPr lang="en-US" sz="1400" dirty="0">
                 <a:solidFill>
                   <a:schemeClr val="accent5">
                     <a:lumMod val="75000"/>
@@ -4380,13 +4364,6 @@
               </a:rPr>
               <a:t>)</a:t>
             </a:r>
-            <a:endParaRPr lang="en-US" sz="1400" dirty="0">
-              <a:solidFill>
-                <a:schemeClr val="accent5">
-                  <a:lumMod val="75000"/>
-                </a:schemeClr>
-              </a:solidFill>
-            </a:endParaRPr>
           </a:p>
         </p:txBody>
       </p:sp>
@@ -4552,7 +4529,7 @@
           <a:p>
             <a:pPr algn="ctr"/>
             <a:r>
-              <a:rPr lang="en-US" sz="1600" dirty="0" smtClean="0">
+              <a:rPr lang="en-US" sz="1600" dirty="0">
                 <a:solidFill>
                   <a:schemeClr val="bg1"/>
                 </a:solidFill>
@@ -4560,7 +4537,7 @@
               <a:t>:</a:t>
             </a:r>
             <a:r>
-              <a:rPr lang="en-US" sz="1600" dirty="0" err="1" smtClean="0">
+              <a:rPr lang="en-US" sz="1600" dirty="0" err="1">
                 <a:solidFill>
                   <a:schemeClr val="bg1"/>
                 </a:solidFill>
@@ -4793,7 +4770,7 @@
           <a:p>
             <a:pPr algn="ctr"/>
             <a:r>
-              <a:rPr lang="en-US" sz="1600" dirty="0" smtClean="0">
+              <a:rPr lang="en-US" sz="1600" dirty="0">
                 <a:solidFill>
                   <a:schemeClr val="bg1"/>
                 </a:solidFill>
@@ -4925,7 +4902,7 @@
           <a:lstStyle/>
           <a:p>
             <a:r>
-              <a:rPr lang="en-US" sz="1400" dirty="0" smtClean="0">
+              <a:rPr lang="en-US" sz="1400" dirty="0">
                 <a:solidFill>
                   <a:schemeClr val="accent5">
                     <a:lumMod val="75000"/>
@@ -4935,7 +4912,7 @@
               <a:t>post(</a:t>
             </a:r>
             <a:r>
-              <a:rPr lang="en-US" sz="1400" dirty="0" err="1" smtClean="0">
+              <a:rPr lang="en-US" sz="1400" dirty="0" err="1">
                 <a:solidFill>
                   <a:schemeClr val="accent5">
                     <a:lumMod val="75000"/>
@@ -4945,7 +4922,7 @@
               <a:t>AddressBookChangedEvent</a:t>
             </a:r>
             <a:r>
-              <a:rPr lang="en-US" sz="1400" dirty="0" smtClean="0">
+              <a:rPr lang="en-US" sz="1400" dirty="0">
                 <a:solidFill>
                   <a:schemeClr val="accent5">
                     <a:lumMod val="75000"/>
@@ -4954,13 +4931,6 @@
               </a:rPr>
               <a:t>)</a:t>
             </a:r>
-            <a:endParaRPr lang="en-US" sz="1400" dirty="0">
-              <a:solidFill>
-                <a:schemeClr val="accent5">
-                  <a:lumMod val="75000"/>
-                </a:schemeClr>
-              </a:solidFill>
-            </a:endParaRPr>
           </a:p>
         </p:txBody>
       </p:sp>
@@ -5052,7 +5022,7 @@
           <a:p>
             <a:pPr algn="ctr"/>
             <a:r>
-              <a:rPr lang="en-US" sz="1600" dirty="0" smtClean="0">
+              <a:rPr lang="en-US" sz="1600" dirty="0">
                 <a:solidFill>
                   <a:schemeClr val="bg1"/>
                 </a:solidFill>
@@ -5060,7 +5030,7 @@
               <a:t>:</a:t>
             </a:r>
             <a:r>
-              <a:rPr lang="en-US" sz="1600" dirty="0" err="1" smtClean="0">
+              <a:rPr lang="en-US" sz="1600" dirty="0" err="1">
                 <a:solidFill>
                   <a:schemeClr val="bg1"/>
                 </a:solidFill>
@@ -5307,7 +5277,7 @@
           <a:lstStyle/>
           <a:p>
             <a:r>
-              <a:rPr lang="en-US" sz="1400" dirty="0" err="1" smtClean="0">
+              <a:rPr lang="en-US" sz="1400" dirty="0" err="1">
                 <a:solidFill>
                   <a:schemeClr val="accent6">
                     <a:lumMod val="75000"/>
@@ -5317,7 +5287,7 @@
               <a:t>handleAddresssBookChangedEvent</a:t>
             </a:r>
             <a:r>
-              <a:rPr lang="en-US" sz="1400" dirty="0" smtClean="0">
+              <a:rPr lang="en-US" sz="1400" dirty="0">
                 <a:solidFill>
                   <a:schemeClr val="accent6">
                     <a:lumMod val="75000"/>
@@ -5326,13 +5296,6 @@
               </a:rPr>
               <a:t>()</a:t>
             </a:r>
-            <a:endParaRPr lang="en-US" sz="1400" dirty="0">
-              <a:solidFill>
-                <a:schemeClr val="accent6">
-                  <a:lumMod val="75000"/>
-                </a:schemeClr>
-              </a:solidFill>
-            </a:endParaRPr>
           </a:p>
         </p:txBody>
       </p:sp>
@@ -5417,7 +5380,7 @@
           <a:p>
             <a:pPr algn="ctr"/>
             <a:r>
-              <a:rPr lang="en-US" sz="1600" dirty="0" smtClean="0">
+              <a:rPr lang="en-US" sz="1600" dirty="0">
                 <a:solidFill>
                   <a:schemeClr val="bg1"/>
                 </a:solidFill>
@@ -5620,7 +5583,7 @@
           <a:lstStyle/>
           <a:p>
             <a:r>
-              <a:rPr lang="en-US" sz="1400" dirty="0" err="1" smtClean="0">
+              <a:rPr lang="en-US" sz="1400" dirty="0" err="1">
                 <a:solidFill>
                   <a:srgbClr val="00B050"/>
                 </a:solidFill>
@@ -5628,18 +5591,13 @@
               <a:t>handleAddresssBookChangedEvent</a:t>
             </a:r>
             <a:r>
-              <a:rPr lang="en-US" sz="1400" dirty="0" smtClean="0">
+              <a:rPr lang="en-US" sz="1400" dirty="0">
                 <a:solidFill>
                   <a:srgbClr val="00B050"/>
                 </a:solidFill>
               </a:rPr>
               <a:t>()</a:t>
             </a:r>
-            <a:endParaRPr lang="en-US" sz="1400" dirty="0">
-              <a:solidFill>
-                <a:srgbClr val="00B050"/>
-              </a:solidFill>
-            </a:endParaRPr>
           </a:p>
         </p:txBody>
       </p:sp>
@@ -5826,18 +5784,13 @@
           <a:p>
             <a:pPr algn="r"/>
             <a:r>
-              <a:rPr lang="en-US" sz="1400" dirty="0" smtClean="0">
+              <a:rPr lang="en-US" sz="1400" dirty="0">
                 <a:solidFill>
                   <a:srgbClr val="00B050"/>
                 </a:solidFill>
               </a:rPr>
               <a:t>Update status bar</a:t>
             </a:r>
-            <a:endParaRPr lang="en-US" sz="1400" dirty="0">
-              <a:solidFill>
-                <a:srgbClr val="00B050"/>
-              </a:solidFill>
-            </a:endParaRPr>
           </a:p>
         </p:txBody>
       </p:sp>
@@ -6027,7 +5980,7 @@
           <a:lstStyle/>
           <a:p>
             <a:r>
-              <a:rPr lang="en-US" sz="1400" dirty="0" smtClean="0">
+              <a:rPr lang="en-US" sz="1400" dirty="0">
                 <a:solidFill>
                   <a:schemeClr val="accent6">
                     <a:lumMod val="75000"/>
@@ -6037,7 +5990,7 @@
               <a:t>Save </a:t>
             </a:r>
             <a:br>
-              <a:rPr lang="en-US" sz="1400" dirty="0" smtClean="0">
+              <a:rPr lang="en-US" sz="1400" dirty="0">
                 <a:solidFill>
                   <a:schemeClr val="accent6">
                     <a:lumMod val="75000"/>
@@ -6046,7 +5999,7 @@
               </a:rPr>
             </a:br>
             <a:r>
-              <a:rPr lang="en-US" sz="1400" dirty="0" smtClean="0">
+              <a:rPr lang="en-US" sz="1400" dirty="0">
                 <a:solidFill>
                   <a:schemeClr val="accent6">
                     <a:lumMod val="75000"/>
@@ -6055,20 +6008,1786 @@
               </a:rPr>
               <a:t>to file</a:t>
             </a:r>
-            <a:endParaRPr lang="en-US" sz="1400" dirty="0">
+          </a:p>
+        </p:txBody>
+      </p:sp>
+    </p:spTree>
+    <p:extLst>
+      <p:ext uri="{BB962C8B-B14F-4D97-AF65-F5344CB8AC3E}">
+        <p14:creationId xmlns:p14="http://schemas.microsoft.com/office/powerpoint/2010/main" val="4023378879"/>
+      </p:ext>
+    </p:extLst>
+  </p:cSld>
+  <p:clrMapOvr>
+    <a:masterClrMapping/>
+  </p:clrMapOvr>
+</p:sld>
+</file>
+
+<file path=ppt/slides/slide2.xml><?xml version="1.0" encoding="utf-8"?>
+<p:sld xmlns:a="http://schemas.openxmlformats.org/drawingml/2006/main" xmlns:r="http://schemas.openxmlformats.org/officeDocument/2006/relationships" xmlns:p="http://schemas.openxmlformats.org/presentationml/2006/main">
+  <p:cSld>
+    <p:spTree>
+      <p:nvGrpSpPr>
+        <p:cNvPr id="1" name=""/>
+        <p:cNvGrpSpPr/>
+        <p:nvPr/>
+      </p:nvGrpSpPr>
+      <p:grpSpPr>
+        <a:xfrm>
+          <a:off x="0" y="0"/>
+          <a:ext cx="0" cy="0"/>
+          <a:chOff x="0" y="0"/>
+          <a:chExt cx="0" cy="0"/>
+        </a:xfrm>
+      </p:grpSpPr>
+      <p:sp>
+        <p:nvSpPr>
+          <p:cNvPr id="2" name="Rectangle 62"/>
+          <p:cNvSpPr/>
+          <p:nvPr/>
+        </p:nvSpPr>
+        <p:spPr>
+          <a:xfrm>
+            <a:off x="1111860" y="607926"/>
+            <a:ext cx="1093635" cy="346760"/>
+          </a:xfrm>
+          <a:prstGeom prst="rect">
+            <a:avLst/>
+          </a:prstGeom>
+          <a:solidFill>
+            <a:srgbClr val="00B050"/>
+          </a:solidFill>
+          <a:ln w="19050">
+            <a:solidFill>
+              <a:srgbClr val="00B050"/>
+            </a:solidFill>
+          </a:ln>
+          <a:effectLst/>
+        </p:spPr>
+        <p:style>
+          <a:lnRef idx="1">
+            <a:schemeClr val="accent2"/>
+          </a:lnRef>
+          <a:fillRef idx="2">
+            <a:schemeClr val="accent2"/>
+          </a:fillRef>
+          <a:effectRef idx="1">
+            <a:schemeClr val="accent2"/>
+          </a:effectRef>
+          <a:fontRef idx="minor">
+            <a:schemeClr val="dk1"/>
+          </a:fontRef>
+        </p:style>
+        <p:txBody>
+          <a:bodyPr rtlCol="0" anchor="ctr"/>
+          <a:lstStyle/>
+          <a:p>
+            <a:pPr algn="ctr"/>
+            <a:r>
+              <a:rPr lang="en-US" sz="1600" dirty="0">
+                <a:solidFill>
+                  <a:schemeClr val="bg1"/>
+                </a:solidFill>
+              </a:rPr>
+              <a:t>:UI</a:t>
+            </a:r>
+            <a:endParaRPr lang="en-SG" sz="1600" dirty="0">
+              <a:solidFill>
+                <a:schemeClr val="bg1"/>
+              </a:solidFill>
+            </a:endParaRPr>
+          </a:p>
+        </p:txBody>
+      </p:sp>
+      <p:cxnSp>
+        <p:nvCxnSpPr>
+          <p:cNvPr id="5" name="Straight Connector 4"/>
+          <p:cNvCxnSpPr>
+            <a:cxnSpLocks/>
+          </p:cNvCxnSpPr>
+          <p:nvPr/>
+        </p:nvCxnSpPr>
+        <p:spPr>
+          <a:xfrm>
+            <a:off x="1658677" y="971597"/>
+            <a:ext cx="0" cy="2152603"/>
+          </a:xfrm>
+          <a:prstGeom prst="line">
+            <a:avLst/>
+          </a:prstGeom>
+          <a:ln w="19050">
+            <a:solidFill>
+              <a:srgbClr val="00B050"/>
+            </a:solidFill>
+            <a:prstDash val="sysDash"/>
+          </a:ln>
+          <a:effectLst/>
+        </p:spPr>
+        <p:style>
+          <a:lnRef idx="1">
+            <a:schemeClr val="accent1"/>
+          </a:lnRef>
+          <a:fillRef idx="2">
+            <a:schemeClr val="accent1"/>
+          </a:fillRef>
+          <a:effectRef idx="1">
+            <a:schemeClr val="accent1"/>
+          </a:effectRef>
+          <a:fontRef idx="minor">
+            <a:schemeClr val="dk1"/>
+          </a:fontRef>
+        </p:style>
+      </p:cxnSp>
+      <p:sp>
+        <p:nvSpPr>
+          <p:cNvPr id="6" name="Rectangle 5"/>
+          <p:cNvSpPr/>
+          <p:nvPr/>
+        </p:nvSpPr>
+        <p:spPr>
+          <a:xfrm>
+            <a:off x="1586669" y="1322292"/>
+            <a:ext cx="152400" cy="1497108"/>
+          </a:xfrm>
+          <a:prstGeom prst="rect">
+            <a:avLst/>
+          </a:prstGeom>
+          <a:solidFill>
+            <a:srgbClr val="00B050"/>
+          </a:solidFill>
+          <a:ln>
+            <a:solidFill>
+              <a:srgbClr val="00B050"/>
+            </a:solidFill>
+          </a:ln>
+          <a:effectLst/>
+        </p:spPr>
+        <p:style>
+          <a:lnRef idx="1">
+            <a:schemeClr val="accent3"/>
+          </a:lnRef>
+          <a:fillRef idx="2">
+            <a:schemeClr val="accent3"/>
+          </a:fillRef>
+          <a:effectRef idx="1">
+            <a:schemeClr val="accent3"/>
+          </a:effectRef>
+          <a:fontRef idx="minor">
+            <a:schemeClr val="dk1"/>
+          </a:fontRef>
+        </p:style>
+        <p:txBody>
+          <a:bodyPr rtlCol="0" anchor="ctr"/>
+          <a:lstStyle/>
+          <a:p>
+            <a:pPr algn="ctr"/>
+            <a:endParaRPr lang="en-SG" sz="1400">
+              <a:solidFill>
+                <a:schemeClr val="dk1"/>
+              </a:solidFill>
+            </a:endParaRPr>
+          </a:p>
+        </p:txBody>
+      </p:sp>
+      <p:grpSp>
+        <p:nvGrpSpPr>
+          <p:cNvPr id="7" name="Actor"/>
+          <p:cNvGrpSpPr/>
+          <p:nvPr/>
+        </p:nvGrpSpPr>
+        <p:grpSpPr>
+          <a:xfrm>
+            <a:off x="152400" y="533400"/>
+            <a:ext cx="324036" cy="573410"/>
+            <a:chOff x="3239901" y="4149080"/>
+            <a:chExt cx="648072" cy="1146820"/>
+          </a:xfrm>
+        </p:grpSpPr>
+        <p:sp>
+          <p:nvSpPr>
+            <p:cNvPr id="8" name="Flowchart: Connector 7"/>
+            <p:cNvSpPr/>
+            <p:nvPr/>
+          </p:nvSpPr>
+          <p:spPr>
+            <a:xfrm>
+              <a:off x="3419872" y="4149080"/>
+              <a:ext cx="288032" cy="288032"/>
+            </a:xfrm>
+            <a:prstGeom prst="flowChartConnector">
+              <a:avLst/>
+            </a:prstGeom>
+            <a:solidFill>
+              <a:schemeClr val="bg1">
+                <a:lumMod val="85000"/>
+              </a:schemeClr>
+            </a:solidFill>
+            <a:ln w="28575">
+              <a:solidFill>
+                <a:schemeClr val="tx1"/>
+              </a:solidFill>
+            </a:ln>
+            <a:effectLst/>
+          </p:spPr>
+          <p:style>
+            <a:lnRef idx="1">
+              <a:schemeClr val="accent4"/>
+            </a:lnRef>
+            <a:fillRef idx="2">
+              <a:schemeClr val="accent4"/>
+            </a:fillRef>
+            <a:effectRef idx="1">
+              <a:schemeClr val="accent4"/>
+            </a:effectRef>
+            <a:fontRef idx="minor">
+              <a:schemeClr val="dk1"/>
+            </a:fontRef>
+          </p:style>
+          <p:txBody>
+            <a:bodyPr rtlCol="0" anchor="ctr"/>
+            <a:lstStyle/>
+            <a:p>
+              <a:pPr algn="ctr"/>
+              <a:endParaRPr lang="en-SG"/>
+            </a:p>
+          </p:txBody>
+        </p:sp>
+        <p:cxnSp>
+          <p:nvCxnSpPr>
+            <p:cNvPr id="9" name="Straight Connector 8"/>
+            <p:cNvCxnSpPr>
+              <a:stCxn id="8" idx="4"/>
+            </p:cNvCxnSpPr>
+            <p:nvPr/>
+          </p:nvCxnSpPr>
+          <p:spPr>
+            <a:xfrm>
+              <a:off x="3563888" y="4437112"/>
+              <a:ext cx="0" cy="504056"/>
+            </a:xfrm>
+            <a:prstGeom prst="line">
+              <a:avLst/>
+            </a:prstGeom>
+            <a:ln w="28575">
+              <a:solidFill>
+                <a:schemeClr val="tx1"/>
+              </a:solidFill>
+            </a:ln>
+            <a:effectLst/>
+          </p:spPr>
+          <p:style>
+            <a:lnRef idx="1">
+              <a:schemeClr val="accent4"/>
+            </a:lnRef>
+            <a:fillRef idx="2">
+              <a:schemeClr val="accent4"/>
+            </a:fillRef>
+            <a:effectRef idx="1">
+              <a:schemeClr val="accent4"/>
+            </a:effectRef>
+            <a:fontRef idx="minor">
+              <a:schemeClr val="dk1"/>
+            </a:fontRef>
+          </p:style>
+        </p:cxnSp>
+        <p:sp>
+          <p:nvSpPr>
+            <p:cNvPr id="10" name="Freeform 9"/>
+            <p:cNvSpPr/>
+            <p:nvPr/>
+          </p:nvSpPr>
+          <p:spPr>
+            <a:xfrm>
+              <a:off x="3324225" y="4933950"/>
+              <a:ext cx="479425" cy="361950"/>
+            </a:xfrm>
+            <a:custGeom>
+              <a:avLst/>
+              <a:gdLst>
+                <a:gd name="connsiteX0" fmla="*/ 0 w 479425"/>
+                <a:gd name="connsiteY0" fmla="*/ 355600 h 361950"/>
+                <a:gd name="connsiteX1" fmla="*/ 241300 w 479425"/>
+                <a:gd name="connsiteY1" fmla="*/ 0 h 361950"/>
+                <a:gd name="connsiteX2" fmla="*/ 479425 w 479425"/>
+                <a:gd name="connsiteY2" fmla="*/ 361950 h 361950"/>
+              </a:gdLst>
+              <a:ahLst/>
+              <a:cxnLst>
+                <a:cxn ang="0">
+                  <a:pos x="connsiteX0" y="connsiteY0"/>
+                </a:cxn>
+                <a:cxn ang="0">
+                  <a:pos x="connsiteX1" y="connsiteY1"/>
+                </a:cxn>
+                <a:cxn ang="0">
+                  <a:pos x="connsiteX2" y="connsiteY2"/>
+                </a:cxn>
+              </a:cxnLst>
+              <a:rect l="l" t="t" r="r" b="b"/>
+              <a:pathLst>
+                <a:path w="479425" h="361950">
+                  <a:moveTo>
+                    <a:pt x="0" y="355600"/>
+                  </a:moveTo>
+                  <a:lnTo>
+                    <a:pt x="241300" y="0"/>
+                  </a:lnTo>
+                  <a:lnTo>
+                    <a:pt x="479425" y="361950"/>
+                  </a:lnTo>
+                </a:path>
+              </a:pathLst>
+            </a:custGeom>
+            <a:noFill/>
+            <a:ln w="28575">
+              <a:solidFill>
+                <a:schemeClr val="tx1"/>
+              </a:solidFill>
+            </a:ln>
+            <a:effectLst/>
+          </p:spPr>
+          <p:style>
+            <a:lnRef idx="1">
+              <a:schemeClr val="accent4"/>
+            </a:lnRef>
+            <a:fillRef idx="2">
+              <a:schemeClr val="accent4"/>
+            </a:fillRef>
+            <a:effectRef idx="1">
+              <a:schemeClr val="accent4"/>
+            </a:effectRef>
+            <a:fontRef idx="minor">
+              <a:schemeClr val="dk1"/>
+            </a:fontRef>
+          </p:style>
+          <p:txBody>
+            <a:bodyPr rtlCol="0" anchor="ctr"/>
+            <a:lstStyle/>
+            <a:p>
+              <a:pPr algn="ctr"/>
+              <a:endParaRPr lang="en-SG"/>
+            </a:p>
+          </p:txBody>
+        </p:sp>
+        <p:cxnSp>
+          <p:nvCxnSpPr>
+            <p:cNvPr id="11" name="Straight Connector 10"/>
+            <p:cNvCxnSpPr/>
+            <p:nvPr/>
+          </p:nvCxnSpPr>
+          <p:spPr>
+            <a:xfrm>
+              <a:off x="3239901" y="4509120"/>
+              <a:ext cx="648072" cy="0"/>
+            </a:xfrm>
+            <a:prstGeom prst="line">
+              <a:avLst/>
+            </a:prstGeom>
+            <a:ln w="28575">
+              <a:solidFill>
+                <a:schemeClr val="tx1"/>
+              </a:solidFill>
+            </a:ln>
+            <a:effectLst/>
+          </p:spPr>
+          <p:style>
+            <a:lnRef idx="1">
+              <a:schemeClr val="accent4"/>
+            </a:lnRef>
+            <a:fillRef idx="2">
+              <a:schemeClr val="accent4"/>
+            </a:fillRef>
+            <a:effectRef idx="1">
+              <a:schemeClr val="accent4"/>
+            </a:effectRef>
+            <a:fontRef idx="minor">
+              <a:schemeClr val="dk1"/>
+            </a:fontRef>
+          </p:style>
+        </p:cxnSp>
+      </p:grpSp>
+      <p:sp>
+        <p:nvSpPr>
+          <p:cNvPr id="16" name="Rectangle 62"/>
+          <p:cNvSpPr/>
+          <p:nvPr/>
+        </p:nvSpPr>
+        <p:spPr>
+          <a:xfrm>
+            <a:off x="3335583" y="611613"/>
+            <a:ext cx="1093635" cy="346760"/>
+          </a:xfrm>
+          <a:prstGeom prst="rect">
+            <a:avLst/>
+          </a:prstGeom>
+          <a:solidFill>
+            <a:srgbClr val="0070C0"/>
+          </a:solidFill>
+          <a:ln w="19050">
+            <a:solidFill>
+              <a:srgbClr val="0070C0"/>
+            </a:solidFill>
+          </a:ln>
+          <a:effectLst/>
+        </p:spPr>
+        <p:style>
+          <a:lnRef idx="1">
+            <a:schemeClr val="accent2"/>
+          </a:lnRef>
+          <a:fillRef idx="2">
+            <a:schemeClr val="accent2"/>
+          </a:fillRef>
+          <a:effectRef idx="1">
+            <a:schemeClr val="accent2"/>
+          </a:effectRef>
+          <a:fontRef idx="minor">
+            <a:schemeClr val="dk1"/>
+          </a:fontRef>
+        </p:style>
+        <p:txBody>
+          <a:bodyPr rtlCol="0" anchor="ctr"/>
+          <a:lstStyle/>
+          <a:p>
+            <a:pPr algn="ctr"/>
+            <a:r>
+              <a:rPr lang="en-US" sz="1600" dirty="0">
+                <a:solidFill>
+                  <a:schemeClr val="bg1"/>
+                </a:solidFill>
+              </a:rPr>
+              <a:t>:Logic</a:t>
+            </a:r>
+            <a:endParaRPr lang="en-SG" sz="1600" dirty="0">
+              <a:solidFill>
+                <a:schemeClr val="bg1"/>
+              </a:solidFill>
+            </a:endParaRPr>
+          </a:p>
+        </p:txBody>
+      </p:sp>
+      <p:cxnSp>
+        <p:nvCxnSpPr>
+          <p:cNvPr id="17" name="Straight Connector 16"/>
+          <p:cNvCxnSpPr>
+            <a:cxnSpLocks/>
+          </p:cNvCxnSpPr>
+          <p:nvPr/>
+        </p:nvCxnSpPr>
+        <p:spPr>
+          <a:xfrm>
+            <a:off x="3882400" y="975284"/>
+            <a:ext cx="0" cy="2148916"/>
+          </a:xfrm>
+          <a:prstGeom prst="line">
+            <a:avLst/>
+          </a:prstGeom>
+          <a:ln w="19050">
+            <a:solidFill>
+              <a:srgbClr val="0070C0"/>
+            </a:solidFill>
+            <a:prstDash val="sysDash"/>
+          </a:ln>
+          <a:effectLst/>
+        </p:spPr>
+        <p:style>
+          <a:lnRef idx="1">
+            <a:schemeClr val="accent1"/>
+          </a:lnRef>
+          <a:fillRef idx="2">
+            <a:schemeClr val="accent1"/>
+          </a:fillRef>
+          <a:effectRef idx="1">
+            <a:schemeClr val="accent1"/>
+          </a:effectRef>
+          <a:fontRef idx="minor">
+            <a:schemeClr val="dk1"/>
+          </a:fontRef>
+        </p:style>
+      </p:cxnSp>
+      <p:sp>
+        <p:nvSpPr>
+          <p:cNvPr id="18" name="Rectangle 17"/>
+          <p:cNvSpPr/>
+          <p:nvPr/>
+        </p:nvSpPr>
+        <p:spPr>
+          <a:xfrm>
+            <a:off x="3810392" y="1433478"/>
+            <a:ext cx="144016" cy="1309722"/>
+          </a:xfrm>
+          <a:prstGeom prst="rect">
+            <a:avLst/>
+          </a:prstGeom>
+          <a:solidFill>
+            <a:srgbClr val="0070C0"/>
+          </a:solidFill>
+          <a:ln>
+            <a:solidFill>
+              <a:srgbClr val="0070C0"/>
+            </a:solidFill>
+          </a:ln>
+          <a:effectLst/>
+        </p:spPr>
+        <p:style>
+          <a:lnRef idx="1">
+            <a:schemeClr val="accent3"/>
+          </a:lnRef>
+          <a:fillRef idx="2">
+            <a:schemeClr val="accent3"/>
+          </a:fillRef>
+          <a:effectRef idx="1">
+            <a:schemeClr val="accent3"/>
+          </a:effectRef>
+          <a:fontRef idx="minor">
+            <a:schemeClr val="dk1"/>
+          </a:fontRef>
+        </p:style>
+        <p:txBody>
+          <a:bodyPr rtlCol="0" anchor="ctr"/>
+          <a:lstStyle/>
+          <a:p>
+            <a:pPr algn="ctr"/>
+            <a:endParaRPr lang="en-SG" sz="1400">
+              <a:solidFill>
+                <a:schemeClr val="dk1"/>
+              </a:solidFill>
+            </a:endParaRPr>
+          </a:p>
+        </p:txBody>
+      </p:sp>
+      <p:sp>
+        <p:nvSpPr>
+          <p:cNvPr id="19" name="Rectangle 62"/>
+          <p:cNvSpPr/>
+          <p:nvPr/>
+        </p:nvSpPr>
+        <p:spPr>
+          <a:xfrm>
+            <a:off x="5029200" y="607926"/>
+            <a:ext cx="1676393" cy="346760"/>
+          </a:xfrm>
+          <a:prstGeom prst="rect">
+            <a:avLst/>
+          </a:prstGeom>
+          <a:solidFill>
+            <a:srgbClr val="7030A0"/>
+          </a:solidFill>
+          <a:ln w="19050">
+            <a:solidFill>
+              <a:srgbClr val="7030A0"/>
+            </a:solidFill>
+          </a:ln>
+          <a:effectLst/>
+        </p:spPr>
+        <p:style>
+          <a:lnRef idx="1">
+            <a:schemeClr val="accent2"/>
+          </a:lnRef>
+          <a:fillRef idx="2">
+            <a:schemeClr val="accent2"/>
+          </a:fillRef>
+          <a:effectRef idx="1">
+            <a:schemeClr val="accent2"/>
+          </a:effectRef>
+          <a:fontRef idx="minor">
+            <a:schemeClr val="dk1"/>
+          </a:fontRef>
+        </p:style>
+        <p:txBody>
+          <a:bodyPr rtlCol="0" anchor="ctr"/>
+          <a:lstStyle/>
+          <a:p>
+            <a:pPr algn="ctr"/>
+            <a:r>
+              <a:rPr lang="en-US" sz="1600" dirty="0">
+                <a:solidFill>
+                  <a:schemeClr val="bg1"/>
+                </a:solidFill>
+              </a:rPr>
+              <a:t>:</a:t>
+            </a:r>
+            <a:r>
+              <a:rPr lang="en-US" sz="1600" dirty="0" err="1">
+                <a:solidFill>
+                  <a:schemeClr val="bg1"/>
+                </a:solidFill>
+              </a:rPr>
+              <a:t>ModuleManager</a:t>
+            </a:r>
+            <a:endParaRPr lang="en-SG" sz="1600" dirty="0">
+              <a:solidFill>
+                <a:schemeClr val="bg1"/>
+              </a:solidFill>
+            </a:endParaRPr>
+          </a:p>
+        </p:txBody>
+      </p:sp>
+      <p:cxnSp>
+        <p:nvCxnSpPr>
+          <p:cNvPr id="20" name="Straight Connector 19"/>
+          <p:cNvCxnSpPr>
+            <a:cxnSpLocks/>
+          </p:cNvCxnSpPr>
+          <p:nvPr/>
+        </p:nvCxnSpPr>
+        <p:spPr>
+          <a:xfrm>
+            <a:off x="5863600" y="971597"/>
+            <a:ext cx="0" cy="2152603"/>
+          </a:xfrm>
+          <a:prstGeom prst="line">
+            <a:avLst/>
+          </a:prstGeom>
+          <a:ln w="19050">
+            <a:solidFill>
+              <a:srgbClr val="7030A0"/>
+            </a:solidFill>
+            <a:prstDash val="sysDash"/>
+          </a:ln>
+          <a:effectLst/>
+        </p:spPr>
+        <p:style>
+          <a:lnRef idx="1">
+            <a:schemeClr val="accent1"/>
+          </a:lnRef>
+          <a:fillRef idx="2">
+            <a:schemeClr val="accent1"/>
+          </a:fillRef>
+          <a:effectRef idx="1">
+            <a:schemeClr val="accent1"/>
+          </a:effectRef>
+          <a:fontRef idx="minor">
+            <a:schemeClr val="dk1"/>
+          </a:fontRef>
+        </p:style>
+      </p:cxnSp>
+      <p:sp>
+        <p:nvSpPr>
+          <p:cNvPr id="21" name="Rectangle 20"/>
+          <p:cNvSpPr/>
+          <p:nvPr/>
+        </p:nvSpPr>
+        <p:spPr>
+          <a:xfrm>
+            <a:off x="5791592" y="1538409"/>
+            <a:ext cx="142006" cy="290391"/>
+          </a:xfrm>
+          <a:prstGeom prst="rect">
+            <a:avLst/>
+          </a:prstGeom>
+          <a:solidFill>
+            <a:srgbClr val="7030A0"/>
+          </a:solidFill>
+          <a:ln>
+            <a:solidFill>
+              <a:srgbClr val="7030A0"/>
+            </a:solidFill>
+          </a:ln>
+          <a:effectLst/>
+        </p:spPr>
+        <p:style>
+          <a:lnRef idx="1">
+            <a:schemeClr val="accent3"/>
+          </a:lnRef>
+          <a:fillRef idx="2">
+            <a:schemeClr val="accent3"/>
+          </a:fillRef>
+          <a:effectRef idx="1">
+            <a:schemeClr val="accent3"/>
+          </a:effectRef>
+          <a:fontRef idx="minor">
+            <a:schemeClr val="dk1"/>
+          </a:fontRef>
+        </p:style>
+        <p:txBody>
+          <a:bodyPr rtlCol="0" anchor="ctr"/>
+          <a:lstStyle/>
+          <a:p>
+            <a:pPr algn="ctr"/>
+            <a:endParaRPr lang="en-SG" sz="1400">
+              <a:solidFill>
+                <a:schemeClr val="dk1"/>
+              </a:solidFill>
+            </a:endParaRPr>
+          </a:p>
+        </p:txBody>
+      </p:sp>
+      <p:cxnSp>
+        <p:nvCxnSpPr>
+          <p:cNvPr id="23" name="Straight Arrow Connector 22"/>
+          <p:cNvCxnSpPr/>
+          <p:nvPr/>
+        </p:nvCxnSpPr>
+        <p:spPr>
+          <a:xfrm>
+            <a:off x="466818" y="1325979"/>
+            <a:ext cx="1119851" cy="0"/>
+          </a:xfrm>
+          <a:prstGeom prst="straightConnector1">
+            <a:avLst/>
+          </a:prstGeom>
+          <a:ln w="19050">
+            <a:solidFill>
+              <a:schemeClr val="tx1"/>
+            </a:solidFill>
+            <a:tailEnd type="arrow"/>
+          </a:ln>
+        </p:spPr>
+        <p:style>
+          <a:lnRef idx="1">
+            <a:schemeClr val="accent1"/>
+          </a:lnRef>
+          <a:fillRef idx="0">
+            <a:schemeClr val="accent1"/>
+          </a:fillRef>
+          <a:effectRef idx="0">
+            <a:schemeClr val="accent1"/>
+          </a:effectRef>
+          <a:fontRef idx="minor">
+            <a:schemeClr val="tx1"/>
+          </a:fontRef>
+        </p:style>
+      </p:cxnSp>
+      <p:sp>
+        <p:nvSpPr>
+          <p:cNvPr id="24" name="TextBox 23"/>
+          <p:cNvSpPr txBox="1"/>
+          <p:nvPr/>
+        </p:nvSpPr>
+        <p:spPr>
+          <a:xfrm>
+            <a:off x="466818" y="1345880"/>
+            <a:ext cx="1054394" cy="430887"/>
+          </a:xfrm>
+          <a:prstGeom prst="rect">
+            <a:avLst/>
+          </a:prstGeom>
+          <a:noFill/>
+        </p:spPr>
+        <p:txBody>
+          <a:bodyPr wrap="square" lIns="0" tIns="0" rIns="0" bIns="0" rtlCol="0">
+            <a:spAutoFit/>
+          </a:bodyPr>
+          <a:lstStyle/>
+          <a:p>
+            <a:r>
+              <a:rPr lang="en-US" sz="1400" dirty="0"/>
+              <a:t>module delete mc/CS2113</a:t>
+            </a:r>
+          </a:p>
+        </p:txBody>
+      </p:sp>
+      <p:cxnSp>
+        <p:nvCxnSpPr>
+          <p:cNvPr id="25" name="Straight Arrow Connector 24"/>
+          <p:cNvCxnSpPr/>
+          <p:nvPr/>
+        </p:nvCxnSpPr>
+        <p:spPr>
+          <a:xfrm>
+            <a:off x="1739069" y="1433478"/>
+            <a:ext cx="2071323" cy="0"/>
+          </a:xfrm>
+          <a:prstGeom prst="straightConnector1">
+            <a:avLst/>
+          </a:prstGeom>
+          <a:ln w="19050">
+            <a:solidFill>
+              <a:srgbClr val="00B050"/>
+            </a:solidFill>
+            <a:tailEnd type="arrow"/>
+          </a:ln>
+        </p:spPr>
+        <p:style>
+          <a:lnRef idx="1">
+            <a:schemeClr val="accent1"/>
+          </a:lnRef>
+          <a:fillRef idx="0">
+            <a:schemeClr val="accent1"/>
+          </a:fillRef>
+          <a:effectRef idx="0">
+            <a:schemeClr val="accent1"/>
+          </a:effectRef>
+          <a:fontRef idx="minor">
+            <a:schemeClr val="tx1"/>
+          </a:fontRef>
+        </p:style>
+      </p:cxnSp>
+      <p:sp>
+        <p:nvSpPr>
+          <p:cNvPr id="26" name="TextBox 25"/>
+          <p:cNvSpPr txBox="1"/>
+          <p:nvPr/>
+        </p:nvSpPr>
+        <p:spPr>
+          <a:xfrm>
+            <a:off x="2004042" y="1453379"/>
+            <a:ext cx="1586976" cy="430887"/>
+          </a:xfrm>
+          <a:prstGeom prst="rect">
+            <a:avLst/>
+          </a:prstGeom>
+          <a:noFill/>
+        </p:spPr>
+        <p:txBody>
+          <a:bodyPr wrap="square" lIns="0" tIns="0" rIns="0" bIns="0" rtlCol="0">
+            <a:spAutoFit/>
+          </a:bodyPr>
+          <a:lstStyle/>
+          <a:p>
+            <a:r>
+              <a:rPr lang="en-US" sz="1400" dirty="0">
+                <a:solidFill>
+                  <a:srgbClr val="0070C0"/>
+                </a:solidFill>
+              </a:rPr>
+              <a:t>execute(“module delete mc/CS2113”)</a:t>
+            </a:r>
+          </a:p>
+        </p:txBody>
+      </p:sp>
+      <p:cxnSp>
+        <p:nvCxnSpPr>
+          <p:cNvPr id="28" name="Straight Arrow Connector 27"/>
+          <p:cNvCxnSpPr/>
+          <p:nvPr/>
+        </p:nvCxnSpPr>
+        <p:spPr>
+          <a:xfrm>
+            <a:off x="3954408" y="1538409"/>
+            <a:ext cx="1837184" cy="0"/>
+          </a:xfrm>
+          <a:prstGeom prst="straightConnector1">
+            <a:avLst/>
+          </a:prstGeom>
+          <a:ln w="19050">
+            <a:solidFill>
+              <a:srgbClr val="0070C0"/>
+            </a:solidFill>
+            <a:tailEnd type="arrow"/>
+          </a:ln>
+        </p:spPr>
+        <p:style>
+          <a:lnRef idx="1">
+            <a:schemeClr val="accent1"/>
+          </a:lnRef>
+          <a:fillRef idx="0">
+            <a:schemeClr val="accent1"/>
+          </a:fillRef>
+          <a:effectRef idx="0">
+            <a:schemeClr val="accent1"/>
+          </a:effectRef>
+          <a:fontRef idx="minor">
+            <a:schemeClr val="tx1"/>
+          </a:fontRef>
+        </p:style>
+      </p:cxnSp>
+      <p:sp>
+        <p:nvSpPr>
+          <p:cNvPr id="29" name="TextBox 28"/>
+          <p:cNvSpPr txBox="1"/>
+          <p:nvPr/>
+        </p:nvSpPr>
+        <p:spPr>
+          <a:xfrm>
+            <a:off x="4299772" y="1312828"/>
+            <a:ext cx="1424846" cy="215444"/>
+          </a:xfrm>
+          <a:prstGeom prst="rect">
+            <a:avLst/>
+          </a:prstGeom>
+          <a:noFill/>
+        </p:spPr>
+        <p:txBody>
+          <a:bodyPr wrap="square" lIns="0" tIns="0" rIns="0" bIns="0" rtlCol="0">
+            <a:spAutoFit/>
+          </a:bodyPr>
+          <a:lstStyle/>
+          <a:p>
+            <a:r>
+              <a:rPr lang="en-US" sz="1400" dirty="0" err="1">
+                <a:solidFill>
+                  <a:srgbClr val="7030A0"/>
+                </a:solidFill>
+              </a:rPr>
+              <a:t>deleteModule</a:t>
+            </a:r>
+            <a:r>
+              <a:rPr lang="en-US" sz="1400" dirty="0">
+                <a:solidFill>
+                  <a:srgbClr val="7030A0"/>
+                </a:solidFill>
+              </a:rPr>
+              <a:t>(m)</a:t>
+            </a:r>
+          </a:p>
+        </p:txBody>
+      </p:sp>
+      <p:cxnSp>
+        <p:nvCxnSpPr>
+          <p:cNvPr id="34" name="Straight Arrow Connector 33"/>
+          <p:cNvCxnSpPr/>
+          <p:nvPr/>
+        </p:nvCxnSpPr>
+        <p:spPr>
+          <a:xfrm>
+            <a:off x="3954408" y="1828800"/>
+            <a:ext cx="1837184" cy="0"/>
+          </a:xfrm>
+          <a:prstGeom prst="straightConnector1">
+            <a:avLst/>
+          </a:prstGeom>
+          <a:ln w="19050">
+            <a:solidFill>
+              <a:srgbClr val="7030A0"/>
+            </a:solidFill>
+            <a:prstDash val="sysDash"/>
+            <a:headEnd type="arrow" w="med" len="med"/>
+            <a:tailEnd type="none" w="med" len="med"/>
+          </a:ln>
+        </p:spPr>
+        <p:style>
+          <a:lnRef idx="1">
+            <a:schemeClr val="accent1"/>
+          </a:lnRef>
+          <a:fillRef idx="0">
+            <a:schemeClr val="accent1"/>
+          </a:fillRef>
+          <a:effectRef idx="0">
+            <a:schemeClr val="accent1"/>
+          </a:effectRef>
+          <a:fontRef idx="minor">
+            <a:schemeClr val="tx1"/>
+          </a:fontRef>
+        </p:style>
+      </p:cxnSp>
+      <p:cxnSp>
+        <p:nvCxnSpPr>
+          <p:cNvPr id="35" name="Straight Arrow Connector 34"/>
+          <p:cNvCxnSpPr/>
+          <p:nvPr/>
+        </p:nvCxnSpPr>
+        <p:spPr>
+          <a:xfrm>
+            <a:off x="1739069" y="2743200"/>
+            <a:ext cx="2058118" cy="0"/>
+          </a:xfrm>
+          <a:prstGeom prst="straightConnector1">
+            <a:avLst/>
+          </a:prstGeom>
+          <a:ln w="19050">
+            <a:solidFill>
+              <a:srgbClr val="0070C0"/>
+            </a:solidFill>
+            <a:prstDash val="sysDash"/>
+            <a:headEnd type="arrow" w="med" len="med"/>
+            <a:tailEnd type="none" w="med" len="med"/>
+          </a:ln>
+        </p:spPr>
+        <p:style>
+          <a:lnRef idx="1">
+            <a:schemeClr val="accent1"/>
+          </a:lnRef>
+          <a:fillRef idx="0">
+            <a:schemeClr val="accent1"/>
+          </a:fillRef>
+          <a:effectRef idx="0">
+            <a:schemeClr val="accent1"/>
+          </a:effectRef>
+          <a:fontRef idx="minor">
+            <a:schemeClr val="tx1"/>
+          </a:fontRef>
+        </p:style>
+      </p:cxnSp>
+      <p:cxnSp>
+        <p:nvCxnSpPr>
+          <p:cNvPr id="37" name="Straight Arrow Connector 36"/>
+          <p:cNvCxnSpPr>
+            <a:cxnSpLocks/>
+          </p:cNvCxnSpPr>
+          <p:nvPr/>
+        </p:nvCxnSpPr>
+        <p:spPr>
+          <a:xfrm>
+            <a:off x="314394" y="2819400"/>
+            <a:ext cx="1272275" cy="0"/>
+          </a:xfrm>
+          <a:prstGeom prst="straightConnector1">
+            <a:avLst/>
+          </a:prstGeom>
+          <a:ln w="19050">
+            <a:solidFill>
+              <a:srgbClr val="00B050"/>
+            </a:solidFill>
+            <a:prstDash val="sysDash"/>
+            <a:headEnd type="arrow" w="med" len="med"/>
+            <a:tailEnd type="none" w="med" len="med"/>
+          </a:ln>
+        </p:spPr>
+        <p:style>
+          <a:lnRef idx="1">
+            <a:schemeClr val="accent1"/>
+          </a:lnRef>
+          <a:fillRef idx="0">
+            <a:schemeClr val="accent1"/>
+          </a:fillRef>
+          <a:effectRef idx="0">
+            <a:schemeClr val="accent1"/>
+          </a:effectRef>
+          <a:fontRef idx="minor">
+            <a:schemeClr val="tx1"/>
+          </a:fontRef>
+        </p:style>
+      </p:cxnSp>
+      <p:cxnSp>
+        <p:nvCxnSpPr>
+          <p:cNvPr id="42" name="Straight Arrow Connector 41"/>
+          <p:cNvCxnSpPr>
+            <a:cxnSpLocks/>
+          </p:cNvCxnSpPr>
+          <p:nvPr/>
+        </p:nvCxnSpPr>
+        <p:spPr>
+          <a:xfrm>
+            <a:off x="5943992" y="2256434"/>
+            <a:ext cx="2055698" cy="0"/>
+          </a:xfrm>
+          <a:prstGeom prst="straightConnector1">
+            <a:avLst/>
+          </a:prstGeom>
+          <a:ln w="19050">
+            <a:solidFill>
+              <a:srgbClr val="7030A0"/>
+            </a:solidFill>
+            <a:tailEnd type="arrow"/>
+          </a:ln>
+        </p:spPr>
+        <p:style>
+          <a:lnRef idx="1">
+            <a:schemeClr val="accent1"/>
+          </a:lnRef>
+          <a:fillRef idx="0">
+            <a:schemeClr val="accent1"/>
+          </a:fillRef>
+          <a:effectRef idx="0">
+            <a:schemeClr val="accent1"/>
+          </a:effectRef>
+          <a:fontRef idx="minor">
+            <a:schemeClr val="tx1"/>
+          </a:fontRef>
+        </p:style>
+      </p:cxnSp>
+      <p:sp>
+        <p:nvSpPr>
+          <p:cNvPr id="53" name="Rectangle 62"/>
+          <p:cNvSpPr/>
+          <p:nvPr/>
+        </p:nvSpPr>
+        <p:spPr>
+          <a:xfrm>
+            <a:off x="7231090" y="607926"/>
+            <a:ext cx="1760510" cy="346760"/>
+          </a:xfrm>
+          <a:prstGeom prst="rect">
+            <a:avLst/>
+          </a:prstGeom>
+          <a:solidFill>
+            <a:schemeClr val="accent6">
+              <a:lumMod val="75000"/>
+            </a:schemeClr>
+          </a:solidFill>
+          <a:ln w="19050">
+            <a:solidFill>
+              <a:schemeClr val="accent6">
+                <a:lumMod val="75000"/>
+              </a:schemeClr>
+            </a:solidFill>
+          </a:ln>
+          <a:effectLst/>
+        </p:spPr>
+        <p:style>
+          <a:lnRef idx="1">
+            <a:schemeClr val="accent2"/>
+          </a:lnRef>
+          <a:fillRef idx="2">
+            <a:schemeClr val="accent2"/>
+          </a:fillRef>
+          <a:effectRef idx="1">
+            <a:schemeClr val="accent2"/>
+          </a:effectRef>
+          <a:fontRef idx="minor">
+            <a:schemeClr val="dk1"/>
+          </a:fontRef>
+        </p:style>
+        <p:txBody>
+          <a:bodyPr rtlCol="0" anchor="ctr"/>
+          <a:lstStyle/>
+          <a:p>
+            <a:pPr algn="ctr"/>
+            <a:r>
+              <a:rPr lang="en-US" sz="1600" dirty="0">
+                <a:solidFill>
+                  <a:schemeClr val="bg1"/>
+                </a:solidFill>
+              </a:rPr>
+              <a:t>:</a:t>
+            </a:r>
+            <a:r>
+              <a:rPr lang="en-US" sz="1600" dirty="0" err="1">
+                <a:solidFill>
+                  <a:schemeClr val="bg1"/>
+                </a:solidFill>
+              </a:rPr>
+              <a:t>StorageController</a:t>
+            </a:r>
+            <a:endParaRPr lang="en-US" sz="1600" dirty="0">
+              <a:solidFill>
+                <a:schemeClr val="bg1"/>
+              </a:solidFill>
+            </a:endParaRPr>
+          </a:p>
+        </p:txBody>
+      </p:sp>
+      <p:cxnSp>
+        <p:nvCxnSpPr>
+          <p:cNvPr id="54" name="Straight Connector 53"/>
+          <p:cNvCxnSpPr>
+            <a:cxnSpLocks/>
+          </p:cNvCxnSpPr>
+          <p:nvPr/>
+        </p:nvCxnSpPr>
+        <p:spPr>
+          <a:xfrm>
+            <a:off x="8071698" y="971597"/>
+            <a:ext cx="0" cy="2152603"/>
+          </a:xfrm>
+          <a:prstGeom prst="line">
+            <a:avLst/>
+          </a:prstGeom>
+          <a:ln w="19050">
+            <a:solidFill>
+              <a:schemeClr val="accent6">
+                <a:lumMod val="75000"/>
+              </a:schemeClr>
+            </a:solidFill>
+            <a:prstDash val="sysDash"/>
+          </a:ln>
+          <a:effectLst/>
+        </p:spPr>
+        <p:style>
+          <a:lnRef idx="1">
+            <a:schemeClr val="accent1"/>
+          </a:lnRef>
+          <a:fillRef idx="2">
+            <a:schemeClr val="accent1"/>
+          </a:fillRef>
+          <a:effectRef idx="1">
+            <a:schemeClr val="accent1"/>
+          </a:effectRef>
+          <a:fontRef idx="minor">
+            <a:schemeClr val="dk1"/>
+          </a:fontRef>
+        </p:style>
+      </p:cxnSp>
+      <p:sp>
+        <p:nvSpPr>
+          <p:cNvPr id="55" name="Rectangle 54"/>
+          <p:cNvSpPr/>
+          <p:nvPr/>
+        </p:nvSpPr>
+        <p:spPr>
+          <a:xfrm>
+            <a:off x="7999690" y="2256434"/>
+            <a:ext cx="124478" cy="287409"/>
+          </a:xfrm>
+          <a:prstGeom prst="rect">
+            <a:avLst/>
+          </a:prstGeom>
+          <a:solidFill>
+            <a:schemeClr val="accent6">
+              <a:lumMod val="75000"/>
+            </a:schemeClr>
+          </a:solidFill>
+          <a:ln>
+            <a:solidFill>
+              <a:schemeClr val="accent6">
+                <a:lumMod val="75000"/>
+              </a:schemeClr>
+            </a:solidFill>
+          </a:ln>
+          <a:effectLst/>
+        </p:spPr>
+        <p:style>
+          <a:lnRef idx="1">
+            <a:schemeClr val="accent3"/>
+          </a:lnRef>
+          <a:fillRef idx="2">
+            <a:schemeClr val="accent3"/>
+          </a:fillRef>
+          <a:effectRef idx="1">
+            <a:schemeClr val="accent3"/>
+          </a:effectRef>
+          <a:fontRef idx="minor">
+            <a:schemeClr val="dk1"/>
+          </a:fontRef>
+        </p:style>
+        <p:txBody>
+          <a:bodyPr rtlCol="0" anchor="ctr"/>
+          <a:lstStyle/>
+          <a:p>
+            <a:pPr algn="ctr"/>
+            <a:endParaRPr lang="en-SG" sz="1400">
+              <a:solidFill>
+                <a:schemeClr val="dk1"/>
+              </a:solidFill>
+            </a:endParaRPr>
+          </a:p>
+        </p:txBody>
+      </p:sp>
+      <p:cxnSp>
+        <p:nvCxnSpPr>
+          <p:cNvPr id="63" name="Straight Arrow Connector 62"/>
+          <p:cNvCxnSpPr>
+            <a:cxnSpLocks/>
+          </p:cNvCxnSpPr>
+          <p:nvPr/>
+        </p:nvCxnSpPr>
+        <p:spPr>
+          <a:xfrm flipH="1">
+            <a:off x="5943992" y="2543843"/>
+            <a:ext cx="2055699" cy="0"/>
+          </a:xfrm>
+          <a:prstGeom prst="straightConnector1">
+            <a:avLst/>
+          </a:prstGeom>
+          <a:ln w="19050">
+            <a:solidFill>
+              <a:schemeClr val="accent6">
+                <a:lumMod val="75000"/>
+              </a:schemeClr>
+            </a:solidFill>
+            <a:prstDash val="sysDash"/>
+            <a:headEnd type="none" w="med" len="med"/>
+            <a:tailEnd type="arrow" w="med" len="med"/>
+          </a:ln>
+        </p:spPr>
+        <p:style>
+          <a:lnRef idx="1">
+            <a:schemeClr val="accent1"/>
+          </a:lnRef>
+          <a:fillRef idx="0">
+            <a:schemeClr val="accent1"/>
+          </a:fillRef>
+          <a:effectRef idx="0">
+            <a:schemeClr val="accent1"/>
+          </a:effectRef>
+          <a:fontRef idx="minor">
+            <a:schemeClr val="tx1"/>
+          </a:fontRef>
+        </p:style>
+      </p:cxnSp>
+      <p:cxnSp>
+        <p:nvCxnSpPr>
+          <p:cNvPr id="85" name="Straight Connector 84"/>
+          <p:cNvCxnSpPr>
+            <a:cxnSpLocks/>
+          </p:cNvCxnSpPr>
+          <p:nvPr/>
+        </p:nvCxnSpPr>
+        <p:spPr>
+          <a:xfrm>
+            <a:off x="314418" y="1099672"/>
+            <a:ext cx="0" cy="2024528"/>
+          </a:xfrm>
+          <a:prstGeom prst="line">
+            <a:avLst/>
+          </a:prstGeom>
+          <a:ln w="19050">
+            <a:solidFill>
+              <a:schemeClr val="tx1"/>
+            </a:solidFill>
+            <a:prstDash val="sysDash"/>
+          </a:ln>
+          <a:effectLst/>
+        </p:spPr>
+        <p:style>
+          <a:lnRef idx="1">
+            <a:schemeClr val="accent1"/>
+          </a:lnRef>
+          <a:fillRef idx="2">
+            <a:schemeClr val="accent1"/>
+          </a:fillRef>
+          <a:effectRef idx="1">
+            <a:schemeClr val="accent1"/>
+          </a:effectRef>
+          <a:fontRef idx="minor">
+            <a:schemeClr val="dk1"/>
+          </a:fontRef>
+        </p:style>
+      </p:cxnSp>
+      <p:grpSp>
+        <p:nvGrpSpPr>
+          <p:cNvPr id="58" name="Group 57"/>
+          <p:cNvGrpSpPr/>
+          <p:nvPr/>
+        </p:nvGrpSpPr>
+        <p:grpSpPr>
+          <a:xfrm flipH="1">
+            <a:off x="8091545" y="2256434"/>
+            <a:ext cx="217349" cy="270072"/>
+            <a:chOff x="1028134" y="5612032"/>
+            <a:chExt cx="217349" cy="270072"/>
+          </a:xfrm>
+        </p:grpSpPr>
+        <p:sp>
+          <p:nvSpPr>
+            <p:cNvPr id="59" name="Freeform 58"/>
+            <p:cNvSpPr/>
+            <p:nvPr/>
+          </p:nvSpPr>
+          <p:spPr>
+            <a:xfrm rot="2600998" flipH="1" flipV="1">
+              <a:off x="1028134" y="5612032"/>
+              <a:ext cx="167452" cy="116880"/>
+            </a:xfrm>
+            <a:custGeom>
+              <a:avLst/>
+              <a:gdLst>
+                <a:gd name="connsiteX0" fmla="*/ 0 w 226400"/>
+                <a:gd name="connsiteY0" fmla="*/ 32920 h 171466"/>
+                <a:gd name="connsiteX1" fmla="*/ 157018 w 226400"/>
+                <a:gd name="connsiteY1" fmla="*/ 5211 h 171466"/>
+                <a:gd name="connsiteX2" fmla="*/ 221673 w 226400"/>
+                <a:gd name="connsiteY2" fmla="*/ 125284 h 171466"/>
+                <a:gd name="connsiteX3" fmla="*/ 36945 w 226400"/>
+                <a:gd name="connsiteY3" fmla="*/ 171466 h 171466"/>
+              </a:gdLst>
+              <a:ahLst/>
+              <a:cxnLst>
+                <a:cxn ang="0">
+                  <a:pos x="connsiteX0" y="connsiteY0"/>
+                </a:cxn>
+                <a:cxn ang="0">
+                  <a:pos x="connsiteX1" y="connsiteY1"/>
+                </a:cxn>
+                <a:cxn ang="0">
+                  <a:pos x="connsiteX2" y="connsiteY2"/>
+                </a:cxn>
+                <a:cxn ang="0">
+                  <a:pos x="connsiteX3" y="connsiteY3"/>
+                </a:cxn>
+              </a:cxnLst>
+              <a:rect l="l" t="t" r="r" b="b"/>
+              <a:pathLst>
+                <a:path w="226400" h="171466">
+                  <a:moveTo>
+                    <a:pt x="0" y="32920"/>
+                  </a:moveTo>
+                  <a:cubicBezTo>
+                    <a:pt x="60036" y="11368"/>
+                    <a:pt x="120073" y="-10183"/>
+                    <a:pt x="157018" y="5211"/>
+                  </a:cubicBezTo>
+                  <a:cubicBezTo>
+                    <a:pt x="193963" y="20605"/>
+                    <a:pt x="241685" y="97575"/>
+                    <a:pt x="221673" y="125284"/>
+                  </a:cubicBezTo>
+                  <a:cubicBezTo>
+                    <a:pt x="201661" y="152993"/>
+                    <a:pt x="119303" y="162229"/>
+                    <a:pt x="36945" y="171466"/>
+                  </a:cubicBezTo>
+                </a:path>
+              </a:pathLst>
+            </a:custGeom>
+            <a:ln w="19050">
               <a:solidFill>
                 <a:schemeClr val="accent6">
                   <a:lumMod val="75000"/>
                 </a:schemeClr>
               </a:solidFill>
+              <a:headEnd type="arrow" w="med" len="med"/>
+              <a:tailEnd type="none" w="med" len="med"/>
+            </a:ln>
+          </p:spPr>
+          <p:style>
+            <a:lnRef idx="1">
+              <a:schemeClr val="accent1"/>
+            </a:lnRef>
+            <a:fillRef idx="0">
+              <a:schemeClr val="accent1"/>
+            </a:fillRef>
+            <a:effectRef idx="0">
+              <a:schemeClr val="accent1"/>
+            </a:effectRef>
+            <a:fontRef idx="minor">
+              <a:schemeClr val="tx1"/>
+            </a:fontRef>
+          </p:style>
+          <p:txBody>
+            <a:bodyPr rtlCol="0" anchor="ctr"/>
+            <a:lstStyle/>
+            <a:p>
+              <a:pPr algn="ctr"/>
+              <a:endParaRPr lang="en-SG"/>
+            </a:p>
+          </p:txBody>
+        </p:sp>
+        <p:sp>
+          <p:nvSpPr>
+            <p:cNvPr id="60" name="Rectangle 59"/>
+            <p:cNvSpPr/>
+            <p:nvPr/>
+          </p:nvSpPr>
+          <p:spPr>
+            <a:xfrm>
+              <a:off x="1147403" y="5712513"/>
+              <a:ext cx="98080" cy="169591"/>
+            </a:xfrm>
+            <a:prstGeom prst="rect">
+              <a:avLst/>
+            </a:prstGeom>
+            <a:solidFill>
+              <a:schemeClr val="accent6">
+                <a:lumMod val="75000"/>
+              </a:schemeClr>
+            </a:solidFill>
+            <a:ln>
+              <a:solidFill>
+                <a:schemeClr val="bg1"/>
+              </a:solidFill>
+            </a:ln>
+            <a:effectLst/>
+          </p:spPr>
+          <p:style>
+            <a:lnRef idx="1">
+              <a:schemeClr val="accent3"/>
+            </a:lnRef>
+            <a:fillRef idx="2">
+              <a:schemeClr val="accent3"/>
+            </a:fillRef>
+            <a:effectRef idx="1">
+              <a:schemeClr val="accent3"/>
+            </a:effectRef>
+            <a:fontRef idx="minor">
+              <a:schemeClr val="dk1"/>
+            </a:fontRef>
+          </p:style>
+          <p:txBody>
+            <a:bodyPr rtlCol="0" anchor="ctr"/>
+            <a:lstStyle/>
+            <a:p>
+              <a:pPr algn="ctr"/>
+              <a:endParaRPr lang="en-SG" sz="1400">
+                <a:solidFill>
+                  <a:schemeClr val="dk1"/>
+                </a:solidFill>
+              </a:endParaRPr>
+            </a:p>
+          </p:txBody>
+        </p:sp>
+      </p:grpSp>
+      <p:sp>
+        <p:nvSpPr>
+          <p:cNvPr id="61" name="TextBox 60"/>
+          <p:cNvSpPr txBox="1"/>
+          <p:nvPr/>
+        </p:nvSpPr>
+        <p:spPr>
+          <a:xfrm>
+            <a:off x="8378656" y="2101764"/>
+            <a:ext cx="539047" cy="430887"/>
+          </a:xfrm>
+          <a:prstGeom prst="rect">
+            <a:avLst/>
+          </a:prstGeom>
+          <a:noFill/>
+        </p:spPr>
+        <p:txBody>
+          <a:bodyPr wrap="square" lIns="0" tIns="0" rIns="0" bIns="0" rtlCol="0">
+            <a:spAutoFit/>
+          </a:bodyPr>
+          <a:lstStyle/>
+          <a:p>
+            <a:r>
+              <a:rPr lang="en-US" sz="1400" dirty="0">
+                <a:solidFill>
+                  <a:schemeClr val="accent6">
+                    <a:lumMod val="75000"/>
+                  </a:schemeClr>
+                </a:solidFill>
+              </a:rPr>
+              <a:t>Save </a:t>
+            </a:r>
+            <a:br>
+              <a:rPr lang="en-US" sz="1400" dirty="0">
+                <a:solidFill>
+                  <a:schemeClr val="accent6">
+                    <a:lumMod val="75000"/>
+                  </a:schemeClr>
+                </a:solidFill>
+              </a:rPr>
+            </a:br>
+            <a:r>
+              <a:rPr lang="en-US" sz="1400" dirty="0">
+                <a:solidFill>
+                  <a:schemeClr val="accent6">
+                    <a:lumMod val="75000"/>
+                  </a:schemeClr>
+                </a:solidFill>
+              </a:rPr>
+              <a:t>to file</a:t>
+            </a:r>
+          </a:p>
+        </p:txBody>
+      </p:sp>
+      <p:cxnSp>
+        <p:nvCxnSpPr>
+          <p:cNvPr id="73" name="Straight Arrow Connector 72">
+            <a:extLst>
+              <a:ext uri="{FF2B5EF4-FFF2-40B4-BE49-F238E27FC236}">
+                <a16:creationId xmlns:a16="http://schemas.microsoft.com/office/drawing/2014/main" id="{C18C60B6-F36B-4AF2-B17B-80D840ACA05C}"/>
+              </a:ext>
+            </a:extLst>
+          </p:cNvPr>
+          <p:cNvCxnSpPr/>
+          <p:nvPr/>
+        </p:nvCxnSpPr>
+        <p:spPr>
+          <a:xfrm>
+            <a:off x="3954408" y="2162690"/>
+            <a:ext cx="1837184" cy="0"/>
+          </a:xfrm>
+          <a:prstGeom prst="straightConnector1">
+            <a:avLst/>
+          </a:prstGeom>
+          <a:ln w="19050">
+            <a:solidFill>
+              <a:srgbClr val="0070C0"/>
+            </a:solidFill>
+            <a:tailEnd type="arrow"/>
+          </a:ln>
+        </p:spPr>
+        <p:style>
+          <a:lnRef idx="1">
+            <a:schemeClr val="accent1"/>
+          </a:lnRef>
+          <a:fillRef idx="0">
+            <a:schemeClr val="accent1"/>
+          </a:fillRef>
+          <a:effectRef idx="0">
+            <a:schemeClr val="accent1"/>
+          </a:effectRef>
+          <a:fontRef idx="minor">
+            <a:schemeClr val="tx1"/>
+          </a:fontRef>
+        </p:style>
+      </p:cxnSp>
+      <p:sp>
+        <p:nvSpPr>
+          <p:cNvPr id="75" name="Rectangle 74">
+            <a:extLst>
+              <a:ext uri="{FF2B5EF4-FFF2-40B4-BE49-F238E27FC236}">
+                <a16:creationId xmlns:a16="http://schemas.microsoft.com/office/drawing/2014/main" id="{FB50CDC9-EF61-4958-BB20-90ACFE7D9A8C}"/>
+              </a:ext>
+            </a:extLst>
+          </p:cNvPr>
+          <p:cNvSpPr/>
+          <p:nvPr/>
+        </p:nvSpPr>
+        <p:spPr>
+          <a:xfrm>
+            <a:off x="5791592" y="2159943"/>
+            <a:ext cx="142006" cy="507057"/>
+          </a:xfrm>
+          <a:prstGeom prst="rect">
+            <a:avLst/>
+          </a:prstGeom>
+          <a:solidFill>
+            <a:srgbClr val="7030A0"/>
+          </a:solidFill>
+          <a:ln>
+            <a:solidFill>
+              <a:srgbClr val="7030A0"/>
+            </a:solidFill>
+          </a:ln>
+          <a:effectLst/>
+        </p:spPr>
+        <p:style>
+          <a:lnRef idx="1">
+            <a:schemeClr val="accent3"/>
+          </a:lnRef>
+          <a:fillRef idx="2">
+            <a:schemeClr val="accent3"/>
+          </a:fillRef>
+          <a:effectRef idx="1">
+            <a:schemeClr val="accent3"/>
+          </a:effectRef>
+          <a:fontRef idx="minor">
+            <a:schemeClr val="dk1"/>
+          </a:fontRef>
+        </p:style>
+        <p:txBody>
+          <a:bodyPr rtlCol="0" anchor="ctr"/>
+          <a:lstStyle/>
+          <a:p>
+            <a:pPr algn="ctr"/>
+            <a:endParaRPr lang="en-SG" sz="1400">
+              <a:solidFill>
+                <a:schemeClr val="dk1"/>
+              </a:solidFill>
             </a:endParaRPr>
           </a:p>
         </p:txBody>
       </p:sp>
+      <p:sp>
+        <p:nvSpPr>
+          <p:cNvPr id="77" name="TextBox 76">
+            <a:extLst>
+              <a:ext uri="{FF2B5EF4-FFF2-40B4-BE49-F238E27FC236}">
+                <a16:creationId xmlns:a16="http://schemas.microsoft.com/office/drawing/2014/main" id="{6E662717-293B-484A-8FCE-597ACBC289AB}"/>
+              </a:ext>
+            </a:extLst>
+          </p:cNvPr>
+          <p:cNvSpPr txBox="1"/>
+          <p:nvPr/>
+        </p:nvSpPr>
+        <p:spPr>
+          <a:xfrm>
+            <a:off x="4310029" y="1933038"/>
+            <a:ext cx="1424846" cy="215444"/>
+          </a:xfrm>
+          <a:prstGeom prst="rect">
+            <a:avLst/>
+          </a:prstGeom>
+          <a:noFill/>
+        </p:spPr>
+        <p:txBody>
+          <a:bodyPr wrap="square" lIns="0" tIns="0" rIns="0" bIns="0" rtlCol="0">
+            <a:spAutoFit/>
+          </a:bodyPr>
+          <a:lstStyle/>
+          <a:p>
+            <a:r>
+              <a:rPr lang="en-US" sz="1400" dirty="0" err="1">
+                <a:solidFill>
+                  <a:srgbClr val="7030A0"/>
+                </a:solidFill>
+              </a:rPr>
+              <a:t>saveModuleList</a:t>
+            </a:r>
+            <a:r>
+              <a:rPr lang="en-US" sz="1400" dirty="0">
+                <a:solidFill>
+                  <a:srgbClr val="7030A0"/>
+                </a:solidFill>
+              </a:rPr>
+              <a:t>()</a:t>
+            </a:r>
+          </a:p>
+        </p:txBody>
+      </p:sp>
+      <p:sp>
+        <p:nvSpPr>
+          <p:cNvPr id="78" name="TextBox 77">
+            <a:extLst>
+              <a:ext uri="{FF2B5EF4-FFF2-40B4-BE49-F238E27FC236}">
+                <a16:creationId xmlns:a16="http://schemas.microsoft.com/office/drawing/2014/main" id="{F136D99F-842E-4980-B9EE-B1181CB12ADE}"/>
+              </a:ext>
+            </a:extLst>
+          </p:cNvPr>
+          <p:cNvSpPr txBox="1"/>
+          <p:nvPr/>
+        </p:nvSpPr>
+        <p:spPr>
+          <a:xfrm>
+            <a:off x="6536998" y="2040760"/>
+            <a:ext cx="869686" cy="215444"/>
+          </a:xfrm>
+          <a:prstGeom prst="rect">
+            <a:avLst/>
+          </a:prstGeom>
+          <a:noFill/>
+        </p:spPr>
+        <p:txBody>
+          <a:bodyPr wrap="square" lIns="0" tIns="0" rIns="0" bIns="0" rtlCol="0">
+            <a:spAutoFit/>
+          </a:bodyPr>
+          <a:lstStyle/>
+          <a:p>
+            <a:r>
+              <a:rPr lang="en-US" sz="1400" dirty="0" err="1">
+                <a:solidFill>
+                  <a:schemeClr val="accent6">
+                    <a:lumMod val="75000"/>
+                  </a:schemeClr>
+                </a:solidFill>
+              </a:rPr>
+              <a:t>storeData</a:t>
+            </a:r>
+            <a:r>
+              <a:rPr lang="en-US" sz="1400" dirty="0">
+                <a:solidFill>
+                  <a:schemeClr val="accent6">
+                    <a:lumMod val="75000"/>
+                  </a:schemeClr>
+                </a:solidFill>
+              </a:rPr>
+              <a:t>()</a:t>
+            </a:r>
+          </a:p>
+        </p:txBody>
+      </p:sp>
+      <p:cxnSp>
+        <p:nvCxnSpPr>
+          <p:cNvPr id="79" name="Straight Arrow Connector 78">
+            <a:extLst>
+              <a:ext uri="{FF2B5EF4-FFF2-40B4-BE49-F238E27FC236}">
+                <a16:creationId xmlns:a16="http://schemas.microsoft.com/office/drawing/2014/main" id="{3A24ED3C-019E-4FEB-9B43-D454859EB8F0}"/>
+              </a:ext>
+            </a:extLst>
+          </p:cNvPr>
+          <p:cNvCxnSpPr/>
+          <p:nvPr/>
+        </p:nvCxnSpPr>
+        <p:spPr>
+          <a:xfrm>
+            <a:off x="3954408" y="2667000"/>
+            <a:ext cx="1837184" cy="0"/>
+          </a:xfrm>
+          <a:prstGeom prst="straightConnector1">
+            <a:avLst/>
+          </a:prstGeom>
+          <a:ln w="19050">
+            <a:solidFill>
+              <a:srgbClr val="7030A0"/>
+            </a:solidFill>
+            <a:prstDash val="sysDash"/>
+            <a:headEnd type="arrow" w="med" len="med"/>
+            <a:tailEnd type="none" w="med" len="med"/>
+          </a:ln>
+        </p:spPr>
+        <p:style>
+          <a:lnRef idx="1">
+            <a:schemeClr val="accent1"/>
+          </a:lnRef>
+          <a:fillRef idx="0">
+            <a:schemeClr val="accent1"/>
+          </a:fillRef>
+          <a:effectRef idx="0">
+            <a:schemeClr val="accent1"/>
+          </a:effectRef>
+          <a:fontRef idx="minor">
+            <a:schemeClr val="tx1"/>
+          </a:fontRef>
+        </p:style>
+      </p:cxnSp>
     </p:spTree>
     <p:extLst>
       <p:ext uri="{BB962C8B-B14F-4D97-AF65-F5344CB8AC3E}">
-        <p14:creationId xmlns:p14="http://schemas.microsoft.com/office/powerpoint/2010/main" val="4023378879"/>
+        <p14:creationId xmlns:p14="http://schemas.microsoft.com/office/powerpoint/2010/main" val="1846252041"/>
       </p:ext>
     </p:extLst>
   </p:cSld>
